--- a/BankMarketing.pptx
+++ b/BankMarketing.pptx
@@ -7,16 +7,32 @@
   <p:sldIdLst>
     <p:sldId id="256" r:id="rId2"/>
     <p:sldId id="267" r:id="rId3"/>
-    <p:sldId id="261" r:id="rId4"/>
-    <p:sldId id="268" r:id="rId5"/>
-    <p:sldId id="258" r:id="rId6"/>
-    <p:sldId id="260" r:id="rId7"/>
-    <p:sldId id="269" r:id="rId8"/>
-    <p:sldId id="259" r:id="rId9"/>
-    <p:sldId id="262" r:id="rId10"/>
-    <p:sldId id="265" r:id="rId11"/>
-    <p:sldId id="264" r:id="rId12"/>
-    <p:sldId id="263" r:id="rId13"/>
+    <p:sldId id="270" r:id="rId4"/>
+    <p:sldId id="261" r:id="rId5"/>
+    <p:sldId id="268" r:id="rId6"/>
+    <p:sldId id="258" r:id="rId7"/>
+    <p:sldId id="260" r:id="rId8"/>
+    <p:sldId id="269" r:id="rId9"/>
+    <p:sldId id="271" r:id="rId10"/>
+    <p:sldId id="284" r:id="rId11"/>
+    <p:sldId id="283" r:id="rId12"/>
+    <p:sldId id="285" r:id="rId13"/>
+    <p:sldId id="273" r:id="rId14"/>
+    <p:sldId id="259" r:id="rId15"/>
+    <p:sldId id="262" r:id="rId16"/>
+    <p:sldId id="265" r:id="rId17"/>
+    <p:sldId id="264" r:id="rId18"/>
+    <p:sldId id="263" r:id="rId19"/>
+    <p:sldId id="272" r:id="rId20"/>
+    <p:sldId id="274" r:id="rId21"/>
+    <p:sldId id="275" r:id="rId22"/>
+    <p:sldId id="276" r:id="rId23"/>
+    <p:sldId id="277" r:id="rId24"/>
+    <p:sldId id="278" r:id="rId25"/>
+    <p:sldId id="279" r:id="rId26"/>
+    <p:sldId id="280" r:id="rId27"/>
+    <p:sldId id="281" r:id="rId28"/>
+    <p:sldId id="282" r:id="rId29"/>
   </p:sldIdLst>
   <p:sldSz cx="12192000" cy="6858000"/>
   <p:notesSz cx="6858000" cy="9144000"/>
@@ -3439,6 +3455,617 @@
 <file path=ppt/slides/slide10.xml><?xml version="1.0" encoding="utf-8"?>
 <p:sld xmlns:a="http://schemas.openxmlformats.org/drawingml/2006/main" xmlns:r="http://schemas.openxmlformats.org/officeDocument/2006/relationships" xmlns:p="http://schemas.openxmlformats.org/presentationml/2006/main">
   <p:cSld>
+    <p:spTree>
+      <p:nvGrpSpPr>
+        <p:cNvPr id="1" name=""/>
+        <p:cNvGrpSpPr/>
+        <p:nvPr/>
+      </p:nvGrpSpPr>
+      <p:grpSpPr>
+        <a:xfrm>
+          <a:off x="0" y="0"/>
+          <a:ext cx="0" cy="0"/>
+          <a:chOff x="0" y="0"/>
+          <a:chExt cx="0" cy="0"/>
+        </a:xfrm>
+      </p:grpSpPr>
+      <p:sp>
+        <p:nvSpPr>
+          <p:cNvPr id="2" name="Title 1">
+            <a:extLst>
+              <a:ext uri="{FF2B5EF4-FFF2-40B4-BE49-F238E27FC236}">
+                <a16:creationId xmlns:a16="http://schemas.microsoft.com/office/drawing/2014/main" id="{B14D7E61-E472-9F21-1DA9-153E30F096E4}"/>
+              </a:ext>
+            </a:extLst>
+          </p:cNvPr>
+          <p:cNvSpPr>
+            <a:spLocks noGrp="1"/>
+          </p:cNvSpPr>
+          <p:nvPr>
+            <p:ph type="title"/>
+          </p:nvPr>
+        </p:nvSpPr>
+        <p:spPr/>
+        <p:txBody>
+          <a:bodyPr/>
+          <a:lstStyle/>
+          <a:p>
+            <a:r>
+              <a:rPr lang="en-US" dirty="0"/>
+              <a:t>Cost of no-ml strategy</a:t>
+            </a:r>
+          </a:p>
+        </p:txBody>
+      </p:sp>
+      <p:sp>
+        <p:nvSpPr>
+          <p:cNvPr id="3" name="Content Placeholder 2">
+            <a:extLst>
+              <a:ext uri="{FF2B5EF4-FFF2-40B4-BE49-F238E27FC236}">
+                <a16:creationId xmlns:a16="http://schemas.microsoft.com/office/drawing/2014/main" id="{A4AA96FF-A42F-9FB1-7ECF-CBA43F2C9C9B}"/>
+              </a:ext>
+            </a:extLst>
+          </p:cNvPr>
+          <p:cNvSpPr>
+            <a:spLocks noGrp="1"/>
+          </p:cNvSpPr>
+          <p:nvPr>
+            <p:ph idx="1"/>
+          </p:nvPr>
+        </p:nvSpPr>
+        <p:spPr/>
+        <p:txBody>
+          <a:bodyPr>
+            <a:normAutofit fontScale="92500" lnSpcReduction="20000"/>
+          </a:bodyPr>
+          <a:lstStyle/>
+          <a:p>
+            <a:r>
+              <a:rPr lang="en-US" dirty="0"/>
+              <a:t>Assuming a uniform distribution of yeses and noes, to reach 62% of the possible yeses, the bank would call .63362*41188=26098 customers.</a:t>
+            </a:r>
+          </a:p>
+          <a:p>
+            <a:pPr lvl="1"/>
+            <a:r>
+              <a:rPr lang="en-US" dirty="0"/>
+              <a:t>11.265% (2940) will say yes, with a length of call per yes being 553.1912 seconds, for a total of 452 hours. </a:t>
+            </a:r>
+          </a:p>
+          <a:p>
+            <a:pPr lvl="1"/>
+            <a:r>
+              <a:rPr lang="en-US" dirty="0"/>
+              <a:t>88.735% (23158) will say no, with a length of call per yes being 220.8448 seconds, for a total of 1420 hours</a:t>
+            </a:r>
+          </a:p>
+          <a:p>
+            <a:pPr lvl="1"/>
+            <a:r>
+              <a:rPr lang="en-US" dirty="0"/>
+              <a:t>Lower bound cost of acquiring 62% yeses: $10/</a:t>
+            </a:r>
+            <a:r>
+              <a:rPr lang="en-US" dirty="0" err="1"/>
+              <a:t>hr</a:t>
+            </a:r>
+            <a:r>
+              <a:rPr lang="en-US" dirty="0"/>
+              <a:t>*(1870)</a:t>
+            </a:r>
+            <a:r>
+              <a:rPr lang="en-US" dirty="0" err="1"/>
+              <a:t>hrs</a:t>
+            </a:r>
+            <a:r>
+              <a:rPr lang="en-US" dirty="0"/>
+              <a:t>= $18,700+Cost(long-term customer value and reputation costs loses)+Opportunity cost of spending many employee hours on the campaign</a:t>
+            </a:r>
+          </a:p>
+          <a:p>
+            <a:pPr lvl="1"/>
+            <a:r>
+              <a:rPr lang="en-US" dirty="0"/>
+              <a:t>Upper bound cost of acquiring 62% yeses: $20/</a:t>
+            </a:r>
+            <a:r>
+              <a:rPr lang="en-US" dirty="0" err="1"/>
+              <a:t>hr</a:t>
+            </a:r>
+            <a:r>
+              <a:rPr lang="en-US" dirty="0"/>
+              <a:t>*(5850)</a:t>
+            </a:r>
+            <a:r>
+              <a:rPr lang="en-US" dirty="0" err="1"/>
+              <a:t>hrs</a:t>
+            </a:r>
+            <a:r>
+              <a:rPr lang="en-US" dirty="0"/>
+              <a:t>= $37,400 +Cost(long-term customer value and reputation costs loses) )+Opportunity cost of spending many employee hours on the campaign</a:t>
+            </a:r>
+          </a:p>
+          <a:p>
+            <a:pPr lvl="1"/>
+            <a:endParaRPr lang="en-US" dirty="0"/>
+          </a:p>
+          <a:p>
+            <a:pPr lvl="1"/>
+            <a:endParaRPr lang="en-US" dirty="0"/>
+          </a:p>
+          <a:p>
+            <a:pPr lvl="1"/>
+            <a:endParaRPr lang="en-US" dirty="0"/>
+          </a:p>
+        </p:txBody>
+      </p:sp>
+    </p:spTree>
+    <p:extLst>
+      <p:ext uri="{BB962C8B-B14F-4D97-AF65-F5344CB8AC3E}">
+        <p14:creationId xmlns:p14="http://schemas.microsoft.com/office/powerpoint/2010/main" val="1729307658"/>
+      </p:ext>
+    </p:extLst>
+  </p:cSld>
+  <p:clrMapOvr>
+    <a:masterClrMapping/>
+  </p:clrMapOvr>
+</p:sld>
+</file>
+
+<file path=ppt/slides/slide11.xml><?xml version="1.0" encoding="utf-8"?>
+<p:sld xmlns:a="http://schemas.openxmlformats.org/drawingml/2006/main" xmlns:r="http://schemas.openxmlformats.org/officeDocument/2006/relationships" xmlns:p="http://schemas.openxmlformats.org/presentationml/2006/main">
+  <p:cSld>
+    <p:spTree>
+      <p:nvGrpSpPr>
+        <p:cNvPr id="1" name=""/>
+        <p:cNvGrpSpPr/>
+        <p:nvPr/>
+      </p:nvGrpSpPr>
+      <p:grpSpPr>
+        <a:xfrm>
+          <a:off x="0" y="0"/>
+          <a:ext cx="0" cy="0"/>
+          <a:chOff x="0" y="0"/>
+          <a:chExt cx="0" cy="0"/>
+        </a:xfrm>
+      </p:grpSpPr>
+      <p:sp>
+        <p:nvSpPr>
+          <p:cNvPr id="2" name="Title 1">
+            <a:extLst>
+              <a:ext uri="{FF2B5EF4-FFF2-40B4-BE49-F238E27FC236}">
+                <a16:creationId xmlns:a16="http://schemas.microsoft.com/office/drawing/2014/main" id="{1A674F87-5BD0-33F3-6898-D29B8C92871B}"/>
+              </a:ext>
+            </a:extLst>
+          </p:cNvPr>
+          <p:cNvSpPr>
+            <a:spLocks noGrp="1"/>
+          </p:cNvSpPr>
+          <p:nvPr>
+            <p:ph type="title"/>
+          </p:nvPr>
+        </p:nvSpPr>
+        <p:spPr/>
+        <p:txBody>
+          <a:bodyPr/>
+          <a:lstStyle/>
+          <a:p>
+            <a:r>
+              <a:rPr lang="en-US" dirty="0"/>
+              <a:t>Cost of ml strategy</a:t>
+            </a:r>
+          </a:p>
+        </p:txBody>
+      </p:sp>
+      <p:sp>
+        <p:nvSpPr>
+          <p:cNvPr id="3" name="Content Placeholder 2">
+            <a:extLst>
+              <a:ext uri="{FF2B5EF4-FFF2-40B4-BE49-F238E27FC236}">
+                <a16:creationId xmlns:a16="http://schemas.microsoft.com/office/drawing/2014/main" id="{E6E33C5E-AB5F-DE4B-1270-B39C2690F045}"/>
+              </a:ext>
+            </a:extLst>
+          </p:cNvPr>
+          <p:cNvSpPr>
+            <a:spLocks noGrp="1"/>
+          </p:cNvSpPr>
+          <p:nvPr>
+            <p:ph idx="1"/>
+          </p:nvPr>
+        </p:nvSpPr>
+        <p:spPr/>
+        <p:txBody>
+          <a:bodyPr>
+            <a:normAutofit fontScale="92500" lnSpcReduction="10000"/>
+          </a:bodyPr>
+          <a:lstStyle/>
+          <a:p>
+            <a:r>
+              <a:rPr lang="en-US" dirty="0"/>
+              <a:t>Identified a group of 7510 customers, about 2940 of whom will say yes</a:t>
+            </a:r>
+          </a:p>
+          <a:p>
+            <a:pPr lvl="1"/>
+            <a:r>
+              <a:rPr lang="en-US" dirty="0"/>
+              <a:t>Cost of 452 hours for the yeses and 280 hours for the noes</a:t>
+            </a:r>
+          </a:p>
+          <a:p>
+            <a:pPr lvl="1"/>
+            <a:r>
+              <a:rPr lang="en-US" dirty="0"/>
+              <a:t>Lower bound cost of acquiring 62% yeses: $10/</a:t>
+            </a:r>
+            <a:r>
+              <a:rPr lang="en-US" dirty="0" err="1"/>
+              <a:t>hr</a:t>
+            </a:r>
+            <a:r>
+              <a:rPr lang="en-US" dirty="0"/>
+              <a:t>*(732)</a:t>
+            </a:r>
+            <a:r>
+              <a:rPr lang="en-US" dirty="0" err="1"/>
+              <a:t>hrs</a:t>
+            </a:r>
+            <a:r>
+              <a:rPr lang="en-US" dirty="0"/>
+              <a:t>= $7320+Cost(long-term customer value and reputation costs loses) </a:t>
+            </a:r>
+          </a:p>
+          <a:p>
+            <a:pPr lvl="2"/>
+            <a:r>
+              <a:rPr lang="en-US" dirty="0"/>
+              <a:t>Smaller than $18,700 and the reputation cost to the company, long-term customer value losses, reputation costs, and opportunity costs are much smaller</a:t>
+            </a:r>
+          </a:p>
+          <a:p>
+            <a:pPr lvl="1"/>
+            <a:r>
+              <a:rPr lang="en-US" dirty="0"/>
+              <a:t>Upper bound cost of acquiring 62% yeses: $20/</a:t>
+            </a:r>
+            <a:r>
+              <a:rPr lang="en-US" dirty="0" err="1"/>
+              <a:t>hr</a:t>
+            </a:r>
+            <a:r>
+              <a:rPr lang="en-US" dirty="0"/>
+              <a:t>*(5850)</a:t>
+            </a:r>
+            <a:r>
+              <a:rPr lang="en-US" dirty="0" err="1"/>
+              <a:t>hrs</a:t>
+            </a:r>
+            <a:r>
+              <a:rPr lang="en-US" dirty="0"/>
+              <a:t>= $14640 +Cost(long-term customer value and reputation costs loses)+Opportunity cost of spending many employee hours on the campaign</a:t>
+            </a:r>
+          </a:p>
+          <a:p>
+            <a:pPr lvl="2"/>
+            <a:r>
+              <a:rPr lang="en-US" dirty="0"/>
+              <a:t>Smaller than $37,400 and the reputation cost to the company, long-term customer value losses, reputation costs, and opportunity costs are much smaller</a:t>
+            </a:r>
+          </a:p>
+          <a:p>
+            <a:endParaRPr lang="en-US" dirty="0"/>
+          </a:p>
+        </p:txBody>
+      </p:sp>
+    </p:spTree>
+    <p:extLst>
+      <p:ext uri="{BB962C8B-B14F-4D97-AF65-F5344CB8AC3E}">
+        <p14:creationId xmlns:p14="http://schemas.microsoft.com/office/powerpoint/2010/main" val="609018786"/>
+      </p:ext>
+    </p:extLst>
+  </p:cSld>
+  <p:clrMapOvr>
+    <a:masterClrMapping/>
+  </p:clrMapOvr>
+</p:sld>
+</file>
+
+<file path=ppt/slides/slide12.xml><?xml version="1.0" encoding="utf-8"?>
+<p:sld xmlns:a="http://schemas.openxmlformats.org/drawingml/2006/main" xmlns:r="http://schemas.openxmlformats.org/officeDocument/2006/relationships" xmlns:p="http://schemas.openxmlformats.org/presentationml/2006/main">
+  <p:cSld>
+    <p:spTree>
+      <p:nvGrpSpPr>
+        <p:cNvPr id="1" name=""/>
+        <p:cNvGrpSpPr/>
+        <p:nvPr/>
+      </p:nvGrpSpPr>
+      <p:grpSpPr>
+        <a:xfrm>
+          <a:off x="0" y="0"/>
+          <a:ext cx="0" cy="0"/>
+          <a:chOff x="0" y="0"/>
+          <a:chExt cx="0" cy="0"/>
+        </a:xfrm>
+      </p:grpSpPr>
+      <p:sp>
+        <p:nvSpPr>
+          <p:cNvPr id="2" name="Title 1">
+            <a:extLst>
+              <a:ext uri="{FF2B5EF4-FFF2-40B4-BE49-F238E27FC236}">
+                <a16:creationId xmlns:a16="http://schemas.microsoft.com/office/drawing/2014/main" id="{BE61E21D-1891-95C3-450E-297D52D6DEB7}"/>
+              </a:ext>
+            </a:extLst>
+          </p:cNvPr>
+          <p:cNvSpPr>
+            <a:spLocks noGrp="1"/>
+          </p:cNvSpPr>
+          <p:nvPr>
+            <p:ph type="title"/>
+          </p:nvPr>
+        </p:nvSpPr>
+        <p:spPr/>
+        <p:txBody>
+          <a:bodyPr/>
+          <a:lstStyle/>
+          <a:p>
+            <a:r>
+              <a:rPr lang="en-US" dirty="0"/>
+              <a:t>Business recommendation</a:t>
+            </a:r>
+          </a:p>
+        </p:txBody>
+      </p:sp>
+      <p:sp>
+        <p:nvSpPr>
+          <p:cNvPr id="3" name="Content Placeholder 2">
+            <a:extLst>
+              <a:ext uri="{FF2B5EF4-FFF2-40B4-BE49-F238E27FC236}">
+                <a16:creationId xmlns:a16="http://schemas.microsoft.com/office/drawing/2014/main" id="{DB108EFE-6A90-5369-F69B-798C08BA08D8}"/>
+              </a:ext>
+            </a:extLst>
+          </p:cNvPr>
+          <p:cNvSpPr>
+            <a:spLocks noGrp="1"/>
+          </p:cNvSpPr>
+          <p:nvPr>
+            <p:ph idx="1"/>
+          </p:nvPr>
+        </p:nvSpPr>
+        <p:spPr/>
+        <p:txBody>
+          <a:bodyPr>
+            <a:normAutofit lnSpcReduction="10000"/>
+          </a:bodyPr>
+          <a:lstStyle/>
+          <a:p>
+            <a:r>
+              <a:rPr lang="en-US" dirty="0"/>
+              <a:t>Adopt the ML strategy if long-term customer value and intangible costs are a significant concern and campaign resources are limited.  </a:t>
+            </a:r>
+          </a:p>
+          <a:p>
+            <a:pPr lvl="1"/>
+            <a:r>
+              <a:rPr lang="en-US" dirty="0"/>
+              <a:t>After these customers are contacted, design a different product that would have a higher success rate with the remainder of </a:t>
+            </a:r>
+            <a:r>
+              <a:rPr lang="en-US"/>
+              <a:t>potential contacts</a:t>
+            </a:r>
+            <a:endParaRPr lang="en-US" dirty="0"/>
+          </a:p>
+          <a:p>
+            <a:r>
+              <a:rPr lang="en-US" dirty="0"/>
+              <a:t>Adopt a mixed strategy of first calling the customers identified by the ML model, followed by the ones not identified if intangible costs and campaign resources are moderate</a:t>
+            </a:r>
+          </a:p>
+          <a:p>
+            <a:r>
+              <a:rPr lang="en-US" dirty="0"/>
+              <a:t>Adopt a strategy of contacting all customers if have large campaign resources, are less concerned with intangible costs, and the cost of missing some of the yeses is particularly high</a:t>
+            </a:r>
+          </a:p>
+          <a:p>
+            <a:endParaRPr lang="en-US" dirty="0"/>
+          </a:p>
+        </p:txBody>
+      </p:sp>
+    </p:spTree>
+    <p:extLst>
+      <p:ext uri="{BB962C8B-B14F-4D97-AF65-F5344CB8AC3E}">
+        <p14:creationId xmlns:p14="http://schemas.microsoft.com/office/powerpoint/2010/main" val="939866665"/>
+      </p:ext>
+    </p:extLst>
+  </p:cSld>
+  <p:clrMapOvr>
+    <a:masterClrMapping/>
+  </p:clrMapOvr>
+</p:sld>
+</file>
+
+<file path=ppt/slides/slide13.xml><?xml version="1.0" encoding="utf-8"?>
+<p:sld xmlns:a="http://schemas.openxmlformats.org/drawingml/2006/main" xmlns:r="http://schemas.openxmlformats.org/officeDocument/2006/relationships" xmlns:p="http://schemas.openxmlformats.org/presentationml/2006/main">
+  <p:cSld>
+    <p:spTree>
+      <p:nvGrpSpPr>
+        <p:cNvPr id="1" name=""/>
+        <p:cNvGrpSpPr/>
+        <p:nvPr/>
+      </p:nvGrpSpPr>
+      <p:grpSpPr>
+        <a:xfrm>
+          <a:off x="0" y="0"/>
+          <a:ext cx="0" cy="0"/>
+          <a:chOff x="0" y="0"/>
+          <a:chExt cx="0" cy="0"/>
+        </a:xfrm>
+      </p:grpSpPr>
+      <p:sp>
+        <p:nvSpPr>
+          <p:cNvPr id="2" name="Title 1">
+            <a:extLst>
+              <a:ext uri="{FF2B5EF4-FFF2-40B4-BE49-F238E27FC236}">
+                <a16:creationId xmlns:a16="http://schemas.microsoft.com/office/drawing/2014/main" id="{5B06D7E8-B4E9-E46B-BCE2-4638BAEFA62C}"/>
+              </a:ext>
+            </a:extLst>
+          </p:cNvPr>
+          <p:cNvSpPr>
+            <a:spLocks noGrp="1"/>
+          </p:cNvSpPr>
+          <p:nvPr>
+            <p:ph type="title"/>
+          </p:nvPr>
+        </p:nvSpPr>
+        <p:spPr/>
+        <p:txBody>
+          <a:bodyPr/>
+          <a:lstStyle/>
+          <a:p>
+            <a:r>
+              <a:rPr lang="en-US" dirty="0"/>
+              <a:t>Future work</a:t>
+            </a:r>
+          </a:p>
+        </p:txBody>
+      </p:sp>
+      <p:sp>
+        <p:nvSpPr>
+          <p:cNvPr id="3" name="Content Placeholder 2">
+            <a:extLst>
+              <a:ext uri="{FF2B5EF4-FFF2-40B4-BE49-F238E27FC236}">
+                <a16:creationId xmlns:a16="http://schemas.microsoft.com/office/drawing/2014/main" id="{C1722422-861D-9D74-CA78-5189426724BE}"/>
+              </a:ext>
+            </a:extLst>
+          </p:cNvPr>
+          <p:cNvSpPr>
+            <a:spLocks noGrp="1"/>
+          </p:cNvSpPr>
+          <p:nvPr>
+            <p:ph idx="1"/>
+          </p:nvPr>
+        </p:nvSpPr>
+        <p:spPr/>
+        <p:txBody>
+          <a:bodyPr/>
+          <a:lstStyle/>
+          <a:p>
+            <a:r>
+              <a:rPr lang="en-US" dirty="0"/>
+              <a:t>Call direction (inbound vs outbound) is not available in the UCI dataset, and would be very helpful to have for the business.  Moro et al. had this feature and found it to be the most important feature after the Euribor 3-month rate.</a:t>
+            </a:r>
+          </a:p>
+          <a:p>
+            <a:r>
+              <a:rPr lang="en-US" dirty="0"/>
+              <a:t>Deduce the dates from Euribor 3-month rate and perform separate analyses for pre- and post-financial crisis</a:t>
+            </a:r>
+          </a:p>
+          <a:p>
+            <a:endParaRPr lang="en-US" dirty="0"/>
+          </a:p>
+        </p:txBody>
+      </p:sp>
+    </p:spTree>
+    <p:extLst>
+      <p:ext uri="{BB962C8B-B14F-4D97-AF65-F5344CB8AC3E}">
+        <p14:creationId xmlns:p14="http://schemas.microsoft.com/office/powerpoint/2010/main" val="2582511121"/>
+      </p:ext>
+    </p:extLst>
+  </p:cSld>
+  <p:clrMapOvr>
+    <a:masterClrMapping/>
+  </p:clrMapOvr>
+</p:sld>
+</file>
+
+<file path=ppt/slides/slide14.xml><?xml version="1.0" encoding="utf-8"?>
+<p:sld xmlns:a="http://schemas.openxmlformats.org/drawingml/2006/main" xmlns:r="http://schemas.openxmlformats.org/officeDocument/2006/relationships" xmlns:p="http://schemas.openxmlformats.org/presentationml/2006/main">
+  <p:cSld>
+    <p:spTree>
+      <p:nvGrpSpPr>
+        <p:cNvPr id="1" name=""/>
+        <p:cNvGrpSpPr/>
+        <p:nvPr/>
+      </p:nvGrpSpPr>
+      <p:grpSpPr>
+        <a:xfrm>
+          <a:off x="0" y="0"/>
+          <a:ext cx="0" cy="0"/>
+          <a:chOff x="0" y="0"/>
+          <a:chExt cx="0" cy="0"/>
+        </a:xfrm>
+      </p:grpSpPr>
+      <p:sp>
+        <p:nvSpPr>
+          <p:cNvPr id="2" name="Title 1">
+            <a:extLst>
+              <a:ext uri="{FF2B5EF4-FFF2-40B4-BE49-F238E27FC236}">
+                <a16:creationId xmlns:a16="http://schemas.microsoft.com/office/drawing/2014/main" id="{80693163-DD1E-50E0-18A0-0C34E118ADD1}"/>
+              </a:ext>
+            </a:extLst>
+          </p:cNvPr>
+          <p:cNvSpPr>
+            <a:spLocks noGrp="1"/>
+          </p:cNvSpPr>
+          <p:nvPr>
+            <p:ph type="title"/>
+          </p:nvPr>
+        </p:nvSpPr>
+        <p:spPr/>
+        <p:txBody>
+          <a:bodyPr/>
+          <a:lstStyle/>
+          <a:p>
+            <a:r>
+              <a:rPr lang="en-US" dirty="0"/>
+              <a:t>Appendix</a:t>
+            </a:r>
+          </a:p>
+        </p:txBody>
+      </p:sp>
+      <p:sp>
+        <p:nvSpPr>
+          <p:cNvPr id="3" name="Content Placeholder 2">
+            <a:extLst>
+              <a:ext uri="{FF2B5EF4-FFF2-40B4-BE49-F238E27FC236}">
+                <a16:creationId xmlns:a16="http://schemas.microsoft.com/office/drawing/2014/main" id="{071C39BB-D4B3-7B11-E774-985D96E2219E}"/>
+              </a:ext>
+            </a:extLst>
+          </p:cNvPr>
+          <p:cNvSpPr>
+            <a:spLocks noGrp="1"/>
+          </p:cNvSpPr>
+          <p:nvPr>
+            <p:ph idx="1"/>
+          </p:nvPr>
+        </p:nvSpPr>
+        <p:spPr/>
+        <p:txBody>
+          <a:bodyPr/>
+          <a:lstStyle/>
+          <a:p>
+            <a:endParaRPr lang="en-US" dirty="0"/>
+          </a:p>
+        </p:txBody>
+      </p:sp>
+    </p:spTree>
+    <p:extLst>
+      <p:ext uri="{BB962C8B-B14F-4D97-AF65-F5344CB8AC3E}">
+        <p14:creationId xmlns:p14="http://schemas.microsoft.com/office/powerpoint/2010/main" val="348205667"/>
+      </p:ext>
+    </p:extLst>
+  </p:cSld>
+  <p:clrMapOvr>
+    <a:masterClrMapping/>
+  </p:clrMapOvr>
+</p:sld>
+</file>
+
+<file path=ppt/slides/slide15.xml><?xml version="1.0" encoding="utf-8"?>
+<p:sld xmlns:a="http://schemas.openxmlformats.org/drawingml/2006/main" xmlns:r="http://schemas.openxmlformats.org/officeDocument/2006/relationships" xmlns:p="http://schemas.openxmlformats.org/presentationml/2006/main">
+  <p:cSld>
     <p:bg>
       <p:bgPr>
         <a:solidFill>
@@ -3713,6 +4340,731 @@
         </p:spPr>
         <p:txBody>
           <a:bodyPr>
+            <a:normAutofit fontScale="25000" lnSpcReduction="20000"/>
+          </a:bodyPr>
+          <a:lstStyle/>
+          <a:p>
+            <a:pPr>
+              <a:lnSpc>
+                <a:spcPct val="90000"/>
+              </a:lnSpc>
+            </a:pPr>
+            <a:r>
+              <a:rPr lang="en-US" sz="4400" dirty="0">
+                <a:solidFill>
+                  <a:srgbClr val="404040"/>
+                </a:solidFill>
+              </a:rPr>
+              <a:t>Input variables:</a:t>
+            </a:r>
+          </a:p>
+          <a:p>
+            <a:pPr>
+              <a:lnSpc>
+                <a:spcPct val="90000"/>
+              </a:lnSpc>
+            </a:pPr>
+            <a:r>
+              <a:rPr lang="en-US" sz="4400" dirty="0">
+                <a:solidFill>
+                  <a:srgbClr val="404040"/>
+                </a:solidFill>
+              </a:rPr>
+              <a:t># bank client data:</a:t>
+            </a:r>
+          </a:p>
+          <a:p>
+            <a:pPr>
+              <a:lnSpc>
+                <a:spcPct val="90000"/>
+              </a:lnSpc>
+            </a:pPr>
+            <a:r>
+              <a:rPr lang="en-US" sz="4400" dirty="0">
+                <a:solidFill>
+                  <a:srgbClr val="404040"/>
+                </a:solidFill>
+              </a:rPr>
+              <a:t>1 - age (numeric)</a:t>
+            </a:r>
+          </a:p>
+          <a:p>
+            <a:pPr>
+              <a:lnSpc>
+                <a:spcPct val="90000"/>
+              </a:lnSpc>
+            </a:pPr>
+            <a:r>
+              <a:rPr lang="en-US" sz="4400" dirty="0">
+                <a:solidFill>
+                  <a:srgbClr val="404040"/>
+                </a:solidFill>
+              </a:rPr>
+              <a:t>2 - job : type of job (categorical: 'admin.','blue-collar','entrepreneur','housemaid','management','retired','self-employed','services','student','technician','unemployed','unknown')</a:t>
+            </a:r>
+          </a:p>
+          <a:p>
+            <a:pPr>
+              <a:lnSpc>
+                <a:spcPct val="90000"/>
+              </a:lnSpc>
+            </a:pPr>
+            <a:r>
+              <a:rPr lang="en-US" sz="4400" dirty="0">
+                <a:solidFill>
+                  <a:srgbClr val="404040"/>
+                </a:solidFill>
+              </a:rPr>
+              <a:t>3 - marital : marital status (categorical: '</a:t>
+            </a:r>
+            <a:r>
+              <a:rPr lang="en-US" sz="4400" dirty="0" err="1">
+                <a:solidFill>
+                  <a:srgbClr val="404040"/>
+                </a:solidFill>
+              </a:rPr>
+              <a:t>divorced','married','single','unknown</a:t>
+            </a:r>
+            <a:r>
+              <a:rPr lang="en-US" sz="4400" dirty="0">
+                <a:solidFill>
+                  <a:srgbClr val="404040"/>
+                </a:solidFill>
+              </a:rPr>
+              <a:t>'; note: 'divorced' means divorced or widowed)</a:t>
+            </a:r>
+          </a:p>
+          <a:p>
+            <a:pPr>
+              <a:lnSpc>
+                <a:spcPct val="90000"/>
+              </a:lnSpc>
+            </a:pPr>
+            <a:r>
+              <a:rPr lang="en-US" sz="4400" dirty="0">
+                <a:solidFill>
+                  <a:srgbClr val="404040"/>
+                </a:solidFill>
+              </a:rPr>
+              <a:t>4 - education (categorical: 'basic.4y','basic.6y','basic.9y','high.school','illiterate','professional.course','university.degree','unknown')</a:t>
+            </a:r>
+          </a:p>
+          <a:p>
+            <a:pPr>
+              <a:lnSpc>
+                <a:spcPct val="90000"/>
+              </a:lnSpc>
+            </a:pPr>
+            <a:r>
+              <a:rPr lang="en-US" sz="4400" dirty="0">
+                <a:solidFill>
+                  <a:srgbClr val="404040"/>
+                </a:solidFill>
+              </a:rPr>
+              <a:t>5 - default: has credit in default? (categorical: '</a:t>
+            </a:r>
+            <a:r>
+              <a:rPr lang="en-US" sz="4400" dirty="0" err="1">
+                <a:solidFill>
+                  <a:srgbClr val="404040"/>
+                </a:solidFill>
+              </a:rPr>
+              <a:t>no','yes','unknown</a:t>
+            </a:r>
+            <a:r>
+              <a:rPr lang="en-US" sz="4400" dirty="0">
+                <a:solidFill>
+                  <a:srgbClr val="404040"/>
+                </a:solidFill>
+              </a:rPr>
+              <a:t>')</a:t>
+            </a:r>
+          </a:p>
+          <a:p>
+            <a:pPr>
+              <a:lnSpc>
+                <a:spcPct val="90000"/>
+              </a:lnSpc>
+            </a:pPr>
+            <a:r>
+              <a:rPr lang="en-US" sz="4400" dirty="0">
+                <a:solidFill>
+                  <a:srgbClr val="404040"/>
+                </a:solidFill>
+              </a:rPr>
+              <a:t>6 - housing: has housing loan? (categorical: '</a:t>
+            </a:r>
+            <a:r>
+              <a:rPr lang="en-US" sz="4400" dirty="0" err="1">
+                <a:solidFill>
+                  <a:srgbClr val="404040"/>
+                </a:solidFill>
+              </a:rPr>
+              <a:t>no','yes','unknown</a:t>
+            </a:r>
+            <a:r>
+              <a:rPr lang="en-US" sz="4400" dirty="0">
+                <a:solidFill>
+                  <a:srgbClr val="404040"/>
+                </a:solidFill>
+              </a:rPr>
+              <a:t>')</a:t>
+            </a:r>
+          </a:p>
+          <a:p>
+            <a:pPr>
+              <a:lnSpc>
+                <a:spcPct val="90000"/>
+              </a:lnSpc>
+            </a:pPr>
+            <a:r>
+              <a:rPr lang="en-US" sz="4400" dirty="0">
+                <a:solidFill>
+                  <a:srgbClr val="404040"/>
+                </a:solidFill>
+              </a:rPr>
+              <a:t>7 - loan: has personal loan? (categorical: '</a:t>
+            </a:r>
+            <a:r>
+              <a:rPr lang="en-US" sz="4400" dirty="0" err="1">
+                <a:solidFill>
+                  <a:srgbClr val="404040"/>
+                </a:solidFill>
+              </a:rPr>
+              <a:t>no','yes','unknown</a:t>
+            </a:r>
+            <a:r>
+              <a:rPr lang="en-US" sz="4400" dirty="0">
+                <a:solidFill>
+                  <a:srgbClr val="404040"/>
+                </a:solidFill>
+              </a:rPr>
+              <a:t>')</a:t>
+            </a:r>
+          </a:p>
+          <a:p>
+            <a:pPr>
+              <a:lnSpc>
+                <a:spcPct val="90000"/>
+              </a:lnSpc>
+            </a:pPr>
+            <a:r>
+              <a:rPr lang="en-US" sz="4400" dirty="0">
+                <a:solidFill>
+                  <a:srgbClr val="404040"/>
+                </a:solidFill>
+              </a:rPr>
+              <a:t># related with the last contact of the current campaign:</a:t>
+            </a:r>
+          </a:p>
+          <a:p>
+            <a:pPr>
+              <a:lnSpc>
+                <a:spcPct val="90000"/>
+              </a:lnSpc>
+            </a:pPr>
+            <a:r>
+              <a:rPr lang="en-US" sz="4400" dirty="0">
+                <a:solidFill>
+                  <a:srgbClr val="404040"/>
+                </a:solidFill>
+              </a:rPr>
+              <a:t>8 - contact: contact communication type (categorical: '</a:t>
+            </a:r>
+            <a:r>
+              <a:rPr lang="en-US" sz="4400" dirty="0" err="1">
+                <a:solidFill>
+                  <a:srgbClr val="404040"/>
+                </a:solidFill>
+              </a:rPr>
+              <a:t>cellular','telephone</a:t>
+            </a:r>
+            <a:r>
+              <a:rPr lang="en-US" sz="4400" dirty="0">
+                <a:solidFill>
+                  <a:srgbClr val="404040"/>
+                </a:solidFill>
+              </a:rPr>
+              <a:t>')</a:t>
+            </a:r>
+          </a:p>
+          <a:p>
+            <a:pPr>
+              <a:lnSpc>
+                <a:spcPct val="90000"/>
+              </a:lnSpc>
+            </a:pPr>
+            <a:r>
+              <a:rPr lang="en-US" sz="4400" dirty="0">
+                <a:solidFill>
+                  <a:srgbClr val="404040"/>
+                </a:solidFill>
+              </a:rPr>
+              <a:t>9 - month: last contact month of year (categorical: '</a:t>
+            </a:r>
+            <a:r>
+              <a:rPr lang="en-US" sz="4400" dirty="0" err="1">
+                <a:solidFill>
+                  <a:srgbClr val="404040"/>
+                </a:solidFill>
+              </a:rPr>
+              <a:t>jan</a:t>
+            </a:r>
+            <a:r>
+              <a:rPr lang="en-US" sz="4400" dirty="0">
+                <a:solidFill>
+                  <a:srgbClr val="404040"/>
+                </a:solidFill>
+              </a:rPr>
+              <a:t>', '</a:t>
+            </a:r>
+            <a:r>
+              <a:rPr lang="en-US" sz="4400" dirty="0" err="1">
+                <a:solidFill>
+                  <a:srgbClr val="404040"/>
+                </a:solidFill>
+              </a:rPr>
+              <a:t>feb</a:t>
+            </a:r>
+            <a:r>
+              <a:rPr lang="en-US" sz="4400" dirty="0">
+                <a:solidFill>
+                  <a:srgbClr val="404040"/>
+                </a:solidFill>
+              </a:rPr>
+              <a:t>', 'mar', ..., '</a:t>
+            </a:r>
+            <a:r>
+              <a:rPr lang="en-US" sz="4400" dirty="0" err="1">
+                <a:solidFill>
+                  <a:srgbClr val="404040"/>
+                </a:solidFill>
+              </a:rPr>
+              <a:t>nov</a:t>
+            </a:r>
+            <a:r>
+              <a:rPr lang="en-US" sz="4400" dirty="0">
+                <a:solidFill>
+                  <a:srgbClr val="404040"/>
+                </a:solidFill>
+              </a:rPr>
+              <a:t>', 'dec')</a:t>
+            </a:r>
+          </a:p>
+          <a:p>
+            <a:pPr>
+              <a:lnSpc>
+                <a:spcPct val="90000"/>
+              </a:lnSpc>
+            </a:pPr>
+            <a:r>
+              <a:rPr lang="en-US" sz="4400" dirty="0">
+                <a:solidFill>
+                  <a:srgbClr val="404040"/>
+                </a:solidFill>
+              </a:rPr>
+              <a:t>10 - </a:t>
+            </a:r>
+            <a:r>
+              <a:rPr lang="en-US" sz="4400" dirty="0" err="1">
+                <a:solidFill>
+                  <a:srgbClr val="404040"/>
+                </a:solidFill>
+              </a:rPr>
+              <a:t>day_of_week</a:t>
+            </a:r>
+            <a:r>
+              <a:rPr lang="en-US" sz="4400" dirty="0">
+                <a:solidFill>
+                  <a:srgbClr val="404040"/>
+                </a:solidFill>
+              </a:rPr>
+              <a:t>: last contact day of the week (categorical: '</a:t>
+            </a:r>
+            <a:r>
+              <a:rPr lang="en-US" sz="4400" dirty="0" err="1">
+                <a:solidFill>
+                  <a:srgbClr val="404040"/>
+                </a:solidFill>
+              </a:rPr>
+              <a:t>mon</a:t>
+            </a:r>
+            <a:r>
+              <a:rPr lang="en-US" sz="4400" dirty="0">
+                <a:solidFill>
+                  <a:srgbClr val="404040"/>
+                </a:solidFill>
+              </a:rPr>
+              <a:t>','</a:t>
+            </a:r>
+            <a:r>
+              <a:rPr lang="en-US" sz="4400" dirty="0" err="1">
+                <a:solidFill>
+                  <a:srgbClr val="404040"/>
+                </a:solidFill>
+              </a:rPr>
+              <a:t>tue</a:t>
+            </a:r>
+            <a:r>
+              <a:rPr lang="en-US" sz="4400" dirty="0">
+                <a:solidFill>
+                  <a:srgbClr val="404040"/>
+                </a:solidFill>
+              </a:rPr>
+              <a:t>','wed','</a:t>
+            </a:r>
+            <a:r>
+              <a:rPr lang="en-US" sz="4400" dirty="0" err="1">
+                <a:solidFill>
+                  <a:srgbClr val="404040"/>
+                </a:solidFill>
+              </a:rPr>
+              <a:t>thu</a:t>
+            </a:r>
+            <a:r>
+              <a:rPr lang="en-US" sz="4400" dirty="0">
+                <a:solidFill>
+                  <a:srgbClr val="404040"/>
+                </a:solidFill>
+              </a:rPr>
+              <a:t>','</a:t>
+            </a:r>
+            <a:r>
+              <a:rPr lang="en-US" sz="4400" dirty="0" err="1">
+                <a:solidFill>
+                  <a:srgbClr val="404040"/>
+                </a:solidFill>
+              </a:rPr>
+              <a:t>fri</a:t>
+            </a:r>
+            <a:r>
+              <a:rPr lang="en-US" sz="4400" dirty="0">
+                <a:solidFill>
+                  <a:srgbClr val="404040"/>
+                </a:solidFill>
+              </a:rPr>
+              <a:t>')</a:t>
+            </a:r>
+          </a:p>
+          <a:p>
+            <a:pPr>
+              <a:lnSpc>
+                <a:spcPct val="90000"/>
+              </a:lnSpc>
+            </a:pPr>
+            <a:r>
+              <a:rPr lang="en-US" sz="4400" dirty="0">
+                <a:solidFill>
+                  <a:srgbClr val="404040"/>
+                </a:solidFill>
+              </a:rPr>
+              <a:t>11 - duration: last contact duration, in seconds (numeric). Important note: this attribute highly affects the output target (e.g., if duration=0 then y='no'). Yet, the duration is not known before a call is performed. Also, after the end of the call y is obviously known. Thus, this input should only be included for benchmark purposes and should be discarded if the intention is to have a realistic predictive model.</a:t>
+            </a:r>
+          </a:p>
+          <a:p>
+            <a:pPr>
+              <a:lnSpc>
+                <a:spcPct val="90000"/>
+              </a:lnSpc>
+            </a:pPr>
+            <a:endParaRPr lang="en-US" sz="500" dirty="0">
+              <a:solidFill>
+                <a:srgbClr val="404040"/>
+              </a:solidFill>
+            </a:endParaRPr>
+          </a:p>
+        </p:txBody>
+      </p:sp>
+    </p:spTree>
+    <p:extLst>
+      <p:ext uri="{BB962C8B-B14F-4D97-AF65-F5344CB8AC3E}">
+        <p14:creationId xmlns:p14="http://schemas.microsoft.com/office/powerpoint/2010/main" val="4005018302"/>
+      </p:ext>
+    </p:extLst>
+  </p:cSld>
+  <p:clrMapOvr>
+    <a:overrideClrMapping bg1="lt1" tx1="dk1" bg2="lt2" tx2="dk2" accent1="accent1" accent2="accent2" accent3="accent3" accent4="accent4" accent5="accent5" accent6="accent6" hlink="hlink" folHlink="folHlink"/>
+  </p:clrMapOvr>
+</p:sld>
+</file>
+
+<file path=ppt/slides/slide16.xml><?xml version="1.0" encoding="utf-8"?>
+<p:sld xmlns:a="http://schemas.openxmlformats.org/drawingml/2006/main" xmlns:r="http://schemas.openxmlformats.org/officeDocument/2006/relationships" xmlns:p="http://schemas.openxmlformats.org/presentationml/2006/main">
+  <p:cSld>
+    <p:bg>
+      <p:bgPr>
+        <a:solidFill>
+          <a:schemeClr val="bg1"/>
+        </a:solidFill>
+        <a:effectLst/>
+      </p:bgPr>
+    </p:bg>
+    <p:spTree>
+      <p:nvGrpSpPr>
+        <p:cNvPr id="1" name=""/>
+        <p:cNvGrpSpPr/>
+        <p:nvPr/>
+      </p:nvGrpSpPr>
+      <p:grpSpPr>
+        <a:xfrm>
+          <a:off x="0" y="0"/>
+          <a:ext cx="0" cy="0"/>
+          <a:chOff x="0" y="0"/>
+          <a:chExt cx="0" cy="0"/>
+        </a:xfrm>
+      </p:grpSpPr>
+      <p:sp>
+        <p:nvSpPr>
+          <p:cNvPr id="13" name="Rectangle 12">
+            <a:extLst>
+              <a:ext uri="{FF2B5EF4-FFF2-40B4-BE49-F238E27FC236}">
+                <a16:creationId xmlns:a16="http://schemas.microsoft.com/office/drawing/2014/main" id="{C33976D1-3430-450C-A978-87A9A6E8E71F}"/>
+              </a:ext>
+              <a:ext uri="{C183D7F6-B498-43B3-948B-1728B52AA6E4}">
+                <adec:decorative xmlns:adec="http://schemas.microsoft.com/office/drawing/2017/decorative" val="1"/>
+              </a:ext>
+            </a:extLst>
+          </p:cNvPr>
+          <p:cNvSpPr>
+            <a:spLocks noGrp="1" noRot="1" noChangeAspect="1" noMove="1" noResize="1" noEditPoints="1" noAdjustHandles="1" noChangeArrowheads="1" noChangeShapeType="1" noTextEdit="1"/>
+          </p:cNvSpPr>
+          <p:nvPr>
+            <p:extLst>
+              <p:ext uri="{386F3935-93C4-4BCD-93E2-E3B085C9AB24}">
+                <p16:designElem xmlns:p16="http://schemas.microsoft.com/office/powerpoint/2015/main" val="1"/>
+              </p:ext>
+            </p:extLst>
+          </p:nvPr>
+        </p:nvSpPr>
+        <p:spPr>
+          <a:xfrm>
+            <a:off x="0" y="0"/>
+            <a:ext cx="12192000" cy="6858000"/>
+          </a:xfrm>
+          <a:prstGeom prst="rect">
+            <a:avLst/>
+          </a:prstGeom>
+          <a:solidFill>
+            <a:schemeClr val="accent2"/>
+          </a:solidFill>
+          <a:ln>
+            <a:noFill/>
+          </a:ln>
+        </p:spPr>
+        <p:style>
+          <a:lnRef idx="2">
+            <a:schemeClr val="accent1">
+              <a:shade val="50000"/>
+            </a:schemeClr>
+          </a:lnRef>
+          <a:fillRef idx="1">
+            <a:schemeClr val="accent1"/>
+          </a:fillRef>
+          <a:effectRef idx="0">
+            <a:schemeClr val="accent1"/>
+          </a:effectRef>
+          <a:fontRef idx="minor">
+            <a:schemeClr val="lt1"/>
+          </a:fontRef>
+        </p:style>
+        <p:txBody>
+          <a:bodyPr rtlCol="0" anchor="ctr"/>
+          <a:lstStyle/>
+          <a:p>
+            <a:pPr algn="ctr"/>
+            <a:endParaRPr lang="en-US"/>
+          </a:p>
+        </p:txBody>
+      </p:sp>
+      <p:sp>
+        <p:nvSpPr>
+          <p:cNvPr id="15" name="Rectangle 14">
+            <a:extLst>
+              <a:ext uri="{FF2B5EF4-FFF2-40B4-BE49-F238E27FC236}">
+                <a16:creationId xmlns:a16="http://schemas.microsoft.com/office/drawing/2014/main" id="{7D6AAC78-7D86-415A-ADC1-2B474807960C}"/>
+              </a:ext>
+              <a:ext uri="{C183D7F6-B498-43B3-948B-1728B52AA6E4}">
+                <adec:decorative xmlns:adec="http://schemas.microsoft.com/office/drawing/2017/decorative" val="1"/>
+              </a:ext>
+            </a:extLst>
+          </p:cNvPr>
+          <p:cNvSpPr>
+            <a:spLocks noGrp="1" noRot="1" noChangeAspect="1" noMove="1" noResize="1" noEditPoints="1" noAdjustHandles="1" noChangeArrowheads="1" noChangeShapeType="1" noTextEdit="1"/>
+          </p:cNvSpPr>
+          <p:nvPr>
+            <p:extLst>
+              <p:ext uri="{386F3935-93C4-4BCD-93E2-E3B085C9AB24}">
+                <p16:designElem xmlns:p16="http://schemas.microsoft.com/office/powerpoint/2015/main" val="1"/>
+              </p:ext>
+            </p:extLst>
+          </p:nvPr>
+        </p:nvSpPr>
+        <p:spPr>
+          <a:xfrm>
+            <a:off x="1249680" y="1248156"/>
+            <a:ext cx="9692640" cy="4361688"/>
+          </a:xfrm>
+          <a:prstGeom prst="rect">
+            <a:avLst/>
+          </a:prstGeom>
+          <a:solidFill>
+            <a:srgbClr val="FFFFFF"/>
+          </a:solidFill>
+          <a:ln>
+            <a:noFill/>
+          </a:ln>
+        </p:spPr>
+        <p:style>
+          <a:lnRef idx="2">
+            <a:schemeClr val="accent1">
+              <a:shade val="50000"/>
+            </a:schemeClr>
+          </a:lnRef>
+          <a:fillRef idx="1">
+            <a:schemeClr val="accent1"/>
+          </a:fillRef>
+          <a:effectRef idx="0">
+            <a:schemeClr val="accent1"/>
+          </a:effectRef>
+          <a:fontRef idx="minor">
+            <a:schemeClr val="lt1"/>
+          </a:fontRef>
+        </p:style>
+        <p:txBody>
+          <a:bodyPr rtlCol="0" anchor="ctr"/>
+          <a:lstStyle/>
+          <a:p>
+            <a:pPr algn="ctr"/>
+            <a:endParaRPr lang="en-US"/>
+          </a:p>
+        </p:txBody>
+      </p:sp>
+      <p:sp>
+        <p:nvSpPr>
+          <p:cNvPr id="17" name="Rectangle 16">
+            <a:extLst>
+              <a:ext uri="{FF2B5EF4-FFF2-40B4-BE49-F238E27FC236}">
+                <a16:creationId xmlns:a16="http://schemas.microsoft.com/office/drawing/2014/main" id="{F2A658D9-F185-44F1-BA33-D50320D1D078}"/>
+              </a:ext>
+              <a:ext uri="{C183D7F6-B498-43B3-948B-1728B52AA6E4}">
+                <adec:decorative xmlns:adec="http://schemas.microsoft.com/office/drawing/2017/decorative" val="1"/>
+              </a:ext>
+            </a:extLst>
+          </p:cNvPr>
+          <p:cNvSpPr>
+            <a:spLocks noGrp="1" noRot="1" noChangeAspect="1" noMove="1" noResize="1" noEditPoints="1" noAdjustHandles="1" noChangeArrowheads="1" noChangeShapeType="1" noTextEdit="1"/>
+          </p:cNvSpPr>
+          <p:nvPr>
+            <p:extLst>
+              <p:ext uri="{386F3935-93C4-4BCD-93E2-E3B085C9AB24}">
+                <p16:designElem xmlns:p16="http://schemas.microsoft.com/office/powerpoint/2015/main" val="1"/>
+              </p:ext>
+            </p:extLst>
+          </p:nvPr>
+        </p:nvSpPr>
+        <p:spPr>
+          <a:xfrm>
+            <a:off x="1062228" y="1060704"/>
+            <a:ext cx="10067544" cy="4736592"/>
+          </a:xfrm>
+          <a:prstGeom prst="rect">
+            <a:avLst/>
+          </a:prstGeom>
+          <a:noFill/>
+          <a:ln w="31750" cap="sq">
+            <a:solidFill>
+              <a:srgbClr val="FFFFFF"/>
+            </a:solidFill>
+            <a:miter lim="800000"/>
+          </a:ln>
+        </p:spPr>
+        <p:style>
+          <a:lnRef idx="2">
+            <a:schemeClr val="accent1">
+              <a:shade val="50000"/>
+            </a:schemeClr>
+          </a:lnRef>
+          <a:fillRef idx="1">
+            <a:schemeClr val="accent1"/>
+          </a:fillRef>
+          <a:effectRef idx="0">
+            <a:schemeClr val="accent1"/>
+          </a:effectRef>
+          <a:fontRef idx="minor">
+            <a:schemeClr val="lt1"/>
+          </a:fontRef>
+        </p:style>
+        <p:txBody>
+          <a:bodyPr rtlCol="0" anchor="ctr"/>
+          <a:lstStyle/>
+          <a:p>
+            <a:pPr algn="ctr"/>
+            <a:endParaRPr lang="en-US"/>
+          </a:p>
+        </p:txBody>
+      </p:sp>
+      <p:sp>
+        <p:nvSpPr>
+          <p:cNvPr id="2" name="Title 1">
+            <a:extLst>
+              <a:ext uri="{FF2B5EF4-FFF2-40B4-BE49-F238E27FC236}">
+                <a16:creationId xmlns:a16="http://schemas.microsoft.com/office/drawing/2014/main" id="{A331B53E-7196-BFB9-D807-A3EEF4C0732F}"/>
+              </a:ext>
+            </a:extLst>
+          </p:cNvPr>
+          <p:cNvSpPr>
+            <a:spLocks noGrp="1"/>
+          </p:cNvSpPr>
+          <p:nvPr>
+            <p:ph type="title"/>
+          </p:nvPr>
+        </p:nvSpPr>
+        <p:spPr>
+          <a:xfrm>
+            <a:off x="2231136" y="467418"/>
+            <a:ext cx="7729728" cy="1188720"/>
+          </a:xfrm>
+          <a:solidFill>
+            <a:schemeClr val="bg1"/>
+          </a:solidFill>
+        </p:spPr>
+        <p:txBody>
+          <a:bodyPr>
+            <a:normAutofit/>
+          </a:bodyPr>
+          <a:lstStyle/>
+          <a:p>
+            <a:r>
+              <a:rPr lang="en-US" dirty="0"/>
+              <a:t>Variable descriptions</a:t>
+            </a:r>
+          </a:p>
+        </p:txBody>
+      </p:sp>
+      <p:sp>
+        <p:nvSpPr>
+          <p:cNvPr id="3" name="Content Placeholder 2">
+            <a:extLst>
+              <a:ext uri="{FF2B5EF4-FFF2-40B4-BE49-F238E27FC236}">
+                <a16:creationId xmlns:a16="http://schemas.microsoft.com/office/drawing/2014/main" id="{7F7E20FB-C7F3-2413-6704-4B5AD3329DC3}"/>
+              </a:ext>
+            </a:extLst>
+          </p:cNvPr>
+          <p:cNvSpPr>
+            <a:spLocks noGrp="1"/>
+          </p:cNvSpPr>
+          <p:nvPr>
+            <p:ph idx="1"/>
+          </p:nvPr>
+        </p:nvSpPr>
+        <p:spPr>
+          <a:xfrm>
+            <a:off x="1665027" y="1656138"/>
+            <a:ext cx="8820547" cy="3514380"/>
+          </a:xfrm>
+        </p:spPr>
+        <p:txBody>
+          <a:bodyPr>
             <a:normAutofit fontScale="70000" lnSpcReduction="20000"/>
           </a:bodyPr>
           <a:lstStyle/>
@@ -4136,7 +5488,7 @@
 </p:sld>
 </file>
 
-<file path=ppt/slides/slide11.xml><?xml version="1.0" encoding="utf-8"?>
+<file path=ppt/slides/slide17.xml><?xml version="1.0" encoding="utf-8"?>
 <p:sld xmlns:a="http://schemas.openxmlformats.org/drawingml/2006/main" xmlns:r="http://schemas.openxmlformats.org/officeDocument/2006/relationships" xmlns:p="http://schemas.openxmlformats.org/presentationml/2006/main">
   <p:cSld>
     <p:bg>
@@ -5105,7 +6457,7 @@
 </p:sld>
 </file>
 
-<file path=ppt/slides/slide12.xml><?xml version="1.0" encoding="utf-8"?>
+<file path=ppt/slides/slide18.xml><?xml version="1.0" encoding="utf-8"?>
 <p:sld xmlns:a="http://schemas.openxmlformats.org/drawingml/2006/main" xmlns:r="http://schemas.openxmlformats.org/officeDocument/2006/relationships" xmlns:p="http://schemas.openxmlformats.org/presentationml/2006/main">
   <p:cSld>
     <p:spTree>
@@ -5143,39 +6495,217 @@
           <a:bodyPr/>
           <a:lstStyle/>
           <a:p>
-            <a:endParaRPr lang="en-US"/>
-          </a:p>
-        </p:txBody>
-      </p:sp>
-      <p:sp>
-        <p:nvSpPr>
-          <p:cNvPr id="3" name="Content Placeholder 2">
+            <a:r>
+              <a:rPr lang="en-US" dirty="0"/>
+              <a:t>Duration vs deposits</a:t>
+            </a:r>
+          </a:p>
+        </p:txBody>
+      </p:sp>
+      <p:pic>
+        <p:nvPicPr>
+          <p:cNvPr id="4" name="Content Placeholder 3">
             <a:extLst>
               <a:ext uri="{FF2B5EF4-FFF2-40B4-BE49-F238E27FC236}">
-                <a16:creationId xmlns:a16="http://schemas.microsoft.com/office/drawing/2014/main" id="{43A84160-47A1-2F4D-C047-12DA77E13EAC}"/>
+                <a16:creationId xmlns:a16="http://schemas.microsoft.com/office/drawing/2014/main" id="{0D9180F0-B392-C9B0-7EB4-A2F6FC18484E}"/>
               </a:ext>
             </a:extLst>
           </p:cNvPr>
-          <p:cNvSpPr>
-            <a:spLocks noGrp="1"/>
-          </p:cNvSpPr>
+          <p:cNvPicPr>
+            <a:picLocks noGrp="1" noChangeAspect="1"/>
+          </p:cNvPicPr>
           <p:nvPr>
             <p:ph idx="1"/>
           </p:nvPr>
-        </p:nvSpPr>
-        <p:spPr/>
-        <p:txBody>
-          <a:bodyPr/>
-          <a:lstStyle/>
-          <a:p>
-            <a:endParaRPr lang="en-US"/>
-          </a:p>
-        </p:txBody>
-      </p:sp>
+        </p:nvPicPr>
+        <p:blipFill>
+          <a:blip r:embed="rId2"/>
+          <a:stretch>
+            <a:fillRect/>
+          </a:stretch>
+        </p:blipFill>
+        <p:spPr>
+          <a:xfrm>
+            <a:off x="3152847" y="2638425"/>
+            <a:ext cx="5886307" cy="3101975"/>
+          </a:xfrm>
+          <a:prstGeom prst="rect">
+            <a:avLst/>
+          </a:prstGeom>
+        </p:spPr>
+      </p:pic>
     </p:spTree>
     <p:extLst>
       <p:ext uri="{BB962C8B-B14F-4D97-AF65-F5344CB8AC3E}">
         <p14:creationId xmlns:p14="http://schemas.microsoft.com/office/powerpoint/2010/main" val="3352324455"/>
+      </p:ext>
+    </p:extLst>
+  </p:cSld>
+  <p:clrMapOvr>
+    <a:masterClrMapping/>
+  </p:clrMapOvr>
+</p:sld>
+</file>
+
+<file path=ppt/slides/slide19.xml><?xml version="1.0" encoding="utf-8"?>
+<p:sld xmlns:a="http://schemas.openxmlformats.org/drawingml/2006/main" xmlns:r="http://schemas.openxmlformats.org/officeDocument/2006/relationships" xmlns:p="http://schemas.openxmlformats.org/presentationml/2006/main">
+  <p:cSld>
+    <p:bg>
+      <p:bgPr>
+        <a:solidFill>
+          <a:schemeClr val="bg2"/>
+        </a:solidFill>
+        <a:effectLst/>
+      </p:bgPr>
+    </p:bg>
+    <p:spTree>
+      <p:nvGrpSpPr>
+        <p:cNvPr id="1" name=""/>
+        <p:cNvGrpSpPr/>
+        <p:nvPr/>
+      </p:nvGrpSpPr>
+      <p:grpSpPr>
+        <a:xfrm>
+          <a:off x="0" y="0"/>
+          <a:ext cx="0" cy="0"/>
+          <a:chOff x="0" y="0"/>
+          <a:chExt cx="0" cy="0"/>
+        </a:xfrm>
+      </p:grpSpPr>
+      <p:sp>
+        <p:nvSpPr>
+          <p:cNvPr id="2" name="Title 1">
+            <a:extLst>
+              <a:ext uri="{FF2B5EF4-FFF2-40B4-BE49-F238E27FC236}">
+                <a16:creationId xmlns:a16="http://schemas.microsoft.com/office/drawing/2014/main" id="{716B2D3C-0FFB-5C38-A514-0AFEB50AC7EE}"/>
+              </a:ext>
+            </a:extLst>
+          </p:cNvPr>
+          <p:cNvSpPr>
+            <a:spLocks noGrp="1"/>
+          </p:cNvSpPr>
+          <p:nvPr>
+            <p:ph type="title"/>
+          </p:nvPr>
+        </p:nvSpPr>
+        <p:spPr>
+          <a:xfrm>
+            <a:off x="640079" y="640079"/>
+            <a:ext cx="3402531" cy="5272242"/>
+          </a:xfrm>
+        </p:spPr>
+        <p:txBody>
+          <a:bodyPr>
+            <a:normAutofit/>
+          </a:bodyPr>
+          <a:lstStyle/>
+          <a:p>
+            <a:endParaRPr lang="en-US"/>
+          </a:p>
+        </p:txBody>
+      </p:sp>
+      <p:sp>
+        <p:nvSpPr>
+          <p:cNvPr id="8" name="Content Placeholder 7">
+            <a:extLst>
+              <a:ext uri="{FF2B5EF4-FFF2-40B4-BE49-F238E27FC236}">
+                <a16:creationId xmlns:a16="http://schemas.microsoft.com/office/drawing/2014/main" id="{44947E6F-BB73-C6F2-C6AC-A2900EDC78B6}"/>
+              </a:ext>
+            </a:extLst>
+          </p:cNvPr>
+          <p:cNvSpPr>
+            <a:spLocks noGrp="1"/>
+          </p:cNvSpPr>
+          <p:nvPr>
+            <p:ph idx="1"/>
+          </p:nvPr>
+        </p:nvSpPr>
+        <p:spPr>
+          <a:xfrm>
+            <a:off x="4672103" y="640079"/>
+            <a:ext cx="6883072" cy="2834737"/>
+          </a:xfrm>
+        </p:spPr>
+        <p:txBody>
+          <a:bodyPr>
+            <a:normAutofit/>
+          </a:bodyPr>
+          <a:lstStyle/>
+          <a:p>
+            <a:endParaRPr lang="en-US" dirty="0"/>
+          </a:p>
+        </p:txBody>
+      </p:sp>
+      <p:pic>
+        <p:nvPicPr>
+          <p:cNvPr id="7" name="Picture 6">
+            <a:extLst>
+              <a:ext uri="{FF2B5EF4-FFF2-40B4-BE49-F238E27FC236}">
+                <a16:creationId xmlns:a16="http://schemas.microsoft.com/office/drawing/2014/main" id="{FE790583-8639-BEB9-E564-28BD042EA06B}"/>
+              </a:ext>
+            </a:extLst>
+          </p:cNvPr>
+          <p:cNvPicPr>
+            <a:picLocks noChangeAspect="1"/>
+          </p:cNvPicPr>
+          <p:nvPr/>
+        </p:nvPicPr>
+        <p:blipFill>
+          <a:blip r:embed="rId2"/>
+          <a:stretch>
+            <a:fillRect/>
+          </a:stretch>
+        </p:blipFill>
+        <p:spPr>
+          <a:xfrm>
+            <a:off x="4210380" y="4496202"/>
+            <a:ext cx="7728507" cy="753529"/>
+          </a:xfrm>
+          <a:prstGeom prst="rect">
+            <a:avLst/>
+          </a:prstGeom>
+          <a:ln w="31750" cap="sq">
+            <a:solidFill>
+              <a:srgbClr val="FFFFFF"/>
+            </a:solidFill>
+            <a:miter lim="800000"/>
+          </a:ln>
+        </p:spPr>
+      </p:pic>
+      <p:pic>
+        <p:nvPicPr>
+          <p:cNvPr id="9" name="Picture 8">
+            <a:extLst>
+              <a:ext uri="{FF2B5EF4-FFF2-40B4-BE49-F238E27FC236}">
+                <a16:creationId xmlns:a16="http://schemas.microsoft.com/office/drawing/2014/main" id="{7D49C923-A740-0C48-7FD0-222EE99E9C83}"/>
+              </a:ext>
+            </a:extLst>
+          </p:cNvPr>
+          <p:cNvPicPr>
+            <a:picLocks noChangeAspect="1"/>
+          </p:cNvPicPr>
+          <p:nvPr/>
+        </p:nvPicPr>
+        <p:blipFill>
+          <a:blip r:embed="rId3"/>
+          <a:stretch>
+            <a:fillRect/>
+          </a:stretch>
+        </p:blipFill>
+        <p:spPr>
+          <a:xfrm>
+            <a:off x="5668308" y="1037142"/>
+            <a:ext cx="3975100" cy="3213100"/>
+          </a:xfrm>
+          <a:prstGeom prst="rect">
+            <a:avLst/>
+          </a:prstGeom>
+        </p:spPr>
+      </p:pic>
+    </p:spTree>
+    <p:extLst>
+      <p:ext uri="{BB962C8B-B14F-4D97-AF65-F5344CB8AC3E}">
+        <p14:creationId xmlns:p14="http://schemas.microsoft.com/office/powerpoint/2010/main" val="312194574"/>
       </p:ext>
     </p:extLst>
   </p:cSld>
@@ -5258,7 +6788,7 @@
                 </a:solidFill>
                 <a:latin typeface="Arial" panose="020B0604020202020204" pitchFamily="34" charset="0"/>
               </a:rPr>
-              <a:t>Data collected from 2008 to 2013</a:t>
+              <a:t>Data collected from May 2008 to June 2013</a:t>
             </a:r>
           </a:p>
           <a:p>
@@ -5348,7 +6878,7 @@
 </p:sld>
 </file>
 
-<file path=ppt/slides/slide3.xml><?xml version="1.0" encoding="utf-8"?>
+<file path=ppt/slides/slide20.xml><?xml version="1.0" encoding="utf-8"?>
 <p:sld xmlns:a="http://schemas.openxmlformats.org/drawingml/2006/main" xmlns:r="http://schemas.openxmlformats.org/officeDocument/2006/relationships" xmlns:p="http://schemas.openxmlformats.org/presentationml/2006/main">
   <p:cSld>
     <p:bg>
@@ -5378,7 +6908,291 @@
           <p:cNvPr id="2" name="Title 1">
             <a:extLst>
               <a:ext uri="{FF2B5EF4-FFF2-40B4-BE49-F238E27FC236}">
-                <a16:creationId xmlns:a16="http://schemas.microsoft.com/office/drawing/2014/main" id="{20A506BD-C5A3-2026-AFCD-96627EE9C3F4}"/>
+                <a16:creationId xmlns:a16="http://schemas.microsoft.com/office/drawing/2014/main" id="{A3B23C00-C40A-DE6C-5357-F862941001B8}"/>
+              </a:ext>
+            </a:extLst>
+          </p:cNvPr>
+          <p:cNvSpPr>
+            <a:spLocks noGrp="1"/>
+          </p:cNvSpPr>
+          <p:nvPr>
+            <p:ph type="title"/>
+          </p:nvPr>
+        </p:nvSpPr>
+        <p:spPr>
+          <a:xfrm>
+            <a:off x="640079" y="640079"/>
+            <a:ext cx="3402531" cy="5272242"/>
+          </a:xfrm>
+        </p:spPr>
+        <p:txBody>
+          <a:bodyPr>
+            <a:normAutofit/>
+          </a:bodyPr>
+          <a:lstStyle/>
+          <a:p>
+            <a:r>
+              <a:rPr lang="en-US" dirty="0"/>
+              <a:t>Smaller feature set </a:t>
+            </a:r>
+            <a:r>
+              <a:rPr lang="en-US" dirty="0" err="1"/>
+              <a:t>importances</a:t>
+            </a:r>
+            <a:endParaRPr lang="en-US" dirty="0"/>
+          </a:p>
+        </p:txBody>
+      </p:sp>
+      <p:sp>
+        <p:nvSpPr>
+          <p:cNvPr id="8" name="Content Placeholder 7">
+            <a:extLst>
+              <a:ext uri="{FF2B5EF4-FFF2-40B4-BE49-F238E27FC236}">
+                <a16:creationId xmlns:a16="http://schemas.microsoft.com/office/drawing/2014/main" id="{8D78159B-93A7-CAF1-E52B-12E766788D7A}"/>
+              </a:ext>
+            </a:extLst>
+          </p:cNvPr>
+          <p:cNvSpPr>
+            <a:spLocks noGrp="1"/>
+          </p:cNvSpPr>
+          <p:nvPr>
+            <p:ph idx="1"/>
+          </p:nvPr>
+        </p:nvSpPr>
+        <p:spPr>
+          <a:xfrm>
+            <a:off x="4672103" y="640079"/>
+            <a:ext cx="6883072" cy="2834737"/>
+          </a:xfrm>
+        </p:spPr>
+        <p:txBody>
+          <a:bodyPr>
+            <a:normAutofit/>
+          </a:bodyPr>
+          <a:lstStyle/>
+          <a:p>
+            <a:r>
+              <a:rPr lang="en-US" dirty="0"/>
+              <a:t>Interestingly, dropping </a:t>
+            </a:r>
+            <a:r>
+              <a:rPr lang="en-US" dirty="0" err="1"/>
+              <a:t>emp.var.rate</a:t>
+            </a:r>
+            <a:r>
+              <a:rPr lang="en-US" dirty="0"/>
+              <a:t>, </a:t>
+            </a:r>
+            <a:r>
+              <a:rPr lang="en-US" dirty="0" err="1"/>
+              <a:t>cons.conf.idx</a:t>
+            </a:r>
+            <a:r>
+              <a:rPr lang="en-US" dirty="0"/>
+              <a:t>, </a:t>
+            </a:r>
+            <a:r>
+              <a:rPr lang="en-US" dirty="0" err="1"/>
+              <a:t>nr.employed</a:t>
+            </a:r>
+            <a:r>
+              <a:rPr lang="en-US" dirty="0"/>
+              <a:t> produced a model with about the same recall and accuracy. For ease of use, may rely on this model for R Shiny app</a:t>
+            </a:r>
+          </a:p>
+          <a:p>
+            <a:pPr lvl="0">
+              <a:lnSpc>
+                <a:spcPct val="90000"/>
+              </a:lnSpc>
+              <a:buClr>
+                <a:srgbClr val="58B6C0"/>
+              </a:buClr>
+            </a:pPr>
+            <a:r>
+              <a:rPr lang="en-US" dirty="0" err="1">
+                <a:solidFill>
+                  <a:prstClr val="black"/>
+                </a:solidFill>
+              </a:rPr>
+              <a:t>emp.var.rate</a:t>
+            </a:r>
+            <a:r>
+              <a:rPr lang="en-US" dirty="0">
+                <a:solidFill>
+                  <a:prstClr val="black"/>
+                </a:solidFill>
+              </a:rPr>
+              <a:t>: employment variation rate - quarterly indicator (numeric)</a:t>
+            </a:r>
+          </a:p>
+          <a:p>
+            <a:pPr lvl="0">
+              <a:lnSpc>
+                <a:spcPct val="90000"/>
+              </a:lnSpc>
+              <a:buClr>
+                <a:srgbClr val="58B6C0"/>
+              </a:buClr>
+            </a:pPr>
+            <a:r>
+              <a:rPr lang="en-US" dirty="0" err="1">
+                <a:solidFill>
+                  <a:prstClr val="black"/>
+                </a:solidFill>
+              </a:rPr>
+              <a:t>cons.conf.idx</a:t>
+            </a:r>
+            <a:r>
+              <a:rPr lang="en-US" dirty="0">
+                <a:solidFill>
+                  <a:prstClr val="black"/>
+                </a:solidFill>
+              </a:rPr>
+              <a:t>: consumer confidence index - monthly indicator (numeric)</a:t>
+            </a:r>
+          </a:p>
+          <a:p>
+            <a:pPr lvl="0">
+              <a:lnSpc>
+                <a:spcPct val="90000"/>
+              </a:lnSpc>
+              <a:buClr>
+                <a:srgbClr val="58B6C0"/>
+              </a:buClr>
+            </a:pPr>
+            <a:r>
+              <a:rPr lang="en-US" dirty="0" err="1">
+                <a:solidFill>
+                  <a:prstClr val="black"/>
+                </a:solidFill>
+              </a:rPr>
+              <a:t>nr.employed</a:t>
+            </a:r>
+            <a:r>
+              <a:rPr lang="en-US" dirty="0">
+                <a:solidFill>
+                  <a:prstClr val="black"/>
+                </a:solidFill>
+              </a:rPr>
+              <a:t>: number of employees - quarterly indicator (numeric)</a:t>
+            </a:r>
+          </a:p>
+          <a:p>
+            <a:pPr lvl="0">
+              <a:lnSpc>
+                <a:spcPct val="90000"/>
+              </a:lnSpc>
+              <a:buClr>
+                <a:srgbClr val="58B6C0"/>
+              </a:buClr>
+            </a:pPr>
+            <a:endParaRPr lang="en-US" dirty="0">
+              <a:solidFill>
+                <a:prstClr val="black"/>
+              </a:solidFill>
+            </a:endParaRPr>
+          </a:p>
+          <a:p>
+            <a:pPr lvl="0">
+              <a:lnSpc>
+                <a:spcPct val="90000"/>
+              </a:lnSpc>
+              <a:buClr>
+                <a:srgbClr val="58B6C0"/>
+              </a:buClr>
+            </a:pPr>
+            <a:endParaRPr lang="en-US" dirty="0">
+              <a:solidFill>
+                <a:prstClr val="black"/>
+              </a:solidFill>
+            </a:endParaRPr>
+          </a:p>
+          <a:p>
+            <a:endParaRPr lang="en-US" dirty="0"/>
+          </a:p>
+        </p:txBody>
+      </p:sp>
+      <p:pic>
+        <p:nvPicPr>
+          <p:cNvPr id="4" name="Content Placeholder 3">
+            <a:extLst>
+              <a:ext uri="{FF2B5EF4-FFF2-40B4-BE49-F238E27FC236}">
+                <a16:creationId xmlns:a16="http://schemas.microsoft.com/office/drawing/2014/main" id="{2B98835B-2000-4E83-9299-5605CF413392}"/>
+              </a:ext>
+            </a:extLst>
+          </p:cNvPr>
+          <p:cNvPicPr>
+            <a:picLocks noChangeAspect="1"/>
+          </p:cNvPicPr>
+          <p:nvPr/>
+        </p:nvPicPr>
+        <p:blipFill>
+          <a:blip r:embed="rId2"/>
+          <a:stretch>
+            <a:fillRect/>
+          </a:stretch>
+        </p:blipFill>
+        <p:spPr>
+          <a:xfrm>
+            <a:off x="5651048" y="3474816"/>
+            <a:ext cx="4579474" cy="2484365"/>
+          </a:xfrm>
+          <a:prstGeom prst="rect">
+            <a:avLst/>
+          </a:prstGeom>
+          <a:ln w="31750" cap="sq">
+            <a:solidFill>
+              <a:srgbClr val="FFFFFF"/>
+            </a:solidFill>
+            <a:miter lim="800000"/>
+          </a:ln>
+        </p:spPr>
+      </p:pic>
+    </p:spTree>
+    <p:extLst>
+      <p:ext uri="{BB962C8B-B14F-4D97-AF65-F5344CB8AC3E}">
+        <p14:creationId xmlns:p14="http://schemas.microsoft.com/office/powerpoint/2010/main" val="2159704186"/>
+      </p:ext>
+    </p:extLst>
+  </p:cSld>
+  <p:clrMapOvr>
+    <a:masterClrMapping/>
+  </p:clrMapOvr>
+</p:sld>
+</file>
+
+<file path=ppt/slides/slide21.xml><?xml version="1.0" encoding="utf-8"?>
+<p:sld xmlns:a="http://schemas.openxmlformats.org/drawingml/2006/main" xmlns:r="http://schemas.openxmlformats.org/officeDocument/2006/relationships" xmlns:p="http://schemas.openxmlformats.org/presentationml/2006/main">
+  <p:cSld>
+    <p:bg>
+      <p:bgPr>
+        <a:solidFill>
+          <a:schemeClr val="bg2"/>
+        </a:solidFill>
+        <a:effectLst/>
+      </p:bgPr>
+    </p:bg>
+    <p:spTree>
+      <p:nvGrpSpPr>
+        <p:cNvPr id="1" name=""/>
+        <p:cNvGrpSpPr/>
+        <p:nvPr/>
+      </p:nvGrpSpPr>
+      <p:grpSpPr>
+        <a:xfrm>
+          <a:off x="0" y="0"/>
+          <a:ext cx="0" cy="0"/>
+          <a:chOff x="0" y="0"/>
+          <a:chExt cx="0" cy="0"/>
+        </a:xfrm>
+      </p:grpSpPr>
+      <p:sp>
+        <p:nvSpPr>
+          <p:cNvPr id="2" name="Title 1">
+            <a:extLst>
+              <a:ext uri="{FF2B5EF4-FFF2-40B4-BE49-F238E27FC236}">
+                <a16:creationId xmlns:a16="http://schemas.microsoft.com/office/drawing/2014/main" id="{E1809979-7069-1CAC-61FD-71B29F26F407}"/>
               </a:ext>
             </a:extLst>
           </p:cNvPr>
@@ -5397,13 +7211,13 @@
         </p:spPr>
         <p:txBody>
           <a:bodyPr>
-            <a:normAutofit/>
+            <a:normAutofit fontScale="90000"/>
           </a:bodyPr>
           <a:lstStyle/>
           <a:p>
             <a:r>
-              <a:rPr lang="en-US" sz="2000" dirty="0"/>
-              <a:t>Distributions of categorical variables</a:t>
+              <a:rPr lang="en-US" dirty="0"/>
+              <a:t>Number of employees vs deposits</a:t>
             </a:r>
           </a:p>
         </p:txBody>
@@ -5413,7 +7227,7 @@
           <p:cNvPr id="8" name="Content Placeholder 7">
             <a:extLst>
               <a:ext uri="{FF2B5EF4-FFF2-40B4-BE49-F238E27FC236}">
-                <a16:creationId xmlns:a16="http://schemas.microsoft.com/office/drawing/2014/main" id="{DA89DF2C-B347-451A-EDDE-2590D147E822}"/>
+                <a16:creationId xmlns:a16="http://schemas.microsoft.com/office/drawing/2014/main" id="{CBE809DD-B1D6-0120-FE98-5699FD9D9AE1}"/>
               </a:ext>
             </a:extLst>
           </p:cNvPr>
@@ -5437,6 +7251,1929 @@
           <a:lstStyle/>
           <a:p>
             <a:endParaRPr lang="en-US"/>
+          </a:p>
+        </p:txBody>
+      </p:sp>
+      <p:sp>
+        <p:nvSpPr>
+          <p:cNvPr id="11" name="Rectangle 10">
+            <a:extLst>
+              <a:ext uri="{FF2B5EF4-FFF2-40B4-BE49-F238E27FC236}">
+                <a16:creationId xmlns:a16="http://schemas.microsoft.com/office/drawing/2014/main" id="{B9A6A8C2-8B3A-4AD3-AFCC-F1D3F1F02D3F}"/>
+              </a:ext>
+              <a:ext uri="{C183D7F6-B498-43B3-948B-1728B52AA6E4}">
+                <adec:decorative xmlns:adec="http://schemas.microsoft.com/office/drawing/2017/decorative" val="1"/>
+              </a:ext>
+            </a:extLst>
+          </p:cNvPr>
+          <p:cNvSpPr>
+            <a:spLocks noGrp="1" noRot="1" noChangeAspect="1" noMove="1" noResize="1" noEditPoints="1" noAdjustHandles="1" noChangeArrowheads="1" noChangeShapeType="1" noTextEdit="1"/>
+          </p:cNvSpPr>
+          <p:nvPr>
+            <p:extLst>
+              <p:ext uri="{386F3935-93C4-4BCD-93E2-E3B085C9AB24}">
+                <p16:designElem xmlns:p16="http://schemas.microsoft.com/office/powerpoint/2015/main" val="1"/>
+              </p:ext>
+            </p:extLst>
+          </p:nvPr>
+        </p:nvSpPr>
+        <p:spPr>
+          <a:xfrm>
+            <a:off x="4494182" y="964692"/>
+            <a:ext cx="6885432" cy="4936558"/>
+          </a:xfrm>
+          <a:prstGeom prst="rect">
+            <a:avLst/>
+          </a:prstGeom>
+          <a:noFill/>
+          <a:ln w="31750" cap="sq">
+            <a:solidFill>
+              <a:srgbClr val="FFFFFF"/>
+            </a:solidFill>
+            <a:miter lim="800000"/>
+          </a:ln>
+        </p:spPr>
+        <p:style>
+          <a:lnRef idx="2">
+            <a:schemeClr val="accent1">
+              <a:shade val="50000"/>
+            </a:schemeClr>
+          </a:lnRef>
+          <a:fillRef idx="1">
+            <a:schemeClr val="accent1"/>
+          </a:fillRef>
+          <a:effectRef idx="0">
+            <a:schemeClr val="accent1"/>
+          </a:effectRef>
+          <a:fontRef idx="minor">
+            <a:schemeClr val="lt1"/>
+          </a:fontRef>
+        </p:style>
+        <p:txBody>
+          <a:bodyPr rtlCol="0" anchor="ctr"/>
+          <a:lstStyle/>
+          <a:p>
+            <a:pPr algn="ctr"/>
+            <a:endParaRPr lang="en-US" dirty="0"/>
+          </a:p>
+        </p:txBody>
+      </p:sp>
+      <p:sp>
+        <p:nvSpPr>
+          <p:cNvPr id="13" name="Rectangle 12">
+            <a:extLst>
+              <a:ext uri="{FF2B5EF4-FFF2-40B4-BE49-F238E27FC236}">
+                <a16:creationId xmlns:a16="http://schemas.microsoft.com/office/drawing/2014/main" id="{CDF64937-39B5-4AB3-A2EF-EA689BA6087B}"/>
+              </a:ext>
+              <a:ext uri="{C183D7F6-B498-43B3-948B-1728B52AA6E4}">
+                <adec:decorative xmlns:adec="http://schemas.microsoft.com/office/drawing/2017/decorative" val="1"/>
+              </a:ext>
+            </a:extLst>
+          </p:cNvPr>
+          <p:cNvSpPr>
+            <a:spLocks noGrp="1" noRot="1" noChangeAspect="1" noMove="1" noResize="1" noEditPoints="1" noAdjustHandles="1" noChangeArrowheads="1" noChangeShapeType="1" noTextEdit="1"/>
+          </p:cNvSpPr>
+          <p:nvPr>
+            <p:extLst>
+              <p:ext uri="{386F3935-93C4-4BCD-93E2-E3B085C9AB24}">
+                <p16:designElem xmlns:p16="http://schemas.microsoft.com/office/powerpoint/2015/main" val="1"/>
+              </p:ext>
+            </p:extLst>
+          </p:nvPr>
+        </p:nvSpPr>
+        <p:spPr>
+          <a:xfrm>
+            <a:off x="4657802" y="1128683"/>
+            <a:ext cx="6558192" cy="4608576"/>
+          </a:xfrm>
+          <a:prstGeom prst="rect">
+            <a:avLst/>
+          </a:prstGeom>
+          <a:solidFill>
+            <a:srgbClr val="FFFFFF"/>
+          </a:solidFill>
+          <a:ln>
+            <a:noFill/>
+          </a:ln>
+        </p:spPr>
+        <p:style>
+          <a:lnRef idx="2">
+            <a:schemeClr val="accent1">
+              <a:shade val="50000"/>
+            </a:schemeClr>
+          </a:lnRef>
+          <a:fillRef idx="1">
+            <a:schemeClr val="accent1"/>
+          </a:fillRef>
+          <a:effectRef idx="0">
+            <a:schemeClr val="accent1"/>
+          </a:effectRef>
+          <a:fontRef idx="minor">
+            <a:schemeClr val="lt1"/>
+          </a:fontRef>
+        </p:style>
+        <p:txBody>
+          <a:bodyPr rtlCol="0" anchor="ctr"/>
+          <a:lstStyle/>
+          <a:p>
+            <a:pPr algn="ctr"/>
+            <a:endParaRPr lang="en-US"/>
+          </a:p>
+        </p:txBody>
+      </p:sp>
+      <p:pic>
+        <p:nvPicPr>
+          <p:cNvPr id="4" name="Content Placeholder 3">
+            <a:extLst>
+              <a:ext uri="{FF2B5EF4-FFF2-40B4-BE49-F238E27FC236}">
+                <a16:creationId xmlns:a16="http://schemas.microsoft.com/office/drawing/2014/main" id="{4EDCDF1C-2E7E-C5BF-7824-755BAA009B87}"/>
+              </a:ext>
+            </a:extLst>
+          </p:cNvPr>
+          <p:cNvPicPr>
+            <a:picLocks noChangeAspect="1"/>
+          </p:cNvPicPr>
+          <p:nvPr/>
+        </p:nvPicPr>
+        <p:blipFill>
+          <a:blip r:embed="rId2"/>
+          <a:stretch>
+            <a:fillRect/>
+          </a:stretch>
+        </p:blipFill>
+        <p:spPr>
+          <a:xfrm>
+            <a:off x="4823366" y="1992963"/>
+            <a:ext cx="6227064" cy="2880016"/>
+          </a:xfrm>
+          <a:prstGeom prst="rect">
+            <a:avLst/>
+          </a:prstGeom>
+        </p:spPr>
+      </p:pic>
+    </p:spTree>
+    <p:extLst>
+      <p:ext uri="{BB962C8B-B14F-4D97-AF65-F5344CB8AC3E}">
+        <p14:creationId xmlns:p14="http://schemas.microsoft.com/office/powerpoint/2010/main" val="485437797"/>
+      </p:ext>
+    </p:extLst>
+  </p:cSld>
+  <p:clrMapOvr>
+    <a:masterClrMapping/>
+  </p:clrMapOvr>
+</p:sld>
+</file>
+
+<file path=ppt/slides/slide22.xml><?xml version="1.0" encoding="utf-8"?>
+<p:sld xmlns:a="http://schemas.openxmlformats.org/drawingml/2006/main" xmlns:r="http://schemas.openxmlformats.org/officeDocument/2006/relationships" xmlns:p="http://schemas.openxmlformats.org/presentationml/2006/main">
+  <p:cSld>
+    <p:bg>
+      <p:bgPr>
+        <a:solidFill>
+          <a:schemeClr val="bg2"/>
+        </a:solidFill>
+        <a:effectLst/>
+      </p:bgPr>
+    </p:bg>
+    <p:spTree>
+      <p:nvGrpSpPr>
+        <p:cNvPr id="1" name=""/>
+        <p:cNvGrpSpPr/>
+        <p:nvPr/>
+      </p:nvGrpSpPr>
+      <p:grpSpPr>
+        <a:xfrm>
+          <a:off x="0" y="0"/>
+          <a:ext cx="0" cy="0"/>
+          <a:chOff x="0" y="0"/>
+          <a:chExt cx="0" cy="0"/>
+        </a:xfrm>
+      </p:grpSpPr>
+      <p:sp>
+        <p:nvSpPr>
+          <p:cNvPr id="2" name="Title 1">
+            <a:extLst>
+              <a:ext uri="{FF2B5EF4-FFF2-40B4-BE49-F238E27FC236}">
+                <a16:creationId xmlns:a16="http://schemas.microsoft.com/office/drawing/2014/main" id="{20C7406C-EBC6-6D9D-6D65-A9A05A5F7E29}"/>
+              </a:ext>
+            </a:extLst>
+          </p:cNvPr>
+          <p:cNvSpPr>
+            <a:spLocks noGrp="1"/>
+          </p:cNvSpPr>
+          <p:nvPr>
+            <p:ph type="title"/>
+          </p:nvPr>
+        </p:nvSpPr>
+        <p:spPr>
+          <a:xfrm>
+            <a:off x="804672" y="964692"/>
+            <a:ext cx="3066937" cy="1188720"/>
+          </a:xfrm>
+        </p:spPr>
+        <p:txBody>
+          <a:bodyPr>
+            <a:normAutofit/>
+          </a:bodyPr>
+          <a:lstStyle/>
+          <a:p>
+            <a:endParaRPr lang="en-US"/>
+          </a:p>
+        </p:txBody>
+      </p:sp>
+      <p:sp>
+        <p:nvSpPr>
+          <p:cNvPr id="8" name="Content Placeholder 7">
+            <a:extLst>
+              <a:ext uri="{FF2B5EF4-FFF2-40B4-BE49-F238E27FC236}">
+                <a16:creationId xmlns:a16="http://schemas.microsoft.com/office/drawing/2014/main" id="{C85CEDE2-6A03-835F-B888-1F9244B5ACF5}"/>
+              </a:ext>
+            </a:extLst>
+          </p:cNvPr>
+          <p:cNvSpPr>
+            <a:spLocks noGrp="1"/>
+          </p:cNvSpPr>
+          <p:nvPr>
+            <p:ph idx="1"/>
+          </p:nvPr>
+        </p:nvSpPr>
+        <p:spPr>
+          <a:xfrm>
+            <a:off x="803244" y="2638044"/>
+            <a:ext cx="3063765" cy="3263206"/>
+          </a:xfrm>
+        </p:spPr>
+        <p:txBody>
+          <a:bodyPr>
+            <a:normAutofit/>
+          </a:bodyPr>
+          <a:lstStyle/>
+          <a:p>
+            <a:endParaRPr lang="en-US"/>
+          </a:p>
+        </p:txBody>
+      </p:sp>
+      <p:sp>
+        <p:nvSpPr>
+          <p:cNvPr id="11" name="Rectangle 10">
+            <a:extLst>
+              <a:ext uri="{FF2B5EF4-FFF2-40B4-BE49-F238E27FC236}">
+                <a16:creationId xmlns:a16="http://schemas.microsoft.com/office/drawing/2014/main" id="{B9A6A8C2-8B3A-4AD3-AFCC-F1D3F1F02D3F}"/>
+              </a:ext>
+              <a:ext uri="{C183D7F6-B498-43B3-948B-1728B52AA6E4}">
+                <adec:decorative xmlns:adec="http://schemas.microsoft.com/office/drawing/2017/decorative" val="1"/>
+              </a:ext>
+            </a:extLst>
+          </p:cNvPr>
+          <p:cNvSpPr>
+            <a:spLocks noGrp="1" noRot="1" noChangeAspect="1" noMove="1" noResize="1" noEditPoints="1" noAdjustHandles="1" noChangeArrowheads="1" noChangeShapeType="1" noTextEdit="1"/>
+          </p:cNvSpPr>
+          <p:nvPr>
+            <p:extLst>
+              <p:ext uri="{386F3935-93C4-4BCD-93E2-E3B085C9AB24}">
+                <p16:designElem xmlns:p16="http://schemas.microsoft.com/office/powerpoint/2015/main" val="1"/>
+              </p:ext>
+            </p:extLst>
+          </p:nvPr>
+        </p:nvSpPr>
+        <p:spPr>
+          <a:xfrm>
+            <a:off x="4494182" y="964692"/>
+            <a:ext cx="6885432" cy="4936558"/>
+          </a:xfrm>
+          <a:prstGeom prst="rect">
+            <a:avLst/>
+          </a:prstGeom>
+          <a:noFill/>
+          <a:ln w="31750" cap="sq">
+            <a:solidFill>
+              <a:srgbClr val="FFFFFF"/>
+            </a:solidFill>
+            <a:miter lim="800000"/>
+          </a:ln>
+        </p:spPr>
+        <p:style>
+          <a:lnRef idx="2">
+            <a:schemeClr val="accent1">
+              <a:shade val="50000"/>
+            </a:schemeClr>
+          </a:lnRef>
+          <a:fillRef idx="1">
+            <a:schemeClr val="accent1"/>
+          </a:fillRef>
+          <a:effectRef idx="0">
+            <a:schemeClr val="accent1"/>
+          </a:effectRef>
+          <a:fontRef idx="minor">
+            <a:schemeClr val="lt1"/>
+          </a:fontRef>
+        </p:style>
+        <p:txBody>
+          <a:bodyPr rtlCol="0" anchor="ctr"/>
+          <a:lstStyle/>
+          <a:p>
+            <a:pPr algn="ctr"/>
+            <a:endParaRPr lang="en-US" dirty="0"/>
+          </a:p>
+        </p:txBody>
+      </p:sp>
+      <p:sp>
+        <p:nvSpPr>
+          <p:cNvPr id="13" name="Rectangle 12">
+            <a:extLst>
+              <a:ext uri="{FF2B5EF4-FFF2-40B4-BE49-F238E27FC236}">
+                <a16:creationId xmlns:a16="http://schemas.microsoft.com/office/drawing/2014/main" id="{CDF64937-39B5-4AB3-A2EF-EA689BA6087B}"/>
+              </a:ext>
+              <a:ext uri="{C183D7F6-B498-43B3-948B-1728B52AA6E4}">
+                <adec:decorative xmlns:adec="http://schemas.microsoft.com/office/drawing/2017/decorative" val="1"/>
+              </a:ext>
+            </a:extLst>
+          </p:cNvPr>
+          <p:cNvSpPr>
+            <a:spLocks noGrp="1" noRot="1" noChangeAspect="1" noMove="1" noResize="1" noEditPoints="1" noAdjustHandles="1" noChangeArrowheads="1" noChangeShapeType="1" noTextEdit="1"/>
+          </p:cNvSpPr>
+          <p:nvPr>
+            <p:extLst>
+              <p:ext uri="{386F3935-93C4-4BCD-93E2-E3B085C9AB24}">
+                <p16:designElem xmlns:p16="http://schemas.microsoft.com/office/powerpoint/2015/main" val="1"/>
+              </p:ext>
+            </p:extLst>
+          </p:nvPr>
+        </p:nvSpPr>
+        <p:spPr>
+          <a:xfrm>
+            <a:off x="4657802" y="1128683"/>
+            <a:ext cx="6558192" cy="4608576"/>
+          </a:xfrm>
+          <a:prstGeom prst="rect">
+            <a:avLst/>
+          </a:prstGeom>
+          <a:solidFill>
+            <a:srgbClr val="FFFFFF"/>
+          </a:solidFill>
+          <a:ln>
+            <a:noFill/>
+          </a:ln>
+        </p:spPr>
+        <p:style>
+          <a:lnRef idx="2">
+            <a:schemeClr val="accent1">
+              <a:shade val="50000"/>
+            </a:schemeClr>
+          </a:lnRef>
+          <a:fillRef idx="1">
+            <a:schemeClr val="accent1"/>
+          </a:fillRef>
+          <a:effectRef idx="0">
+            <a:schemeClr val="accent1"/>
+          </a:effectRef>
+          <a:fontRef idx="minor">
+            <a:schemeClr val="lt1"/>
+          </a:fontRef>
+        </p:style>
+        <p:txBody>
+          <a:bodyPr rtlCol="0" anchor="ctr"/>
+          <a:lstStyle/>
+          <a:p>
+            <a:pPr algn="ctr"/>
+            <a:endParaRPr lang="en-US"/>
+          </a:p>
+        </p:txBody>
+      </p:sp>
+      <p:pic>
+        <p:nvPicPr>
+          <p:cNvPr id="4" name="Content Placeholder 3">
+            <a:extLst>
+              <a:ext uri="{FF2B5EF4-FFF2-40B4-BE49-F238E27FC236}">
+                <a16:creationId xmlns:a16="http://schemas.microsoft.com/office/drawing/2014/main" id="{8A966576-EE7C-50C2-1703-C342B5531A39}"/>
+              </a:ext>
+            </a:extLst>
+          </p:cNvPr>
+          <p:cNvPicPr>
+            <a:picLocks noChangeAspect="1"/>
+          </p:cNvPicPr>
+          <p:nvPr/>
+        </p:nvPicPr>
+        <p:blipFill>
+          <a:blip r:embed="rId2"/>
+          <a:stretch>
+            <a:fillRect/>
+          </a:stretch>
+        </p:blipFill>
+        <p:spPr>
+          <a:xfrm>
+            <a:off x="4823366" y="1969611"/>
+            <a:ext cx="6227064" cy="2926719"/>
+          </a:xfrm>
+          <a:prstGeom prst="rect">
+            <a:avLst/>
+          </a:prstGeom>
+        </p:spPr>
+      </p:pic>
+    </p:spTree>
+    <p:extLst>
+      <p:ext uri="{BB962C8B-B14F-4D97-AF65-F5344CB8AC3E}">
+        <p14:creationId xmlns:p14="http://schemas.microsoft.com/office/powerpoint/2010/main" val="3429850141"/>
+      </p:ext>
+    </p:extLst>
+  </p:cSld>
+  <p:clrMapOvr>
+    <a:masterClrMapping/>
+  </p:clrMapOvr>
+</p:sld>
+</file>
+
+<file path=ppt/slides/slide23.xml><?xml version="1.0" encoding="utf-8"?>
+<p:sld xmlns:a="http://schemas.openxmlformats.org/drawingml/2006/main" xmlns:r="http://schemas.openxmlformats.org/officeDocument/2006/relationships" xmlns:p="http://schemas.openxmlformats.org/presentationml/2006/main">
+  <p:cSld>
+    <p:spTree>
+      <p:nvGrpSpPr>
+        <p:cNvPr id="1" name=""/>
+        <p:cNvGrpSpPr/>
+        <p:nvPr/>
+      </p:nvGrpSpPr>
+      <p:grpSpPr>
+        <a:xfrm>
+          <a:off x="0" y="0"/>
+          <a:ext cx="0" cy="0"/>
+          <a:chOff x="0" y="0"/>
+          <a:chExt cx="0" cy="0"/>
+        </a:xfrm>
+      </p:grpSpPr>
+      <p:sp>
+        <p:nvSpPr>
+          <p:cNvPr id="2" name="Title 1">
+            <a:extLst>
+              <a:ext uri="{FF2B5EF4-FFF2-40B4-BE49-F238E27FC236}">
+                <a16:creationId xmlns:a16="http://schemas.microsoft.com/office/drawing/2014/main" id="{42DCF7CC-3F1F-5EE8-BEFE-61422634D27F}"/>
+              </a:ext>
+            </a:extLst>
+          </p:cNvPr>
+          <p:cNvSpPr>
+            <a:spLocks noGrp="1"/>
+          </p:cNvSpPr>
+          <p:nvPr>
+            <p:ph type="title"/>
+          </p:nvPr>
+        </p:nvSpPr>
+        <p:spPr/>
+        <p:txBody>
+          <a:bodyPr/>
+          <a:lstStyle/>
+          <a:p>
+            <a:r>
+              <a:rPr lang="en-US" dirty="0"/>
+              <a:t>Interest rates and deposits</a:t>
+            </a:r>
+          </a:p>
+        </p:txBody>
+      </p:sp>
+      <p:sp>
+        <p:nvSpPr>
+          <p:cNvPr id="3" name="Content Placeholder 2">
+            <a:extLst>
+              <a:ext uri="{FF2B5EF4-FFF2-40B4-BE49-F238E27FC236}">
+                <a16:creationId xmlns:a16="http://schemas.microsoft.com/office/drawing/2014/main" id="{99710C9B-F8B7-7FDC-0EA5-5E541D9EAA30}"/>
+              </a:ext>
+            </a:extLst>
+          </p:cNvPr>
+          <p:cNvSpPr>
+            <a:spLocks noGrp="1"/>
+          </p:cNvSpPr>
+          <p:nvPr>
+            <p:ph idx="1"/>
+          </p:nvPr>
+        </p:nvSpPr>
+        <p:spPr/>
+        <p:txBody>
+          <a:bodyPr>
+            <a:normAutofit fontScale="92500" lnSpcReduction="20000"/>
+          </a:bodyPr>
+          <a:lstStyle/>
+          <a:p>
+            <a:r>
+              <a:rPr lang="en-US" dirty="0"/>
+              <a:t>In periods of rising interest rates, consumers are more likely to purchase term deposits since the increased cost of borrowing makes savings more attractive. Also, with higher market interest rates, the financial institution will need to offer the investor a higher rate of interest, so the investor also earns more.</a:t>
+            </a:r>
+          </a:p>
+          <a:p>
+            <a:r>
+              <a:rPr lang="en-US" dirty="0"/>
+              <a:t>When interest rates decrease, consumers are encouraged to borrow and spend more, thereby stimulating the economy. In a low interest rate environment, demand for term deposits can decrease since investors can typically find alternative investment vehicles that pay a higher rate.</a:t>
+            </a:r>
+          </a:p>
+          <a:p>
+            <a:r>
+              <a:rPr lang="en-US" dirty="0"/>
+              <a:t>Term deposits are an extremely safe investment and are therefore very appealing to conservative, low-risk investors. </a:t>
+            </a:r>
+          </a:p>
+          <a:p>
+            <a:r>
+              <a:rPr lang="en-US" dirty="0"/>
+              <a:t>Source: https://</a:t>
+            </a:r>
+            <a:r>
+              <a:rPr lang="en-US" dirty="0" err="1"/>
+              <a:t>www.investopedia.com</a:t>
+            </a:r>
+            <a:r>
+              <a:rPr lang="en-US" dirty="0"/>
+              <a:t>/terms/t/</a:t>
+            </a:r>
+            <a:r>
+              <a:rPr lang="en-US" dirty="0" err="1"/>
+              <a:t>termdeposit.asp</a:t>
+            </a:r>
+            <a:br>
+              <a:rPr lang="en-US" dirty="0"/>
+            </a:br>
+            <a:endParaRPr lang="en-US" dirty="0"/>
+          </a:p>
+        </p:txBody>
+      </p:sp>
+    </p:spTree>
+    <p:extLst>
+      <p:ext uri="{BB962C8B-B14F-4D97-AF65-F5344CB8AC3E}">
+        <p14:creationId xmlns:p14="http://schemas.microsoft.com/office/powerpoint/2010/main" val="3674109466"/>
+      </p:ext>
+    </p:extLst>
+  </p:cSld>
+  <p:clrMapOvr>
+    <a:masterClrMapping/>
+  </p:clrMapOvr>
+</p:sld>
+</file>
+
+<file path=ppt/slides/slide24.xml><?xml version="1.0" encoding="utf-8"?>
+<p:sld xmlns:a="http://schemas.openxmlformats.org/drawingml/2006/main" xmlns:r="http://schemas.openxmlformats.org/officeDocument/2006/relationships" xmlns:p="http://schemas.openxmlformats.org/presentationml/2006/main">
+  <p:cSld>
+    <p:bg>
+      <p:bgPr>
+        <a:solidFill>
+          <a:schemeClr val="bg2"/>
+        </a:solidFill>
+        <a:effectLst/>
+      </p:bgPr>
+    </p:bg>
+    <p:spTree>
+      <p:nvGrpSpPr>
+        <p:cNvPr id="1" name=""/>
+        <p:cNvGrpSpPr/>
+        <p:nvPr/>
+      </p:nvGrpSpPr>
+      <p:grpSpPr>
+        <a:xfrm>
+          <a:off x="0" y="0"/>
+          <a:ext cx="0" cy="0"/>
+          <a:chOff x="0" y="0"/>
+          <a:chExt cx="0" cy="0"/>
+        </a:xfrm>
+      </p:grpSpPr>
+      <p:sp>
+        <p:nvSpPr>
+          <p:cNvPr id="2" name="Title 1">
+            <a:extLst>
+              <a:ext uri="{FF2B5EF4-FFF2-40B4-BE49-F238E27FC236}">
+                <a16:creationId xmlns:a16="http://schemas.microsoft.com/office/drawing/2014/main" id="{42DCF7CC-3F1F-5EE8-BEFE-61422634D27F}"/>
+              </a:ext>
+            </a:extLst>
+          </p:cNvPr>
+          <p:cNvSpPr>
+            <a:spLocks noGrp="1"/>
+          </p:cNvSpPr>
+          <p:nvPr>
+            <p:ph type="title"/>
+          </p:nvPr>
+        </p:nvSpPr>
+        <p:spPr>
+          <a:xfrm>
+            <a:off x="804672" y="964692"/>
+            <a:ext cx="3066937" cy="1188720"/>
+          </a:xfrm>
+        </p:spPr>
+        <p:txBody>
+          <a:bodyPr>
+            <a:normAutofit/>
+          </a:bodyPr>
+          <a:lstStyle/>
+          <a:p>
+            <a:r>
+              <a:rPr lang="en-US" sz="2400"/>
+              <a:t>Interest rates and deposits</a:t>
+            </a:r>
+          </a:p>
+        </p:txBody>
+      </p:sp>
+      <p:sp>
+        <p:nvSpPr>
+          <p:cNvPr id="3" name="Content Placeholder 2">
+            <a:extLst>
+              <a:ext uri="{FF2B5EF4-FFF2-40B4-BE49-F238E27FC236}">
+                <a16:creationId xmlns:a16="http://schemas.microsoft.com/office/drawing/2014/main" id="{99710C9B-F8B7-7FDC-0EA5-5E541D9EAA30}"/>
+              </a:ext>
+            </a:extLst>
+          </p:cNvPr>
+          <p:cNvSpPr>
+            <a:spLocks noGrp="1"/>
+          </p:cNvSpPr>
+          <p:nvPr>
+            <p:ph idx="1"/>
+          </p:nvPr>
+        </p:nvSpPr>
+        <p:spPr>
+          <a:xfrm>
+            <a:off x="803244" y="2638044"/>
+            <a:ext cx="3063765" cy="3263206"/>
+          </a:xfrm>
+        </p:spPr>
+        <p:txBody>
+          <a:bodyPr>
+            <a:normAutofit fontScale="92500" lnSpcReduction="20000"/>
+          </a:bodyPr>
+          <a:lstStyle/>
+          <a:p>
+            <a:pPr marL="0" indent="0">
+              <a:lnSpc>
+                <a:spcPct val="90000"/>
+              </a:lnSpc>
+              <a:buNone/>
+            </a:pPr>
+            <a:br>
+              <a:rPr lang="en-US" dirty="0"/>
+            </a:br>
+            <a:endParaRPr lang="en-US" dirty="0"/>
+          </a:p>
+          <a:p>
+            <a:pPr>
+              <a:lnSpc>
+                <a:spcPct val="90000"/>
+              </a:lnSpc>
+            </a:pPr>
+            <a:r>
+              <a:rPr lang="en-US" dirty="0"/>
+              <a:t>The 3 month Euribor interest rate is</a:t>
+            </a:r>
+            <a:r>
+              <a:rPr lang="en-US" b="1" dirty="0"/>
+              <a:t> </a:t>
+            </a:r>
+            <a:r>
+              <a:rPr lang="en-US" dirty="0"/>
+              <a:t>the interest rate at which a selection of European banks lend one another funds denominated in euros whereby the loans have a maturity of 3 months.</a:t>
+            </a:r>
+          </a:p>
+          <a:p>
+            <a:pPr>
+              <a:lnSpc>
+                <a:spcPct val="90000"/>
+              </a:lnSpc>
+            </a:pPr>
+            <a:r>
+              <a:rPr lang="en-US" dirty="0"/>
+              <a:t>Source: https://</a:t>
+            </a:r>
+            <a:r>
+              <a:rPr lang="en-US" dirty="0" err="1"/>
+              <a:t>www.global-rates.com</a:t>
+            </a:r>
+            <a:r>
+              <a:rPr lang="en-US" dirty="0"/>
+              <a:t>/</a:t>
+            </a:r>
+            <a:r>
+              <a:rPr lang="en-US" dirty="0" err="1"/>
+              <a:t>en</a:t>
+            </a:r>
+            <a:r>
+              <a:rPr lang="en-US" dirty="0"/>
+              <a:t>/interest-rates/</a:t>
+            </a:r>
+            <a:r>
+              <a:rPr lang="en-US" dirty="0" err="1"/>
+              <a:t>euribor</a:t>
+            </a:r>
+            <a:r>
+              <a:rPr lang="en-US" dirty="0"/>
+              <a:t>/2008.aspx</a:t>
+            </a:r>
+          </a:p>
+          <a:p>
+            <a:pPr marL="0" indent="0">
+              <a:lnSpc>
+                <a:spcPct val="90000"/>
+              </a:lnSpc>
+              <a:buNone/>
+            </a:pPr>
+            <a:br>
+              <a:rPr lang="en-US" dirty="0"/>
+            </a:br>
+            <a:endParaRPr lang="en-US" dirty="0"/>
+          </a:p>
+        </p:txBody>
+      </p:sp>
+      <p:sp>
+        <p:nvSpPr>
+          <p:cNvPr id="16" name="Rectangle 15">
+            <a:extLst>
+              <a:ext uri="{FF2B5EF4-FFF2-40B4-BE49-F238E27FC236}">
+                <a16:creationId xmlns:a16="http://schemas.microsoft.com/office/drawing/2014/main" id="{B9A6A8C2-8B3A-4AD3-AFCC-F1D3F1F02D3F}"/>
+              </a:ext>
+              <a:ext uri="{C183D7F6-B498-43B3-948B-1728B52AA6E4}">
+                <adec:decorative xmlns:adec="http://schemas.microsoft.com/office/drawing/2017/decorative" val="1"/>
+              </a:ext>
+            </a:extLst>
+          </p:cNvPr>
+          <p:cNvSpPr>
+            <a:spLocks noGrp="1" noRot="1" noChangeAspect="1" noMove="1" noResize="1" noEditPoints="1" noAdjustHandles="1" noChangeArrowheads="1" noChangeShapeType="1" noTextEdit="1"/>
+          </p:cNvSpPr>
+          <p:nvPr>
+            <p:extLst>
+              <p:ext uri="{386F3935-93C4-4BCD-93E2-E3B085C9AB24}">
+                <p16:designElem xmlns:p16="http://schemas.microsoft.com/office/powerpoint/2015/main" val="1"/>
+              </p:ext>
+            </p:extLst>
+          </p:nvPr>
+        </p:nvSpPr>
+        <p:spPr>
+          <a:xfrm>
+            <a:off x="4494182" y="964692"/>
+            <a:ext cx="6885432" cy="4936558"/>
+          </a:xfrm>
+          <a:prstGeom prst="rect">
+            <a:avLst/>
+          </a:prstGeom>
+          <a:noFill/>
+          <a:ln w="31750" cap="sq">
+            <a:solidFill>
+              <a:srgbClr val="FFFFFF"/>
+            </a:solidFill>
+            <a:miter lim="800000"/>
+          </a:ln>
+        </p:spPr>
+        <p:style>
+          <a:lnRef idx="2">
+            <a:schemeClr val="accent1">
+              <a:shade val="50000"/>
+            </a:schemeClr>
+          </a:lnRef>
+          <a:fillRef idx="1">
+            <a:schemeClr val="accent1"/>
+          </a:fillRef>
+          <a:effectRef idx="0">
+            <a:schemeClr val="accent1"/>
+          </a:effectRef>
+          <a:fontRef idx="minor">
+            <a:schemeClr val="lt1"/>
+          </a:fontRef>
+        </p:style>
+        <p:txBody>
+          <a:bodyPr rtlCol="0" anchor="ctr"/>
+          <a:lstStyle/>
+          <a:p>
+            <a:pPr algn="ctr"/>
+            <a:endParaRPr lang="en-US" dirty="0"/>
+          </a:p>
+        </p:txBody>
+      </p:sp>
+      <p:sp>
+        <p:nvSpPr>
+          <p:cNvPr id="18" name="Rectangle 17">
+            <a:extLst>
+              <a:ext uri="{FF2B5EF4-FFF2-40B4-BE49-F238E27FC236}">
+                <a16:creationId xmlns:a16="http://schemas.microsoft.com/office/drawing/2014/main" id="{CDF64937-39B5-4AB3-A2EF-EA689BA6087B}"/>
+              </a:ext>
+              <a:ext uri="{C183D7F6-B498-43B3-948B-1728B52AA6E4}">
+                <adec:decorative xmlns:adec="http://schemas.microsoft.com/office/drawing/2017/decorative" val="1"/>
+              </a:ext>
+            </a:extLst>
+          </p:cNvPr>
+          <p:cNvSpPr>
+            <a:spLocks noGrp="1" noRot="1" noChangeAspect="1" noMove="1" noResize="1" noEditPoints="1" noAdjustHandles="1" noChangeArrowheads="1" noChangeShapeType="1" noTextEdit="1"/>
+          </p:cNvSpPr>
+          <p:nvPr>
+            <p:extLst>
+              <p:ext uri="{386F3935-93C4-4BCD-93E2-E3B085C9AB24}">
+                <p16:designElem xmlns:p16="http://schemas.microsoft.com/office/powerpoint/2015/main" val="1"/>
+              </p:ext>
+            </p:extLst>
+          </p:nvPr>
+        </p:nvSpPr>
+        <p:spPr>
+          <a:xfrm>
+            <a:off x="4657802" y="1128683"/>
+            <a:ext cx="6558192" cy="4608576"/>
+          </a:xfrm>
+          <a:prstGeom prst="rect">
+            <a:avLst/>
+          </a:prstGeom>
+          <a:solidFill>
+            <a:srgbClr val="FFFFFF"/>
+          </a:solidFill>
+          <a:ln>
+            <a:noFill/>
+          </a:ln>
+        </p:spPr>
+        <p:style>
+          <a:lnRef idx="2">
+            <a:schemeClr val="accent1">
+              <a:shade val="50000"/>
+            </a:schemeClr>
+          </a:lnRef>
+          <a:fillRef idx="1">
+            <a:schemeClr val="accent1"/>
+          </a:fillRef>
+          <a:effectRef idx="0">
+            <a:schemeClr val="accent1"/>
+          </a:effectRef>
+          <a:fontRef idx="minor">
+            <a:schemeClr val="lt1"/>
+          </a:fontRef>
+        </p:style>
+        <p:txBody>
+          <a:bodyPr rtlCol="0" anchor="ctr"/>
+          <a:lstStyle/>
+          <a:p>
+            <a:pPr algn="ctr"/>
+            <a:endParaRPr lang="en-US"/>
+          </a:p>
+        </p:txBody>
+      </p:sp>
+      <p:pic>
+        <p:nvPicPr>
+          <p:cNvPr id="4" name="Picture 3" descr="Chart, line chart&#10;&#10;Description automatically generated">
+            <a:extLst>
+              <a:ext uri="{FF2B5EF4-FFF2-40B4-BE49-F238E27FC236}">
+                <a16:creationId xmlns:a16="http://schemas.microsoft.com/office/drawing/2014/main" id="{70C24CD1-8EF0-2E76-D80E-724E9C9B1354}"/>
+              </a:ext>
+            </a:extLst>
+          </p:cNvPr>
+          <p:cNvPicPr>
+            <a:picLocks noChangeAspect="1"/>
+          </p:cNvPicPr>
+          <p:nvPr/>
+        </p:nvPicPr>
+        <p:blipFill>
+          <a:blip r:embed="rId2"/>
+          <a:stretch>
+            <a:fillRect/>
+          </a:stretch>
+        </p:blipFill>
+        <p:spPr>
+          <a:xfrm>
+            <a:off x="4823366" y="2428857"/>
+            <a:ext cx="6227064" cy="2008227"/>
+          </a:xfrm>
+          <a:prstGeom prst="rect">
+            <a:avLst/>
+          </a:prstGeom>
+        </p:spPr>
+      </p:pic>
+    </p:spTree>
+    <p:extLst>
+      <p:ext uri="{BB962C8B-B14F-4D97-AF65-F5344CB8AC3E}">
+        <p14:creationId xmlns:p14="http://schemas.microsoft.com/office/powerpoint/2010/main" val="1102143672"/>
+      </p:ext>
+    </p:extLst>
+  </p:cSld>
+  <p:clrMapOvr>
+    <a:masterClrMapping/>
+  </p:clrMapOvr>
+</p:sld>
+</file>
+
+<file path=ppt/slides/slide25.xml><?xml version="1.0" encoding="utf-8"?>
+<p:sld xmlns:a="http://schemas.openxmlformats.org/drawingml/2006/main" xmlns:r="http://schemas.openxmlformats.org/officeDocument/2006/relationships" xmlns:p="http://schemas.openxmlformats.org/presentationml/2006/main">
+  <p:cSld>
+    <p:spTree>
+      <p:nvGrpSpPr>
+        <p:cNvPr id="1" name=""/>
+        <p:cNvGrpSpPr/>
+        <p:nvPr/>
+      </p:nvGrpSpPr>
+      <p:grpSpPr>
+        <a:xfrm>
+          <a:off x="0" y="0"/>
+          <a:ext cx="0" cy="0"/>
+          <a:chOff x="0" y="0"/>
+          <a:chExt cx="0" cy="0"/>
+        </a:xfrm>
+      </p:grpSpPr>
+      <p:sp>
+        <p:nvSpPr>
+          <p:cNvPr id="2" name="Title 1">
+            <a:extLst>
+              <a:ext uri="{FF2B5EF4-FFF2-40B4-BE49-F238E27FC236}">
+                <a16:creationId xmlns:a16="http://schemas.microsoft.com/office/drawing/2014/main" id="{F605D3CD-8023-F560-9DBE-7B488B07F55B}"/>
+              </a:ext>
+            </a:extLst>
+          </p:cNvPr>
+          <p:cNvSpPr>
+            <a:spLocks noGrp="1"/>
+          </p:cNvSpPr>
+          <p:nvPr>
+            <p:ph type="title"/>
+          </p:nvPr>
+        </p:nvSpPr>
+        <p:spPr/>
+        <p:txBody>
+          <a:bodyPr/>
+          <a:lstStyle/>
+          <a:p>
+            <a:r>
+              <a:rPr lang="en-US" dirty="0"/>
+              <a:t>Roc curve</a:t>
+            </a:r>
+          </a:p>
+        </p:txBody>
+      </p:sp>
+      <p:pic>
+        <p:nvPicPr>
+          <p:cNvPr id="4" name="Content Placeholder 3">
+            <a:extLst>
+              <a:ext uri="{FF2B5EF4-FFF2-40B4-BE49-F238E27FC236}">
+                <a16:creationId xmlns:a16="http://schemas.microsoft.com/office/drawing/2014/main" id="{AE74AF01-29E4-A9D2-1A8B-5FA5817243BB}"/>
+              </a:ext>
+            </a:extLst>
+          </p:cNvPr>
+          <p:cNvPicPr>
+            <a:picLocks noGrp="1" noChangeAspect="1"/>
+          </p:cNvPicPr>
+          <p:nvPr>
+            <p:ph idx="1"/>
+          </p:nvPr>
+        </p:nvPicPr>
+        <p:blipFill>
+          <a:blip r:embed="rId2"/>
+          <a:stretch>
+            <a:fillRect/>
+          </a:stretch>
+        </p:blipFill>
+        <p:spPr>
+          <a:xfrm>
+            <a:off x="2479098" y="2638425"/>
+            <a:ext cx="7233805" cy="3101975"/>
+          </a:xfrm>
+          <a:prstGeom prst="rect">
+            <a:avLst/>
+          </a:prstGeom>
+        </p:spPr>
+      </p:pic>
+    </p:spTree>
+    <p:extLst>
+      <p:ext uri="{BB962C8B-B14F-4D97-AF65-F5344CB8AC3E}">
+        <p14:creationId xmlns:p14="http://schemas.microsoft.com/office/powerpoint/2010/main" val="787895217"/>
+      </p:ext>
+    </p:extLst>
+  </p:cSld>
+  <p:clrMapOvr>
+    <a:masterClrMapping/>
+  </p:clrMapOvr>
+</p:sld>
+</file>
+
+<file path=ppt/slides/slide26.xml><?xml version="1.0" encoding="utf-8"?>
+<p:sld xmlns:a="http://schemas.openxmlformats.org/drawingml/2006/main" xmlns:r="http://schemas.openxmlformats.org/officeDocument/2006/relationships" xmlns:p="http://schemas.openxmlformats.org/presentationml/2006/main">
+  <p:cSld>
+    <p:bg>
+      <p:bgPr>
+        <a:solidFill>
+          <a:schemeClr val="bg2"/>
+        </a:solidFill>
+        <a:effectLst/>
+      </p:bgPr>
+    </p:bg>
+    <p:spTree>
+      <p:nvGrpSpPr>
+        <p:cNvPr id="1" name=""/>
+        <p:cNvGrpSpPr/>
+        <p:nvPr/>
+      </p:nvGrpSpPr>
+      <p:grpSpPr>
+        <a:xfrm>
+          <a:off x="0" y="0"/>
+          <a:ext cx="0" cy="0"/>
+          <a:chOff x="0" y="0"/>
+          <a:chExt cx="0" cy="0"/>
+        </a:xfrm>
+      </p:grpSpPr>
+      <p:sp>
+        <p:nvSpPr>
+          <p:cNvPr id="2" name="Title 1">
+            <a:extLst>
+              <a:ext uri="{FF2B5EF4-FFF2-40B4-BE49-F238E27FC236}">
+                <a16:creationId xmlns:a16="http://schemas.microsoft.com/office/drawing/2014/main" id="{7DF4C2E0-50CD-C08B-DDE2-31594F98E420}"/>
+              </a:ext>
+            </a:extLst>
+          </p:cNvPr>
+          <p:cNvSpPr>
+            <a:spLocks noGrp="1"/>
+          </p:cNvSpPr>
+          <p:nvPr>
+            <p:ph type="title"/>
+          </p:nvPr>
+        </p:nvSpPr>
+        <p:spPr>
+          <a:xfrm>
+            <a:off x="804672" y="964692"/>
+            <a:ext cx="3066937" cy="1188720"/>
+          </a:xfrm>
+        </p:spPr>
+        <p:txBody>
+          <a:bodyPr>
+            <a:normAutofit fontScale="90000"/>
+          </a:bodyPr>
+          <a:lstStyle/>
+          <a:p>
+            <a:r>
+              <a:rPr lang="en-US" dirty="0"/>
+              <a:t>Telephone type vs deposit</a:t>
+            </a:r>
+          </a:p>
+        </p:txBody>
+      </p:sp>
+      <p:sp>
+        <p:nvSpPr>
+          <p:cNvPr id="8" name="Content Placeholder 7">
+            <a:extLst>
+              <a:ext uri="{FF2B5EF4-FFF2-40B4-BE49-F238E27FC236}">
+                <a16:creationId xmlns:a16="http://schemas.microsoft.com/office/drawing/2014/main" id="{40038055-A281-1B2F-6F11-8374148AA378}"/>
+              </a:ext>
+            </a:extLst>
+          </p:cNvPr>
+          <p:cNvSpPr>
+            <a:spLocks noGrp="1"/>
+          </p:cNvSpPr>
+          <p:nvPr>
+            <p:ph idx="1"/>
+          </p:nvPr>
+        </p:nvSpPr>
+        <p:spPr>
+          <a:xfrm>
+            <a:off x="803244" y="2638044"/>
+            <a:ext cx="3063765" cy="3263206"/>
+          </a:xfrm>
+        </p:spPr>
+        <p:txBody>
+          <a:bodyPr>
+            <a:normAutofit/>
+          </a:bodyPr>
+          <a:lstStyle/>
+          <a:p>
+            <a:r>
+              <a:rPr lang="en-US" dirty="0"/>
+              <a:t>Cellular contact are more likely to say yes</a:t>
+            </a:r>
+          </a:p>
+        </p:txBody>
+      </p:sp>
+      <p:sp>
+        <p:nvSpPr>
+          <p:cNvPr id="11" name="Rectangle 10">
+            <a:extLst>
+              <a:ext uri="{FF2B5EF4-FFF2-40B4-BE49-F238E27FC236}">
+                <a16:creationId xmlns:a16="http://schemas.microsoft.com/office/drawing/2014/main" id="{B9A6A8C2-8B3A-4AD3-AFCC-F1D3F1F02D3F}"/>
+              </a:ext>
+              <a:ext uri="{C183D7F6-B498-43B3-948B-1728B52AA6E4}">
+                <adec:decorative xmlns:adec="http://schemas.microsoft.com/office/drawing/2017/decorative" val="1"/>
+              </a:ext>
+            </a:extLst>
+          </p:cNvPr>
+          <p:cNvSpPr>
+            <a:spLocks noGrp="1" noRot="1" noChangeAspect="1" noMove="1" noResize="1" noEditPoints="1" noAdjustHandles="1" noChangeArrowheads="1" noChangeShapeType="1" noTextEdit="1"/>
+          </p:cNvSpPr>
+          <p:nvPr>
+            <p:extLst>
+              <p:ext uri="{386F3935-93C4-4BCD-93E2-E3B085C9AB24}">
+                <p16:designElem xmlns:p16="http://schemas.microsoft.com/office/powerpoint/2015/main" val="1"/>
+              </p:ext>
+            </p:extLst>
+          </p:nvPr>
+        </p:nvSpPr>
+        <p:spPr>
+          <a:xfrm>
+            <a:off x="4494182" y="964692"/>
+            <a:ext cx="6885432" cy="4936558"/>
+          </a:xfrm>
+          <a:prstGeom prst="rect">
+            <a:avLst/>
+          </a:prstGeom>
+          <a:noFill/>
+          <a:ln w="31750" cap="sq">
+            <a:solidFill>
+              <a:srgbClr val="FFFFFF"/>
+            </a:solidFill>
+            <a:miter lim="800000"/>
+          </a:ln>
+        </p:spPr>
+        <p:style>
+          <a:lnRef idx="2">
+            <a:schemeClr val="accent1">
+              <a:shade val="50000"/>
+            </a:schemeClr>
+          </a:lnRef>
+          <a:fillRef idx="1">
+            <a:schemeClr val="accent1"/>
+          </a:fillRef>
+          <a:effectRef idx="0">
+            <a:schemeClr val="accent1"/>
+          </a:effectRef>
+          <a:fontRef idx="minor">
+            <a:schemeClr val="lt1"/>
+          </a:fontRef>
+        </p:style>
+        <p:txBody>
+          <a:bodyPr rtlCol="0" anchor="ctr"/>
+          <a:lstStyle/>
+          <a:p>
+            <a:pPr algn="ctr"/>
+            <a:endParaRPr lang="en-US" dirty="0"/>
+          </a:p>
+        </p:txBody>
+      </p:sp>
+      <p:sp>
+        <p:nvSpPr>
+          <p:cNvPr id="13" name="Rectangle 12">
+            <a:extLst>
+              <a:ext uri="{FF2B5EF4-FFF2-40B4-BE49-F238E27FC236}">
+                <a16:creationId xmlns:a16="http://schemas.microsoft.com/office/drawing/2014/main" id="{CDF64937-39B5-4AB3-A2EF-EA689BA6087B}"/>
+              </a:ext>
+              <a:ext uri="{C183D7F6-B498-43B3-948B-1728B52AA6E4}">
+                <adec:decorative xmlns:adec="http://schemas.microsoft.com/office/drawing/2017/decorative" val="1"/>
+              </a:ext>
+            </a:extLst>
+          </p:cNvPr>
+          <p:cNvSpPr>
+            <a:spLocks noGrp="1" noRot="1" noChangeAspect="1" noMove="1" noResize="1" noEditPoints="1" noAdjustHandles="1" noChangeArrowheads="1" noChangeShapeType="1" noTextEdit="1"/>
+          </p:cNvSpPr>
+          <p:nvPr>
+            <p:extLst>
+              <p:ext uri="{386F3935-93C4-4BCD-93E2-E3B085C9AB24}">
+                <p16:designElem xmlns:p16="http://schemas.microsoft.com/office/powerpoint/2015/main" val="1"/>
+              </p:ext>
+            </p:extLst>
+          </p:nvPr>
+        </p:nvSpPr>
+        <p:spPr>
+          <a:xfrm>
+            <a:off x="4657802" y="1128683"/>
+            <a:ext cx="6558192" cy="4608576"/>
+          </a:xfrm>
+          <a:prstGeom prst="rect">
+            <a:avLst/>
+          </a:prstGeom>
+          <a:solidFill>
+            <a:srgbClr val="FFFFFF"/>
+          </a:solidFill>
+          <a:ln>
+            <a:noFill/>
+          </a:ln>
+        </p:spPr>
+        <p:style>
+          <a:lnRef idx="2">
+            <a:schemeClr val="accent1">
+              <a:shade val="50000"/>
+            </a:schemeClr>
+          </a:lnRef>
+          <a:fillRef idx="1">
+            <a:schemeClr val="accent1"/>
+          </a:fillRef>
+          <a:effectRef idx="0">
+            <a:schemeClr val="accent1"/>
+          </a:effectRef>
+          <a:fontRef idx="minor">
+            <a:schemeClr val="lt1"/>
+          </a:fontRef>
+        </p:style>
+        <p:txBody>
+          <a:bodyPr rtlCol="0" anchor="ctr"/>
+          <a:lstStyle/>
+          <a:p>
+            <a:pPr algn="ctr"/>
+            <a:endParaRPr lang="en-US"/>
+          </a:p>
+        </p:txBody>
+      </p:sp>
+      <p:pic>
+        <p:nvPicPr>
+          <p:cNvPr id="4" name="Content Placeholder 3" descr="Chart, treemap chart&#10;&#10;Description automatically generated">
+            <a:extLst>
+              <a:ext uri="{FF2B5EF4-FFF2-40B4-BE49-F238E27FC236}">
+                <a16:creationId xmlns:a16="http://schemas.microsoft.com/office/drawing/2014/main" id="{DBA9DFBA-3AA5-0827-EBFB-2F7803A6F027}"/>
+              </a:ext>
+            </a:extLst>
+          </p:cNvPr>
+          <p:cNvPicPr>
+            <a:picLocks noChangeAspect="1"/>
+          </p:cNvPicPr>
+          <p:nvPr/>
+        </p:nvPicPr>
+        <p:blipFill>
+          <a:blip r:embed="rId2"/>
+          <a:stretch>
+            <a:fillRect/>
+          </a:stretch>
+        </p:blipFill>
+        <p:spPr>
+          <a:xfrm>
+            <a:off x="4823366" y="1502581"/>
+            <a:ext cx="6227064" cy="3860779"/>
+          </a:xfrm>
+          <a:prstGeom prst="rect">
+            <a:avLst/>
+          </a:prstGeom>
+        </p:spPr>
+      </p:pic>
+    </p:spTree>
+    <p:extLst>
+      <p:ext uri="{BB962C8B-B14F-4D97-AF65-F5344CB8AC3E}">
+        <p14:creationId xmlns:p14="http://schemas.microsoft.com/office/powerpoint/2010/main" val="885346616"/>
+      </p:ext>
+    </p:extLst>
+  </p:cSld>
+  <p:clrMapOvr>
+    <a:masterClrMapping/>
+  </p:clrMapOvr>
+</p:sld>
+</file>
+
+<file path=ppt/slides/slide27.xml><?xml version="1.0" encoding="utf-8"?>
+<p:sld xmlns:a="http://schemas.openxmlformats.org/drawingml/2006/main" xmlns:r="http://schemas.openxmlformats.org/officeDocument/2006/relationships" xmlns:p="http://schemas.openxmlformats.org/presentationml/2006/main">
+  <p:cSld>
+    <p:bg>
+      <p:bgPr>
+        <a:solidFill>
+          <a:schemeClr val="bg2"/>
+        </a:solidFill>
+        <a:effectLst/>
+      </p:bgPr>
+    </p:bg>
+    <p:spTree>
+      <p:nvGrpSpPr>
+        <p:cNvPr id="1" name=""/>
+        <p:cNvGrpSpPr/>
+        <p:nvPr/>
+      </p:nvGrpSpPr>
+      <p:grpSpPr>
+        <a:xfrm>
+          <a:off x="0" y="0"/>
+          <a:ext cx="0" cy="0"/>
+          <a:chOff x="0" y="0"/>
+          <a:chExt cx="0" cy="0"/>
+        </a:xfrm>
+      </p:grpSpPr>
+      <p:sp>
+        <p:nvSpPr>
+          <p:cNvPr id="2" name="Title 1">
+            <a:extLst>
+              <a:ext uri="{FF2B5EF4-FFF2-40B4-BE49-F238E27FC236}">
+                <a16:creationId xmlns:a16="http://schemas.microsoft.com/office/drawing/2014/main" id="{E2AEAEBE-F2E7-353B-B7C5-D443F755248E}"/>
+              </a:ext>
+            </a:extLst>
+          </p:cNvPr>
+          <p:cNvSpPr>
+            <a:spLocks noGrp="1"/>
+          </p:cNvSpPr>
+          <p:nvPr>
+            <p:ph type="title"/>
+          </p:nvPr>
+        </p:nvSpPr>
+        <p:spPr>
+          <a:xfrm>
+            <a:off x="804672" y="964692"/>
+            <a:ext cx="3066937" cy="1188720"/>
+          </a:xfrm>
+        </p:spPr>
+        <p:txBody>
+          <a:bodyPr>
+            <a:normAutofit/>
+          </a:bodyPr>
+          <a:lstStyle/>
+          <a:p>
+            <a:r>
+              <a:rPr lang="en-US" dirty="0"/>
+              <a:t>Deposits by month</a:t>
+            </a:r>
+          </a:p>
+        </p:txBody>
+      </p:sp>
+      <p:sp>
+        <p:nvSpPr>
+          <p:cNvPr id="8" name="Content Placeholder 7">
+            <a:extLst>
+              <a:ext uri="{FF2B5EF4-FFF2-40B4-BE49-F238E27FC236}">
+                <a16:creationId xmlns:a16="http://schemas.microsoft.com/office/drawing/2014/main" id="{E8FAF2AA-3378-CCE0-9B98-17DF575F7A5B}"/>
+              </a:ext>
+            </a:extLst>
+          </p:cNvPr>
+          <p:cNvSpPr>
+            <a:spLocks noGrp="1"/>
+          </p:cNvSpPr>
+          <p:nvPr>
+            <p:ph idx="1"/>
+          </p:nvPr>
+        </p:nvSpPr>
+        <p:spPr>
+          <a:xfrm>
+            <a:off x="803244" y="2638044"/>
+            <a:ext cx="3063765" cy="3263206"/>
+          </a:xfrm>
+        </p:spPr>
+        <p:txBody>
+          <a:bodyPr>
+            <a:normAutofit/>
+          </a:bodyPr>
+          <a:lstStyle/>
+          <a:p>
+            <a:r>
+              <a:rPr lang="en-US" dirty="0"/>
+              <a:t>High frequency of yeses in April, March, October, September, and December</a:t>
+            </a:r>
+          </a:p>
+          <a:p>
+            <a:r>
+              <a:rPr lang="en-US" dirty="0"/>
+              <a:t>A lot of activity in May, but most people say no: perhaps rework the timing of calls to have more calls be placed in April, March, October, September, and December</a:t>
+            </a:r>
+          </a:p>
+          <a:p>
+            <a:endParaRPr lang="en-US" dirty="0"/>
+          </a:p>
+        </p:txBody>
+      </p:sp>
+      <p:sp>
+        <p:nvSpPr>
+          <p:cNvPr id="11" name="Rectangle 10">
+            <a:extLst>
+              <a:ext uri="{FF2B5EF4-FFF2-40B4-BE49-F238E27FC236}">
+                <a16:creationId xmlns:a16="http://schemas.microsoft.com/office/drawing/2014/main" id="{B9A6A8C2-8B3A-4AD3-AFCC-F1D3F1F02D3F}"/>
+              </a:ext>
+              <a:ext uri="{C183D7F6-B498-43B3-948B-1728B52AA6E4}">
+                <adec:decorative xmlns:adec="http://schemas.microsoft.com/office/drawing/2017/decorative" val="1"/>
+              </a:ext>
+            </a:extLst>
+          </p:cNvPr>
+          <p:cNvSpPr>
+            <a:spLocks noGrp="1" noRot="1" noChangeAspect="1" noMove="1" noResize="1" noEditPoints="1" noAdjustHandles="1" noChangeArrowheads="1" noChangeShapeType="1" noTextEdit="1"/>
+          </p:cNvSpPr>
+          <p:nvPr>
+            <p:extLst>
+              <p:ext uri="{386F3935-93C4-4BCD-93E2-E3B085C9AB24}">
+                <p16:designElem xmlns:p16="http://schemas.microsoft.com/office/powerpoint/2015/main" val="1"/>
+              </p:ext>
+            </p:extLst>
+          </p:nvPr>
+        </p:nvSpPr>
+        <p:spPr>
+          <a:xfrm>
+            <a:off x="4494182" y="964692"/>
+            <a:ext cx="6885432" cy="4936558"/>
+          </a:xfrm>
+          <a:prstGeom prst="rect">
+            <a:avLst/>
+          </a:prstGeom>
+          <a:noFill/>
+          <a:ln w="31750" cap="sq">
+            <a:solidFill>
+              <a:srgbClr val="FFFFFF"/>
+            </a:solidFill>
+            <a:miter lim="800000"/>
+          </a:ln>
+        </p:spPr>
+        <p:style>
+          <a:lnRef idx="2">
+            <a:schemeClr val="accent1">
+              <a:shade val="50000"/>
+            </a:schemeClr>
+          </a:lnRef>
+          <a:fillRef idx="1">
+            <a:schemeClr val="accent1"/>
+          </a:fillRef>
+          <a:effectRef idx="0">
+            <a:schemeClr val="accent1"/>
+          </a:effectRef>
+          <a:fontRef idx="minor">
+            <a:schemeClr val="lt1"/>
+          </a:fontRef>
+        </p:style>
+        <p:txBody>
+          <a:bodyPr rtlCol="0" anchor="ctr"/>
+          <a:lstStyle/>
+          <a:p>
+            <a:pPr algn="ctr"/>
+            <a:endParaRPr lang="en-US" dirty="0"/>
+          </a:p>
+        </p:txBody>
+      </p:sp>
+      <p:sp>
+        <p:nvSpPr>
+          <p:cNvPr id="13" name="Rectangle 12">
+            <a:extLst>
+              <a:ext uri="{FF2B5EF4-FFF2-40B4-BE49-F238E27FC236}">
+                <a16:creationId xmlns:a16="http://schemas.microsoft.com/office/drawing/2014/main" id="{CDF64937-39B5-4AB3-A2EF-EA689BA6087B}"/>
+              </a:ext>
+              <a:ext uri="{C183D7F6-B498-43B3-948B-1728B52AA6E4}">
+                <adec:decorative xmlns:adec="http://schemas.microsoft.com/office/drawing/2017/decorative" val="1"/>
+              </a:ext>
+            </a:extLst>
+          </p:cNvPr>
+          <p:cNvSpPr>
+            <a:spLocks noGrp="1" noRot="1" noChangeAspect="1" noMove="1" noResize="1" noEditPoints="1" noAdjustHandles="1" noChangeArrowheads="1" noChangeShapeType="1" noTextEdit="1"/>
+          </p:cNvSpPr>
+          <p:nvPr>
+            <p:extLst>
+              <p:ext uri="{386F3935-93C4-4BCD-93E2-E3B085C9AB24}">
+                <p16:designElem xmlns:p16="http://schemas.microsoft.com/office/powerpoint/2015/main" val="1"/>
+              </p:ext>
+            </p:extLst>
+          </p:nvPr>
+        </p:nvSpPr>
+        <p:spPr>
+          <a:xfrm>
+            <a:off x="4657802" y="1128683"/>
+            <a:ext cx="6558192" cy="4608576"/>
+          </a:xfrm>
+          <a:prstGeom prst="rect">
+            <a:avLst/>
+          </a:prstGeom>
+          <a:solidFill>
+            <a:srgbClr val="FFFFFF"/>
+          </a:solidFill>
+          <a:ln>
+            <a:noFill/>
+          </a:ln>
+        </p:spPr>
+        <p:style>
+          <a:lnRef idx="2">
+            <a:schemeClr val="accent1">
+              <a:shade val="50000"/>
+            </a:schemeClr>
+          </a:lnRef>
+          <a:fillRef idx="1">
+            <a:schemeClr val="accent1"/>
+          </a:fillRef>
+          <a:effectRef idx="0">
+            <a:schemeClr val="accent1"/>
+          </a:effectRef>
+          <a:fontRef idx="minor">
+            <a:schemeClr val="lt1"/>
+          </a:fontRef>
+        </p:style>
+        <p:txBody>
+          <a:bodyPr rtlCol="0" anchor="ctr"/>
+          <a:lstStyle/>
+          <a:p>
+            <a:pPr algn="ctr"/>
+            <a:endParaRPr lang="en-US"/>
+          </a:p>
+        </p:txBody>
+      </p:sp>
+      <p:pic>
+        <p:nvPicPr>
+          <p:cNvPr id="4" name="Content Placeholder 3" descr="Chart, bar chart&#10;&#10;Description automatically generated">
+            <a:extLst>
+              <a:ext uri="{FF2B5EF4-FFF2-40B4-BE49-F238E27FC236}">
+                <a16:creationId xmlns:a16="http://schemas.microsoft.com/office/drawing/2014/main" id="{88E3B023-A976-20B2-7117-9F428A6703A0}"/>
+              </a:ext>
+            </a:extLst>
+          </p:cNvPr>
+          <p:cNvPicPr>
+            <a:picLocks noChangeAspect="1"/>
+          </p:cNvPicPr>
+          <p:nvPr/>
+        </p:nvPicPr>
+        <p:blipFill>
+          <a:blip r:embed="rId2"/>
+          <a:stretch>
+            <a:fillRect/>
+          </a:stretch>
+        </p:blipFill>
+        <p:spPr>
+          <a:xfrm>
+            <a:off x="4823366" y="1876205"/>
+            <a:ext cx="6227064" cy="3113531"/>
+          </a:xfrm>
+          <a:prstGeom prst="rect">
+            <a:avLst/>
+          </a:prstGeom>
+        </p:spPr>
+      </p:pic>
+    </p:spTree>
+    <p:extLst>
+      <p:ext uri="{BB962C8B-B14F-4D97-AF65-F5344CB8AC3E}">
+        <p14:creationId xmlns:p14="http://schemas.microsoft.com/office/powerpoint/2010/main" val="4281674797"/>
+      </p:ext>
+    </p:extLst>
+  </p:cSld>
+  <p:clrMapOvr>
+    <a:masterClrMapping/>
+  </p:clrMapOvr>
+</p:sld>
+</file>
+
+<file path=ppt/slides/slide28.xml><?xml version="1.0" encoding="utf-8"?>
+<p:sld xmlns:a="http://schemas.openxmlformats.org/drawingml/2006/main" xmlns:r="http://schemas.openxmlformats.org/officeDocument/2006/relationships" xmlns:p="http://schemas.openxmlformats.org/presentationml/2006/main">
+  <p:cSld>
+    <p:spTree>
+      <p:nvGrpSpPr>
+        <p:cNvPr id="1" name=""/>
+        <p:cNvGrpSpPr/>
+        <p:nvPr/>
+      </p:nvGrpSpPr>
+      <p:grpSpPr>
+        <a:xfrm>
+          <a:off x="0" y="0"/>
+          <a:ext cx="0" cy="0"/>
+          <a:chOff x="0" y="0"/>
+          <a:chExt cx="0" cy="0"/>
+        </a:xfrm>
+      </p:grpSpPr>
+      <p:sp>
+        <p:nvSpPr>
+          <p:cNvPr id="2" name="Title 1">
+            <a:extLst>
+              <a:ext uri="{FF2B5EF4-FFF2-40B4-BE49-F238E27FC236}">
+                <a16:creationId xmlns:a16="http://schemas.microsoft.com/office/drawing/2014/main" id="{B14D7E61-E472-9F21-1DA9-153E30F096E4}"/>
+              </a:ext>
+            </a:extLst>
+          </p:cNvPr>
+          <p:cNvSpPr>
+            <a:spLocks noGrp="1"/>
+          </p:cNvSpPr>
+          <p:nvPr>
+            <p:ph type="title"/>
+          </p:nvPr>
+        </p:nvSpPr>
+        <p:spPr/>
+        <p:txBody>
+          <a:bodyPr/>
+          <a:lstStyle/>
+          <a:p>
+            <a:r>
+              <a:rPr lang="en-US" dirty="0"/>
+              <a:t>Cost of no-ml strategy</a:t>
+            </a:r>
+          </a:p>
+        </p:txBody>
+      </p:sp>
+      <p:sp>
+        <p:nvSpPr>
+          <p:cNvPr id="3" name="Content Placeholder 2">
+            <a:extLst>
+              <a:ext uri="{FF2B5EF4-FFF2-40B4-BE49-F238E27FC236}">
+                <a16:creationId xmlns:a16="http://schemas.microsoft.com/office/drawing/2014/main" id="{A4AA96FF-A42F-9FB1-7ECF-CBA43F2C9C9B}"/>
+              </a:ext>
+            </a:extLst>
+          </p:cNvPr>
+          <p:cNvSpPr>
+            <a:spLocks noGrp="1"/>
+          </p:cNvSpPr>
+          <p:nvPr>
+            <p:ph idx="1"/>
+          </p:nvPr>
+        </p:nvSpPr>
+        <p:spPr/>
+        <p:txBody>
+          <a:bodyPr>
+            <a:normAutofit fontScale="85000" lnSpcReduction="10000"/>
+          </a:bodyPr>
+          <a:lstStyle/>
+          <a:p>
+            <a:r>
+              <a:rPr lang="en-US" dirty="0"/>
+              <a:t>Assuming a uniform distribution of yeses and noes, to reach 62% of the possible yeses, the bank would call .63362*41188=26098 customers.</a:t>
+            </a:r>
+          </a:p>
+          <a:p>
+            <a:pPr lvl="1"/>
+            <a:r>
+              <a:rPr lang="en-US" dirty="0"/>
+              <a:t>11.265% will say yes, with a length of call per yes being 553.1912 seconds, for a total of 452 hours. In addition, there were a total of 2.05 previous contacts per every ‘yes’ customer.  Assuming these were not ‘yeses’ then, the cost is additional 362 hours.  Total cost of 804 hours.</a:t>
+            </a:r>
+          </a:p>
+          <a:p>
+            <a:pPr lvl="1"/>
+            <a:r>
+              <a:rPr lang="en-US" dirty="0"/>
+              <a:t>88.735% will say no, with a length of call per yes being 220.8448 seconds, for a total of 1390 hours. In addition, there were a total of 2.63 previous contacts per every ‘no’ customer.  Assuming these were not ‘yeses’ then, the cost is additional 3656 hours.  Total cost of 5046 hours.</a:t>
+            </a:r>
+          </a:p>
+          <a:p>
+            <a:pPr lvl="1"/>
+            <a:r>
+              <a:rPr lang="en-US" dirty="0"/>
+              <a:t>Lower bound cost of acquiring 62% yeses: $10/</a:t>
+            </a:r>
+            <a:r>
+              <a:rPr lang="en-US" dirty="0" err="1"/>
+              <a:t>hr</a:t>
+            </a:r>
+            <a:r>
+              <a:rPr lang="en-US" dirty="0"/>
+              <a:t>*(5850)</a:t>
+            </a:r>
+            <a:r>
+              <a:rPr lang="en-US" dirty="0" err="1"/>
+              <a:t>hrs</a:t>
+            </a:r>
+            <a:r>
+              <a:rPr lang="en-US" dirty="0"/>
+              <a:t>= $58,500+long-term customer value and reputation costs</a:t>
+            </a:r>
+          </a:p>
+          <a:p>
+            <a:pPr lvl="1"/>
+            <a:r>
+              <a:rPr lang="en-US" dirty="0"/>
+              <a:t>Upper bound cost of acquiring 62% yeses: $20/</a:t>
+            </a:r>
+            <a:r>
+              <a:rPr lang="en-US" dirty="0" err="1"/>
+              <a:t>hr</a:t>
+            </a:r>
+            <a:r>
+              <a:rPr lang="en-US" dirty="0"/>
+              <a:t>*(5850)</a:t>
+            </a:r>
+            <a:r>
+              <a:rPr lang="en-US" dirty="0" err="1"/>
+              <a:t>hrs</a:t>
+            </a:r>
+            <a:r>
+              <a:rPr lang="en-US" dirty="0"/>
+              <a:t>= $117,000 +long-term customer value and reputation costs</a:t>
+            </a:r>
+          </a:p>
+          <a:p>
+            <a:pPr lvl="1"/>
+            <a:endParaRPr lang="en-US" dirty="0"/>
+          </a:p>
+          <a:p>
+            <a:pPr lvl="1"/>
+            <a:endParaRPr lang="en-US" dirty="0"/>
+          </a:p>
+          <a:p>
+            <a:pPr lvl="1"/>
+            <a:endParaRPr lang="en-US" dirty="0"/>
+          </a:p>
+        </p:txBody>
+      </p:sp>
+    </p:spTree>
+    <p:extLst>
+      <p:ext uri="{BB962C8B-B14F-4D97-AF65-F5344CB8AC3E}">
+        <p14:creationId xmlns:p14="http://schemas.microsoft.com/office/powerpoint/2010/main" val="2413235844"/>
+      </p:ext>
+    </p:extLst>
+  </p:cSld>
+  <p:clrMapOvr>
+    <a:masterClrMapping/>
+  </p:clrMapOvr>
+</p:sld>
+</file>
+
+<file path=ppt/slides/slide3.xml><?xml version="1.0" encoding="utf-8"?>
+<p:sld xmlns:a="http://schemas.openxmlformats.org/drawingml/2006/main" xmlns:r="http://schemas.openxmlformats.org/officeDocument/2006/relationships" xmlns:p="http://schemas.openxmlformats.org/presentationml/2006/main">
+  <p:cSld>
+    <p:spTree>
+      <p:nvGrpSpPr>
+        <p:cNvPr id="1" name=""/>
+        <p:cNvGrpSpPr/>
+        <p:nvPr/>
+      </p:nvGrpSpPr>
+      <p:grpSpPr>
+        <a:xfrm>
+          <a:off x="0" y="0"/>
+          <a:ext cx="0" cy="0"/>
+          <a:chOff x="0" y="0"/>
+          <a:chExt cx="0" cy="0"/>
+        </a:xfrm>
+      </p:grpSpPr>
+      <p:sp>
+        <p:nvSpPr>
+          <p:cNvPr id="2" name="Title 1">
+            <a:extLst>
+              <a:ext uri="{FF2B5EF4-FFF2-40B4-BE49-F238E27FC236}">
+                <a16:creationId xmlns:a16="http://schemas.microsoft.com/office/drawing/2014/main" id="{D7484EDA-B6F5-021D-4704-9A4073542F32}"/>
+              </a:ext>
+            </a:extLst>
+          </p:cNvPr>
+          <p:cNvSpPr>
+            <a:spLocks noGrp="1"/>
+          </p:cNvSpPr>
+          <p:nvPr>
+            <p:ph type="title"/>
+          </p:nvPr>
+        </p:nvSpPr>
+        <p:spPr/>
+        <p:txBody>
+          <a:bodyPr/>
+          <a:lstStyle/>
+          <a:p>
+            <a:r>
+              <a:rPr lang="en-US" dirty="0"/>
+              <a:t>Objective</a:t>
+            </a:r>
+          </a:p>
+        </p:txBody>
+      </p:sp>
+      <p:sp>
+        <p:nvSpPr>
+          <p:cNvPr id="3" name="Content Placeholder 2">
+            <a:extLst>
+              <a:ext uri="{FF2B5EF4-FFF2-40B4-BE49-F238E27FC236}">
+                <a16:creationId xmlns:a16="http://schemas.microsoft.com/office/drawing/2014/main" id="{61A6E4AC-C1CB-966A-1CC3-0C65C33F6217}"/>
+              </a:ext>
+            </a:extLst>
+          </p:cNvPr>
+          <p:cNvSpPr>
+            <a:spLocks noGrp="1"/>
+          </p:cNvSpPr>
+          <p:nvPr>
+            <p:ph idx="1"/>
+          </p:nvPr>
+        </p:nvSpPr>
+        <p:spPr/>
+        <p:txBody>
+          <a:bodyPr/>
+          <a:lstStyle/>
+          <a:p>
+            <a:r>
+              <a:rPr lang="en-US" dirty="0"/>
+              <a:t>The main objective is to have people agree to make a long-term deposit with the bank</a:t>
+            </a:r>
+          </a:p>
+          <a:p>
+            <a:r>
+              <a:rPr lang="en-US" dirty="0"/>
+              <a:t>Precision: Positive class is ‘yes’, so false positives would be predicting that the person will say yes when they will say no.  Want to avoid these to minimize inconvenience caused to people and cost of our staff’s time, but can tolerate some false positives if this means getting more business.</a:t>
+            </a:r>
+          </a:p>
+          <a:p>
+            <a:r>
+              <a:rPr lang="en-US" dirty="0"/>
+              <a:t>Recall: False negatives are when we predict a ‘no’ when the person will, in fact, say yes.  The cost of this prediction is not getting a client.  In a sales situation, wish to avoid this and would rather make more calls.  </a:t>
+            </a:r>
+            <a:r>
+              <a:rPr lang="en-US" i="1" dirty="0"/>
+              <a:t>Thus</a:t>
+            </a:r>
+            <a:r>
+              <a:rPr lang="en-US" dirty="0"/>
+              <a:t> </a:t>
+            </a:r>
+            <a:r>
+              <a:rPr lang="en-US" i="1" u="sng" dirty="0"/>
+              <a:t>focus</a:t>
+            </a:r>
+            <a:r>
+              <a:rPr lang="en-US" dirty="0"/>
+              <a:t> </a:t>
+            </a:r>
+            <a:r>
+              <a:rPr lang="en-US" i="1" dirty="0"/>
+              <a:t>on</a:t>
+            </a:r>
+            <a:r>
+              <a:rPr lang="en-US" dirty="0"/>
+              <a:t> </a:t>
+            </a:r>
+            <a:r>
+              <a:rPr lang="en-US" i="1" dirty="0"/>
+              <a:t>recall over precision.</a:t>
+            </a:r>
+            <a:endParaRPr lang="en-US" dirty="0"/>
+          </a:p>
+          <a:p>
+            <a:endParaRPr lang="en-US" dirty="0"/>
+          </a:p>
+        </p:txBody>
+      </p:sp>
+    </p:spTree>
+    <p:extLst>
+      <p:ext uri="{BB962C8B-B14F-4D97-AF65-F5344CB8AC3E}">
+        <p14:creationId xmlns:p14="http://schemas.microsoft.com/office/powerpoint/2010/main" val="1762334115"/>
+      </p:ext>
+    </p:extLst>
+  </p:cSld>
+  <p:clrMapOvr>
+    <a:masterClrMapping/>
+  </p:clrMapOvr>
+</p:sld>
+</file>
+
+<file path=ppt/slides/slide4.xml><?xml version="1.0" encoding="utf-8"?>
+<p:sld xmlns:a="http://schemas.openxmlformats.org/drawingml/2006/main" xmlns:r="http://schemas.openxmlformats.org/officeDocument/2006/relationships" xmlns:p="http://schemas.openxmlformats.org/presentationml/2006/main">
+  <p:cSld>
+    <p:bg>
+      <p:bgPr>
+        <a:solidFill>
+          <a:schemeClr val="bg2"/>
+        </a:solidFill>
+        <a:effectLst/>
+      </p:bgPr>
+    </p:bg>
+    <p:spTree>
+      <p:nvGrpSpPr>
+        <p:cNvPr id="1" name=""/>
+        <p:cNvGrpSpPr/>
+        <p:nvPr/>
+      </p:nvGrpSpPr>
+      <p:grpSpPr>
+        <a:xfrm>
+          <a:off x="0" y="0"/>
+          <a:ext cx="0" cy="0"/>
+          <a:chOff x="0" y="0"/>
+          <a:chExt cx="0" cy="0"/>
+        </a:xfrm>
+      </p:grpSpPr>
+      <p:sp>
+        <p:nvSpPr>
+          <p:cNvPr id="2" name="Title 1">
+            <a:extLst>
+              <a:ext uri="{FF2B5EF4-FFF2-40B4-BE49-F238E27FC236}">
+                <a16:creationId xmlns:a16="http://schemas.microsoft.com/office/drawing/2014/main" id="{20A506BD-C5A3-2026-AFCD-96627EE9C3F4}"/>
+              </a:ext>
+            </a:extLst>
+          </p:cNvPr>
+          <p:cNvSpPr>
+            <a:spLocks noGrp="1"/>
+          </p:cNvSpPr>
+          <p:nvPr>
+            <p:ph type="title"/>
+          </p:nvPr>
+        </p:nvSpPr>
+        <p:spPr>
+          <a:xfrm>
+            <a:off x="804672" y="964692"/>
+            <a:ext cx="3066937" cy="1188720"/>
+          </a:xfrm>
+        </p:spPr>
+        <p:txBody>
+          <a:bodyPr>
+            <a:normAutofit/>
+          </a:bodyPr>
+          <a:lstStyle/>
+          <a:p>
+            <a:r>
+              <a:rPr lang="en-US" sz="2000" dirty="0"/>
+              <a:t>Distributions of categorical variables</a:t>
+            </a:r>
+          </a:p>
+        </p:txBody>
+      </p:sp>
+      <p:sp>
+        <p:nvSpPr>
+          <p:cNvPr id="8" name="Content Placeholder 7">
+            <a:extLst>
+              <a:ext uri="{FF2B5EF4-FFF2-40B4-BE49-F238E27FC236}">
+                <a16:creationId xmlns:a16="http://schemas.microsoft.com/office/drawing/2014/main" id="{DA89DF2C-B347-451A-EDDE-2590D147E822}"/>
+              </a:ext>
+            </a:extLst>
+          </p:cNvPr>
+          <p:cNvSpPr>
+            <a:spLocks noGrp="1"/>
+          </p:cNvSpPr>
+          <p:nvPr>
+            <p:ph idx="1"/>
+          </p:nvPr>
+        </p:nvSpPr>
+        <p:spPr>
+          <a:xfrm>
+            <a:off x="803244" y="2638044"/>
+            <a:ext cx="3063765" cy="3263206"/>
+          </a:xfrm>
+        </p:spPr>
+        <p:txBody>
+          <a:bodyPr>
+            <a:normAutofit fontScale="92500" lnSpcReduction="20000"/>
+          </a:bodyPr>
+          <a:lstStyle/>
+          <a:p>
+            <a:r>
+              <a:rPr lang="en-US" dirty="0"/>
+              <a:t>‘Deposit’ is highly imbalanced, with 89% saying no and 11% saying yes.  </a:t>
+            </a:r>
+          </a:p>
+          <a:p>
+            <a:r>
+              <a:rPr lang="en-US" dirty="0"/>
+              <a:t>Can achieve 89% accuracy on our prediction by having the model state that the person will not deposit</a:t>
+            </a:r>
+          </a:p>
+          <a:p>
+            <a:r>
+              <a:rPr lang="en-US" dirty="0"/>
+              <a:t>If needed, sacrifice accuracy to get higher recall</a:t>
+            </a:r>
+          </a:p>
+          <a:p>
+            <a:r>
+              <a:rPr lang="en-US" dirty="0"/>
+              <a:t>Excluded the leaked variable duration.  This variable can be used to get a more accurate model.</a:t>
+            </a:r>
+          </a:p>
+          <a:p>
+            <a:endParaRPr lang="en-US" dirty="0"/>
           </a:p>
         </p:txBody>
       </p:sp>
@@ -5610,7 +9347,7 @@
 </p:sld>
 </file>
 
-<file path=ppt/slides/slide4.xml><?xml version="1.0" encoding="utf-8"?>
+<file path=ppt/slides/slide5.xml><?xml version="1.0" encoding="utf-8"?>
 <p:sld xmlns:a="http://schemas.openxmlformats.org/drawingml/2006/main" xmlns:r="http://schemas.openxmlformats.org/officeDocument/2006/relationships" xmlns:p="http://schemas.openxmlformats.org/presentationml/2006/main">
   <p:cSld>
     <p:bg>
@@ -5694,54 +9431,93 @@
         </p:spPr>
         <p:txBody>
           <a:bodyPr>
-            <a:normAutofit fontScale="92500" lnSpcReduction="20000"/>
+            <a:normAutofit fontScale="92500" lnSpcReduction="10000"/>
           </a:bodyPr>
           <a:lstStyle/>
           <a:p>
-            <a:r>
-              <a:rPr lang="en-US" dirty="0"/>
+            <a:pPr>
+              <a:lnSpc>
+                <a:spcPct val="90000"/>
+              </a:lnSpc>
+            </a:pPr>
+            <a:r>
+              <a:rPr lang="en-US" sz="1500" dirty="0"/>
               <a:t>High positive correlations between eurobor3m and consumer price index</a:t>
             </a:r>
           </a:p>
           <a:p>
-            <a:r>
-              <a:rPr lang="en-US" dirty="0"/>
+            <a:pPr>
+              <a:lnSpc>
+                <a:spcPct val="90000"/>
+              </a:lnSpc>
+            </a:pPr>
+            <a:r>
+              <a:rPr lang="en-US" sz="1500" dirty="0"/>
               <a:t>Low correlations between euribor3m and</a:t>
             </a:r>
           </a:p>
           <a:p>
-            <a:pPr lvl="1"/>
-            <a:r>
-              <a:rPr lang="en-US" dirty="0"/>
+            <a:pPr lvl="1">
+              <a:lnSpc>
+                <a:spcPct val="90000"/>
+              </a:lnSpc>
+            </a:pPr>
+            <a:r>
+              <a:rPr lang="en-US" sz="1500" dirty="0"/>
               <a:t> </a:t>
             </a:r>
             <a:r>
-              <a:rPr lang="en-US" dirty="0" err="1"/>
+              <a:rPr lang="en-US" sz="1500" dirty="0" err="1"/>
               <a:t>pdays</a:t>
             </a:r>
             <a:r>
-              <a:rPr lang="en-US" dirty="0"/>
+              <a:rPr lang="en-US" sz="1500" dirty="0"/>
               <a:t> ( number of days that passed by after the client was last contacted from a previous campaign) </a:t>
             </a:r>
           </a:p>
           <a:p>
-            <a:pPr lvl="1"/>
-            <a:r>
-              <a:rPr lang="en-US" dirty="0"/>
+            <a:pPr lvl="1">
+              <a:lnSpc>
+                <a:spcPct val="90000"/>
+              </a:lnSpc>
+            </a:pPr>
+            <a:r>
+              <a:rPr lang="en-US" sz="1500" dirty="0"/>
               <a:t>previous (number of contacts performed before this campaign and for this client (numeric))</a:t>
             </a:r>
           </a:p>
           <a:p>
-            <a:endParaRPr lang="en-US" dirty="0"/>
-          </a:p>
-          <a:p>
-            <a:endParaRPr lang="en-US" dirty="0"/>
-          </a:p>
-        </p:txBody>
-      </p:sp>
-      <p:sp>
-        <p:nvSpPr>
-          <p:cNvPr id="16" name="Rectangle 15">
+            <a:pPr lvl="1">
+              <a:lnSpc>
+                <a:spcPct val="90000"/>
+              </a:lnSpc>
+            </a:pPr>
+            <a:r>
+              <a:rPr lang="en-US" sz="1500" dirty="0"/>
+              <a:t>Main economic indicators are highly correlated</a:t>
+            </a:r>
+          </a:p>
+          <a:p>
+            <a:pPr>
+              <a:lnSpc>
+                <a:spcPct val="90000"/>
+              </a:lnSpc>
+            </a:pPr>
+            <a:endParaRPr lang="en-US" sz="1500" dirty="0"/>
+          </a:p>
+          <a:p>
+            <a:pPr>
+              <a:lnSpc>
+                <a:spcPct val="90000"/>
+              </a:lnSpc>
+            </a:pPr>
+            <a:endParaRPr lang="en-US" sz="1500" dirty="0"/>
+          </a:p>
+        </p:txBody>
+      </p:sp>
+      <p:sp>
+        <p:nvSpPr>
+          <p:cNvPr id="23" name="Rectangle 22">
             <a:extLst>
               <a:ext uri="{FF2B5EF4-FFF2-40B4-BE49-F238E27FC236}">
                 <a16:creationId xmlns:a16="http://schemas.microsoft.com/office/drawing/2014/main" id="{B9A6A8C2-8B3A-4AD3-AFCC-F1D3F1F02D3F}"/>
@@ -5805,7 +9581,7 @@
       </p:sp>
       <p:sp>
         <p:nvSpPr>
-          <p:cNvPr id="18" name="Rectangle 17">
+          <p:cNvPr id="25" name="Rectangle 24">
             <a:extLst>
               <a:ext uri="{FF2B5EF4-FFF2-40B4-BE49-F238E27FC236}">
                 <a16:creationId xmlns:a16="http://schemas.microsoft.com/office/drawing/2014/main" id="{CDF64937-39B5-4AB3-A2EF-EA689BA6087B}"/>
@@ -5868,10 +9644,10 @@
       </p:sp>
       <p:pic>
         <p:nvPicPr>
-          <p:cNvPr id="4" name="Content Placeholder 3">
+          <p:cNvPr id="5" name="Picture 4">
             <a:extLst>
               <a:ext uri="{FF2B5EF4-FFF2-40B4-BE49-F238E27FC236}">
-                <a16:creationId xmlns:a16="http://schemas.microsoft.com/office/drawing/2014/main" id="{2A4CCD48-9AFE-4CC2-2151-47062C0359BB}"/>
+                <a16:creationId xmlns:a16="http://schemas.microsoft.com/office/drawing/2014/main" id="{AC986D35-62F2-5DF1-E6CC-1C57640B5A76}"/>
               </a:ext>
             </a:extLst>
           </p:cNvPr>
@@ -5888,8 +9664,8 @@
         </p:blipFill>
         <p:spPr>
           <a:xfrm>
-            <a:off x="5184274" y="1119411"/>
-            <a:ext cx="5283560" cy="4609906"/>
+            <a:off x="5419608" y="1293275"/>
+            <a:ext cx="5034579" cy="4279392"/>
           </a:xfrm>
           <a:prstGeom prst="rect">
             <a:avLst/>
@@ -5900,303 +9676,6 @@
     <p:extLst>
       <p:ext uri="{BB962C8B-B14F-4D97-AF65-F5344CB8AC3E}">
         <p14:creationId xmlns:p14="http://schemas.microsoft.com/office/powerpoint/2010/main" val="546342825"/>
-      </p:ext>
-    </p:extLst>
-  </p:cSld>
-  <p:clrMapOvr>
-    <a:masterClrMapping/>
-  </p:clrMapOvr>
-</p:sld>
-</file>
-
-<file path=ppt/slides/slide5.xml><?xml version="1.0" encoding="utf-8"?>
-<p:sld xmlns:a="http://schemas.openxmlformats.org/drawingml/2006/main" xmlns:r="http://schemas.openxmlformats.org/officeDocument/2006/relationships" xmlns:p="http://schemas.openxmlformats.org/presentationml/2006/main">
-  <p:cSld>
-    <p:bg>
-      <p:bgPr>
-        <a:solidFill>
-          <a:schemeClr val="bg2"/>
-        </a:solidFill>
-        <a:effectLst/>
-      </p:bgPr>
-    </p:bg>
-    <p:spTree>
-      <p:nvGrpSpPr>
-        <p:cNvPr id="1" name=""/>
-        <p:cNvGrpSpPr/>
-        <p:nvPr/>
-      </p:nvGrpSpPr>
-      <p:grpSpPr>
-        <a:xfrm>
-          <a:off x="0" y="0"/>
-          <a:ext cx="0" cy="0"/>
-          <a:chOff x="0" y="0"/>
-          <a:chExt cx="0" cy="0"/>
-        </a:xfrm>
-      </p:grpSpPr>
-      <p:sp>
-        <p:nvSpPr>
-          <p:cNvPr id="2" name="Title 1">
-            <a:extLst>
-              <a:ext uri="{FF2B5EF4-FFF2-40B4-BE49-F238E27FC236}">
-                <a16:creationId xmlns:a16="http://schemas.microsoft.com/office/drawing/2014/main" id="{73DFEA01-3C66-DF6E-2798-320D6C08674D}"/>
-              </a:ext>
-            </a:extLst>
-          </p:cNvPr>
-          <p:cNvSpPr>
-            <a:spLocks noGrp="1"/>
-          </p:cNvSpPr>
-          <p:nvPr>
-            <p:ph type="title"/>
-          </p:nvPr>
-        </p:nvSpPr>
-        <p:spPr>
-          <a:xfrm>
-            <a:off x="804672" y="964692"/>
-            <a:ext cx="3066937" cy="1188720"/>
-          </a:xfrm>
-        </p:spPr>
-        <p:txBody>
-          <a:bodyPr>
-            <a:normAutofit fontScale="90000"/>
-          </a:bodyPr>
-          <a:lstStyle/>
-          <a:p>
-            <a:r>
-              <a:rPr lang="en-US" dirty="0"/>
-              <a:t>Feature </a:t>
-            </a:r>
-            <a:r>
-              <a:rPr lang="en-US" dirty="0" err="1"/>
-              <a:t>importances</a:t>
-            </a:r>
-            <a:r>
-              <a:rPr lang="en-US" dirty="0"/>
-              <a:t> and model</a:t>
-            </a:r>
-          </a:p>
-        </p:txBody>
-      </p:sp>
-      <p:sp>
-        <p:nvSpPr>
-          <p:cNvPr id="8" name="Content Placeholder 7">
-            <a:extLst>
-              <a:ext uri="{FF2B5EF4-FFF2-40B4-BE49-F238E27FC236}">
-                <a16:creationId xmlns:a16="http://schemas.microsoft.com/office/drawing/2014/main" id="{6EEF0BD3-55C3-E330-0C19-A83988D65B6C}"/>
-              </a:ext>
-            </a:extLst>
-          </p:cNvPr>
-          <p:cNvSpPr>
-            <a:spLocks noGrp="1"/>
-          </p:cNvSpPr>
-          <p:nvPr>
-            <p:ph idx="1"/>
-          </p:nvPr>
-        </p:nvSpPr>
-        <p:spPr>
-          <a:xfrm>
-            <a:off x="803244" y="2638044"/>
-            <a:ext cx="3063765" cy="3263206"/>
-          </a:xfrm>
-        </p:spPr>
-        <p:txBody>
-          <a:bodyPr>
-            <a:normAutofit/>
-          </a:bodyPr>
-          <a:lstStyle/>
-          <a:p>
-            <a:r>
-              <a:rPr lang="en-US" dirty="0"/>
-              <a:t>Feature </a:t>
-            </a:r>
-            <a:r>
-              <a:rPr lang="en-US" dirty="0" err="1"/>
-              <a:t>importances</a:t>
-            </a:r>
-            <a:r>
-              <a:rPr lang="en-US" dirty="0"/>
-              <a:t> after running a random forest model </a:t>
-            </a:r>
-          </a:p>
-          <a:p>
-            <a:r>
-              <a:rPr lang="en-US" dirty="0"/>
-              <a:t>Excluded the leaked variable </a:t>
-            </a:r>
-            <a:r>
-              <a:rPr lang="en-US" i="1" dirty="0"/>
-              <a:t>duration</a:t>
-            </a:r>
-          </a:p>
-          <a:p>
-            <a:r>
-              <a:rPr lang="en-US" dirty="0"/>
-              <a:t>Can capture 60% of people saying ‘yes’ to a deposit by getting 3 yeses to every 5 no’s in the group we identify</a:t>
-            </a:r>
-          </a:p>
-        </p:txBody>
-      </p:sp>
-      <p:sp>
-        <p:nvSpPr>
-          <p:cNvPr id="21" name="Rectangle 17">
-            <a:extLst>
-              <a:ext uri="{FF2B5EF4-FFF2-40B4-BE49-F238E27FC236}">
-                <a16:creationId xmlns:a16="http://schemas.microsoft.com/office/drawing/2014/main" id="{B9A6A8C2-8B3A-4AD3-AFCC-F1D3F1F02D3F}"/>
-              </a:ext>
-              <a:ext uri="{C183D7F6-B498-43B3-948B-1728B52AA6E4}">
-                <adec:decorative xmlns:adec="http://schemas.microsoft.com/office/drawing/2017/decorative" val="1"/>
-              </a:ext>
-            </a:extLst>
-          </p:cNvPr>
-          <p:cNvSpPr>
-            <a:spLocks noGrp="1" noRot="1" noChangeAspect="1" noMove="1" noResize="1" noEditPoints="1" noAdjustHandles="1" noChangeArrowheads="1" noChangeShapeType="1" noTextEdit="1"/>
-          </p:cNvSpPr>
-          <p:nvPr>
-            <p:extLst>
-              <p:ext uri="{386F3935-93C4-4BCD-93E2-E3B085C9AB24}">
-                <p16:designElem xmlns:p16="http://schemas.microsoft.com/office/powerpoint/2015/main" val="1"/>
-              </p:ext>
-            </p:extLst>
-          </p:nvPr>
-        </p:nvSpPr>
-        <p:spPr>
-          <a:xfrm>
-            <a:off x="4494182" y="964692"/>
-            <a:ext cx="6885432" cy="4936558"/>
-          </a:xfrm>
-          <a:prstGeom prst="rect">
-            <a:avLst/>
-          </a:prstGeom>
-          <a:noFill/>
-          <a:ln w="31750" cap="sq">
-            <a:solidFill>
-              <a:srgbClr val="FFFFFF"/>
-            </a:solidFill>
-            <a:miter lim="800000"/>
-          </a:ln>
-        </p:spPr>
-        <p:style>
-          <a:lnRef idx="2">
-            <a:schemeClr val="accent1">
-              <a:shade val="50000"/>
-            </a:schemeClr>
-          </a:lnRef>
-          <a:fillRef idx="1">
-            <a:schemeClr val="accent1"/>
-          </a:fillRef>
-          <a:effectRef idx="0">
-            <a:schemeClr val="accent1"/>
-          </a:effectRef>
-          <a:fontRef idx="minor">
-            <a:schemeClr val="lt1"/>
-          </a:fontRef>
-        </p:style>
-        <p:txBody>
-          <a:bodyPr rtlCol="0" anchor="ctr"/>
-          <a:lstStyle/>
-          <a:p>
-            <a:pPr algn="ctr"/>
-            <a:endParaRPr lang="en-US" dirty="0"/>
-          </a:p>
-        </p:txBody>
-      </p:sp>
-      <p:sp>
-        <p:nvSpPr>
-          <p:cNvPr id="20" name="Rectangle 19">
-            <a:extLst>
-              <a:ext uri="{FF2B5EF4-FFF2-40B4-BE49-F238E27FC236}">
-                <a16:creationId xmlns:a16="http://schemas.microsoft.com/office/drawing/2014/main" id="{CDF64937-39B5-4AB3-A2EF-EA689BA6087B}"/>
-              </a:ext>
-              <a:ext uri="{C183D7F6-B498-43B3-948B-1728B52AA6E4}">
-                <adec:decorative xmlns:adec="http://schemas.microsoft.com/office/drawing/2017/decorative" val="1"/>
-              </a:ext>
-            </a:extLst>
-          </p:cNvPr>
-          <p:cNvSpPr>
-            <a:spLocks noGrp="1" noRot="1" noChangeAspect="1" noMove="1" noResize="1" noEditPoints="1" noAdjustHandles="1" noChangeArrowheads="1" noChangeShapeType="1" noTextEdit="1"/>
-          </p:cNvSpPr>
-          <p:nvPr>
-            <p:extLst>
-              <p:ext uri="{386F3935-93C4-4BCD-93E2-E3B085C9AB24}">
-                <p16:designElem xmlns:p16="http://schemas.microsoft.com/office/powerpoint/2015/main" val="1"/>
-              </p:ext>
-            </p:extLst>
-          </p:nvPr>
-        </p:nvSpPr>
-        <p:spPr>
-          <a:xfrm>
-            <a:off x="4657802" y="1128683"/>
-            <a:ext cx="6558192" cy="4608576"/>
-          </a:xfrm>
-          <a:prstGeom prst="rect">
-            <a:avLst/>
-          </a:prstGeom>
-          <a:solidFill>
-            <a:srgbClr val="FFFFFF"/>
-          </a:solidFill>
-          <a:ln>
-            <a:noFill/>
-          </a:ln>
-        </p:spPr>
-        <p:style>
-          <a:lnRef idx="2">
-            <a:schemeClr val="accent1">
-              <a:shade val="50000"/>
-            </a:schemeClr>
-          </a:lnRef>
-          <a:fillRef idx="1">
-            <a:schemeClr val="accent1"/>
-          </a:fillRef>
-          <a:effectRef idx="0">
-            <a:schemeClr val="accent1"/>
-          </a:effectRef>
-          <a:fontRef idx="minor">
-            <a:schemeClr val="lt1"/>
-          </a:fontRef>
-        </p:style>
-        <p:txBody>
-          <a:bodyPr rtlCol="0" anchor="ctr"/>
-          <a:lstStyle/>
-          <a:p>
-            <a:pPr algn="ctr"/>
-            <a:endParaRPr lang="en-US"/>
-          </a:p>
-        </p:txBody>
-      </p:sp>
-      <p:pic>
-        <p:nvPicPr>
-          <p:cNvPr id="4" name="Content Placeholder 3">
-            <a:extLst>
-              <a:ext uri="{FF2B5EF4-FFF2-40B4-BE49-F238E27FC236}">
-                <a16:creationId xmlns:a16="http://schemas.microsoft.com/office/drawing/2014/main" id="{023A1D1B-51FF-8594-50A5-A2770DC6EAFD}"/>
-              </a:ext>
-            </a:extLst>
-          </p:cNvPr>
-          <p:cNvPicPr>
-            <a:picLocks noChangeAspect="1"/>
-          </p:cNvPicPr>
-          <p:nvPr/>
-        </p:nvPicPr>
-        <p:blipFill>
-          <a:blip r:embed="rId2"/>
-          <a:stretch>
-            <a:fillRect/>
-          </a:stretch>
-        </p:blipFill>
-        <p:spPr>
-          <a:xfrm>
-            <a:off x="4574590" y="1604948"/>
-            <a:ext cx="6724616" cy="3648103"/>
-          </a:xfrm>
-          <a:prstGeom prst="rect">
-            <a:avLst/>
-          </a:prstGeom>
-        </p:spPr>
-      </p:pic>
-    </p:spTree>
-    <p:extLst>
-      <p:ext uri="{BB962C8B-B14F-4D97-AF65-F5344CB8AC3E}">
-        <p14:creationId xmlns:p14="http://schemas.microsoft.com/office/powerpoint/2010/main" val="3726169825"/>
       </p:ext>
     </p:extLst>
   </p:cSld>
@@ -6236,7 +9715,7 @@
           <p:cNvPr id="2" name="Title 1">
             <a:extLst>
               <a:ext uri="{FF2B5EF4-FFF2-40B4-BE49-F238E27FC236}">
-                <a16:creationId xmlns:a16="http://schemas.microsoft.com/office/drawing/2014/main" id="{824A567C-7B3A-66E4-CFEB-9CCF8186CA90}"/>
+                <a16:creationId xmlns:a16="http://schemas.microsoft.com/office/drawing/2014/main" id="{73DFEA01-3C66-DF6E-2798-320D6C08674D}"/>
               </a:ext>
             </a:extLst>
           </p:cNvPr>
@@ -6259,7 +9738,18 @@
           </a:bodyPr>
           <a:lstStyle/>
           <a:p>
-            <a:endParaRPr lang="en-US"/>
+            <a:r>
+              <a:rPr lang="en-US" sz="2000"/>
+              <a:t>Feature </a:t>
+            </a:r>
+            <a:r>
+              <a:rPr lang="en-US" sz="2000" err="1"/>
+              <a:t>importances</a:t>
+            </a:r>
+            <a:r>
+              <a:rPr lang="en-US" sz="2000"/>
+              <a:t> and model</a:t>
+            </a:r>
           </a:p>
         </p:txBody>
       </p:sp>
@@ -6268,7 +9758,7 @@
           <p:cNvPr id="8" name="Content Placeholder 7">
             <a:extLst>
               <a:ext uri="{FF2B5EF4-FFF2-40B4-BE49-F238E27FC236}">
-                <a16:creationId xmlns:a16="http://schemas.microsoft.com/office/drawing/2014/main" id="{84442560-0E47-4AF4-C6AA-D9449E518FAA}"/>
+                <a16:creationId xmlns:a16="http://schemas.microsoft.com/office/drawing/2014/main" id="{6EEF0BD3-55C3-E330-0C19-A83988D65B6C}"/>
               </a:ext>
             </a:extLst>
           </p:cNvPr>
@@ -6291,7 +9781,327 @@
           </a:bodyPr>
           <a:lstStyle/>
           <a:p>
+            <a:r>
+              <a:rPr lang="en-US" dirty="0"/>
+              <a:t>Feature </a:t>
+            </a:r>
+            <a:r>
+              <a:rPr lang="en-US" dirty="0" err="1"/>
+              <a:t>importances</a:t>
+            </a:r>
+            <a:r>
+              <a:rPr lang="en-US" dirty="0"/>
+              <a:t> after running a random forest model </a:t>
+            </a:r>
+          </a:p>
+          <a:p>
+            <a:r>
+              <a:rPr lang="en-US" dirty="0"/>
+              <a:t>Can capture 60% of people saying yes to a deposit by getting 3 yeses to every 5 noes in the group we identify</a:t>
+            </a:r>
+          </a:p>
+          <a:p>
+            <a:r>
+              <a:rPr lang="en-US" dirty="0"/>
+              <a:t>The best observed on data without leakage</a:t>
+            </a:r>
+          </a:p>
+        </p:txBody>
+      </p:sp>
+      <p:sp>
+        <p:nvSpPr>
+          <p:cNvPr id="26" name="Rectangle 25">
+            <a:extLst>
+              <a:ext uri="{FF2B5EF4-FFF2-40B4-BE49-F238E27FC236}">
+                <a16:creationId xmlns:a16="http://schemas.microsoft.com/office/drawing/2014/main" id="{B9A6A8C2-8B3A-4AD3-AFCC-F1D3F1F02D3F}"/>
+              </a:ext>
+              <a:ext uri="{C183D7F6-B498-43B3-948B-1728B52AA6E4}">
+                <adec:decorative xmlns:adec="http://schemas.microsoft.com/office/drawing/2017/decorative" val="1"/>
+              </a:ext>
+            </a:extLst>
+          </p:cNvPr>
+          <p:cNvSpPr>
+            <a:spLocks noGrp="1" noRot="1" noChangeAspect="1" noMove="1" noResize="1" noEditPoints="1" noAdjustHandles="1" noChangeArrowheads="1" noChangeShapeType="1" noTextEdit="1"/>
+          </p:cNvSpPr>
+          <p:nvPr>
+            <p:extLst>
+              <p:ext uri="{386F3935-93C4-4BCD-93E2-E3B085C9AB24}">
+                <p16:designElem xmlns:p16="http://schemas.microsoft.com/office/powerpoint/2015/main" val="1"/>
+              </p:ext>
+            </p:extLst>
+          </p:nvPr>
+        </p:nvSpPr>
+        <p:spPr>
+          <a:xfrm>
+            <a:off x="4494182" y="964692"/>
+            <a:ext cx="6885432" cy="4936558"/>
+          </a:xfrm>
+          <a:prstGeom prst="rect">
+            <a:avLst/>
+          </a:prstGeom>
+          <a:noFill/>
+          <a:ln w="31750" cap="sq">
+            <a:solidFill>
+              <a:srgbClr val="FFFFFF"/>
+            </a:solidFill>
+            <a:miter lim="800000"/>
+          </a:ln>
+        </p:spPr>
+        <p:style>
+          <a:lnRef idx="2">
+            <a:schemeClr val="accent1">
+              <a:shade val="50000"/>
+            </a:schemeClr>
+          </a:lnRef>
+          <a:fillRef idx="1">
+            <a:schemeClr val="accent1"/>
+          </a:fillRef>
+          <a:effectRef idx="0">
+            <a:schemeClr val="accent1"/>
+          </a:effectRef>
+          <a:fontRef idx="minor">
+            <a:schemeClr val="lt1"/>
+          </a:fontRef>
+        </p:style>
+        <p:txBody>
+          <a:bodyPr rtlCol="0" anchor="ctr"/>
+          <a:lstStyle/>
+          <a:p>
+            <a:pPr algn="ctr"/>
+            <a:endParaRPr lang="en-US" dirty="0"/>
+          </a:p>
+        </p:txBody>
+      </p:sp>
+      <p:sp>
+        <p:nvSpPr>
+          <p:cNvPr id="28" name="Rectangle 27">
+            <a:extLst>
+              <a:ext uri="{FF2B5EF4-FFF2-40B4-BE49-F238E27FC236}">
+                <a16:creationId xmlns:a16="http://schemas.microsoft.com/office/drawing/2014/main" id="{CDF64937-39B5-4AB3-A2EF-EA689BA6087B}"/>
+              </a:ext>
+              <a:ext uri="{C183D7F6-B498-43B3-948B-1728B52AA6E4}">
+                <adec:decorative xmlns:adec="http://schemas.microsoft.com/office/drawing/2017/decorative" val="1"/>
+              </a:ext>
+            </a:extLst>
+          </p:cNvPr>
+          <p:cNvSpPr>
+            <a:spLocks noGrp="1" noRot="1" noChangeAspect="1" noMove="1" noResize="1" noEditPoints="1" noAdjustHandles="1" noChangeArrowheads="1" noChangeShapeType="1" noTextEdit="1"/>
+          </p:cNvSpPr>
+          <p:nvPr>
+            <p:extLst>
+              <p:ext uri="{386F3935-93C4-4BCD-93E2-E3B085C9AB24}">
+                <p16:designElem xmlns:p16="http://schemas.microsoft.com/office/powerpoint/2015/main" val="1"/>
+              </p:ext>
+            </p:extLst>
+          </p:nvPr>
+        </p:nvSpPr>
+        <p:spPr>
+          <a:xfrm>
+            <a:off x="4657802" y="1128683"/>
+            <a:ext cx="6558192" cy="4608576"/>
+          </a:xfrm>
+          <a:prstGeom prst="rect">
+            <a:avLst/>
+          </a:prstGeom>
+          <a:solidFill>
+            <a:srgbClr val="FFFFFF"/>
+          </a:solidFill>
+          <a:ln>
+            <a:noFill/>
+          </a:ln>
+        </p:spPr>
+        <p:style>
+          <a:lnRef idx="2">
+            <a:schemeClr val="accent1">
+              <a:shade val="50000"/>
+            </a:schemeClr>
+          </a:lnRef>
+          <a:fillRef idx="1">
+            <a:schemeClr val="accent1"/>
+          </a:fillRef>
+          <a:effectRef idx="0">
+            <a:schemeClr val="accent1"/>
+          </a:effectRef>
+          <a:fontRef idx="minor">
+            <a:schemeClr val="lt1"/>
+          </a:fontRef>
+        </p:style>
+        <p:txBody>
+          <a:bodyPr rtlCol="0" anchor="ctr"/>
+          <a:lstStyle/>
+          <a:p>
+            <a:pPr algn="ctr"/>
             <a:endParaRPr lang="en-US"/>
+          </a:p>
+        </p:txBody>
+      </p:sp>
+      <p:pic>
+        <p:nvPicPr>
+          <p:cNvPr id="5" name="Picture 4">
+            <a:extLst>
+              <a:ext uri="{FF2B5EF4-FFF2-40B4-BE49-F238E27FC236}">
+                <a16:creationId xmlns:a16="http://schemas.microsoft.com/office/drawing/2014/main" id="{8FEDF5A3-D971-37D9-5A74-69F76DCE29E2}"/>
+              </a:ext>
+            </a:extLst>
+          </p:cNvPr>
+          <p:cNvPicPr>
+            <a:picLocks noChangeAspect="1"/>
+          </p:cNvPicPr>
+          <p:nvPr/>
+        </p:nvPicPr>
+        <p:blipFill>
+          <a:blip r:embed="rId2"/>
+          <a:stretch>
+            <a:fillRect/>
+          </a:stretch>
+        </p:blipFill>
+        <p:spPr>
+          <a:xfrm>
+            <a:off x="4823366" y="2000746"/>
+            <a:ext cx="6227064" cy="2864449"/>
+          </a:xfrm>
+          <a:prstGeom prst="rect">
+            <a:avLst/>
+          </a:prstGeom>
+        </p:spPr>
+      </p:pic>
+    </p:spTree>
+    <p:extLst>
+      <p:ext uri="{BB962C8B-B14F-4D97-AF65-F5344CB8AC3E}">
+        <p14:creationId xmlns:p14="http://schemas.microsoft.com/office/powerpoint/2010/main" val="3726169825"/>
+      </p:ext>
+    </p:extLst>
+  </p:cSld>
+  <p:clrMapOvr>
+    <a:masterClrMapping/>
+  </p:clrMapOvr>
+</p:sld>
+</file>
+
+<file path=ppt/slides/slide7.xml><?xml version="1.0" encoding="utf-8"?>
+<p:sld xmlns:a="http://schemas.openxmlformats.org/drawingml/2006/main" xmlns:r="http://schemas.openxmlformats.org/officeDocument/2006/relationships" xmlns:p="http://schemas.openxmlformats.org/presentationml/2006/main">
+  <p:cSld>
+    <p:bg>
+      <p:bgPr>
+        <a:solidFill>
+          <a:schemeClr val="bg2"/>
+        </a:solidFill>
+        <a:effectLst/>
+      </p:bgPr>
+    </p:bg>
+    <p:spTree>
+      <p:nvGrpSpPr>
+        <p:cNvPr id="1" name=""/>
+        <p:cNvGrpSpPr/>
+        <p:nvPr/>
+      </p:nvGrpSpPr>
+      <p:grpSpPr>
+        <a:xfrm>
+          <a:off x="0" y="0"/>
+          <a:ext cx="0" cy="0"/>
+          <a:chOff x="0" y="0"/>
+          <a:chExt cx="0" cy="0"/>
+        </a:xfrm>
+      </p:grpSpPr>
+      <p:sp>
+        <p:nvSpPr>
+          <p:cNvPr id="2" name="Title 1">
+            <a:extLst>
+              <a:ext uri="{FF2B5EF4-FFF2-40B4-BE49-F238E27FC236}">
+                <a16:creationId xmlns:a16="http://schemas.microsoft.com/office/drawing/2014/main" id="{824A567C-7B3A-66E4-CFEB-9CCF8186CA90}"/>
+              </a:ext>
+            </a:extLst>
+          </p:cNvPr>
+          <p:cNvSpPr>
+            <a:spLocks noGrp="1"/>
+          </p:cNvSpPr>
+          <p:nvPr>
+            <p:ph type="title"/>
+          </p:nvPr>
+        </p:nvSpPr>
+        <p:spPr>
+          <a:xfrm>
+            <a:off x="804672" y="964692"/>
+            <a:ext cx="3066937" cy="1188720"/>
+          </a:xfrm>
+        </p:spPr>
+        <p:txBody>
+          <a:bodyPr>
+            <a:normAutofit/>
+          </a:bodyPr>
+          <a:lstStyle/>
+          <a:p>
+            <a:r>
+              <a:rPr lang="en-US" dirty="0"/>
+              <a:t>Euribor 3m an deposits</a:t>
+            </a:r>
+          </a:p>
+        </p:txBody>
+      </p:sp>
+      <p:sp>
+        <p:nvSpPr>
+          <p:cNvPr id="8" name="Content Placeholder 7">
+            <a:extLst>
+              <a:ext uri="{FF2B5EF4-FFF2-40B4-BE49-F238E27FC236}">
+                <a16:creationId xmlns:a16="http://schemas.microsoft.com/office/drawing/2014/main" id="{84442560-0E47-4AF4-C6AA-D9449E518FAA}"/>
+              </a:ext>
+            </a:extLst>
+          </p:cNvPr>
+          <p:cNvSpPr>
+            <a:spLocks noGrp="1"/>
+          </p:cNvSpPr>
+          <p:nvPr>
+            <p:ph idx="1"/>
+          </p:nvPr>
+        </p:nvSpPr>
+        <p:spPr>
+          <a:xfrm>
+            <a:off x="571232" y="2630102"/>
+            <a:ext cx="3063765" cy="3263206"/>
+          </a:xfrm>
+        </p:spPr>
+        <p:txBody>
+          <a:bodyPr>
+            <a:normAutofit/>
+          </a:bodyPr>
+          <a:lstStyle/>
+          <a:p>
+            <a:r>
+              <a:rPr lang="en-US" dirty="0">
+                <a:solidFill>
+                  <a:srgbClr val="123654"/>
+                </a:solidFill>
+              </a:rPr>
+              <a:t>From May 2008 until 2010, Euribor 3-month rate was high but </a:t>
+            </a:r>
+            <a:r>
+              <a:rPr lang="en-US" i="1" dirty="0">
+                <a:solidFill>
+                  <a:srgbClr val="123654"/>
+                </a:solidFill>
+              </a:rPr>
+              <a:t>decreasing</a:t>
+            </a:r>
+            <a:r>
+              <a:rPr lang="en-US" dirty="0">
+                <a:solidFill>
+                  <a:srgbClr val="123654"/>
+                </a:solidFill>
+              </a:rPr>
+              <a:t>, so there were fewer purchases of long-term deposits </a:t>
+            </a:r>
+          </a:p>
+          <a:p>
+            <a:pPr lvl="1"/>
+            <a:r>
+              <a:rPr lang="en-US" dirty="0">
+                <a:solidFill>
+                  <a:srgbClr val="123654"/>
+                </a:solidFill>
+              </a:rPr>
+              <a:t>Direction of change is more important than magnitude in interpreting this pattern</a:t>
+            </a:r>
+            <a:endParaRPr lang="en-US" dirty="0"/>
           </a:p>
         </p:txBody>
       </p:sp>
@@ -6465,7 +10275,7 @@
 </p:sld>
 </file>
 
-<file path=ppt/slides/slide7.xml><?xml version="1.0" encoding="utf-8"?>
+<file path=ppt/slides/slide8.xml><?xml version="1.0" encoding="utf-8"?>
 <p:sld xmlns:a="http://schemas.openxmlformats.org/drawingml/2006/main" xmlns:r="http://schemas.openxmlformats.org/officeDocument/2006/relationships" xmlns:p="http://schemas.openxmlformats.org/presentationml/2006/main">
   <p:cSld>
     <p:bg>
@@ -6724,7 +10534,7 @@
 </p:sld>
 </file>
 
-<file path=ppt/slides/slide8.xml><?xml version="1.0" encoding="utf-8"?>
+<file path=ppt/slides/slide9.xml><?xml version="1.0" encoding="utf-8"?>
 <p:sld xmlns:a="http://schemas.openxmlformats.org/drawingml/2006/main" xmlns:r="http://schemas.openxmlformats.org/officeDocument/2006/relationships" xmlns:p="http://schemas.openxmlformats.org/presentationml/2006/main">
   <p:cSld>
     <p:spTree>
@@ -6746,7 +10556,7 @@
           <p:cNvPr id="2" name="Title 1">
             <a:extLst>
               <a:ext uri="{FF2B5EF4-FFF2-40B4-BE49-F238E27FC236}">
-                <a16:creationId xmlns:a16="http://schemas.microsoft.com/office/drawing/2014/main" id="{80693163-DD1E-50E0-18A0-0C34E118ADD1}"/>
+                <a16:creationId xmlns:a16="http://schemas.microsoft.com/office/drawing/2014/main" id="{5B06D7E8-B4E9-E46B-BCE2-4638BAEFA62C}"/>
               </a:ext>
             </a:extLst>
           </p:cNvPr>
@@ -6764,7 +10574,7 @@
           <a:p>
             <a:r>
               <a:rPr lang="en-US" dirty="0"/>
-              <a:t>Appendix</a:t>
+              <a:t>Business Concerns</a:t>
             </a:r>
           </a:p>
         </p:txBody>
@@ -6774,7 +10584,7 @@
           <p:cNvPr id="3" name="Content Placeholder 2">
             <a:extLst>
               <a:ext uri="{FF2B5EF4-FFF2-40B4-BE49-F238E27FC236}">
-                <a16:creationId xmlns:a16="http://schemas.microsoft.com/office/drawing/2014/main" id="{071C39BB-D4B3-7B11-E774-985D96E2219E}"/>
+                <a16:creationId xmlns:a16="http://schemas.microsoft.com/office/drawing/2014/main" id="{C1722422-861D-9D74-CA78-5189426724BE}"/>
               </a:ext>
             </a:extLst>
           </p:cNvPr>
@@ -6787,8 +10597,76 @@
         </p:nvSpPr>
         <p:spPr/>
         <p:txBody>
-          <a:bodyPr/>
-          <a:lstStyle/>
+          <a:bodyPr>
+            <a:normAutofit fontScale="85000" lnSpcReduction="10000"/>
+          </a:bodyPr>
+          <a:lstStyle/>
+          <a:p>
+            <a:r>
+              <a:rPr lang="en-US" dirty="0"/>
+              <a:t>“It is difficult to financially quantify costs, since long term deposits have different amounts, interest rates and subscription periods.” (</a:t>
+            </a:r>
+            <a:r>
+              <a:rPr lang="en-US" dirty="0">
+                <a:solidFill>
+                  <a:srgbClr val="123654"/>
+                </a:solidFill>
+              </a:rPr>
+              <a:t>Moro et al., 2014)</a:t>
+            </a:r>
+            <a:endParaRPr lang="en-US" dirty="0"/>
+          </a:p>
+          <a:p>
+            <a:r>
+              <a:rPr lang="en-US" dirty="0"/>
+              <a:t>Client stress and intrusiveness associated with outbound calls should also be considered, as the bank is maximizing lifetime value of doing business with the customer</a:t>
+            </a:r>
+          </a:p>
+          <a:p>
+            <a:r>
+              <a:rPr lang="en-US" dirty="0"/>
+              <a:t>“The 2008 financial crisis increased the pressure for Portuguese banks to increase long term deposits.”(</a:t>
+            </a:r>
+            <a:r>
+              <a:rPr lang="en-US" dirty="0">
+                <a:solidFill>
+                  <a:srgbClr val="123654"/>
+                </a:solidFill>
+              </a:rPr>
+              <a:t>Moro et al., 2014)</a:t>
+            </a:r>
+            <a:endParaRPr lang="en-US" dirty="0"/>
+          </a:p>
+          <a:p>
+            <a:r>
+              <a:rPr lang="en-US" dirty="0"/>
+              <a:t>According to </a:t>
+            </a:r>
+            <a:r>
+              <a:rPr lang="en-US" dirty="0">
+                <a:hlinkClick r:id="rId2"/>
+              </a:rPr>
+              <a:t>https://www.erieri.com/salary/job/call-center-agent/Portugal</a:t>
+            </a:r>
+            <a:r>
+              <a:rPr lang="en-US" dirty="0"/>
+              <a:t>, the average salary of  a call center agent in Portugal is €8/hour (about $8.08/hour).   Assume there are down times, so the lowest price per hour is about $10.</a:t>
+            </a:r>
+          </a:p>
+          <a:p>
+            <a:r>
+              <a:rPr lang="en-US" dirty="0"/>
+              <a:t>According to </a:t>
+            </a:r>
+            <a:r>
+              <a:rPr lang="en-US" dirty="0" err="1"/>
+              <a:t>salaryexplorer.com</a:t>
+            </a:r>
+            <a:r>
+              <a:rPr lang="en-US" dirty="0"/>
+              <a:t>, an average bank worker in Portugal earns about €18.70/hour ($18.87/hour).  Assume there are down times, so the lowest price per hour is $20.</a:t>
+            </a:r>
+          </a:p>
           <a:p>
             <a:endParaRPr lang="en-US" dirty="0"/>
           </a:p>
@@ -6797,737 +10675,12 @@
     </p:spTree>
     <p:extLst>
       <p:ext uri="{BB962C8B-B14F-4D97-AF65-F5344CB8AC3E}">
-        <p14:creationId xmlns:p14="http://schemas.microsoft.com/office/powerpoint/2010/main" val="348205667"/>
+        <p14:creationId xmlns:p14="http://schemas.microsoft.com/office/powerpoint/2010/main" val="1784024761"/>
       </p:ext>
     </p:extLst>
   </p:cSld>
   <p:clrMapOvr>
     <a:masterClrMapping/>
-  </p:clrMapOvr>
-</p:sld>
-</file>
-
-<file path=ppt/slides/slide9.xml><?xml version="1.0" encoding="utf-8"?>
-<p:sld xmlns:a="http://schemas.openxmlformats.org/drawingml/2006/main" xmlns:r="http://schemas.openxmlformats.org/officeDocument/2006/relationships" xmlns:p="http://schemas.openxmlformats.org/presentationml/2006/main">
-  <p:cSld>
-    <p:bg>
-      <p:bgPr>
-        <a:solidFill>
-          <a:schemeClr val="bg1"/>
-        </a:solidFill>
-        <a:effectLst/>
-      </p:bgPr>
-    </p:bg>
-    <p:spTree>
-      <p:nvGrpSpPr>
-        <p:cNvPr id="1" name=""/>
-        <p:cNvGrpSpPr/>
-        <p:nvPr/>
-      </p:nvGrpSpPr>
-      <p:grpSpPr>
-        <a:xfrm>
-          <a:off x="0" y="0"/>
-          <a:ext cx="0" cy="0"/>
-          <a:chOff x="0" y="0"/>
-          <a:chExt cx="0" cy="0"/>
-        </a:xfrm>
-      </p:grpSpPr>
-      <p:sp>
-        <p:nvSpPr>
-          <p:cNvPr id="13" name="Rectangle 12">
-            <a:extLst>
-              <a:ext uri="{FF2B5EF4-FFF2-40B4-BE49-F238E27FC236}">
-                <a16:creationId xmlns:a16="http://schemas.microsoft.com/office/drawing/2014/main" id="{C33976D1-3430-450C-A978-87A9A6E8E71F}"/>
-              </a:ext>
-              <a:ext uri="{C183D7F6-B498-43B3-948B-1728B52AA6E4}">
-                <adec:decorative xmlns:adec="http://schemas.microsoft.com/office/drawing/2017/decorative" val="1"/>
-              </a:ext>
-            </a:extLst>
-          </p:cNvPr>
-          <p:cNvSpPr>
-            <a:spLocks noGrp="1" noRot="1" noChangeAspect="1" noMove="1" noResize="1" noEditPoints="1" noAdjustHandles="1" noChangeArrowheads="1" noChangeShapeType="1" noTextEdit="1"/>
-          </p:cNvSpPr>
-          <p:nvPr>
-            <p:extLst>
-              <p:ext uri="{386F3935-93C4-4BCD-93E2-E3B085C9AB24}">
-                <p16:designElem xmlns:p16="http://schemas.microsoft.com/office/powerpoint/2015/main" val="1"/>
-              </p:ext>
-            </p:extLst>
-          </p:nvPr>
-        </p:nvSpPr>
-        <p:spPr>
-          <a:xfrm>
-            <a:off x="0" y="0"/>
-            <a:ext cx="12192000" cy="6858000"/>
-          </a:xfrm>
-          <a:prstGeom prst="rect">
-            <a:avLst/>
-          </a:prstGeom>
-          <a:solidFill>
-            <a:schemeClr val="accent2"/>
-          </a:solidFill>
-          <a:ln>
-            <a:noFill/>
-          </a:ln>
-        </p:spPr>
-        <p:style>
-          <a:lnRef idx="2">
-            <a:schemeClr val="accent1">
-              <a:shade val="50000"/>
-            </a:schemeClr>
-          </a:lnRef>
-          <a:fillRef idx="1">
-            <a:schemeClr val="accent1"/>
-          </a:fillRef>
-          <a:effectRef idx="0">
-            <a:schemeClr val="accent1"/>
-          </a:effectRef>
-          <a:fontRef idx="minor">
-            <a:schemeClr val="lt1"/>
-          </a:fontRef>
-        </p:style>
-        <p:txBody>
-          <a:bodyPr rtlCol="0" anchor="ctr"/>
-          <a:lstStyle/>
-          <a:p>
-            <a:pPr algn="ctr"/>
-            <a:endParaRPr lang="en-US"/>
-          </a:p>
-        </p:txBody>
-      </p:sp>
-      <p:sp>
-        <p:nvSpPr>
-          <p:cNvPr id="15" name="Rectangle 14">
-            <a:extLst>
-              <a:ext uri="{FF2B5EF4-FFF2-40B4-BE49-F238E27FC236}">
-                <a16:creationId xmlns:a16="http://schemas.microsoft.com/office/drawing/2014/main" id="{7D6AAC78-7D86-415A-ADC1-2B474807960C}"/>
-              </a:ext>
-              <a:ext uri="{C183D7F6-B498-43B3-948B-1728B52AA6E4}">
-                <adec:decorative xmlns:adec="http://schemas.microsoft.com/office/drawing/2017/decorative" val="1"/>
-              </a:ext>
-            </a:extLst>
-          </p:cNvPr>
-          <p:cNvSpPr>
-            <a:spLocks noGrp="1" noRot="1" noChangeAspect="1" noMove="1" noResize="1" noEditPoints="1" noAdjustHandles="1" noChangeArrowheads="1" noChangeShapeType="1" noTextEdit="1"/>
-          </p:cNvSpPr>
-          <p:nvPr>
-            <p:extLst>
-              <p:ext uri="{386F3935-93C4-4BCD-93E2-E3B085C9AB24}">
-                <p16:designElem xmlns:p16="http://schemas.microsoft.com/office/powerpoint/2015/main" val="1"/>
-              </p:ext>
-            </p:extLst>
-          </p:nvPr>
-        </p:nvSpPr>
-        <p:spPr>
-          <a:xfrm>
-            <a:off x="1249680" y="1248156"/>
-            <a:ext cx="9692640" cy="4361688"/>
-          </a:xfrm>
-          <a:prstGeom prst="rect">
-            <a:avLst/>
-          </a:prstGeom>
-          <a:solidFill>
-            <a:srgbClr val="FFFFFF"/>
-          </a:solidFill>
-          <a:ln>
-            <a:noFill/>
-          </a:ln>
-        </p:spPr>
-        <p:style>
-          <a:lnRef idx="2">
-            <a:schemeClr val="accent1">
-              <a:shade val="50000"/>
-            </a:schemeClr>
-          </a:lnRef>
-          <a:fillRef idx="1">
-            <a:schemeClr val="accent1"/>
-          </a:fillRef>
-          <a:effectRef idx="0">
-            <a:schemeClr val="accent1"/>
-          </a:effectRef>
-          <a:fontRef idx="minor">
-            <a:schemeClr val="lt1"/>
-          </a:fontRef>
-        </p:style>
-        <p:txBody>
-          <a:bodyPr rtlCol="0" anchor="ctr"/>
-          <a:lstStyle/>
-          <a:p>
-            <a:pPr algn="ctr"/>
-            <a:endParaRPr lang="en-US"/>
-          </a:p>
-        </p:txBody>
-      </p:sp>
-      <p:sp>
-        <p:nvSpPr>
-          <p:cNvPr id="17" name="Rectangle 16">
-            <a:extLst>
-              <a:ext uri="{FF2B5EF4-FFF2-40B4-BE49-F238E27FC236}">
-                <a16:creationId xmlns:a16="http://schemas.microsoft.com/office/drawing/2014/main" id="{F2A658D9-F185-44F1-BA33-D50320D1D078}"/>
-              </a:ext>
-              <a:ext uri="{C183D7F6-B498-43B3-948B-1728B52AA6E4}">
-                <adec:decorative xmlns:adec="http://schemas.microsoft.com/office/drawing/2017/decorative" val="1"/>
-              </a:ext>
-            </a:extLst>
-          </p:cNvPr>
-          <p:cNvSpPr>
-            <a:spLocks noGrp="1" noRot="1" noChangeAspect="1" noMove="1" noResize="1" noEditPoints="1" noAdjustHandles="1" noChangeArrowheads="1" noChangeShapeType="1" noTextEdit="1"/>
-          </p:cNvSpPr>
-          <p:nvPr>
-            <p:extLst>
-              <p:ext uri="{386F3935-93C4-4BCD-93E2-E3B085C9AB24}">
-                <p16:designElem xmlns:p16="http://schemas.microsoft.com/office/powerpoint/2015/main" val="1"/>
-              </p:ext>
-            </p:extLst>
-          </p:nvPr>
-        </p:nvSpPr>
-        <p:spPr>
-          <a:xfrm>
-            <a:off x="1062228" y="1060704"/>
-            <a:ext cx="10067544" cy="4736592"/>
-          </a:xfrm>
-          <a:prstGeom prst="rect">
-            <a:avLst/>
-          </a:prstGeom>
-          <a:noFill/>
-          <a:ln w="31750" cap="sq">
-            <a:solidFill>
-              <a:srgbClr val="FFFFFF"/>
-            </a:solidFill>
-            <a:miter lim="800000"/>
-          </a:ln>
-        </p:spPr>
-        <p:style>
-          <a:lnRef idx="2">
-            <a:schemeClr val="accent1">
-              <a:shade val="50000"/>
-            </a:schemeClr>
-          </a:lnRef>
-          <a:fillRef idx="1">
-            <a:schemeClr val="accent1"/>
-          </a:fillRef>
-          <a:effectRef idx="0">
-            <a:schemeClr val="accent1"/>
-          </a:effectRef>
-          <a:fontRef idx="minor">
-            <a:schemeClr val="lt1"/>
-          </a:fontRef>
-        </p:style>
-        <p:txBody>
-          <a:bodyPr rtlCol="0" anchor="ctr"/>
-          <a:lstStyle/>
-          <a:p>
-            <a:pPr algn="ctr"/>
-            <a:endParaRPr lang="en-US"/>
-          </a:p>
-        </p:txBody>
-      </p:sp>
-      <p:sp>
-        <p:nvSpPr>
-          <p:cNvPr id="2" name="Title 1">
-            <a:extLst>
-              <a:ext uri="{FF2B5EF4-FFF2-40B4-BE49-F238E27FC236}">
-                <a16:creationId xmlns:a16="http://schemas.microsoft.com/office/drawing/2014/main" id="{A331B53E-7196-BFB9-D807-A3EEF4C0732F}"/>
-              </a:ext>
-            </a:extLst>
-          </p:cNvPr>
-          <p:cNvSpPr>
-            <a:spLocks noGrp="1"/>
-          </p:cNvSpPr>
-          <p:nvPr>
-            <p:ph type="title"/>
-          </p:nvPr>
-        </p:nvSpPr>
-        <p:spPr>
-          <a:xfrm>
-            <a:off x="2231136" y="467418"/>
-            <a:ext cx="7729728" cy="1188720"/>
-          </a:xfrm>
-          <a:solidFill>
-            <a:schemeClr val="bg1"/>
-          </a:solidFill>
-        </p:spPr>
-        <p:txBody>
-          <a:bodyPr>
-            <a:normAutofit/>
-          </a:bodyPr>
-          <a:lstStyle/>
-          <a:p>
-            <a:r>
-              <a:rPr lang="en-US" dirty="0"/>
-              <a:t>Variable descriptions</a:t>
-            </a:r>
-          </a:p>
-        </p:txBody>
-      </p:sp>
-      <p:sp>
-        <p:nvSpPr>
-          <p:cNvPr id="3" name="Content Placeholder 2">
-            <a:extLst>
-              <a:ext uri="{FF2B5EF4-FFF2-40B4-BE49-F238E27FC236}">
-                <a16:creationId xmlns:a16="http://schemas.microsoft.com/office/drawing/2014/main" id="{7F7E20FB-C7F3-2413-6704-4B5AD3329DC3}"/>
-              </a:ext>
-            </a:extLst>
-          </p:cNvPr>
-          <p:cNvSpPr>
-            <a:spLocks noGrp="1"/>
-          </p:cNvSpPr>
-          <p:nvPr>
-            <p:ph idx="1"/>
-          </p:nvPr>
-        </p:nvSpPr>
-        <p:spPr>
-          <a:xfrm>
-            <a:off x="1665027" y="1656138"/>
-            <a:ext cx="8820547" cy="3514380"/>
-          </a:xfrm>
-        </p:spPr>
-        <p:txBody>
-          <a:bodyPr>
-            <a:normAutofit fontScale="25000" lnSpcReduction="20000"/>
-          </a:bodyPr>
-          <a:lstStyle/>
-          <a:p>
-            <a:pPr>
-              <a:lnSpc>
-                <a:spcPct val="90000"/>
-              </a:lnSpc>
-            </a:pPr>
-            <a:r>
-              <a:rPr lang="en-US" sz="4400" dirty="0">
-                <a:solidFill>
-                  <a:srgbClr val="404040"/>
-                </a:solidFill>
-              </a:rPr>
-              <a:t>Input variables:</a:t>
-            </a:r>
-          </a:p>
-          <a:p>
-            <a:pPr>
-              <a:lnSpc>
-                <a:spcPct val="90000"/>
-              </a:lnSpc>
-            </a:pPr>
-            <a:r>
-              <a:rPr lang="en-US" sz="4400" dirty="0">
-                <a:solidFill>
-                  <a:srgbClr val="404040"/>
-                </a:solidFill>
-              </a:rPr>
-              <a:t># bank client data:</a:t>
-            </a:r>
-          </a:p>
-          <a:p>
-            <a:pPr>
-              <a:lnSpc>
-                <a:spcPct val="90000"/>
-              </a:lnSpc>
-            </a:pPr>
-            <a:r>
-              <a:rPr lang="en-US" sz="4400" dirty="0">
-                <a:solidFill>
-                  <a:srgbClr val="404040"/>
-                </a:solidFill>
-              </a:rPr>
-              <a:t>1 - age (numeric)</a:t>
-            </a:r>
-          </a:p>
-          <a:p>
-            <a:pPr>
-              <a:lnSpc>
-                <a:spcPct val="90000"/>
-              </a:lnSpc>
-            </a:pPr>
-            <a:r>
-              <a:rPr lang="en-US" sz="4400" dirty="0">
-                <a:solidFill>
-                  <a:srgbClr val="404040"/>
-                </a:solidFill>
-              </a:rPr>
-              <a:t>2 - job : type of job (categorical: 'admin.','blue-collar','entrepreneur','housemaid','management','retired','self-employed','services','student','technician','unemployed','unknown')</a:t>
-            </a:r>
-          </a:p>
-          <a:p>
-            <a:pPr>
-              <a:lnSpc>
-                <a:spcPct val="90000"/>
-              </a:lnSpc>
-            </a:pPr>
-            <a:r>
-              <a:rPr lang="en-US" sz="4400" dirty="0">
-                <a:solidFill>
-                  <a:srgbClr val="404040"/>
-                </a:solidFill>
-              </a:rPr>
-              <a:t>3 - marital : marital status (categorical: '</a:t>
-            </a:r>
-            <a:r>
-              <a:rPr lang="en-US" sz="4400" dirty="0" err="1">
-                <a:solidFill>
-                  <a:srgbClr val="404040"/>
-                </a:solidFill>
-              </a:rPr>
-              <a:t>divorced','married','single','unknown</a:t>
-            </a:r>
-            <a:r>
-              <a:rPr lang="en-US" sz="4400" dirty="0">
-                <a:solidFill>
-                  <a:srgbClr val="404040"/>
-                </a:solidFill>
-              </a:rPr>
-              <a:t>'; note: 'divorced' means divorced or widowed)</a:t>
-            </a:r>
-          </a:p>
-          <a:p>
-            <a:pPr>
-              <a:lnSpc>
-                <a:spcPct val="90000"/>
-              </a:lnSpc>
-            </a:pPr>
-            <a:r>
-              <a:rPr lang="en-US" sz="4400" dirty="0">
-                <a:solidFill>
-                  <a:srgbClr val="404040"/>
-                </a:solidFill>
-              </a:rPr>
-              <a:t>4 - education (categorical: 'basic.4y','basic.6y','basic.9y','high.school','illiterate','professional.course','university.degree','unknown')</a:t>
-            </a:r>
-          </a:p>
-          <a:p>
-            <a:pPr>
-              <a:lnSpc>
-                <a:spcPct val="90000"/>
-              </a:lnSpc>
-            </a:pPr>
-            <a:r>
-              <a:rPr lang="en-US" sz="4400" dirty="0">
-                <a:solidFill>
-                  <a:srgbClr val="404040"/>
-                </a:solidFill>
-              </a:rPr>
-              <a:t>5 - default: has credit in default? (categorical: '</a:t>
-            </a:r>
-            <a:r>
-              <a:rPr lang="en-US" sz="4400" dirty="0" err="1">
-                <a:solidFill>
-                  <a:srgbClr val="404040"/>
-                </a:solidFill>
-              </a:rPr>
-              <a:t>no','yes','unknown</a:t>
-            </a:r>
-            <a:r>
-              <a:rPr lang="en-US" sz="4400" dirty="0">
-                <a:solidFill>
-                  <a:srgbClr val="404040"/>
-                </a:solidFill>
-              </a:rPr>
-              <a:t>')</a:t>
-            </a:r>
-          </a:p>
-          <a:p>
-            <a:pPr>
-              <a:lnSpc>
-                <a:spcPct val="90000"/>
-              </a:lnSpc>
-            </a:pPr>
-            <a:r>
-              <a:rPr lang="en-US" sz="4400" dirty="0">
-                <a:solidFill>
-                  <a:srgbClr val="404040"/>
-                </a:solidFill>
-              </a:rPr>
-              <a:t>6 - housing: has housing loan? (categorical: '</a:t>
-            </a:r>
-            <a:r>
-              <a:rPr lang="en-US" sz="4400" dirty="0" err="1">
-                <a:solidFill>
-                  <a:srgbClr val="404040"/>
-                </a:solidFill>
-              </a:rPr>
-              <a:t>no','yes','unknown</a:t>
-            </a:r>
-            <a:r>
-              <a:rPr lang="en-US" sz="4400" dirty="0">
-                <a:solidFill>
-                  <a:srgbClr val="404040"/>
-                </a:solidFill>
-              </a:rPr>
-              <a:t>')</a:t>
-            </a:r>
-          </a:p>
-          <a:p>
-            <a:pPr>
-              <a:lnSpc>
-                <a:spcPct val="90000"/>
-              </a:lnSpc>
-            </a:pPr>
-            <a:r>
-              <a:rPr lang="en-US" sz="4400" dirty="0">
-                <a:solidFill>
-                  <a:srgbClr val="404040"/>
-                </a:solidFill>
-              </a:rPr>
-              <a:t>7 - loan: has personal loan? (categorical: '</a:t>
-            </a:r>
-            <a:r>
-              <a:rPr lang="en-US" sz="4400" dirty="0" err="1">
-                <a:solidFill>
-                  <a:srgbClr val="404040"/>
-                </a:solidFill>
-              </a:rPr>
-              <a:t>no','yes','unknown</a:t>
-            </a:r>
-            <a:r>
-              <a:rPr lang="en-US" sz="4400" dirty="0">
-                <a:solidFill>
-                  <a:srgbClr val="404040"/>
-                </a:solidFill>
-              </a:rPr>
-              <a:t>')</a:t>
-            </a:r>
-          </a:p>
-          <a:p>
-            <a:pPr>
-              <a:lnSpc>
-                <a:spcPct val="90000"/>
-              </a:lnSpc>
-            </a:pPr>
-            <a:r>
-              <a:rPr lang="en-US" sz="4400" dirty="0">
-                <a:solidFill>
-                  <a:srgbClr val="404040"/>
-                </a:solidFill>
-              </a:rPr>
-              <a:t># related with the last contact of the current campaign:</a:t>
-            </a:r>
-          </a:p>
-          <a:p>
-            <a:pPr>
-              <a:lnSpc>
-                <a:spcPct val="90000"/>
-              </a:lnSpc>
-            </a:pPr>
-            <a:r>
-              <a:rPr lang="en-US" sz="4400" dirty="0">
-                <a:solidFill>
-                  <a:srgbClr val="404040"/>
-                </a:solidFill>
-              </a:rPr>
-              <a:t>8 - contact: contact communication type (categorical: '</a:t>
-            </a:r>
-            <a:r>
-              <a:rPr lang="en-US" sz="4400" dirty="0" err="1">
-                <a:solidFill>
-                  <a:srgbClr val="404040"/>
-                </a:solidFill>
-              </a:rPr>
-              <a:t>cellular','telephone</a:t>
-            </a:r>
-            <a:r>
-              <a:rPr lang="en-US" sz="4400" dirty="0">
-                <a:solidFill>
-                  <a:srgbClr val="404040"/>
-                </a:solidFill>
-              </a:rPr>
-              <a:t>')</a:t>
-            </a:r>
-          </a:p>
-          <a:p>
-            <a:pPr>
-              <a:lnSpc>
-                <a:spcPct val="90000"/>
-              </a:lnSpc>
-            </a:pPr>
-            <a:r>
-              <a:rPr lang="en-US" sz="4400" dirty="0">
-                <a:solidFill>
-                  <a:srgbClr val="404040"/>
-                </a:solidFill>
-              </a:rPr>
-              <a:t>9 - month: last contact month of year (categorical: '</a:t>
-            </a:r>
-            <a:r>
-              <a:rPr lang="en-US" sz="4400" dirty="0" err="1">
-                <a:solidFill>
-                  <a:srgbClr val="404040"/>
-                </a:solidFill>
-              </a:rPr>
-              <a:t>jan</a:t>
-            </a:r>
-            <a:r>
-              <a:rPr lang="en-US" sz="4400" dirty="0">
-                <a:solidFill>
-                  <a:srgbClr val="404040"/>
-                </a:solidFill>
-              </a:rPr>
-              <a:t>', '</a:t>
-            </a:r>
-            <a:r>
-              <a:rPr lang="en-US" sz="4400" dirty="0" err="1">
-                <a:solidFill>
-                  <a:srgbClr val="404040"/>
-                </a:solidFill>
-              </a:rPr>
-              <a:t>feb</a:t>
-            </a:r>
-            <a:r>
-              <a:rPr lang="en-US" sz="4400" dirty="0">
-                <a:solidFill>
-                  <a:srgbClr val="404040"/>
-                </a:solidFill>
-              </a:rPr>
-              <a:t>', 'mar', ..., '</a:t>
-            </a:r>
-            <a:r>
-              <a:rPr lang="en-US" sz="4400" dirty="0" err="1">
-                <a:solidFill>
-                  <a:srgbClr val="404040"/>
-                </a:solidFill>
-              </a:rPr>
-              <a:t>nov</a:t>
-            </a:r>
-            <a:r>
-              <a:rPr lang="en-US" sz="4400" dirty="0">
-                <a:solidFill>
-                  <a:srgbClr val="404040"/>
-                </a:solidFill>
-              </a:rPr>
-              <a:t>', 'dec')</a:t>
-            </a:r>
-          </a:p>
-          <a:p>
-            <a:pPr>
-              <a:lnSpc>
-                <a:spcPct val="90000"/>
-              </a:lnSpc>
-            </a:pPr>
-            <a:r>
-              <a:rPr lang="en-US" sz="4400" dirty="0">
-                <a:solidFill>
-                  <a:srgbClr val="404040"/>
-                </a:solidFill>
-              </a:rPr>
-              <a:t>10 - </a:t>
-            </a:r>
-            <a:r>
-              <a:rPr lang="en-US" sz="4400" dirty="0" err="1">
-                <a:solidFill>
-                  <a:srgbClr val="404040"/>
-                </a:solidFill>
-              </a:rPr>
-              <a:t>day_of_week</a:t>
-            </a:r>
-            <a:r>
-              <a:rPr lang="en-US" sz="4400" dirty="0">
-                <a:solidFill>
-                  <a:srgbClr val="404040"/>
-                </a:solidFill>
-              </a:rPr>
-              <a:t>: last contact day of the week (categorical: '</a:t>
-            </a:r>
-            <a:r>
-              <a:rPr lang="en-US" sz="4400" dirty="0" err="1">
-                <a:solidFill>
-                  <a:srgbClr val="404040"/>
-                </a:solidFill>
-              </a:rPr>
-              <a:t>mon</a:t>
-            </a:r>
-            <a:r>
-              <a:rPr lang="en-US" sz="4400" dirty="0">
-                <a:solidFill>
-                  <a:srgbClr val="404040"/>
-                </a:solidFill>
-              </a:rPr>
-              <a:t>','</a:t>
-            </a:r>
-            <a:r>
-              <a:rPr lang="en-US" sz="4400" dirty="0" err="1">
-                <a:solidFill>
-                  <a:srgbClr val="404040"/>
-                </a:solidFill>
-              </a:rPr>
-              <a:t>tue</a:t>
-            </a:r>
-            <a:r>
-              <a:rPr lang="en-US" sz="4400" dirty="0">
-                <a:solidFill>
-                  <a:srgbClr val="404040"/>
-                </a:solidFill>
-              </a:rPr>
-              <a:t>','wed','</a:t>
-            </a:r>
-            <a:r>
-              <a:rPr lang="en-US" sz="4400" dirty="0" err="1">
-                <a:solidFill>
-                  <a:srgbClr val="404040"/>
-                </a:solidFill>
-              </a:rPr>
-              <a:t>thu</a:t>
-            </a:r>
-            <a:r>
-              <a:rPr lang="en-US" sz="4400" dirty="0">
-                <a:solidFill>
-                  <a:srgbClr val="404040"/>
-                </a:solidFill>
-              </a:rPr>
-              <a:t>','</a:t>
-            </a:r>
-            <a:r>
-              <a:rPr lang="en-US" sz="4400" dirty="0" err="1">
-                <a:solidFill>
-                  <a:srgbClr val="404040"/>
-                </a:solidFill>
-              </a:rPr>
-              <a:t>fri</a:t>
-            </a:r>
-            <a:r>
-              <a:rPr lang="en-US" sz="4400" dirty="0">
-                <a:solidFill>
-                  <a:srgbClr val="404040"/>
-                </a:solidFill>
-              </a:rPr>
-              <a:t>')</a:t>
-            </a:r>
-          </a:p>
-          <a:p>
-            <a:pPr>
-              <a:lnSpc>
-                <a:spcPct val="90000"/>
-              </a:lnSpc>
-            </a:pPr>
-            <a:r>
-              <a:rPr lang="en-US" sz="4400" dirty="0">
-                <a:solidFill>
-                  <a:srgbClr val="404040"/>
-                </a:solidFill>
-              </a:rPr>
-              <a:t>11 - duration: last contact duration, in seconds (numeric). Important note: this attribute highly affects the output target (e.g., if duration=0 then y='no'). Yet, the duration is not known before a call is performed. Also, after the end of the call y is obviously known. Thus, this input should only be included for benchmark purposes and should be discarded if the intention is to have a realistic predictive model.</a:t>
-            </a:r>
-          </a:p>
-          <a:p>
-            <a:pPr>
-              <a:lnSpc>
-                <a:spcPct val="90000"/>
-              </a:lnSpc>
-            </a:pPr>
-            <a:endParaRPr lang="en-US" sz="500" dirty="0">
-              <a:solidFill>
-                <a:srgbClr val="404040"/>
-              </a:solidFill>
-            </a:endParaRPr>
-          </a:p>
-        </p:txBody>
-      </p:sp>
-    </p:spTree>
-    <p:extLst>
-      <p:ext uri="{BB962C8B-B14F-4D97-AF65-F5344CB8AC3E}">
-        <p14:creationId xmlns:p14="http://schemas.microsoft.com/office/powerpoint/2010/main" val="4005018302"/>
-      </p:ext>
-    </p:extLst>
-  </p:cSld>
-  <p:clrMapOvr>
-    <a:overrideClrMapping bg1="lt1" tx1="dk1" bg2="lt2" tx2="dk2" accent1="accent1" accent2="accent2" accent3="accent3" accent4="accent4" accent5="accent5" accent6="accent6" hlink="hlink" folHlink="folHlink"/>
   </p:clrMapOvr>
 </p:sld>
 </file>

--- a/BankMarketing.pptx
+++ b/BankMarketing.pptx
@@ -12,27 +12,30 @@
     <p:sldId id="268" r:id="rId6"/>
     <p:sldId id="258" r:id="rId7"/>
     <p:sldId id="260" r:id="rId8"/>
-    <p:sldId id="269" r:id="rId9"/>
-    <p:sldId id="271" r:id="rId10"/>
-    <p:sldId id="284" r:id="rId11"/>
-    <p:sldId id="283" r:id="rId12"/>
-    <p:sldId id="285" r:id="rId13"/>
-    <p:sldId id="273" r:id="rId14"/>
-    <p:sldId id="259" r:id="rId15"/>
-    <p:sldId id="262" r:id="rId16"/>
-    <p:sldId id="265" r:id="rId17"/>
-    <p:sldId id="264" r:id="rId18"/>
-    <p:sldId id="263" r:id="rId19"/>
-    <p:sldId id="272" r:id="rId20"/>
-    <p:sldId id="274" r:id="rId21"/>
-    <p:sldId id="275" r:id="rId22"/>
-    <p:sldId id="276" r:id="rId23"/>
-    <p:sldId id="277" r:id="rId24"/>
-    <p:sldId id="278" r:id="rId25"/>
-    <p:sldId id="279" r:id="rId26"/>
-    <p:sldId id="280" r:id="rId27"/>
-    <p:sldId id="281" r:id="rId28"/>
-    <p:sldId id="282" r:id="rId29"/>
+    <p:sldId id="278" r:id="rId9"/>
+    <p:sldId id="280" r:id="rId10"/>
+    <p:sldId id="281" r:id="rId11"/>
+    <p:sldId id="271" r:id="rId12"/>
+    <p:sldId id="286" r:id="rId13"/>
+    <p:sldId id="285" r:id="rId14"/>
+    <p:sldId id="273" r:id="rId15"/>
+    <p:sldId id="259" r:id="rId16"/>
+    <p:sldId id="262" r:id="rId17"/>
+    <p:sldId id="265" r:id="rId18"/>
+    <p:sldId id="287" r:id="rId19"/>
+    <p:sldId id="263" r:id="rId20"/>
+    <p:sldId id="272" r:id="rId21"/>
+    <p:sldId id="274" r:id="rId22"/>
+    <p:sldId id="277" r:id="rId23"/>
+    <p:sldId id="289" r:id="rId24"/>
+    <p:sldId id="279" r:id="rId25"/>
+    <p:sldId id="276" r:id="rId26"/>
+    <p:sldId id="269" r:id="rId27"/>
+    <p:sldId id="275" r:id="rId28"/>
+    <p:sldId id="288" r:id="rId29"/>
+    <p:sldId id="284" r:id="rId30"/>
+    <p:sldId id="283" r:id="rId31"/>
+    <p:sldId id="264" r:id="rId32"/>
   </p:sldIdLst>
   <p:sldSz cx="12192000" cy="6858000"/>
   <p:notesSz cx="6858000" cy="9144000"/>
@@ -3455,6 +3458,14 @@
 <file path=ppt/slides/slide10.xml><?xml version="1.0" encoding="utf-8"?>
 <p:sld xmlns:a="http://schemas.openxmlformats.org/drawingml/2006/main" xmlns:r="http://schemas.openxmlformats.org/officeDocument/2006/relationships" xmlns:p="http://schemas.openxmlformats.org/presentationml/2006/main">
   <p:cSld>
+    <p:bg>
+      <p:bgPr>
+        <a:solidFill>
+          <a:schemeClr val="bg2"/>
+        </a:solidFill>
+        <a:effectLst/>
+      </p:bgPr>
+    </p:bg>
     <p:spTree>
       <p:nvGrpSpPr>
         <p:cNvPr id="1" name=""/>
@@ -3474,7 +3485,7 @@
           <p:cNvPr id="2" name="Title 1">
             <a:extLst>
               <a:ext uri="{FF2B5EF4-FFF2-40B4-BE49-F238E27FC236}">
-                <a16:creationId xmlns:a16="http://schemas.microsoft.com/office/drawing/2014/main" id="{B14D7E61-E472-9F21-1DA9-153E30F096E4}"/>
+                <a16:creationId xmlns:a16="http://schemas.microsoft.com/office/drawing/2014/main" id="{E2AEAEBE-F2E7-353B-B7C5-D443F755248E}"/>
               </a:ext>
             </a:extLst>
           </p:cNvPr>
@@ -3485,24 +3496,31 @@
             <p:ph type="title"/>
           </p:nvPr>
         </p:nvSpPr>
-        <p:spPr/>
-        <p:txBody>
-          <a:bodyPr/>
+        <p:spPr>
+          <a:xfrm>
+            <a:off x="804672" y="964692"/>
+            <a:ext cx="3066937" cy="1188720"/>
+          </a:xfrm>
+        </p:spPr>
+        <p:txBody>
+          <a:bodyPr>
+            <a:normAutofit/>
+          </a:bodyPr>
           <a:lstStyle/>
           <a:p>
             <a:r>
               <a:rPr lang="en-US" dirty="0"/>
-              <a:t>Cost of no-ml strategy</a:t>
-            </a:r>
-          </a:p>
-        </p:txBody>
-      </p:sp>
-      <p:sp>
-        <p:nvSpPr>
-          <p:cNvPr id="3" name="Content Placeholder 2">
+              <a:t>Deposits by month</a:t>
+            </a:r>
+          </a:p>
+        </p:txBody>
+      </p:sp>
+      <p:sp>
+        <p:nvSpPr>
+          <p:cNvPr id="8" name="Content Placeholder 7">
             <a:extLst>
               <a:ext uri="{FF2B5EF4-FFF2-40B4-BE49-F238E27FC236}">
-                <a16:creationId xmlns:a16="http://schemas.microsoft.com/office/drawing/2014/main" id="{A4AA96FF-A42F-9FB1-7ECF-CBA43F2C9C9B}"/>
+                <a16:creationId xmlns:a16="http://schemas.microsoft.com/office/drawing/2014/main" id="{E8FAF2AA-3378-CCE0-9B98-17DF575F7A5B}"/>
               </a:ext>
             </a:extLst>
           </p:cNvPr>
@@ -3513,96 +3531,195 @@
             <p:ph idx="1"/>
           </p:nvPr>
         </p:nvSpPr>
-        <p:spPr/>
+        <p:spPr>
+          <a:xfrm>
+            <a:off x="803244" y="2638044"/>
+            <a:ext cx="3063765" cy="3263206"/>
+          </a:xfrm>
+        </p:spPr>
         <p:txBody>
           <a:bodyPr>
-            <a:normAutofit fontScale="92500" lnSpcReduction="20000"/>
+            <a:normAutofit/>
           </a:bodyPr>
           <a:lstStyle/>
           <a:p>
             <a:r>
               <a:rPr lang="en-US" dirty="0"/>
-              <a:t>Assuming a uniform distribution of yeses and noes, to reach 62% of the possible yeses, the bank would call .63362*41188=26098 customers.</a:t>
-            </a:r>
-          </a:p>
-          <a:p>
-            <a:pPr lvl="1"/>
+              <a:t>High frequency of yeses in April, March, October, September, and December</a:t>
+            </a:r>
+          </a:p>
+          <a:p>
             <a:r>
               <a:rPr lang="en-US" dirty="0"/>
-              <a:t>11.265% (2940) will say yes, with a length of call per yes being 553.1912 seconds, for a total of 452 hours. </a:t>
-            </a:r>
-          </a:p>
-          <a:p>
-            <a:pPr lvl="1"/>
-            <a:r>
-              <a:rPr lang="en-US" dirty="0"/>
-              <a:t>88.735% (23158) will say no, with a length of call per yes being 220.8448 seconds, for a total of 1420 hours</a:t>
-            </a:r>
-          </a:p>
-          <a:p>
-            <a:pPr lvl="1"/>
-            <a:r>
-              <a:rPr lang="en-US" dirty="0"/>
-              <a:t>Lower bound cost of acquiring 62% yeses: $10/</a:t>
-            </a:r>
-            <a:r>
-              <a:rPr lang="en-US" dirty="0" err="1"/>
-              <a:t>hr</a:t>
-            </a:r>
-            <a:r>
-              <a:rPr lang="en-US" dirty="0"/>
-              <a:t>*(1870)</a:t>
-            </a:r>
-            <a:r>
-              <a:rPr lang="en-US" dirty="0" err="1"/>
-              <a:t>hrs</a:t>
-            </a:r>
-            <a:r>
-              <a:rPr lang="en-US" dirty="0"/>
-              <a:t>= $18,700+Cost(long-term customer value and reputation costs loses)+Opportunity cost of spending many employee hours on the campaign</a:t>
-            </a:r>
-          </a:p>
-          <a:p>
-            <a:pPr lvl="1"/>
-            <a:r>
-              <a:rPr lang="en-US" dirty="0"/>
-              <a:t>Upper bound cost of acquiring 62% yeses: $20/</a:t>
-            </a:r>
-            <a:r>
-              <a:rPr lang="en-US" dirty="0" err="1"/>
-              <a:t>hr</a:t>
-            </a:r>
-            <a:r>
-              <a:rPr lang="en-US" dirty="0"/>
-              <a:t>*(5850)</a:t>
-            </a:r>
-            <a:r>
-              <a:rPr lang="en-US" dirty="0" err="1"/>
-              <a:t>hrs</a:t>
-            </a:r>
-            <a:r>
-              <a:rPr lang="en-US" dirty="0"/>
-              <a:t>= $37,400 +Cost(long-term customer value and reputation costs loses) )+Opportunity cost of spending many employee hours on the campaign</a:t>
-            </a:r>
-          </a:p>
-          <a:p>
-            <a:pPr lvl="1"/>
+              <a:t>A lot of activity in May, but most people say no: perhaps rework the timing of calls to have more calls be placed in April, March, October, September, and December</a:t>
+            </a:r>
+          </a:p>
+          <a:p>
             <a:endParaRPr lang="en-US" dirty="0"/>
           </a:p>
-          <a:p>
-            <a:pPr lvl="1"/>
+        </p:txBody>
+      </p:sp>
+      <p:sp>
+        <p:nvSpPr>
+          <p:cNvPr id="11" name="Rectangle 10">
+            <a:extLst>
+              <a:ext uri="{FF2B5EF4-FFF2-40B4-BE49-F238E27FC236}">
+                <a16:creationId xmlns:a16="http://schemas.microsoft.com/office/drawing/2014/main" id="{B9A6A8C2-8B3A-4AD3-AFCC-F1D3F1F02D3F}"/>
+              </a:ext>
+              <a:ext uri="{C183D7F6-B498-43B3-948B-1728B52AA6E4}">
+                <adec:decorative xmlns:adec="http://schemas.microsoft.com/office/drawing/2017/decorative" val="1"/>
+              </a:ext>
+            </a:extLst>
+          </p:cNvPr>
+          <p:cNvSpPr>
+            <a:spLocks noGrp="1" noRot="1" noChangeAspect="1" noMove="1" noResize="1" noEditPoints="1" noAdjustHandles="1" noChangeArrowheads="1" noChangeShapeType="1" noTextEdit="1"/>
+          </p:cNvSpPr>
+          <p:nvPr>
+            <p:extLst>
+              <p:ext uri="{386F3935-93C4-4BCD-93E2-E3B085C9AB24}">
+                <p16:designElem xmlns:p16="http://schemas.microsoft.com/office/powerpoint/2015/main" val="1"/>
+              </p:ext>
+            </p:extLst>
+          </p:nvPr>
+        </p:nvSpPr>
+        <p:spPr>
+          <a:xfrm>
+            <a:off x="4494182" y="964692"/>
+            <a:ext cx="6885432" cy="4936558"/>
+          </a:xfrm>
+          <a:prstGeom prst="rect">
+            <a:avLst/>
+          </a:prstGeom>
+          <a:noFill/>
+          <a:ln w="31750" cap="sq">
+            <a:solidFill>
+              <a:srgbClr val="FFFFFF"/>
+            </a:solidFill>
+            <a:miter lim="800000"/>
+          </a:ln>
+        </p:spPr>
+        <p:style>
+          <a:lnRef idx="2">
+            <a:schemeClr val="accent1">
+              <a:shade val="50000"/>
+            </a:schemeClr>
+          </a:lnRef>
+          <a:fillRef idx="1">
+            <a:schemeClr val="accent1"/>
+          </a:fillRef>
+          <a:effectRef idx="0">
+            <a:schemeClr val="accent1"/>
+          </a:effectRef>
+          <a:fontRef idx="minor">
+            <a:schemeClr val="lt1"/>
+          </a:fontRef>
+        </p:style>
+        <p:txBody>
+          <a:bodyPr rtlCol="0" anchor="ctr"/>
+          <a:lstStyle/>
+          <a:p>
+            <a:pPr algn="ctr"/>
             <a:endParaRPr lang="en-US" dirty="0"/>
           </a:p>
-          <a:p>
-            <a:pPr lvl="1"/>
-            <a:endParaRPr lang="en-US" dirty="0"/>
-          </a:p>
-        </p:txBody>
-      </p:sp>
+        </p:txBody>
+      </p:sp>
+      <p:sp>
+        <p:nvSpPr>
+          <p:cNvPr id="13" name="Rectangle 12">
+            <a:extLst>
+              <a:ext uri="{FF2B5EF4-FFF2-40B4-BE49-F238E27FC236}">
+                <a16:creationId xmlns:a16="http://schemas.microsoft.com/office/drawing/2014/main" id="{CDF64937-39B5-4AB3-A2EF-EA689BA6087B}"/>
+              </a:ext>
+              <a:ext uri="{C183D7F6-B498-43B3-948B-1728B52AA6E4}">
+                <adec:decorative xmlns:adec="http://schemas.microsoft.com/office/drawing/2017/decorative" val="1"/>
+              </a:ext>
+            </a:extLst>
+          </p:cNvPr>
+          <p:cNvSpPr>
+            <a:spLocks noGrp="1" noRot="1" noChangeAspect="1" noMove="1" noResize="1" noEditPoints="1" noAdjustHandles="1" noChangeArrowheads="1" noChangeShapeType="1" noTextEdit="1"/>
+          </p:cNvSpPr>
+          <p:nvPr>
+            <p:extLst>
+              <p:ext uri="{386F3935-93C4-4BCD-93E2-E3B085C9AB24}">
+                <p16:designElem xmlns:p16="http://schemas.microsoft.com/office/powerpoint/2015/main" val="1"/>
+              </p:ext>
+            </p:extLst>
+          </p:nvPr>
+        </p:nvSpPr>
+        <p:spPr>
+          <a:xfrm>
+            <a:off x="4657802" y="1128683"/>
+            <a:ext cx="6558192" cy="4608576"/>
+          </a:xfrm>
+          <a:prstGeom prst="rect">
+            <a:avLst/>
+          </a:prstGeom>
+          <a:solidFill>
+            <a:srgbClr val="FFFFFF"/>
+          </a:solidFill>
+          <a:ln>
+            <a:noFill/>
+          </a:ln>
+        </p:spPr>
+        <p:style>
+          <a:lnRef idx="2">
+            <a:schemeClr val="accent1">
+              <a:shade val="50000"/>
+            </a:schemeClr>
+          </a:lnRef>
+          <a:fillRef idx="1">
+            <a:schemeClr val="accent1"/>
+          </a:fillRef>
+          <a:effectRef idx="0">
+            <a:schemeClr val="accent1"/>
+          </a:effectRef>
+          <a:fontRef idx="minor">
+            <a:schemeClr val="lt1"/>
+          </a:fontRef>
+        </p:style>
+        <p:txBody>
+          <a:bodyPr rtlCol="0" anchor="ctr"/>
+          <a:lstStyle/>
+          <a:p>
+            <a:pPr algn="ctr"/>
+            <a:endParaRPr lang="en-US"/>
+          </a:p>
+        </p:txBody>
+      </p:sp>
+      <p:pic>
+        <p:nvPicPr>
+          <p:cNvPr id="4" name="Content Placeholder 3" descr="Chart, bar chart&#10;&#10;Description automatically generated">
+            <a:extLst>
+              <a:ext uri="{FF2B5EF4-FFF2-40B4-BE49-F238E27FC236}">
+                <a16:creationId xmlns:a16="http://schemas.microsoft.com/office/drawing/2014/main" id="{88E3B023-A976-20B2-7117-9F428A6703A0}"/>
+              </a:ext>
+            </a:extLst>
+          </p:cNvPr>
+          <p:cNvPicPr>
+            <a:picLocks noChangeAspect="1"/>
+          </p:cNvPicPr>
+          <p:nvPr/>
+        </p:nvPicPr>
+        <p:blipFill>
+          <a:blip r:embed="rId2"/>
+          <a:stretch>
+            <a:fillRect/>
+          </a:stretch>
+        </p:blipFill>
+        <p:spPr>
+          <a:xfrm>
+            <a:off x="4823366" y="1876205"/>
+            <a:ext cx="6227064" cy="3113531"/>
+          </a:xfrm>
+          <a:prstGeom prst="rect">
+            <a:avLst/>
+          </a:prstGeom>
+        </p:spPr>
+      </p:pic>
     </p:spTree>
     <p:extLst>
       <p:ext uri="{BB962C8B-B14F-4D97-AF65-F5344CB8AC3E}">
-        <p14:creationId xmlns:p14="http://schemas.microsoft.com/office/powerpoint/2010/main" val="1729307658"/>
+        <p14:creationId xmlns:p14="http://schemas.microsoft.com/office/powerpoint/2010/main" val="4281674797"/>
       </p:ext>
     </p:extLst>
   </p:cSld>
@@ -3634,7 +3751,7 @@
           <p:cNvPr id="2" name="Title 1">
             <a:extLst>
               <a:ext uri="{FF2B5EF4-FFF2-40B4-BE49-F238E27FC236}">
-                <a16:creationId xmlns:a16="http://schemas.microsoft.com/office/drawing/2014/main" id="{1A674F87-5BD0-33F3-6898-D29B8C92871B}"/>
+                <a16:creationId xmlns:a16="http://schemas.microsoft.com/office/drawing/2014/main" id="{5B06D7E8-B4E9-E46B-BCE2-4638BAEFA62C}"/>
               </a:ext>
             </a:extLst>
           </p:cNvPr>
@@ -3652,7 +3769,7 @@
           <a:p>
             <a:r>
               <a:rPr lang="en-US" dirty="0"/>
-              <a:t>Cost of ml strategy</a:t>
+              <a:t>Business Concerns</a:t>
             </a:r>
           </a:p>
         </p:txBody>
@@ -3662,7 +3779,7 @@
           <p:cNvPr id="3" name="Content Placeholder 2">
             <a:extLst>
               <a:ext uri="{FF2B5EF4-FFF2-40B4-BE49-F238E27FC236}">
-                <a16:creationId xmlns:a16="http://schemas.microsoft.com/office/drawing/2014/main" id="{E6E33C5E-AB5F-DE4B-1270-B39C2690F045}"/>
+                <a16:creationId xmlns:a16="http://schemas.microsoft.com/office/drawing/2014/main" id="{C1722422-861D-9D74-CA78-5189426724BE}"/>
               </a:ext>
             </a:extLst>
           </p:cNvPr>
@@ -3676,80 +3793,73 @@
         <p:spPr/>
         <p:txBody>
           <a:bodyPr>
-            <a:normAutofit fontScale="92500" lnSpcReduction="10000"/>
+            <a:normAutofit fontScale="85000" lnSpcReduction="10000"/>
           </a:bodyPr>
           <a:lstStyle/>
           <a:p>
             <a:r>
               <a:rPr lang="en-US" dirty="0"/>
-              <a:t>Identified a group of 7510 customers, about 2940 of whom will say yes</a:t>
-            </a:r>
-          </a:p>
-          <a:p>
-            <a:pPr lvl="1"/>
+              <a:t>“It is difficult to financially quantify costs, since long term deposits have different amounts, interest rates and subscription periods.” (</a:t>
+            </a:r>
+            <a:r>
+              <a:rPr lang="en-US" dirty="0">
+                <a:solidFill>
+                  <a:srgbClr val="123654"/>
+                </a:solidFill>
+              </a:rPr>
+              <a:t>Moro et al., 2014)</a:t>
+            </a:r>
+            <a:endParaRPr lang="en-US" dirty="0"/>
+          </a:p>
+          <a:p>
             <a:r>
               <a:rPr lang="en-US" dirty="0"/>
-              <a:t>Cost of 452 hours for the yeses and 280 hours for the noes</a:t>
-            </a:r>
-          </a:p>
-          <a:p>
-            <a:pPr lvl="1"/>
+              <a:t>Client stress and intrusiveness associated with outbound calls should also be considered, as the bank is maximizing lifetime value of doing business with the customer</a:t>
+            </a:r>
+          </a:p>
+          <a:p>
             <a:r>
               <a:rPr lang="en-US" dirty="0"/>
-              <a:t>Lower bound cost of acquiring 62% yeses: $10/</a:t>
+              <a:t>“The 2008 financial crisis increased the pressure for Portuguese banks to increase long term deposits.”(</a:t>
+            </a:r>
+            <a:r>
+              <a:rPr lang="en-US" dirty="0">
+                <a:solidFill>
+                  <a:srgbClr val="123654"/>
+                </a:solidFill>
+              </a:rPr>
+              <a:t>Moro et al., 2014)</a:t>
+            </a:r>
+            <a:endParaRPr lang="en-US" dirty="0"/>
+          </a:p>
+          <a:p>
+            <a:r>
+              <a:rPr lang="en-US" dirty="0"/>
+              <a:t>According to </a:t>
+            </a:r>
+            <a:r>
+              <a:rPr lang="en-US" dirty="0">
+                <a:hlinkClick r:id="rId2"/>
+              </a:rPr>
+              <a:t>https://www.erieri.com/salary/job/call-center-agent/Portugal</a:t>
+            </a:r>
+            <a:r>
+              <a:rPr lang="en-US" dirty="0"/>
+              <a:t>, the average salary of  a call center agent in Portugal is €8/hour (about $8.08/hour).   Assume there are down times, so the lowest price per hour is about $10.</a:t>
+            </a:r>
+          </a:p>
+          <a:p>
+            <a:r>
+              <a:rPr lang="en-US" dirty="0"/>
+              <a:t>According to </a:t>
             </a:r>
             <a:r>
               <a:rPr lang="en-US" dirty="0" err="1"/>
-              <a:t>hr</a:t>
+              <a:t>salaryexplorer.com</a:t>
             </a:r>
             <a:r>
               <a:rPr lang="en-US" dirty="0"/>
-              <a:t>*(732)</a:t>
-            </a:r>
-            <a:r>
-              <a:rPr lang="en-US" dirty="0" err="1"/>
-              <a:t>hrs</a:t>
-            </a:r>
-            <a:r>
-              <a:rPr lang="en-US" dirty="0"/>
-              <a:t>= $7320+Cost(long-term customer value and reputation costs loses) </a:t>
-            </a:r>
-          </a:p>
-          <a:p>
-            <a:pPr lvl="2"/>
-            <a:r>
-              <a:rPr lang="en-US" dirty="0"/>
-              <a:t>Smaller than $18,700 and the reputation cost to the company, long-term customer value losses, reputation costs, and opportunity costs are much smaller</a:t>
-            </a:r>
-          </a:p>
-          <a:p>
-            <a:pPr lvl="1"/>
-            <a:r>
-              <a:rPr lang="en-US" dirty="0"/>
-              <a:t>Upper bound cost of acquiring 62% yeses: $20/</a:t>
-            </a:r>
-            <a:r>
-              <a:rPr lang="en-US" dirty="0" err="1"/>
-              <a:t>hr</a:t>
-            </a:r>
-            <a:r>
-              <a:rPr lang="en-US" dirty="0"/>
-              <a:t>*(5850)</a:t>
-            </a:r>
-            <a:r>
-              <a:rPr lang="en-US" dirty="0" err="1"/>
-              <a:t>hrs</a:t>
-            </a:r>
-            <a:r>
-              <a:rPr lang="en-US" dirty="0"/>
-              <a:t>= $14640 +Cost(long-term customer value and reputation costs loses)+Opportunity cost of spending many employee hours on the campaign</a:t>
-            </a:r>
-          </a:p>
-          <a:p>
-            <a:pPr lvl="2"/>
-            <a:r>
-              <a:rPr lang="en-US" dirty="0"/>
-              <a:t>Smaller than $37,400 and the reputation cost to the company, long-term customer value losses, reputation costs, and opportunity costs are much smaller</a:t>
+              <a:t>, an average bank worker in Portugal earns about €18.70/hour ($18.87/hour).  Assume there are down times, so the lowest price per hour is $20.</a:t>
             </a:r>
           </a:p>
           <a:p>
@@ -3760,7 +3870,7 @@
     </p:spTree>
     <p:extLst>
       <p:ext uri="{BB962C8B-B14F-4D97-AF65-F5344CB8AC3E}">
-        <p14:creationId xmlns:p14="http://schemas.microsoft.com/office/powerpoint/2010/main" val="609018786"/>
+        <p14:creationId xmlns:p14="http://schemas.microsoft.com/office/powerpoint/2010/main" val="1784024761"/>
       </p:ext>
     </p:extLst>
   </p:cSld>
@@ -3773,6 +3883,14 @@
 <file path=ppt/slides/slide12.xml><?xml version="1.0" encoding="utf-8"?>
 <p:sld xmlns:a="http://schemas.openxmlformats.org/drawingml/2006/main" xmlns:r="http://schemas.openxmlformats.org/officeDocument/2006/relationships" xmlns:p="http://schemas.openxmlformats.org/presentationml/2006/main">
   <p:cSld>
+    <p:bg>
+      <p:bgPr>
+        <a:solidFill>
+          <a:schemeClr val="bg2"/>
+        </a:solidFill>
+        <a:effectLst/>
+      </p:bgPr>
+    </p:bg>
     <p:spTree>
       <p:nvGrpSpPr>
         <p:cNvPr id="1" name=""/>
@@ -3792,7 +3910,7 @@
           <p:cNvPr id="2" name="Title 1">
             <a:extLst>
               <a:ext uri="{FF2B5EF4-FFF2-40B4-BE49-F238E27FC236}">
-                <a16:creationId xmlns:a16="http://schemas.microsoft.com/office/drawing/2014/main" id="{BE61E21D-1891-95C3-450E-297D52D6DEB7}"/>
+                <a16:creationId xmlns:a16="http://schemas.microsoft.com/office/drawing/2014/main" id="{B14D7E61-E472-9F21-1DA9-153E30F096E4}"/>
               </a:ext>
             </a:extLst>
           </p:cNvPr>
@@ -3803,15 +3921,149 @@
             <p:ph type="title"/>
           </p:nvPr>
         </p:nvSpPr>
-        <p:spPr/>
-        <p:txBody>
-          <a:bodyPr/>
+        <p:spPr>
+          <a:xfrm>
+            <a:off x="8312677" y="964692"/>
+            <a:ext cx="3066937" cy="1188720"/>
+          </a:xfrm>
+        </p:spPr>
+        <p:txBody>
+          <a:bodyPr>
+            <a:normAutofit/>
+          </a:bodyPr>
           <a:lstStyle/>
           <a:p>
             <a:r>
               <a:rPr lang="en-US" dirty="0"/>
-              <a:t>Business recommendation</a:t>
-            </a:r>
+              <a:t>Cost comparison</a:t>
+            </a:r>
+          </a:p>
+        </p:txBody>
+      </p:sp>
+      <p:sp>
+        <p:nvSpPr>
+          <p:cNvPr id="38" name="Rectangle 33">
+            <a:extLst>
+              <a:ext uri="{FF2B5EF4-FFF2-40B4-BE49-F238E27FC236}">
+                <a16:creationId xmlns:a16="http://schemas.microsoft.com/office/drawing/2014/main" id="{19279462-C377-4545-808A-BE333D100DBA}"/>
+              </a:ext>
+              <a:ext uri="{C183D7F6-B498-43B3-948B-1728B52AA6E4}">
+                <adec:decorative xmlns:adec="http://schemas.microsoft.com/office/drawing/2017/decorative" val="1"/>
+              </a:ext>
+            </a:extLst>
+          </p:cNvPr>
+          <p:cNvSpPr>
+            <a:spLocks noGrp="1" noRot="1" noChangeAspect="1" noMove="1" noResize="1" noEditPoints="1" noAdjustHandles="1" noChangeArrowheads="1" noChangeShapeType="1" noTextEdit="1"/>
+          </p:cNvSpPr>
+          <p:nvPr>
+            <p:extLst>
+              <p:ext uri="{386F3935-93C4-4BCD-93E2-E3B085C9AB24}">
+                <p16:designElem xmlns:p16="http://schemas.microsoft.com/office/powerpoint/2015/main" val="1"/>
+              </p:ext>
+            </p:extLst>
+          </p:nvPr>
+        </p:nvSpPr>
+        <p:spPr>
+          <a:xfrm>
+            <a:off x="814795" y="964692"/>
+            <a:ext cx="6885432" cy="4936558"/>
+          </a:xfrm>
+          <a:prstGeom prst="rect">
+            <a:avLst/>
+          </a:prstGeom>
+          <a:noFill/>
+          <a:ln w="31750" cap="sq">
+            <a:solidFill>
+              <a:srgbClr val="FFFFFF"/>
+            </a:solidFill>
+            <a:miter lim="800000"/>
+          </a:ln>
+        </p:spPr>
+        <p:style>
+          <a:lnRef idx="2">
+            <a:schemeClr val="accent1">
+              <a:shade val="50000"/>
+            </a:schemeClr>
+          </a:lnRef>
+          <a:fillRef idx="1">
+            <a:schemeClr val="accent1"/>
+          </a:fillRef>
+          <a:effectRef idx="0">
+            <a:schemeClr val="accent1"/>
+          </a:effectRef>
+          <a:fontRef idx="minor">
+            <a:schemeClr val="lt1"/>
+          </a:fontRef>
+        </p:style>
+        <p:txBody>
+          <a:bodyPr rtlCol="0" anchor="ctr"/>
+          <a:lstStyle/>
+          <a:p>
+            <a:pPr algn="ctr"/>
+            <a:endParaRPr lang="en-US" dirty="0"/>
+          </a:p>
+        </p:txBody>
+      </p:sp>
+      <p:sp>
+        <p:nvSpPr>
+          <p:cNvPr id="39" name="Rectangle 35">
+            <a:extLst>
+              <a:ext uri="{FF2B5EF4-FFF2-40B4-BE49-F238E27FC236}">
+                <a16:creationId xmlns:a16="http://schemas.microsoft.com/office/drawing/2014/main" id="{15B67055-73BA-466D-9A33-02877570619B}"/>
+              </a:ext>
+              <a:ext uri="{C183D7F6-B498-43B3-948B-1728B52AA6E4}">
+                <adec:decorative xmlns:adec="http://schemas.microsoft.com/office/drawing/2017/decorative" val="1"/>
+              </a:ext>
+            </a:extLst>
+          </p:cNvPr>
+          <p:cNvSpPr>
+            <a:spLocks noGrp="1" noRot="1" noChangeAspect="1" noMove="1" noResize="1" noEditPoints="1" noAdjustHandles="1" noChangeArrowheads="1" noChangeShapeType="1" noTextEdit="1"/>
+          </p:cNvSpPr>
+          <p:nvPr>
+            <p:extLst>
+              <p:ext uri="{386F3935-93C4-4BCD-93E2-E3B085C9AB24}">
+                <p16:designElem xmlns:p16="http://schemas.microsoft.com/office/powerpoint/2015/main" val="1"/>
+              </p:ext>
+            </p:extLst>
+          </p:nvPr>
+        </p:nvSpPr>
+        <p:spPr>
+          <a:xfrm>
+            <a:off x="978415" y="1128683"/>
+            <a:ext cx="6558192" cy="4608576"/>
+          </a:xfrm>
+          <a:prstGeom prst="rect">
+            <a:avLst/>
+          </a:prstGeom>
+          <a:solidFill>
+            <a:srgbClr val="FFFFFF"/>
+          </a:solidFill>
+          <a:ln>
+            <a:noFill/>
+          </a:ln>
+        </p:spPr>
+        <p:style>
+          <a:lnRef idx="2">
+            <a:schemeClr val="accent1">
+              <a:shade val="50000"/>
+            </a:schemeClr>
+          </a:lnRef>
+          <a:fillRef idx="1">
+            <a:schemeClr val="accent1"/>
+          </a:fillRef>
+          <a:effectRef idx="0">
+            <a:schemeClr val="accent1"/>
+          </a:effectRef>
+          <a:fontRef idx="minor">
+            <a:schemeClr val="lt1"/>
+          </a:fontRef>
+        </p:style>
+        <p:txBody>
+          <a:bodyPr rtlCol="0" anchor="ctr"/>
+          <a:lstStyle/>
+          <a:p>
+            <a:pPr algn="ctr"/>
+            <a:endParaRPr lang="en-US"/>
           </a:p>
         </p:txBody>
       </p:sp>
@@ -3820,7 +4072,7 @@
           <p:cNvPr id="3" name="Content Placeholder 2">
             <a:extLst>
               <a:ext uri="{FF2B5EF4-FFF2-40B4-BE49-F238E27FC236}">
-                <a16:creationId xmlns:a16="http://schemas.microsoft.com/office/drawing/2014/main" id="{DB108EFE-6A90-5369-F69B-798C08BA08D8}"/>
+                <a16:creationId xmlns:a16="http://schemas.microsoft.com/office/drawing/2014/main" id="{A4AA96FF-A42F-9FB1-7ECF-CBA43F2C9C9B}"/>
               </a:ext>
             </a:extLst>
           </p:cNvPr>
@@ -3831,51 +4083,1180 @@
             <p:ph idx="1"/>
           </p:nvPr>
         </p:nvSpPr>
-        <p:spPr/>
+        <p:spPr>
+          <a:xfrm>
+            <a:off x="8311249" y="2638044"/>
+            <a:ext cx="3063765" cy="3263206"/>
+          </a:xfrm>
+        </p:spPr>
         <p:txBody>
           <a:bodyPr>
-            <a:normAutofit lnSpcReduction="10000"/>
+            <a:normAutofit/>
           </a:bodyPr>
           <a:lstStyle/>
           <a:p>
-            <a:r>
-              <a:rPr lang="en-US" dirty="0"/>
-              <a:t>Adopt the ML strategy if long-term customer value and intangible costs are a significant concern and campaign resources are limited.  </a:t>
-            </a:r>
-          </a:p>
-          <a:p>
-            <a:pPr lvl="1"/>
-            <a:r>
-              <a:rPr lang="en-US" dirty="0"/>
-              <a:t>After these customers are contacted, design a different product that would have a higher success rate with the remainder of </a:t>
-            </a:r>
-            <a:r>
-              <a:rPr lang="en-US"/>
-              <a:t>potential contacts</a:t>
-            </a:r>
-            <a:endParaRPr lang="en-US" dirty="0"/>
-          </a:p>
-          <a:p>
-            <a:r>
-              <a:rPr lang="en-US" dirty="0"/>
-              <a:t>Adopt a mixed strategy of first calling the customers identified by the ML model, followed by the ones not identified if intangible costs and campaign resources are moderate</a:t>
-            </a:r>
-          </a:p>
-          <a:p>
-            <a:r>
-              <a:rPr lang="en-US" dirty="0"/>
-              <a:t>Adopt a strategy of contacting all customers if have large campaign resources, are less concerned with intangible costs, and the cost of missing some of the yeses is particularly high</a:t>
-            </a:r>
-          </a:p>
-          <a:p>
-            <a:endParaRPr lang="en-US" dirty="0"/>
-          </a:p>
-        </p:txBody>
-      </p:sp>
+            <a:pPr>
+              <a:lnSpc>
+                <a:spcPct val="90000"/>
+              </a:lnSpc>
+            </a:pPr>
+            <a:r>
+              <a:rPr lang="en-US" sz="1100" dirty="0"/>
+              <a:t>Assuming an approximately uniform distribution of yeses and noes</a:t>
+            </a:r>
+          </a:p>
+          <a:p>
+            <a:pPr>
+              <a:lnSpc>
+                <a:spcPct val="90000"/>
+              </a:lnSpc>
+            </a:pPr>
+            <a:r>
+              <a:rPr lang="en-US" sz="1100" dirty="0"/>
+              <a:t>Intangible costs are long-term reputational damage to the company from customers being (repeatedly) inconvenienced with offers that are of no interest to them, the ensuing loss in long-term customer value, opportunity costs of having employees work on more promising directions (offer a more appropriate products to customers), etc.</a:t>
+            </a:r>
+          </a:p>
+          <a:p>
+            <a:pPr>
+              <a:lnSpc>
+                <a:spcPct val="90000"/>
+              </a:lnSpc>
+            </a:pPr>
+            <a:r>
+              <a:rPr lang="en-US" sz="1100" dirty="0"/>
+              <a:t>LB is lower bound</a:t>
+            </a:r>
+          </a:p>
+          <a:p>
+            <a:pPr>
+              <a:lnSpc>
+                <a:spcPct val="90000"/>
+              </a:lnSpc>
+            </a:pPr>
+            <a:r>
+              <a:rPr lang="en-US" sz="1100" dirty="0"/>
+              <a:t>UB is upper bound</a:t>
+            </a:r>
+          </a:p>
+          <a:p>
+            <a:pPr marL="0" indent="0">
+              <a:lnSpc>
+                <a:spcPct val="90000"/>
+              </a:lnSpc>
+              <a:buNone/>
+            </a:pPr>
+            <a:r>
+              <a:rPr lang="en-US" sz="1100" dirty="0"/>
+              <a:t> </a:t>
+            </a:r>
+          </a:p>
+          <a:p>
+            <a:pPr lvl="1">
+              <a:lnSpc>
+                <a:spcPct val="90000"/>
+              </a:lnSpc>
+            </a:pPr>
+            <a:endParaRPr lang="en-US" sz="1100" dirty="0"/>
+          </a:p>
+          <a:p>
+            <a:pPr lvl="1">
+              <a:lnSpc>
+                <a:spcPct val="90000"/>
+              </a:lnSpc>
+            </a:pPr>
+            <a:endParaRPr lang="en-US" sz="1100" dirty="0"/>
+          </a:p>
+        </p:txBody>
+      </p:sp>
+      <p:graphicFrame>
+        <p:nvGraphicFramePr>
+          <p:cNvPr id="4" name="Table 4">
+            <a:extLst>
+              <a:ext uri="{FF2B5EF4-FFF2-40B4-BE49-F238E27FC236}">
+                <a16:creationId xmlns:a16="http://schemas.microsoft.com/office/drawing/2014/main" id="{485E78D6-B0E6-19CE-1340-EC739355B5CF}"/>
+              </a:ext>
+            </a:extLst>
+          </p:cNvPr>
+          <p:cNvGraphicFramePr>
+            <a:graphicFrameLocks noGrp="1"/>
+          </p:cNvGraphicFramePr>
+          <p:nvPr>
+            <p:extLst>
+              <p:ext uri="{D42A27DB-BD31-4B8C-83A1-F6EECF244321}">
+                <p14:modId xmlns:p14="http://schemas.microsoft.com/office/powerpoint/2010/main" val="1311957506"/>
+              </p:ext>
+            </p:extLst>
+          </p:nvPr>
+        </p:nvGraphicFramePr>
+        <p:xfrm>
+          <a:off x="978416" y="2068219"/>
+          <a:ext cx="6558191" cy="2729507"/>
+        </p:xfrm>
+        <a:graphic>
+          <a:graphicData uri="http://schemas.openxmlformats.org/drawingml/2006/table">
+            <a:tbl>
+              <a:tblPr firstRow="1" bandRow="1">
+                <a:noFill/>
+                <a:tableStyleId>{5C22544A-7EE6-4342-B048-85BDC9FD1C3A}</a:tableStyleId>
+              </a:tblPr>
+              <a:tblGrid>
+                <a:gridCol w="758566">
+                  <a:extLst>
+                    <a:ext uri="{9D8B030D-6E8A-4147-A177-3AD203B41FA5}">
+                      <a16:colId xmlns:a16="http://schemas.microsoft.com/office/drawing/2014/main" val="2780349557"/>
+                    </a:ext>
+                  </a:extLst>
+                </a:gridCol>
+                <a:gridCol w="1067303">
+                  <a:extLst>
+                    <a:ext uri="{9D8B030D-6E8A-4147-A177-3AD203B41FA5}">
+                      <a16:colId xmlns:a16="http://schemas.microsoft.com/office/drawing/2014/main" val="1762101800"/>
+                    </a:ext>
+                  </a:extLst>
+                </a:gridCol>
+                <a:gridCol w="1210054">
+                  <a:extLst>
+                    <a:ext uri="{9D8B030D-6E8A-4147-A177-3AD203B41FA5}">
+                      <a16:colId xmlns:a16="http://schemas.microsoft.com/office/drawing/2014/main" val="1257051223"/>
+                    </a:ext>
+                  </a:extLst>
+                </a:gridCol>
+                <a:gridCol w="1761134">
+                  <a:extLst>
+                    <a:ext uri="{9D8B030D-6E8A-4147-A177-3AD203B41FA5}">
+                      <a16:colId xmlns:a16="http://schemas.microsoft.com/office/drawing/2014/main" val="2918621000"/>
+                    </a:ext>
+                  </a:extLst>
+                </a:gridCol>
+                <a:gridCol w="1761134">
+                  <a:extLst>
+                    <a:ext uri="{9D8B030D-6E8A-4147-A177-3AD203B41FA5}">
+                      <a16:colId xmlns:a16="http://schemas.microsoft.com/office/drawing/2014/main" val="107609493"/>
+                    </a:ext>
+                  </a:extLst>
+                </a:gridCol>
+              </a:tblGrid>
+              <a:tr h="644551">
+                <a:tc>
+                  <a:txBody>
+                    <a:bodyPr/>
+                    <a:lstStyle/>
+                    <a:p>
+                      <a:endParaRPr lang="en-US" sz="1000" b="1" cap="none" spc="0">
+                        <a:solidFill>
+                          <a:schemeClr val="tx1"/>
+                        </a:solidFill>
+                      </a:endParaRPr>
+                    </a:p>
+                  </a:txBody>
+                  <a:tcPr marL="0" marR="45391" marT="18156" marB="136173" anchor="ctr">
+                    <a:lnL w="12700" cmpd="sng">
+                      <a:noFill/>
+                    </a:lnL>
+                    <a:lnR w="12700" cmpd="sng">
+                      <a:noFill/>
+                    </a:lnR>
+                    <a:lnT w="28575" cap="flat" cmpd="sng" algn="ctr">
+                      <a:solidFill>
+                        <a:schemeClr val="tx1"/>
+                      </a:solidFill>
+                      <a:prstDash val="solid"/>
+                    </a:lnT>
+                    <a:lnB w="38100" cmpd="sng">
+                      <a:noFill/>
+                    </a:lnB>
+                    <a:noFill/>
+                  </a:tcPr>
+                </a:tc>
+                <a:tc>
+                  <a:txBody>
+                    <a:bodyPr/>
+                    <a:lstStyle/>
+                    <a:p>
+                      <a:r>
+                        <a:rPr lang="en-US" sz="1000" b="1" cap="none" spc="0">
+                          <a:solidFill>
+                            <a:schemeClr val="tx1"/>
+                          </a:solidFill>
+                        </a:rPr>
+                        <a:t>Cost of  Yeses (in hours)</a:t>
+                      </a:r>
+                    </a:p>
+                  </a:txBody>
+                  <a:tcPr marL="0" marR="45391" marT="18156" marB="136173" anchor="ctr">
+                    <a:lnL w="12700" cmpd="sng">
+                      <a:noFill/>
+                    </a:lnL>
+                    <a:lnR w="12700" cmpd="sng">
+                      <a:noFill/>
+                    </a:lnR>
+                    <a:lnT w="28575" cap="flat" cmpd="sng" algn="ctr">
+                      <a:solidFill>
+                        <a:schemeClr val="tx1"/>
+                      </a:solidFill>
+                      <a:prstDash val="solid"/>
+                    </a:lnT>
+                    <a:lnB w="38100" cmpd="sng">
+                      <a:noFill/>
+                    </a:lnB>
+                    <a:noFill/>
+                  </a:tcPr>
+                </a:tc>
+                <a:tc>
+                  <a:txBody>
+                    <a:bodyPr/>
+                    <a:lstStyle/>
+                    <a:p>
+                      <a:pPr marL="0" marR="0" lvl="0" indent="0" algn="l" defTabSz="914400" rtl="0" eaLnBrk="1" fontAlgn="auto" latinLnBrk="0" hangingPunct="1">
+                        <a:lnSpc>
+                          <a:spcPct val="100000"/>
+                        </a:lnSpc>
+                        <a:spcBef>
+                          <a:spcPts val="0"/>
+                        </a:spcBef>
+                        <a:spcAft>
+                          <a:spcPts val="0"/>
+                        </a:spcAft>
+                        <a:buClrTx/>
+                        <a:buSzTx/>
+                        <a:buFontTx/>
+                        <a:buNone/>
+                        <a:tabLst/>
+                        <a:defRPr/>
+                      </a:pPr>
+                      <a:r>
+                        <a:rPr lang="en-US" sz="1000" b="1" cap="none" spc="0">
+                          <a:solidFill>
+                            <a:schemeClr val="tx1"/>
+                          </a:solidFill>
+                        </a:rPr>
+                        <a:t>Cost of  Noes (in hours)</a:t>
+                      </a:r>
+                    </a:p>
+                  </a:txBody>
+                  <a:tcPr marL="0" marR="45391" marT="18156" marB="136173" anchor="ctr">
+                    <a:lnL w="12700" cmpd="sng">
+                      <a:noFill/>
+                    </a:lnL>
+                    <a:lnR w="12700" cmpd="sng">
+                      <a:noFill/>
+                    </a:lnR>
+                    <a:lnT w="28575" cap="flat" cmpd="sng" algn="ctr">
+                      <a:solidFill>
+                        <a:schemeClr val="tx1"/>
+                      </a:solidFill>
+                      <a:prstDash val="solid"/>
+                    </a:lnT>
+                    <a:lnB w="38100" cmpd="sng">
+                      <a:noFill/>
+                    </a:lnB>
+                    <a:noFill/>
+                  </a:tcPr>
+                </a:tc>
+                <a:tc>
+                  <a:txBody>
+                    <a:bodyPr/>
+                    <a:lstStyle/>
+                    <a:p>
+                      <a:pPr marL="0" marR="0" lvl="0" indent="0" algn="l" defTabSz="914400" rtl="0" eaLnBrk="1" fontAlgn="auto" latinLnBrk="0" hangingPunct="1">
+                        <a:lnSpc>
+                          <a:spcPct val="100000"/>
+                        </a:lnSpc>
+                        <a:spcBef>
+                          <a:spcPts val="0"/>
+                        </a:spcBef>
+                        <a:spcAft>
+                          <a:spcPts val="0"/>
+                        </a:spcAft>
+                        <a:buClrTx/>
+                        <a:buSzTx/>
+                        <a:buFontTx/>
+                        <a:buNone/>
+                        <a:tabLst/>
+                        <a:defRPr/>
+                      </a:pPr>
+                      <a:r>
+                        <a:rPr lang="en-US" sz="1000" b="1" cap="none" spc="0">
+                          <a:solidFill>
+                            <a:schemeClr val="tx1"/>
+                          </a:solidFill>
+                        </a:rPr>
+                        <a:t>Total Cost</a:t>
+                      </a:r>
+                    </a:p>
+                    <a:p>
+                      <a:pPr marL="0" marR="0" lvl="0" indent="0" algn="l" defTabSz="914400" rtl="0" eaLnBrk="1" fontAlgn="auto" latinLnBrk="0" hangingPunct="1">
+                        <a:lnSpc>
+                          <a:spcPct val="100000"/>
+                        </a:lnSpc>
+                        <a:spcBef>
+                          <a:spcPts val="0"/>
+                        </a:spcBef>
+                        <a:spcAft>
+                          <a:spcPts val="0"/>
+                        </a:spcAft>
+                        <a:buClrTx/>
+                        <a:buSzTx/>
+                        <a:buFontTx/>
+                        <a:buNone/>
+                        <a:tabLst/>
+                        <a:defRPr/>
+                      </a:pPr>
+                      <a:r>
+                        <a:rPr lang="en-US" sz="1000" b="1" cap="none" spc="0">
+                          <a:solidFill>
+                            <a:schemeClr val="tx1"/>
+                          </a:solidFill>
+                        </a:rPr>
+                        <a:t>LB (in $)</a:t>
+                      </a:r>
+                    </a:p>
+                    <a:p>
+                      <a:pPr marL="0" marR="0" lvl="0" indent="0" algn="l" defTabSz="914400" rtl="0" eaLnBrk="1" fontAlgn="auto" latinLnBrk="0" hangingPunct="1">
+                        <a:lnSpc>
+                          <a:spcPct val="100000"/>
+                        </a:lnSpc>
+                        <a:spcBef>
+                          <a:spcPts val="0"/>
+                        </a:spcBef>
+                        <a:spcAft>
+                          <a:spcPts val="0"/>
+                        </a:spcAft>
+                        <a:buClrTx/>
+                        <a:buSzTx/>
+                        <a:buFontTx/>
+                        <a:buNone/>
+                        <a:tabLst/>
+                        <a:defRPr/>
+                      </a:pPr>
+                      <a:endParaRPr lang="en-US" sz="1000" b="1" cap="none" spc="0">
+                        <a:solidFill>
+                          <a:schemeClr val="tx1"/>
+                        </a:solidFill>
+                      </a:endParaRPr>
+                    </a:p>
+                  </a:txBody>
+                  <a:tcPr marL="0" marR="45391" marT="18156" marB="136173" anchor="ctr">
+                    <a:lnL w="12700" cmpd="sng">
+                      <a:noFill/>
+                    </a:lnL>
+                    <a:lnR w="12700" cmpd="sng">
+                      <a:noFill/>
+                    </a:lnR>
+                    <a:lnT w="28575" cap="flat" cmpd="sng" algn="ctr">
+                      <a:solidFill>
+                        <a:schemeClr val="tx1"/>
+                      </a:solidFill>
+                      <a:prstDash val="solid"/>
+                    </a:lnT>
+                    <a:lnB w="38100" cmpd="sng">
+                      <a:noFill/>
+                    </a:lnB>
+                    <a:noFill/>
+                  </a:tcPr>
+                </a:tc>
+                <a:tc>
+                  <a:txBody>
+                    <a:bodyPr/>
+                    <a:lstStyle/>
+                    <a:p>
+                      <a:pPr marL="0" marR="0" lvl="0" indent="0" algn="l" defTabSz="914400" rtl="0" eaLnBrk="1" fontAlgn="auto" latinLnBrk="0" hangingPunct="1">
+                        <a:lnSpc>
+                          <a:spcPct val="100000"/>
+                        </a:lnSpc>
+                        <a:spcBef>
+                          <a:spcPts val="0"/>
+                        </a:spcBef>
+                        <a:spcAft>
+                          <a:spcPts val="0"/>
+                        </a:spcAft>
+                        <a:buClrTx/>
+                        <a:buSzTx/>
+                        <a:buFontTx/>
+                        <a:buNone/>
+                        <a:tabLst/>
+                        <a:defRPr/>
+                      </a:pPr>
+                      <a:r>
+                        <a:rPr lang="en-US" sz="1000" b="1" cap="none" spc="0">
+                          <a:solidFill>
+                            <a:schemeClr val="tx1"/>
+                          </a:solidFill>
+                        </a:rPr>
+                        <a:t>Total Cost</a:t>
+                      </a:r>
+                    </a:p>
+                    <a:p>
+                      <a:pPr marL="0" marR="0" lvl="0" indent="0" algn="l" defTabSz="914400" rtl="0" eaLnBrk="1" fontAlgn="auto" latinLnBrk="0" hangingPunct="1">
+                        <a:lnSpc>
+                          <a:spcPct val="100000"/>
+                        </a:lnSpc>
+                        <a:spcBef>
+                          <a:spcPts val="0"/>
+                        </a:spcBef>
+                        <a:spcAft>
+                          <a:spcPts val="0"/>
+                        </a:spcAft>
+                        <a:buClrTx/>
+                        <a:buSzTx/>
+                        <a:buFontTx/>
+                        <a:buNone/>
+                        <a:tabLst/>
+                        <a:defRPr/>
+                      </a:pPr>
+                      <a:r>
+                        <a:rPr lang="en-US" sz="1000" b="1" cap="none" spc="0">
+                          <a:solidFill>
+                            <a:schemeClr val="tx1"/>
+                          </a:solidFill>
+                        </a:rPr>
+                        <a:t>UB (in $)</a:t>
+                      </a:r>
+                    </a:p>
+                    <a:p>
+                      <a:endParaRPr lang="en-US" sz="1000" b="1" cap="none" spc="0">
+                        <a:solidFill>
+                          <a:schemeClr val="tx1"/>
+                        </a:solidFill>
+                      </a:endParaRPr>
+                    </a:p>
+                  </a:txBody>
+                  <a:tcPr marL="0" marR="45391" marT="18156" marB="136173" anchor="ctr">
+                    <a:lnL w="12700" cmpd="sng">
+                      <a:noFill/>
+                    </a:lnL>
+                    <a:lnR w="12700" cmpd="sng">
+                      <a:noFill/>
+                    </a:lnR>
+                    <a:lnT w="28575" cap="flat" cmpd="sng" algn="ctr">
+                      <a:solidFill>
+                        <a:schemeClr val="tx1"/>
+                      </a:solidFill>
+                      <a:prstDash val="solid"/>
+                    </a:lnT>
+                    <a:lnB w="38100" cmpd="sng">
+                      <a:noFill/>
+                    </a:lnB>
+                    <a:noFill/>
+                  </a:tcPr>
+                </a:tc>
+                <a:extLst>
+                  <a:ext uri="{0D108BD9-81ED-4DB2-BD59-A6C34878D82A}">
+                    <a16:rowId xmlns:a16="http://schemas.microsoft.com/office/drawing/2014/main" val="2991058661"/>
+                  </a:ext>
+                </a:extLst>
+              </a:tr>
+              <a:tr h="493248">
+                <a:tc>
+                  <a:txBody>
+                    <a:bodyPr/>
+                    <a:lstStyle/>
+                    <a:p>
+                      <a:pPr marL="0" marR="0" indent="0" algn="l" defTabSz="914400" rtl="0" eaLnBrk="1" fontAlgn="auto" latinLnBrk="0" hangingPunct="1">
+                        <a:lnSpc>
+                          <a:spcPct val="100000"/>
+                        </a:lnSpc>
+                        <a:spcBef>
+                          <a:spcPts val="0"/>
+                        </a:spcBef>
+                        <a:spcAft>
+                          <a:spcPts val="0"/>
+                        </a:spcAft>
+                        <a:buClrTx/>
+                        <a:buSzTx/>
+                        <a:buFontTx/>
+                        <a:buNone/>
+                        <a:tabLst/>
+                        <a:defRPr/>
+                      </a:pPr>
+                      <a:r>
+                        <a:rPr lang="en-US" sz="1000" cap="none" spc="0">
+                          <a:solidFill>
+                            <a:schemeClr val="tx1"/>
+                          </a:solidFill>
+                        </a:rPr>
+                        <a:t>No ML</a:t>
+                      </a:r>
+                    </a:p>
+                  </a:txBody>
+                  <a:tcPr marL="0" marR="45391" marT="18156" marB="136173">
+                    <a:lnL w="12700" cmpd="sng">
+                      <a:noFill/>
+                      <a:prstDash val="solid"/>
+                    </a:lnL>
+                    <a:lnR w="12700" cmpd="sng">
+                      <a:noFill/>
+                      <a:prstDash val="solid"/>
+                    </a:lnR>
+                    <a:lnT w="38100" cmpd="sng">
+                      <a:noFill/>
+                    </a:lnT>
+                    <a:lnB w="6350" cap="flat" cmpd="sng" algn="ctr">
+                      <a:solidFill>
+                        <a:schemeClr val="tx1"/>
+                      </a:solidFill>
+                      <a:prstDash val="solid"/>
+                    </a:lnB>
+                    <a:noFill/>
+                  </a:tcPr>
+                </a:tc>
+                <a:tc>
+                  <a:txBody>
+                    <a:bodyPr/>
+                    <a:lstStyle/>
+                    <a:p>
+                      <a:pPr marL="0" marR="0" indent="0" algn="l" defTabSz="914400" rtl="0" eaLnBrk="1" fontAlgn="auto" latinLnBrk="0" hangingPunct="1">
+                        <a:lnSpc>
+                          <a:spcPct val="100000"/>
+                        </a:lnSpc>
+                        <a:spcBef>
+                          <a:spcPts val="0"/>
+                        </a:spcBef>
+                        <a:spcAft>
+                          <a:spcPts val="0"/>
+                        </a:spcAft>
+                        <a:buClrTx/>
+                        <a:buSzTx/>
+                        <a:buFontTx/>
+                        <a:buNone/>
+                        <a:tabLst/>
+                        <a:defRPr/>
+                      </a:pPr>
+                      <a:r>
+                        <a:rPr lang="en-US" sz="1000" cap="none" spc="0">
+                          <a:solidFill>
+                            <a:schemeClr val="tx1"/>
+                          </a:solidFill>
+                        </a:rPr>
+                        <a:t>452 </a:t>
+                      </a:r>
+                    </a:p>
+                  </a:txBody>
+                  <a:tcPr marL="0" marR="45391" marT="18156" marB="136173">
+                    <a:lnL w="12700" cmpd="sng">
+                      <a:noFill/>
+                      <a:prstDash val="solid"/>
+                    </a:lnL>
+                    <a:lnR w="12700" cmpd="sng">
+                      <a:noFill/>
+                      <a:prstDash val="solid"/>
+                    </a:lnR>
+                    <a:lnT w="38100" cmpd="sng">
+                      <a:noFill/>
+                    </a:lnT>
+                    <a:lnB w="6350" cap="flat" cmpd="sng" algn="ctr">
+                      <a:solidFill>
+                        <a:schemeClr val="tx1"/>
+                      </a:solidFill>
+                      <a:prstDash val="solid"/>
+                    </a:lnB>
+                    <a:noFill/>
+                  </a:tcPr>
+                </a:tc>
+                <a:tc>
+                  <a:txBody>
+                    <a:bodyPr/>
+                    <a:lstStyle/>
+                    <a:p>
+                      <a:r>
+                        <a:rPr lang="en-US" sz="1000" cap="none" spc="0">
+                          <a:solidFill>
+                            <a:schemeClr val="tx1"/>
+                          </a:solidFill>
+                        </a:rPr>
+                        <a:t>1420</a:t>
+                      </a:r>
+                    </a:p>
+                  </a:txBody>
+                  <a:tcPr marL="0" marR="45391" marT="18156" marB="136173">
+                    <a:lnL w="12700" cmpd="sng">
+                      <a:noFill/>
+                      <a:prstDash val="solid"/>
+                    </a:lnL>
+                    <a:lnR w="12700" cmpd="sng">
+                      <a:noFill/>
+                      <a:prstDash val="solid"/>
+                    </a:lnR>
+                    <a:lnT w="38100" cmpd="sng">
+                      <a:noFill/>
+                    </a:lnT>
+                    <a:lnB w="6350" cap="flat" cmpd="sng" algn="ctr">
+                      <a:solidFill>
+                        <a:schemeClr val="tx1"/>
+                      </a:solidFill>
+                      <a:prstDash val="solid"/>
+                    </a:lnB>
+                    <a:noFill/>
+                  </a:tcPr>
+                </a:tc>
+                <a:tc>
+                  <a:txBody>
+                    <a:bodyPr/>
+                    <a:lstStyle/>
+                    <a:p>
+                      <a:r>
+                        <a:rPr lang="en-US" sz="1000" cap="none" spc="0">
+                          <a:solidFill>
+                            <a:schemeClr val="tx1"/>
+                          </a:solidFill>
+                        </a:rPr>
+                        <a:t>$18700+</a:t>
+                      </a:r>
+                    </a:p>
+                    <a:p>
+                      <a:r>
+                        <a:rPr lang="en-US" sz="1000" cap="none" spc="0">
+                          <a:solidFill>
+                            <a:schemeClr val="tx1"/>
+                          </a:solidFill>
+                        </a:rPr>
+                        <a:t>C(intangible high)</a:t>
+                      </a:r>
+                    </a:p>
+                  </a:txBody>
+                  <a:tcPr marL="0" marR="45391" marT="18156" marB="136173">
+                    <a:lnL w="12700" cmpd="sng">
+                      <a:noFill/>
+                      <a:prstDash val="solid"/>
+                    </a:lnL>
+                    <a:lnR w="12700" cmpd="sng">
+                      <a:noFill/>
+                      <a:prstDash val="solid"/>
+                    </a:lnR>
+                    <a:lnT w="38100" cmpd="sng">
+                      <a:noFill/>
+                    </a:lnT>
+                    <a:lnB w="6350" cap="flat" cmpd="sng" algn="ctr">
+                      <a:solidFill>
+                        <a:schemeClr val="tx1"/>
+                      </a:solidFill>
+                      <a:prstDash val="solid"/>
+                    </a:lnB>
+                    <a:noFill/>
+                  </a:tcPr>
+                </a:tc>
+                <a:tc>
+                  <a:txBody>
+                    <a:bodyPr/>
+                    <a:lstStyle/>
+                    <a:p>
+                      <a:r>
+                        <a:rPr lang="en-US" sz="1000" cap="none" spc="0">
+                          <a:solidFill>
+                            <a:schemeClr val="tx1"/>
+                          </a:solidFill>
+                        </a:rPr>
+                        <a:t>$37400+</a:t>
+                      </a:r>
+                    </a:p>
+                    <a:p>
+                      <a:r>
+                        <a:rPr lang="en-US" sz="1000" cap="none" spc="0">
+                          <a:solidFill>
+                            <a:schemeClr val="tx1"/>
+                          </a:solidFill>
+                        </a:rPr>
+                        <a:t>C(intangible high)</a:t>
+                      </a:r>
+                    </a:p>
+                  </a:txBody>
+                  <a:tcPr marL="0" marR="45391" marT="18156" marB="136173">
+                    <a:lnL w="12700" cmpd="sng">
+                      <a:noFill/>
+                      <a:prstDash val="solid"/>
+                    </a:lnL>
+                    <a:lnR w="12700" cmpd="sng">
+                      <a:noFill/>
+                      <a:prstDash val="solid"/>
+                    </a:lnR>
+                    <a:lnT w="38100" cmpd="sng">
+                      <a:noFill/>
+                    </a:lnT>
+                    <a:lnB w="6350" cap="flat" cmpd="sng" algn="ctr">
+                      <a:solidFill>
+                        <a:schemeClr val="tx1"/>
+                      </a:solidFill>
+                      <a:prstDash val="solid"/>
+                    </a:lnB>
+                    <a:noFill/>
+                  </a:tcPr>
+                </a:tc>
+                <a:extLst>
+                  <a:ext uri="{0D108BD9-81ED-4DB2-BD59-A6C34878D82A}">
+                    <a16:rowId xmlns:a16="http://schemas.microsoft.com/office/drawing/2014/main" val="39977761"/>
+                  </a:ext>
+                </a:extLst>
+              </a:tr>
+              <a:tr h="644551">
+                <a:tc>
+                  <a:txBody>
+                    <a:bodyPr/>
+                    <a:lstStyle/>
+                    <a:p>
+                      <a:r>
+                        <a:rPr lang="en-US" sz="1000" cap="none" spc="0">
+                          <a:solidFill>
+                            <a:schemeClr val="tx1"/>
+                          </a:solidFill>
+                        </a:rPr>
+                        <a:t>ML</a:t>
+                      </a:r>
+                    </a:p>
+                  </a:txBody>
+                  <a:tcPr marL="0" marR="45391" marT="18156" marB="136173">
+                    <a:lnL w="12700" cmpd="sng">
+                      <a:noFill/>
+                      <a:prstDash val="solid"/>
+                    </a:lnL>
+                    <a:lnR w="12700" cmpd="sng">
+                      <a:noFill/>
+                      <a:prstDash val="solid"/>
+                    </a:lnR>
+                    <a:lnT w="6350" cap="flat" cmpd="sng" algn="ctr">
+                      <a:solidFill>
+                        <a:schemeClr val="tx1"/>
+                      </a:solidFill>
+                      <a:prstDash val="solid"/>
+                    </a:lnT>
+                    <a:lnB w="12700" cmpd="sng">
+                      <a:noFill/>
+                      <a:prstDash val="solid"/>
+                    </a:lnB>
+                    <a:solidFill>
+                      <a:schemeClr val="bg1">
+                        <a:lumMod val="95000"/>
+                      </a:schemeClr>
+                    </a:solidFill>
+                  </a:tcPr>
+                </a:tc>
+                <a:tc>
+                  <a:txBody>
+                    <a:bodyPr/>
+                    <a:lstStyle/>
+                    <a:p>
+                      <a:r>
+                        <a:rPr lang="en-US" sz="1000" cap="none" spc="0">
+                          <a:solidFill>
+                            <a:schemeClr val="tx1"/>
+                          </a:solidFill>
+                        </a:rPr>
+                        <a:t>452</a:t>
+                      </a:r>
+                    </a:p>
+                  </a:txBody>
+                  <a:tcPr marL="0" marR="45391" marT="18156" marB="136173">
+                    <a:lnL w="12700" cmpd="sng">
+                      <a:noFill/>
+                      <a:prstDash val="solid"/>
+                    </a:lnL>
+                    <a:lnR w="12700" cmpd="sng">
+                      <a:noFill/>
+                      <a:prstDash val="solid"/>
+                    </a:lnR>
+                    <a:lnT w="6350" cap="flat" cmpd="sng" algn="ctr">
+                      <a:solidFill>
+                        <a:schemeClr val="tx1"/>
+                      </a:solidFill>
+                      <a:prstDash val="solid"/>
+                    </a:lnT>
+                    <a:lnB w="12700" cmpd="sng">
+                      <a:noFill/>
+                      <a:prstDash val="solid"/>
+                    </a:lnB>
+                    <a:solidFill>
+                      <a:schemeClr val="bg1">
+                        <a:lumMod val="95000"/>
+                      </a:schemeClr>
+                    </a:solidFill>
+                  </a:tcPr>
+                </a:tc>
+                <a:tc>
+                  <a:txBody>
+                    <a:bodyPr/>
+                    <a:lstStyle/>
+                    <a:p>
+                      <a:r>
+                        <a:rPr lang="en-US" sz="1000" cap="none" spc="0">
+                          <a:solidFill>
+                            <a:schemeClr val="tx1"/>
+                          </a:solidFill>
+                        </a:rPr>
+                        <a:t>280</a:t>
+                      </a:r>
+                    </a:p>
+                  </a:txBody>
+                  <a:tcPr marL="0" marR="45391" marT="18156" marB="136173">
+                    <a:lnL w="12700" cmpd="sng">
+                      <a:noFill/>
+                      <a:prstDash val="solid"/>
+                    </a:lnL>
+                    <a:lnR w="12700" cmpd="sng">
+                      <a:noFill/>
+                      <a:prstDash val="solid"/>
+                    </a:lnR>
+                    <a:lnT w="6350" cap="flat" cmpd="sng" algn="ctr">
+                      <a:solidFill>
+                        <a:schemeClr val="tx1"/>
+                      </a:solidFill>
+                      <a:prstDash val="solid"/>
+                    </a:lnT>
+                    <a:lnB w="12700" cmpd="sng">
+                      <a:noFill/>
+                      <a:prstDash val="solid"/>
+                    </a:lnB>
+                    <a:solidFill>
+                      <a:schemeClr val="bg1">
+                        <a:lumMod val="95000"/>
+                      </a:schemeClr>
+                    </a:solidFill>
+                  </a:tcPr>
+                </a:tc>
+                <a:tc>
+                  <a:txBody>
+                    <a:bodyPr/>
+                    <a:lstStyle/>
+                    <a:p>
+                      <a:r>
+                        <a:rPr lang="en-US" sz="1000" cap="none" spc="0">
+                          <a:solidFill>
+                            <a:schemeClr val="tx1"/>
+                          </a:solidFill>
+                        </a:rPr>
+                        <a:t>$7320+</a:t>
+                      </a:r>
+                    </a:p>
+                    <a:p>
+                      <a:r>
+                        <a:rPr lang="en-US" sz="1000" cap="none" spc="0">
+                          <a:solidFill>
+                            <a:schemeClr val="tx1"/>
+                          </a:solidFill>
+                        </a:rPr>
+                        <a:t>C(intangible low)</a:t>
+                      </a:r>
+                    </a:p>
+                  </a:txBody>
+                  <a:tcPr marL="0" marR="45391" marT="18156" marB="136173">
+                    <a:lnL w="12700" cmpd="sng">
+                      <a:noFill/>
+                      <a:prstDash val="solid"/>
+                    </a:lnL>
+                    <a:lnR w="12700" cmpd="sng">
+                      <a:noFill/>
+                      <a:prstDash val="solid"/>
+                    </a:lnR>
+                    <a:lnT w="6350" cap="flat" cmpd="sng" algn="ctr">
+                      <a:solidFill>
+                        <a:schemeClr val="tx1"/>
+                      </a:solidFill>
+                      <a:prstDash val="solid"/>
+                    </a:lnT>
+                    <a:lnB w="12700" cmpd="sng">
+                      <a:noFill/>
+                      <a:prstDash val="solid"/>
+                    </a:lnB>
+                    <a:solidFill>
+                      <a:schemeClr val="bg1">
+                        <a:lumMod val="95000"/>
+                      </a:schemeClr>
+                    </a:solidFill>
+                  </a:tcPr>
+                </a:tc>
+                <a:tc>
+                  <a:txBody>
+                    <a:bodyPr/>
+                    <a:lstStyle/>
+                    <a:p>
+                      <a:r>
+                        <a:rPr lang="en-US" sz="1000" cap="none" spc="0">
+                          <a:solidFill>
+                            <a:schemeClr val="tx1"/>
+                          </a:solidFill>
+                        </a:rPr>
+                        <a:t>$14640+</a:t>
+                      </a:r>
+                    </a:p>
+                    <a:p>
+                      <a:r>
+                        <a:rPr lang="en-US" sz="1000" cap="none" spc="0">
+                          <a:solidFill>
+                            <a:schemeClr val="tx1"/>
+                          </a:solidFill>
+                        </a:rPr>
+                        <a:t>C(intangible low)</a:t>
+                      </a:r>
+                    </a:p>
+                    <a:p>
+                      <a:endParaRPr lang="en-US" sz="1000" cap="none" spc="0">
+                        <a:solidFill>
+                          <a:schemeClr val="tx1"/>
+                        </a:solidFill>
+                      </a:endParaRPr>
+                    </a:p>
+                  </a:txBody>
+                  <a:tcPr marL="0" marR="45391" marT="18156" marB="136173">
+                    <a:lnL w="12700" cmpd="sng">
+                      <a:noFill/>
+                      <a:prstDash val="solid"/>
+                    </a:lnL>
+                    <a:lnR w="12700" cmpd="sng">
+                      <a:noFill/>
+                      <a:prstDash val="solid"/>
+                    </a:lnR>
+                    <a:lnT w="6350" cap="flat" cmpd="sng" algn="ctr">
+                      <a:solidFill>
+                        <a:schemeClr val="tx1"/>
+                      </a:solidFill>
+                      <a:prstDash val="solid"/>
+                    </a:lnT>
+                    <a:lnB w="12700" cmpd="sng">
+                      <a:noFill/>
+                      <a:prstDash val="solid"/>
+                    </a:lnB>
+                    <a:solidFill>
+                      <a:schemeClr val="bg1">
+                        <a:lumMod val="95000"/>
+                      </a:schemeClr>
+                    </a:solidFill>
+                  </a:tcPr>
+                </a:tc>
+                <a:extLst>
+                  <a:ext uri="{0D108BD9-81ED-4DB2-BD59-A6C34878D82A}">
+                    <a16:rowId xmlns:a16="http://schemas.microsoft.com/office/drawing/2014/main" val="1991678605"/>
+                  </a:ext>
+                </a:extLst>
+              </a:tr>
+              <a:tr h="947157">
+                <a:tc>
+                  <a:txBody>
+                    <a:bodyPr/>
+                    <a:lstStyle/>
+                    <a:p>
+                      <a:r>
+                        <a:rPr lang="en-US" sz="1000" cap="none" spc="0">
+                          <a:solidFill>
+                            <a:schemeClr val="tx1"/>
+                          </a:solidFill>
+                        </a:rPr>
+                        <a:t>Difference</a:t>
+                      </a:r>
+                    </a:p>
+                  </a:txBody>
+                  <a:tcPr marL="0" marR="45391" marT="18156" marB="136173">
+                    <a:lnL w="12700" cmpd="sng">
+                      <a:noFill/>
+                      <a:prstDash val="solid"/>
+                    </a:lnL>
+                    <a:lnR w="12700" cmpd="sng">
+                      <a:noFill/>
+                      <a:prstDash val="solid"/>
+                    </a:lnR>
+                    <a:lnT w="12700" cmpd="sng">
+                      <a:noFill/>
+                      <a:prstDash val="solid"/>
+                    </a:lnT>
+                    <a:lnB w="12700" cmpd="sng">
+                      <a:noFill/>
+                      <a:prstDash val="solid"/>
+                    </a:lnB>
+                    <a:noFill/>
+                  </a:tcPr>
+                </a:tc>
+                <a:tc>
+                  <a:txBody>
+                    <a:bodyPr/>
+                    <a:lstStyle/>
+                    <a:p>
+                      <a:r>
+                        <a:rPr lang="en-US" sz="1000" cap="none" spc="0">
+                          <a:solidFill>
+                            <a:schemeClr val="tx1"/>
+                          </a:solidFill>
+                        </a:rPr>
+                        <a:t>0</a:t>
+                      </a:r>
+                    </a:p>
+                  </a:txBody>
+                  <a:tcPr marL="0" marR="45391" marT="18156" marB="136173">
+                    <a:lnL w="12700" cmpd="sng">
+                      <a:noFill/>
+                      <a:prstDash val="solid"/>
+                    </a:lnL>
+                    <a:lnR w="12700" cmpd="sng">
+                      <a:noFill/>
+                      <a:prstDash val="solid"/>
+                    </a:lnR>
+                    <a:lnT w="12700" cmpd="sng">
+                      <a:noFill/>
+                      <a:prstDash val="solid"/>
+                    </a:lnT>
+                    <a:lnB w="12700" cmpd="sng">
+                      <a:noFill/>
+                      <a:prstDash val="solid"/>
+                    </a:lnB>
+                    <a:noFill/>
+                  </a:tcPr>
+                </a:tc>
+                <a:tc>
+                  <a:txBody>
+                    <a:bodyPr/>
+                    <a:lstStyle/>
+                    <a:p>
+                      <a:r>
+                        <a:rPr lang="en-US" sz="1000" cap="none" spc="0">
+                          <a:solidFill>
+                            <a:schemeClr val="tx1"/>
+                          </a:solidFill>
+                        </a:rPr>
+                        <a:t>1140</a:t>
+                      </a:r>
+                    </a:p>
+                  </a:txBody>
+                  <a:tcPr marL="0" marR="45391" marT="18156" marB="136173">
+                    <a:lnL w="12700" cmpd="sng">
+                      <a:noFill/>
+                      <a:prstDash val="solid"/>
+                    </a:lnL>
+                    <a:lnR w="12700" cmpd="sng">
+                      <a:noFill/>
+                      <a:prstDash val="solid"/>
+                    </a:lnR>
+                    <a:lnT w="12700" cmpd="sng">
+                      <a:noFill/>
+                      <a:prstDash val="solid"/>
+                    </a:lnT>
+                    <a:lnB w="12700" cmpd="sng">
+                      <a:noFill/>
+                      <a:prstDash val="solid"/>
+                    </a:lnB>
+                    <a:noFill/>
+                  </a:tcPr>
+                </a:tc>
+                <a:tc>
+                  <a:txBody>
+                    <a:bodyPr/>
+                    <a:lstStyle/>
+                    <a:p>
+                      <a:pPr marL="0" marR="0" lvl="0" indent="0" algn="l" defTabSz="914400" rtl="0" eaLnBrk="1" fontAlgn="auto" latinLnBrk="0" hangingPunct="1">
+                        <a:lnSpc>
+                          <a:spcPct val="100000"/>
+                        </a:lnSpc>
+                        <a:spcBef>
+                          <a:spcPts val="0"/>
+                        </a:spcBef>
+                        <a:spcAft>
+                          <a:spcPts val="0"/>
+                        </a:spcAft>
+                        <a:buClrTx/>
+                        <a:buSzTx/>
+                        <a:buFontTx/>
+                        <a:buNone/>
+                        <a:tabLst/>
+                        <a:defRPr/>
+                      </a:pPr>
+                      <a:r>
+                        <a:rPr lang="en-US" sz="1000" cap="none" spc="0" dirty="0">
+                          <a:solidFill>
+                            <a:schemeClr val="tx1"/>
+                          </a:solidFill>
+                        </a:rPr>
+                        <a:t>$11380+(C(intangible high)-C(intangible low))</a:t>
+                      </a:r>
+                    </a:p>
+                  </a:txBody>
+                  <a:tcPr marL="0" marR="45391" marT="18156" marB="136173">
+                    <a:lnL w="12700" cmpd="sng">
+                      <a:noFill/>
+                      <a:prstDash val="solid"/>
+                    </a:lnL>
+                    <a:lnR w="12700" cmpd="sng">
+                      <a:noFill/>
+                      <a:prstDash val="solid"/>
+                    </a:lnR>
+                    <a:lnT w="12700" cmpd="sng">
+                      <a:noFill/>
+                      <a:prstDash val="solid"/>
+                    </a:lnT>
+                    <a:lnB w="12700" cmpd="sng">
+                      <a:noFill/>
+                      <a:prstDash val="solid"/>
+                    </a:lnB>
+                    <a:noFill/>
+                  </a:tcPr>
+                </a:tc>
+                <a:tc>
+                  <a:txBody>
+                    <a:bodyPr/>
+                    <a:lstStyle/>
+                    <a:p>
+                      <a:pPr marL="0" marR="0" lvl="0" indent="0" algn="l" defTabSz="914400" rtl="0" eaLnBrk="1" fontAlgn="auto" latinLnBrk="0" hangingPunct="1">
+                        <a:lnSpc>
+                          <a:spcPct val="100000"/>
+                        </a:lnSpc>
+                        <a:spcBef>
+                          <a:spcPts val="0"/>
+                        </a:spcBef>
+                        <a:spcAft>
+                          <a:spcPts val="0"/>
+                        </a:spcAft>
+                        <a:buClrTx/>
+                        <a:buSzTx/>
+                        <a:buFontTx/>
+                        <a:buNone/>
+                        <a:tabLst/>
+                        <a:defRPr/>
+                      </a:pPr>
+                      <a:r>
+                        <a:rPr lang="en-US" sz="1000" cap="none" spc="0" dirty="0">
+                          <a:solidFill>
+                            <a:schemeClr val="tx1"/>
+                          </a:solidFill>
+                        </a:rPr>
+                        <a:t>$22760+(C(intangible high)-C(intangible low))</a:t>
+                      </a:r>
+                    </a:p>
+                    <a:p>
+                      <a:endParaRPr lang="en-US" sz="1000" cap="none" spc="0" dirty="0">
+                        <a:solidFill>
+                          <a:schemeClr val="tx1"/>
+                        </a:solidFill>
+                      </a:endParaRPr>
+                    </a:p>
+                  </a:txBody>
+                  <a:tcPr marL="0" marR="45391" marT="18156" marB="136173">
+                    <a:lnL w="12700" cmpd="sng">
+                      <a:noFill/>
+                      <a:prstDash val="solid"/>
+                    </a:lnL>
+                    <a:lnR w="12700" cmpd="sng">
+                      <a:noFill/>
+                      <a:prstDash val="solid"/>
+                    </a:lnR>
+                    <a:lnT w="12700" cmpd="sng">
+                      <a:noFill/>
+                      <a:prstDash val="solid"/>
+                    </a:lnT>
+                    <a:lnB w="12700" cmpd="sng">
+                      <a:noFill/>
+                      <a:prstDash val="solid"/>
+                    </a:lnB>
+                    <a:noFill/>
+                  </a:tcPr>
+                </a:tc>
+                <a:extLst>
+                  <a:ext uri="{0D108BD9-81ED-4DB2-BD59-A6C34878D82A}">
+                    <a16:rowId xmlns:a16="http://schemas.microsoft.com/office/drawing/2014/main" val="4206133276"/>
+                  </a:ext>
+                </a:extLst>
+              </a:tr>
+            </a:tbl>
+          </a:graphicData>
+        </a:graphic>
+      </p:graphicFrame>
     </p:spTree>
     <p:extLst>
       <p:ext uri="{BB962C8B-B14F-4D97-AF65-F5344CB8AC3E}">
-        <p14:creationId xmlns:p14="http://schemas.microsoft.com/office/powerpoint/2010/main" val="939866665"/>
+        <p14:creationId xmlns:p14="http://schemas.microsoft.com/office/powerpoint/2010/main" val="2781296238"/>
       </p:ext>
     </p:extLst>
   </p:cSld>
@@ -3907,7 +5288,7 @@
           <p:cNvPr id="2" name="Title 1">
             <a:extLst>
               <a:ext uri="{FF2B5EF4-FFF2-40B4-BE49-F238E27FC236}">
-                <a16:creationId xmlns:a16="http://schemas.microsoft.com/office/drawing/2014/main" id="{5B06D7E8-B4E9-E46B-BCE2-4638BAEFA62C}"/>
+                <a16:creationId xmlns:a16="http://schemas.microsoft.com/office/drawing/2014/main" id="{BE61E21D-1891-95C3-450E-297D52D6DEB7}"/>
               </a:ext>
             </a:extLst>
           </p:cNvPr>
@@ -3925,7 +5306,7 @@
           <a:p>
             <a:r>
               <a:rPr lang="en-US" dirty="0"/>
-              <a:t>Future work</a:t>
+              <a:t>Business recommendation</a:t>
             </a:r>
           </a:p>
         </p:txBody>
@@ -3935,7 +5316,7 @@
           <p:cNvPr id="3" name="Content Placeholder 2">
             <a:extLst>
               <a:ext uri="{FF2B5EF4-FFF2-40B4-BE49-F238E27FC236}">
-                <a16:creationId xmlns:a16="http://schemas.microsoft.com/office/drawing/2014/main" id="{C1722422-861D-9D74-CA78-5189426724BE}"/>
+                <a16:creationId xmlns:a16="http://schemas.microsoft.com/office/drawing/2014/main" id="{DB108EFE-6A90-5369-F69B-798C08BA08D8}"/>
               </a:ext>
             </a:extLst>
           </p:cNvPr>
@@ -3948,18 +5329,40 @@
         </p:nvSpPr>
         <p:spPr/>
         <p:txBody>
-          <a:bodyPr/>
+          <a:bodyPr>
+            <a:normAutofit fontScale="92500" lnSpcReduction="10000"/>
+          </a:bodyPr>
           <a:lstStyle/>
           <a:p>
             <a:r>
               <a:rPr lang="en-US" dirty="0"/>
-              <a:t>Call direction (inbound vs outbound) is not available in the UCI dataset, and would be very helpful to have for the business.  Moro et al. had this feature and found it to be the most important feature after the Euribor 3-month rate.</a:t>
-            </a:r>
-          </a:p>
-          <a:p>
+              <a:t>Adopt the ML strategy if long-term customer value and intangible costs are a significant concern and campaign resources are limited.  </a:t>
+            </a:r>
+          </a:p>
+          <a:p>
+            <a:pPr lvl="1"/>
             <a:r>
               <a:rPr lang="en-US" dirty="0"/>
-              <a:t>Deduce the dates from Euribor 3-month rate and perform separate analyses for pre- and post-financial crisis</a:t>
+              <a:t>Try to reach out to these customers in April, March, October, September, or December</a:t>
+            </a:r>
+          </a:p>
+          <a:p>
+            <a:pPr lvl="1"/>
+            <a:r>
+              <a:rPr lang="en-US" dirty="0"/>
+              <a:t>After these customers are contacted, design a different product that would have a higher success rate with the remainder of potential contacts</a:t>
+            </a:r>
+          </a:p>
+          <a:p>
+            <a:r>
+              <a:rPr lang="en-US" dirty="0"/>
+              <a:t>Adopt a mixed strategy of first calling the customers identified by the ML model, followed by the ones not identified if intangible costs and campaign resources are moderate</a:t>
+            </a:r>
+          </a:p>
+          <a:p>
+            <a:r>
+              <a:rPr lang="en-US" dirty="0"/>
+              <a:t>Adopt a strategy of contacting all customers if have large campaign resources, are less concerned with intangible costs, and the cost of missing some of the yeses is particularly high</a:t>
             </a:r>
           </a:p>
           <a:p>
@@ -3970,7 +5373,7 @@
     </p:spTree>
     <p:extLst>
       <p:ext uri="{BB962C8B-B14F-4D97-AF65-F5344CB8AC3E}">
-        <p14:creationId xmlns:p14="http://schemas.microsoft.com/office/powerpoint/2010/main" val="2582511121"/>
+        <p14:creationId xmlns:p14="http://schemas.microsoft.com/office/powerpoint/2010/main" val="939866665"/>
       </p:ext>
     </p:extLst>
   </p:cSld>
@@ -4002,7 +5405,7 @@
           <p:cNvPr id="2" name="Title 1">
             <a:extLst>
               <a:ext uri="{FF2B5EF4-FFF2-40B4-BE49-F238E27FC236}">
-                <a16:creationId xmlns:a16="http://schemas.microsoft.com/office/drawing/2014/main" id="{80693163-DD1E-50E0-18A0-0C34E118ADD1}"/>
+                <a16:creationId xmlns:a16="http://schemas.microsoft.com/office/drawing/2014/main" id="{5B06D7E8-B4E9-E46B-BCE2-4638BAEFA62C}"/>
               </a:ext>
             </a:extLst>
           </p:cNvPr>
@@ -4020,7 +5423,7 @@
           <a:p>
             <a:r>
               <a:rPr lang="en-US" dirty="0"/>
-              <a:t>Appendix</a:t>
+              <a:t>Future work</a:t>
             </a:r>
           </a:p>
         </p:txBody>
@@ -4030,7 +5433,7 @@
           <p:cNvPr id="3" name="Content Placeholder 2">
             <a:extLst>
               <a:ext uri="{FF2B5EF4-FFF2-40B4-BE49-F238E27FC236}">
-                <a16:creationId xmlns:a16="http://schemas.microsoft.com/office/drawing/2014/main" id="{071C39BB-D4B3-7B11-E774-985D96E2219E}"/>
+                <a16:creationId xmlns:a16="http://schemas.microsoft.com/office/drawing/2014/main" id="{C1722422-861D-9D74-CA78-5189426724BE}"/>
               </a:ext>
             </a:extLst>
           </p:cNvPr>
@@ -4043,13 +5446,233 @@
         </p:nvSpPr>
         <p:spPr/>
         <p:txBody>
-          <a:bodyPr/>
+          <a:bodyPr>
+            <a:normAutofit fontScale="92500" lnSpcReduction="20000"/>
+          </a:bodyPr>
           <a:lstStyle/>
           <a:p>
+            <a:r>
+              <a:rPr lang="en-US" dirty="0"/>
+              <a:t>Call direction (inbound vs outbound) is not available in the UCI dataset and would be very helpful to have for the business.  Moro et al. had this feature and found it to be the most important feature after the Euribor 3-month rate.</a:t>
+            </a:r>
+          </a:p>
+          <a:p>
+            <a:r>
+              <a:rPr lang="en-US" dirty="0"/>
+              <a:t>Deduce the dates from Euribor 3-month rate and perform separate analyses for pre- and post-financial crisis</a:t>
+            </a:r>
+          </a:p>
+          <a:p>
+            <a:r>
+              <a:rPr lang="en-US" dirty="0"/>
+              <a:t>What other data can be obtained? </a:t>
+            </a:r>
+          </a:p>
+          <a:p>
+            <a:pPr lvl="1"/>
+            <a:r>
+              <a:rPr lang="en-US" dirty="0"/>
+              <a:t>Could we do some quality assurance on the calls using NLP to detect the sentiment in the call and the variation in this sentiment throughout the call?</a:t>
+            </a:r>
+          </a:p>
+          <a:p>
+            <a:pPr lvl="1"/>
+            <a:r>
+              <a:rPr lang="en-US" dirty="0"/>
+              <a:t>Could we use the data to match our ‘no’ customers with a more appropriate product?</a:t>
+            </a:r>
+          </a:p>
+          <a:p>
+            <a:pPr lvl="1"/>
+            <a:r>
+              <a:rPr lang="en-US" dirty="0"/>
+              <a:t>Convert ROC curve to business metrics to provide flexible recommendations to decision makers</a:t>
+            </a:r>
+          </a:p>
+          <a:p>
             <a:endParaRPr lang="en-US" dirty="0"/>
           </a:p>
         </p:txBody>
       </p:sp>
+    </p:spTree>
+    <p:extLst>
+      <p:ext uri="{BB962C8B-B14F-4D97-AF65-F5344CB8AC3E}">
+        <p14:creationId xmlns:p14="http://schemas.microsoft.com/office/powerpoint/2010/main" val="2582511121"/>
+      </p:ext>
+    </p:extLst>
+  </p:cSld>
+  <p:clrMapOvr>
+    <a:masterClrMapping/>
+  </p:clrMapOvr>
+</p:sld>
+</file>
+
+<file path=ppt/slides/slide15.xml><?xml version="1.0" encoding="utf-8"?>
+<p:sld xmlns:a="http://schemas.openxmlformats.org/drawingml/2006/main" xmlns:r="http://schemas.openxmlformats.org/officeDocument/2006/relationships" xmlns:p="http://schemas.openxmlformats.org/presentationml/2006/main">
+  <p:cSld>
+    <p:bg>
+      <p:bgPr>
+        <a:solidFill>
+          <a:schemeClr val="accent2"/>
+        </a:solidFill>
+        <a:effectLst/>
+      </p:bgPr>
+    </p:bg>
+    <p:spTree>
+      <p:nvGrpSpPr>
+        <p:cNvPr id="1" name=""/>
+        <p:cNvGrpSpPr/>
+        <p:nvPr/>
+      </p:nvGrpSpPr>
+      <p:grpSpPr>
+        <a:xfrm>
+          <a:off x="0" y="0"/>
+          <a:ext cx="0" cy="0"/>
+          <a:chOff x="0" y="0"/>
+          <a:chExt cx="0" cy="0"/>
+        </a:xfrm>
+      </p:grpSpPr>
+      <p:sp>
+        <p:nvSpPr>
+          <p:cNvPr id="10" name="Rectangle 9">
+            <a:extLst>
+              <a:ext uri="{FF2B5EF4-FFF2-40B4-BE49-F238E27FC236}">
+                <a16:creationId xmlns:a16="http://schemas.microsoft.com/office/drawing/2014/main" id="{C3A694C2-50DA-401D-9E8A-3621EBF0C75C}"/>
+              </a:ext>
+              <a:ext uri="{C183D7F6-B498-43B3-948B-1728B52AA6E4}">
+                <adec:decorative xmlns:adec="http://schemas.microsoft.com/office/drawing/2017/decorative" val="1"/>
+              </a:ext>
+            </a:extLst>
+          </p:cNvPr>
+          <p:cNvSpPr>
+            <a:spLocks noGrp="1" noRot="1" noChangeAspect="1" noMove="1" noResize="1" noEditPoints="1" noAdjustHandles="1" noChangeArrowheads="1" noChangeShapeType="1" noTextEdit="1"/>
+          </p:cNvSpPr>
+          <p:nvPr>
+            <p:extLst>
+              <p:ext uri="{386F3935-93C4-4BCD-93E2-E3B085C9AB24}">
+                <p16:designElem xmlns:p16="http://schemas.microsoft.com/office/powerpoint/2015/main" val="1"/>
+              </p:ext>
+            </p:extLst>
+          </p:nvPr>
+        </p:nvSpPr>
+        <p:spPr>
+          <a:xfrm>
+            <a:off x="0" y="-2"/>
+            <a:ext cx="12192000" cy="4918511"/>
+          </a:xfrm>
+          <a:prstGeom prst="rect">
+            <a:avLst/>
+          </a:prstGeom>
+          <a:solidFill>
+            <a:srgbClr val="FFFFFF"/>
+          </a:solidFill>
+          <a:ln>
+            <a:noFill/>
+          </a:ln>
+        </p:spPr>
+        <p:style>
+          <a:lnRef idx="2">
+            <a:schemeClr val="accent1">
+              <a:shade val="50000"/>
+            </a:schemeClr>
+          </a:lnRef>
+          <a:fillRef idx="1">
+            <a:schemeClr val="accent1"/>
+          </a:fillRef>
+          <a:effectRef idx="0">
+            <a:schemeClr val="accent1"/>
+          </a:effectRef>
+          <a:fontRef idx="minor">
+            <a:schemeClr val="lt1"/>
+          </a:fontRef>
+        </p:style>
+        <p:txBody>
+          <a:bodyPr rtlCol="0" anchor="ctr"/>
+          <a:lstStyle/>
+          <a:p>
+            <a:pPr algn="ctr"/>
+            <a:endParaRPr lang="en-US"/>
+          </a:p>
+        </p:txBody>
+      </p:sp>
+      <p:sp>
+        <p:nvSpPr>
+          <p:cNvPr id="2" name="Title 1">
+            <a:extLst>
+              <a:ext uri="{FF2B5EF4-FFF2-40B4-BE49-F238E27FC236}">
+                <a16:creationId xmlns:a16="http://schemas.microsoft.com/office/drawing/2014/main" id="{80693163-DD1E-50E0-18A0-0C34E118ADD1}"/>
+              </a:ext>
+            </a:extLst>
+          </p:cNvPr>
+          <p:cNvSpPr>
+            <a:spLocks noGrp="1"/>
+          </p:cNvSpPr>
+          <p:nvPr>
+            <p:ph type="title"/>
+          </p:nvPr>
+        </p:nvSpPr>
+        <p:spPr>
+          <a:xfrm>
+            <a:off x="1600200" y="4269282"/>
+            <a:ext cx="8991600" cy="1264762"/>
+          </a:xfrm>
+        </p:spPr>
+        <p:txBody>
+          <a:bodyPr vert="horz" lIns="274320" tIns="182880" rIns="274320" bIns="182880" rtlCol="0" anchor="ctr" anchorCtr="1">
+            <a:normAutofit/>
+          </a:bodyPr>
+          <a:lstStyle/>
+          <a:p>
+            <a:r>
+              <a:rPr lang="en-US" sz="3200">
+                <a:solidFill>
+                  <a:srgbClr val="262626"/>
+                </a:solidFill>
+              </a:rPr>
+              <a:t>Appendix</a:t>
+            </a:r>
+          </a:p>
+        </p:txBody>
+      </p:sp>
+      <p:pic>
+        <p:nvPicPr>
+          <p:cNvPr id="7" name="Graphic 6" descr="Paperclip">
+            <a:extLst>
+              <a:ext uri="{FF2B5EF4-FFF2-40B4-BE49-F238E27FC236}">
+                <a16:creationId xmlns:a16="http://schemas.microsoft.com/office/drawing/2014/main" id="{23B22555-CB79-DDD7-3CAF-2ABB0DC29223}"/>
+              </a:ext>
+            </a:extLst>
+          </p:cNvPr>
+          <p:cNvPicPr>
+            <a:picLocks noChangeAspect="1"/>
+          </p:cNvPicPr>
+          <p:nvPr/>
+        </p:nvPicPr>
+        <p:blipFill>
+          <a:blip r:embed="rId2">
+            <a:extLst>
+              <a:ext uri="{28A0092B-C50C-407E-A947-70E740481C1C}">
+                <a14:useLocalDpi xmlns:a14="http://schemas.microsoft.com/office/drawing/2010/main" val="0"/>
+              </a:ext>
+              <a:ext uri="{96DAC541-7B7A-43D3-8B79-37D633B846F1}">
+                <asvg:svgBlip xmlns:asvg="http://schemas.microsoft.com/office/drawing/2016/SVG/main" r:embed="rId3"/>
+              </a:ext>
+            </a:extLst>
+          </a:blip>
+          <a:stretch>
+            <a:fillRect/>
+          </a:stretch>
+        </p:blipFill>
+        <p:spPr>
+          <a:xfrm>
+            <a:off x="4445346" y="640078"/>
+            <a:ext cx="3301307" cy="3301307"/>
+          </a:xfrm>
+          <a:prstGeom prst="rect">
+            <a:avLst/>
+          </a:prstGeom>
+        </p:spPr>
+      </p:pic>
     </p:spTree>
     <p:extLst>
       <p:ext uri="{BB962C8B-B14F-4D97-AF65-F5344CB8AC3E}">
@@ -4063,7 +5686,7 @@
 </p:sld>
 </file>
 
-<file path=ppt/slides/slide15.xml><?xml version="1.0" encoding="utf-8"?>
+<file path=ppt/slides/slide16.xml><?xml version="1.0" encoding="utf-8"?>
 <p:sld xmlns:a="http://schemas.openxmlformats.org/drawingml/2006/main" xmlns:r="http://schemas.openxmlformats.org/officeDocument/2006/relationships" xmlns:p="http://schemas.openxmlformats.org/presentationml/2006/main">
   <p:cSld>
     <p:bg>
@@ -4788,7 +6411,7 @@
 </p:sld>
 </file>
 
-<file path=ppt/slides/slide16.xml><?xml version="1.0" encoding="utf-8"?>
+<file path=ppt/slides/slide17.xml><?xml version="1.0" encoding="utf-8"?>
 <p:sld xmlns:a="http://schemas.openxmlformats.org/drawingml/2006/main" xmlns:r="http://schemas.openxmlformats.org/officeDocument/2006/relationships" xmlns:p="http://schemas.openxmlformats.org/presentationml/2006/main">
   <p:cSld>
     <p:bg>
@@ -5488,7 +7111,2333 @@
 </p:sld>
 </file>
 
-<file path=ppt/slides/slide17.xml><?xml version="1.0" encoding="utf-8"?>
+<file path=ppt/slides/slide18.xml><?xml version="1.0" encoding="utf-8"?>
+<p:sld xmlns:a="http://schemas.openxmlformats.org/drawingml/2006/main" xmlns:r="http://schemas.openxmlformats.org/officeDocument/2006/relationships" xmlns:p="http://schemas.openxmlformats.org/presentationml/2006/main">
+  <p:cSld>
+    <p:spTree>
+      <p:nvGrpSpPr>
+        <p:cNvPr id="1" name=""/>
+        <p:cNvGrpSpPr/>
+        <p:nvPr/>
+      </p:nvGrpSpPr>
+      <p:grpSpPr>
+        <a:xfrm>
+          <a:off x="0" y="0"/>
+          <a:ext cx="0" cy="0"/>
+          <a:chOff x="0" y="0"/>
+          <a:chExt cx="0" cy="0"/>
+        </a:xfrm>
+      </p:grpSpPr>
+      <p:sp>
+        <p:nvSpPr>
+          <p:cNvPr id="2" name="Title 1">
+            <a:extLst>
+              <a:ext uri="{FF2B5EF4-FFF2-40B4-BE49-F238E27FC236}">
+                <a16:creationId xmlns:a16="http://schemas.microsoft.com/office/drawing/2014/main" id="{81729BCA-69E8-E6B1-7D40-646E57E4A23A}"/>
+              </a:ext>
+            </a:extLst>
+          </p:cNvPr>
+          <p:cNvSpPr>
+            <a:spLocks noGrp="1"/>
+          </p:cNvSpPr>
+          <p:nvPr>
+            <p:ph type="title"/>
+          </p:nvPr>
+        </p:nvSpPr>
+        <p:spPr/>
+        <p:txBody>
+          <a:bodyPr/>
+          <a:lstStyle/>
+          <a:p>
+            <a:r>
+              <a:rPr lang="en-US" dirty="0"/>
+              <a:t>A note on mosaic plots</a:t>
+            </a:r>
+          </a:p>
+        </p:txBody>
+      </p:sp>
+      <p:sp>
+        <p:nvSpPr>
+          <p:cNvPr id="3" name="Content Placeholder 2">
+            <a:extLst>
+              <a:ext uri="{FF2B5EF4-FFF2-40B4-BE49-F238E27FC236}">
+                <a16:creationId xmlns:a16="http://schemas.microsoft.com/office/drawing/2014/main" id="{212B04F5-96C5-17E8-306B-1A3D934C84AC}"/>
+              </a:ext>
+            </a:extLst>
+          </p:cNvPr>
+          <p:cNvSpPr>
+            <a:spLocks noGrp="1"/>
+          </p:cNvSpPr>
+          <p:nvPr>
+            <p:ph idx="1"/>
+          </p:nvPr>
+        </p:nvSpPr>
+        <p:spPr/>
+        <p:txBody>
+          <a:bodyPr/>
+          <a:lstStyle/>
+          <a:p>
+            <a:pPr fontAlgn="base"/>
+            <a:r>
+              <a:rPr lang="en-US" dirty="0"/>
+              <a:t>The colors represent the level of the residual for that cell / combination of levels. The legend is presented at the plot's right. More specifically, blue means there are more observations in that cell than would be expected under the null model (independence). Red means there are fewer observations than would have been expected. You can read this as showing you which cells are contributing to the significance of the chi-squared test result.</a:t>
+            </a:r>
+          </a:p>
+          <a:p>
+            <a:pPr fontAlgn="base"/>
+            <a:r>
+              <a:rPr lang="en-US" dirty="0"/>
+              <a:t>Source: https://</a:t>
+            </a:r>
+            <a:r>
+              <a:rPr lang="en-US" dirty="0" err="1"/>
+              <a:t>stats.stackexchange.com</a:t>
+            </a:r>
+            <a:r>
+              <a:rPr lang="en-US" dirty="0"/>
+              <a:t>/questions/147863/how-to-interpret-the-residual-colors-on-a-mosaic-plot</a:t>
+            </a:r>
+          </a:p>
+          <a:p>
+            <a:endParaRPr lang="en-US" dirty="0"/>
+          </a:p>
+        </p:txBody>
+      </p:sp>
+    </p:spTree>
+    <p:extLst>
+      <p:ext uri="{BB962C8B-B14F-4D97-AF65-F5344CB8AC3E}">
+        <p14:creationId xmlns:p14="http://schemas.microsoft.com/office/powerpoint/2010/main" val="704667041"/>
+      </p:ext>
+    </p:extLst>
+  </p:cSld>
+  <p:clrMapOvr>
+    <a:masterClrMapping/>
+  </p:clrMapOvr>
+</p:sld>
+</file>
+
+<file path=ppt/slides/slide19.xml><?xml version="1.0" encoding="utf-8"?>
+<p:sld xmlns:a="http://schemas.openxmlformats.org/drawingml/2006/main" xmlns:r="http://schemas.openxmlformats.org/officeDocument/2006/relationships" xmlns:p="http://schemas.openxmlformats.org/presentationml/2006/main">
+  <p:cSld>
+    <p:spTree>
+      <p:nvGrpSpPr>
+        <p:cNvPr id="1" name=""/>
+        <p:cNvGrpSpPr/>
+        <p:nvPr/>
+      </p:nvGrpSpPr>
+      <p:grpSpPr>
+        <a:xfrm>
+          <a:off x="0" y="0"/>
+          <a:ext cx="0" cy="0"/>
+          <a:chOff x="0" y="0"/>
+          <a:chExt cx="0" cy="0"/>
+        </a:xfrm>
+      </p:grpSpPr>
+      <p:sp>
+        <p:nvSpPr>
+          <p:cNvPr id="2" name="Title 1">
+            <a:extLst>
+              <a:ext uri="{FF2B5EF4-FFF2-40B4-BE49-F238E27FC236}">
+                <a16:creationId xmlns:a16="http://schemas.microsoft.com/office/drawing/2014/main" id="{B134002E-F285-3CEF-C959-1996135F33D4}"/>
+              </a:ext>
+            </a:extLst>
+          </p:cNvPr>
+          <p:cNvSpPr>
+            <a:spLocks noGrp="1"/>
+          </p:cNvSpPr>
+          <p:nvPr>
+            <p:ph type="title"/>
+          </p:nvPr>
+        </p:nvSpPr>
+        <p:spPr/>
+        <p:txBody>
+          <a:bodyPr/>
+          <a:lstStyle/>
+          <a:p>
+            <a:r>
+              <a:rPr lang="en-US" dirty="0"/>
+              <a:t>Duration vs deposits</a:t>
+            </a:r>
+          </a:p>
+        </p:txBody>
+      </p:sp>
+      <p:pic>
+        <p:nvPicPr>
+          <p:cNvPr id="4" name="Content Placeholder 3">
+            <a:extLst>
+              <a:ext uri="{FF2B5EF4-FFF2-40B4-BE49-F238E27FC236}">
+                <a16:creationId xmlns:a16="http://schemas.microsoft.com/office/drawing/2014/main" id="{0D9180F0-B392-C9B0-7EB4-A2F6FC18484E}"/>
+              </a:ext>
+            </a:extLst>
+          </p:cNvPr>
+          <p:cNvPicPr>
+            <a:picLocks noGrp="1" noChangeAspect="1"/>
+          </p:cNvPicPr>
+          <p:nvPr>
+            <p:ph idx="1"/>
+          </p:nvPr>
+        </p:nvPicPr>
+        <p:blipFill>
+          <a:blip r:embed="rId2"/>
+          <a:stretch>
+            <a:fillRect/>
+          </a:stretch>
+        </p:blipFill>
+        <p:spPr>
+          <a:xfrm>
+            <a:off x="3152847" y="2638425"/>
+            <a:ext cx="5886307" cy="3101975"/>
+          </a:xfrm>
+          <a:prstGeom prst="rect">
+            <a:avLst/>
+          </a:prstGeom>
+        </p:spPr>
+      </p:pic>
+    </p:spTree>
+    <p:extLst>
+      <p:ext uri="{BB962C8B-B14F-4D97-AF65-F5344CB8AC3E}">
+        <p14:creationId xmlns:p14="http://schemas.microsoft.com/office/powerpoint/2010/main" val="3352324455"/>
+      </p:ext>
+    </p:extLst>
+  </p:cSld>
+  <p:clrMapOvr>
+    <a:masterClrMapping/>
+  </p:clrMapOvr>
+</p:sld>
+</file>
+
+<file path=ppt/slides/slide2.xml><?xml version="1.0" encoding="utf-8"?>
+<p:sld xmlns:a="http://schemas.openxmlformats.org/drawingml/2006/main" xmlns:r="http://schemas.openxmlformats.org/officeDocument/2006/relationships" xmlns:p="http://schemas.openxmlformats.org/presentationml/2006/main">
+  <p:cSld>
+    <p:spTree>
+      <p:nvGrpSpPr>
+        <p:cNvPr id="1" name=""/>
+        <p:cNvGrpSpPr/>
+        <p:nvPr/>
+      </p:nvGrpSpPr>
+      <p:grpSpPr>
+        <a:xfrm>
+          <a:off x="0" y="0"/>
+          <a:ext cx="0" cy="0"/>
+          <a:chOff x="0" y="0"/>
+          <a:chExt cx="0" cy="0"/>
+        </a:xfrm>
+      </p:grpSpPr>
+      <p:sp>
+        <p:nvSpPr>
+          <p:cNvPr id="2" name="Title 1">
+            <a:extLst>
+              <a:ext uri="{FF2B5EF4-FFF2-40B4-BE49-F238E27FC236}">
+                <a16:creationId xmlns:a16="http://schemas.microsoft.com/office/drawing/2014/main" id="{D7484EDA-B6F5-021D-4704-9A4073542F32}"/>
+              </a:ext>
+            </a:extLst>
+          </p:cNvPr>
+          <p:cNvSpPr>
+            <a:spLocks noGrp="1"/>
+          </p:cNvSpPr>
+          <p:nvPr>
+            <p:ph type="title"/>
+          </p:nvPr>
+        </p:nvSpPr>
+        <p:spPr/>
+        <p:txBody>
+          <a:bodyPr/>
+          <a:lstStyle/>
+          <a:p>
+            <a:r>
+              <a:rPr lang="en-US" dirty="0"/>
+              <a:t>Dataset</a:t>
+            </a:r>
+          </a:p>
+        </p:txBody>
+      </p:sp>
+      <p:sp>
+        <p:nvSpPr>
+          <p:cNvPr id="3" name="Content Placeholder 2">
+            <a:extLst>
+              <a:ext uri="{FF2B5EF4-FFF2-40B4-BE49-F238E27FC236}">
+                <a16:creationId xmlns:a16="http://schemas.microsoft.com/office/drawing/2014/main" id="{61A6E4AC-C1CB-966A-1CC3-0C65C33F6217}"/>
+              </a:ext>
+            </a:extLst>
+          </p:cNvPr>
+          <p:cNvSpPr>
+            <a:spLocks noGrp="1"/>
+          </p:cNvSpPr>
+          <p:nvPr>
+            <p:ph idx="1"/>
+          </p:nvPr>
+        </p:nvSpPr>
+        <p:spPr/>
+        <p:txBody>
+          <a:bodyPr>
+            <a:normAutofit fontScale="92500" lnSpcReduction="10000"/>
+          </a:bodyPr>
+          <a:lstStyle/>
+          <a:p>
+            <a:r>
+              <a:rPr lang="en-US" dirty="0">
+                <a:solidFill>
+                  <a:srgbClr val="123654"/>
+                </a:solidFill>
+                <a:latin typeface="Arial" panose="020B0604020202020204" pitchFamily="34" charset="0"/>
+              </a:rPr>
+              <a:t>Data collected from May 2008 to June 2013</a:t>
+            </a:r>
+          </a:p>
+          <a:p>
+            <a:r>
+              <a:rPr lang="en-US" dirty="0">
+                <a:solidFill>
+                  <a:srgbClr val="123654"/>
+                </a:solidFill>
+                <a:latin typeface="Arial" panose="020B0604020202020204" pitchFamily="34" charset="0"/>
+              </a:rPr>
+              <a:t>Originally 21 features including demographic variables, number of campaign contacts, success rate of previous campaign, as well as economic indicators (such as Euribor 3-month rate)</a:t>
+            </a:r>
+          </a:p>
+          <a:p>
+            <a:r>
+              <a:rPr lang="en-US" dirty="0">
+                <a:solidFill>
+                  <a:srgbClr val="123654"/>
+                </a:solidFill>
+                <a:latin typeface="Arial" panose="020B0604020202020204" pitchFamily="34" charset="0"/>
+              </a:rPr>
+              <a:t>[Moro et al., 2014] S. Moro, P. Cortez and P. Rita. A Data-Driven Approach to Predict the Success of Bank Telemarketing. Decision Support Systems, Elsevier, 62:22-31, June 2014</a:t>
+            </a:r>
+          </a:p>
+          <a:p>
+            <a:r>
+              <a:rPr lang="en-US" dirty="0">
+                <a:solidFill>
+                  <a:srgbClr val="123654"/>
+                </a:solidFill>
+                <a:latin typeface="Arial" panose="020B0604020202020204" pitchFamily="34" charset="0"/>
+              </a:rPr>
+              <a:t>Available here: </a:t>
+            </a:r>
+            <a:r>
+              <a:rPr lang="en-US" dirty="0">
+                <a:solidFill>
+                  <a:srgbClr val="123654"/>
+                </a:solidFill>
+                <a:latin typeface="Arial" panose="020B0604020202020204" pitchFamily="34" charset="0"/>
+                <a:hlinkClick r:id="rId2"/>
+              </a:rPr>
+              <a:t>https://archive.ics.uci.edu/ml/datasets/Bank+Marketing#</a:t>
+            </a:r>
+            <a:endParaRPr lang="en-US" dirty="0">
+              <a:solidFill>
+                <a:srgbClr val="123654"/>
+              </a:solidFill>
+              <a:latin typeface="Arial" panose="020B0604020202020204" pitchFamily="34" charset="0"/>
+            </a:endParaRPr>
+          </a:p>
+          <a:p>
+            <a:r>
+              <a:rPr lang="en-US" dirty="0">
+                <a:solidFill>
+                  <a:srgbClr val="123654"/>
+                </a:solidFill>
+                <a:latin typeface="Arial" panose="020B0604020202020204" pitchFamily="34" charset="0"/>
+              </a:rPr>
+              <a:t>‘Duration’ is leaked and must be dropped. Kaggle dataset has a variable ‘balance’, which is not identified in the UCI dataset or by the article authors.</a:t>
+            </a:r>
+          </a:p>
+          <a:p>
+            <a:endParaRPr lang="en-US" dirty="0"/>
+          </a:p>
+        </p:txBody>
+      </p:sp>
+    </p:spTree>
+    <p:extLst>
+      <p:ext uri="{BB962C8B-B14F-4D97-AF65-F5344CB8AC3E}">
+        <p14:creationId xmlns:p14="http://schemas.microsoft.com/office/powerpoint/2010/main" val="3662640421"/>
+      </p:ext>
+    </p:extLst>
+  </p:cSld>
+  <p:clrMapOvr>
+    <a:masterClrMapping/>
+  </p:clrMapOvr>
+</p:sld>
+</file>
+
+<file path=ppt/slides/slide20.xml><?xml version="1.0" encoding="utf-8"?>
+<p:sld xmlns:a="http://schemas.openxmlformats.org/drawingml/2006/main" xmlns:r="http://schemas.openxmlformats.org/officeDocument/2006/relationships" xmlns:p="http://schemas.openxmlformats.org/presentationml/2006/main">
+  <p:cSld>
+    <p:bg>
+      <p:bgPr>
+        <a:solidFill>
+          <a:schemeClr val="bg2"/>
+        </a:solidFill>
+        <a:effectLst/>
+      </p:bgPr>
+    </p:bg>
+    <p:spTree>
+      <p:nvGrpSpPr>
+        <p:cNvPr id="1" name=""/>
+        <p:cNvGrpSpPr/>
+        <p:nvPr/>
+      </p:nvGrpSpPr>
+      <p:grpSpPr>
+        <a:xfrm>
+          <a:off x="0" y="0"/>
+          <a:ext cx="0" cy="0"/>
+          <a:chOff x="0" y="0"/>
+          <a:chExt cx="0" cy="0"/>
+        </a:xfrm>
+      </p:grpSpPr>
+      <p:sp>
+        <p:nvSpPr>
+          <p:cNvPr id="2" name="Title 1">
+            <a:extLst>
+              <a:ext uri="{FF2B5EF4-FFF2-40B4-BE49-F238E27FC236}">
+                <a16:creationId xmlns:a16="http://schemas.microsoft.com/office/drawing/2014/main" id="{716B2D3C-0FFB-5C38-A514-0AFEB50AC7EE}"/>
+              </a:ext>
+            </a:extLst>
+          </p:cNvPr>
+          <p:cNvSpPr>
+            <a:spLocks noGrp="1"/>
+          </p:cNvSpPr>
+          <p:nvPr>
+            <p:ph type="title"/>
+          </p:nvPr>
+        </p:nvSpPr>
+        <p:spPr>
+          <a:xfrm>
+            <a:off x="640079" y="640079"/>
+            <a:ext cx="3402531" cy="5272242"/>
+          </a:xfrm>
+        </p:spPr>
+        <p:txBody>
+          <a:bodyPr>
+            <a:normAutofit/>
+          </a:bodyPr>
+          <a:lstStyle/>
+          <a:p>
+            <a:r>
+              <a:rPr lang="en-US" dirty="0"/>
+              <a:t>Summaries useful for date calculations</a:t>
+            </a:r>
+          </a:p>
+        </p:txBody>
+      </p:sp>
+      <p:sp>
+        <p:nvSpPr>
+          <p:cNvPr id="8" name="Content Placeholder 7">
+            <a:extLst>
+              <a:ext uri="{FF2B5EF4-FFF2-40B4-BE49-F238E27FC236}">
+                <a16:creationId xmlns:a16="http://schemas.microsoft.com/office/drawing/2014/main" id="{44947E6F-BB73-C6F2-C6AC-A2900EDC78B6}"/>
+              </a:ext>
+            </a:extLst>
+          </p:cNvPr>
+          <p:cNvSpPr>
+            <a:spLocks noGrp="1"/>
+          </p:cNvSpPr>
+          <p:nvPr>
+            <p:ph idx="1"/>
+          </p:nvPr>
+        </p:nvSpPr>
+        <p:spPr>
+          <a:xfrm>
+            <a:off x="4672103" y="640079"/>
+            <a:ext cx="6883072" cy="2834737"/>
+          </a:xfrm>
+        </p:spPr>
+        <p:txBody>
+          <a:bodyPr>
+            <a:normAutofit/>
+          </a:bodyPr>
+          <a:lstStyle/>
+          <a:p>
+            <a:endParaRPr lang="en-US" dirty="0"/>
+          </a:p>
+        </p:txBody>
+      </p:sp>
+      <p:pic>
+        <p:nvPicPr>
+          <p:cNvPr id="7" name="Picture 6">
+            <a:extLst>
+              <a:ext uri="{FF2B5EF4-FFF2-40B4-BE49-F238E27FC236}">
+                <a16:creationId xmlns:a16="http://schemas.microsoft.com/office/drawing/2014/main" id="{FE790583-8639-BEB9-E564-28BD042EA06B}"/>
+              </a:ext>
+            </a:extLst>
+          </p:cNvPr>
+          <p:cNvPicPr>
+            <a:picLocks noChangeAspect="1"/>
+          </p:cNvPicPr>
+          <p:nvPr/>
+        </p:nvPicPr>
+        <p:blipFill>
+          <a:blip r:embed="rId2"/>
+          <a:stretch>
+            <a:fillRect/>
+          </a:stretch>
+        </p:blipFill>
+        <p:spPr>
+          <a:xfrm>
+            <a:off x="4210380" y="4496202"/>
+            <a:ext cx="7728507" cy="753529"/>
+          </a:xfrm>
+          <a:prstGeom prst="rect">
+            <a:avLst/>
+          </a:prstGeom>
+          <a:ln w="31750" cap="sq">
+            <a:solidFill>
+              <a:srgbClr val="FFFFFF"/>
+            </a:solidFill>
+            <a:miter lim="800000"/>
+          </a:ln>
+        </p:spPr>
+      </p:pic>
+      <p:pic>
+        <p:nvPicPr>
+          <p:cNvPr id="9" name="Picture 8">
+            <a:extLst>
+              <a:ext uri="{FF2B5EF4-FFF2-40B4-BE49-F238E27FC236}">
+                <a16:creationId xmlns:a16="http://schemas.microsoft.com/office/drawing/2014/main" id="{7D49C923-A740-0C48-7FD0-222EE99E9C83}"/>
+              </a:ext>
+            </a:extLst>
+          </p:cNvPr>
+          <p:cNvPicPr>
+            <a:picLocks noChangeAspect="1"/>
+          </p:cNvPicPr>
+          <p:nvPr/>
+        </p:nvPicPr>
+        <p:blipFill>
+          <a:blip r:embed="rId3"/>
+          <a:stretch>
+            <a:fillRect/>
+          </a:stretch>
+        </p:blipFill>
+        <p:spPr>
+          <a:xfrm>
+            <a:off x="5668308" y="1037142"/>
+            <a:ext cx="3975100" cy="3213100"/>
+          </a:xfrm>
+          <a:prstGeom prst="rect">
+            <a:avLst/>
+          </a:prstGeom>
+        </p:spPr>
+      </p:pic>
+    </p:spTree>
+    <p:extLst>
+      <p:ext uri="{BB962C8B-B14F-4D97-AF65-F5344CB8AC3E}">
+        <p14:creationId xmlns:p14="http://schemas.microsoft.com/office/powerpoint/2010/main" val="312194574"/>
+      </p:ext>
+    </p:extLst>
+  </p:cSld>
+  <p:clrMapOvr>
+    <a:masterClrMapping/>
+  </p:clrMapOvr>
+</p:sld>
+</file>
+
+<file path=ppt/slides/slide21.xml><?xml version="1.0" encoding="utf-8"?>
+<p:sld xmlns:a="http://schemas.openxmlformats.org/drawingml/2006/main" xmlns:r="http://schemas.openxmlformats.org/officeDocument/2006/relationships" xmlns:p="http://schemas.openxmlformats.org/presentationml/2006/main">
+  <p:cSld>
+    <p:bg>
+      <p:bgPr>
+        <a:solidFill>
+          <a:schemeClr val="bg2"/>
+        </a:solidFill>
+        <a:effectLst/>
+      </p:bgPr>
+    </p:bg>
+    <p:spTree>
+      <p:nvGrpSpPr>
+        <p:cNvPr id="1" name=""/>
+        <p:cNvGrpSpPr/>
+        <p:nvPr/>
+      </p:nvGrpSpPr>
+      <p:grpSpPr>
+        <a:xfrm>
+          <a:off x="0" y="0"/>
+          <a:ext cx="0" cy="0"/>
+          <a:chOff x="0" y="0"/>
+          <a:chExt cx="0" cy="0"/>
+        </a:xfrm>
+      </p:grpSpPr>
+      <p:sp>
+        <p:nvSpPr>
+          <p:cNvPr id="2" name="Title 1">
+            <a:extLst>
+              <a:ext uri="{FF2B5EF4-FFF2-40B4-BE49-F238E27FC236}">
+                <a16:creationId xmlns:a16="http://schemas.microsoft.com/office/drawing/2014/main" id="{A3B23C00-C40A-DE6C-5357-F862941001B8}"/>
+              </a:ext>
+            </a:extLst>
+          </p:cNvPr>
+          <p:cNvSpPr>
+            <a:spLocks noGrp="1"/>
+          </p:cNvSpPr>
+          <p:nvPr>
+            <p:ph type="title"/>
+          </p:nvPr>
+        </p:nvSpPr>
+        <p:spPr>
+          <a:xfrm>
+            <a:off x="640079" y="640079"/>
+            <a:ext cx="3402531" cy="5272242"/>
+          </a:xfrm>
+        </p:spPr>
+        <p:txBody>
+          <a:bodyPr>
+            <a:normAutofit/>
+          </a:bodyPr>
+          <a:lstStyle/>
+          <a:p>
+            <a:r>
+              <a:rPr lang="en-US" dirty="0"/>
+              <a:t>Smaller feature set </a:t>
+            </a:r>
+            <a:r>
+              <a:rPr lang="en-US" dirty="0" err="1"/>
+              <a:t>importances</a:t>
+            </a:r>
+            <a:endParaRPr lang="en-US" dirty="0"/>
+          </a:p>
+        </p:txBody>
+      </p:sp>
+      <p:sp>
+        <p:nvSpPr>
+          <p:cNvPr id="8" name="Content Placeholder 7">
+            <a:extLst>
+              <a:ext uri="{FF2B5EF4-FFF2-40B4-BE49-F238E27FC236}">
+                <a16:creationId xmlns:a16="http://schemas.microsoft.com/office/drawing/2014/main" id="{8D78159B-93A7-CAF1-E52B-12E766788D7A}"/>
+              </a:ext>
+            </a:extLst>
+          </p:cNvPr>
+          <p:cNvSpPr>
+            <a:spLocks noGrp="1"/>
+          </p:cNvSpPr>
+          <p:nvPr>
+            <p:ph idx="1"/>
+          </p:nvPr>
+        </p:nvSpPr>
+        <p:spPr>
+          <a:xfrm>
+            <a:off x="4672103" y="640079"/>
+            <a:ext cx="6883072" cy="2834737"/>
+          </a:xfrm>
+        </p:spPr>
+        <p:txBody>
+          <a:bodyPr>
+            <a:normAutofit/>
+          </a:bodyPr>
+          <a:lstStyle/>
+          <a:p>
+            <a:r>
+              <a:rPr lang="en-US" dirty="0"/>
+              <a:t>Interestingly, dropping </a:t>
+            </a:r>
+            <a:r>
+              <a:rPr lang="en-US" dirty="0" err="1"/>
+              <a:t>emp.var.rate</a:t>
+            </a:r>
+            <a:r>
+              <a:rPr lang="en-US" dirty="0"/>
+              <a:t>, </a:t>
+            </a:r>
+            <a:r>
+              <a:rPr lang="en-US" dirty="0" err="1"/>
+              <a:t>cons.conf.idx</a:t>
+            </a:r>
+            <a:r>
+              <a:rPr lang="en-US" dirty="0"/>
+              <a:t>, </a:t>
+            </a:r>
+            <a:r>
+              <a:rPr lang="en-US" dirty="0" err="1"/>
+              <a:t>nr.employed</a:t>
+            </a:r>
+            <a:r>
+              <a:rPr lang="en-US" dirty="0"/>
+              <a:t> produced a model with about the same recall and accuracy. For ease of use, may rely on this model for R Shiny app</a:t>
+            </a:r>
+          </a:p>
+          <a:p>
+            <a:pPr lvl="0">
+              <a:lnSpc>
+                <a:spcPct val="90000"/>
+              </a:lnSpc>
+              <a:buClr>
+                <a:srgbClr val="58B6C0"/>
+              </a:buClr>
+            </a:pPr>
+            <a:r>
+              <a:rPr lang="en-US" dirty="0" err="1">
+                <a:solidFill>
+                  <a:prstClr val="black"/>
+                </a:solidFill>
+              </a:rPr>
+              <a:t>emp.var.rate</a:t>
+            </a:r>
+            <a:r>
+              <a:rPr lang="en-US" dirty="0">
+                <a:solidFill>
+                  <a:prstClr val="black"/>
+                </a:solidFill>
+              </a:rPr>
+              <a:t>: employment variation rate - quarterly indicator (numeric)</a:t>
+            </a:r>
+          </a:p>
+          <a:p>
+            <a:pPr lvl="0">
+              <a:lnSpc>
+                <a:spcPct val="90000"/>
+              </a:lnSpc>
+              <a:buClr>
+                <a:srgbClr val="58B6C0"/>
+              </a:buClr>
+            </a:pPr>
+            <a:r>
+              <a:rPr lang="en-US" dirty="0" err="1">
+                <a:solidFill>
+                  <a:prstClr val="black"/>
+                </a:solidFill>
+              </a:rPr>
+              <a:t>cons.conf.idx</a:t>
+            </a:r>
+            <a:r>
+              <a:rPr lang="en-US" dirty="0">
+                <a:solidFill>
+                  <a:prstClr val="black"/>
+                </a:solidFill>
+              </a:rPr>
+              <a:t>: consumer confidence index - monthly indicator (numeric)</a:t>
+            </a:r>
+          </a:p>
+          <a:p>
+            <a:pPr lvl="0">
+              <a:lnSpc>
+                <a:spcPct val="90000"/>
+              </a:lnSpc>
+              <a:buClr>
+                <a:srgbClr val="58B6C0"/>
+              </a:buClr>
+            </a:pPr>
+            <a:r>
+              <a:rPr lang="en-US" dirty="0" err="1">
+                <a:solidFill>
+                  <a:prstClr val="black"/>
+                </a:solidFill>
+              </a:rPr>
+              <a:t>nr.employed</a:t>
+            </a:r>
+            <a:r>
+              <a:rPr lang="en-US" dirty="0">
+                <a:solidFill>
+                  <a:prstClr val="black"/>
+                </a:solidFill>
+              </a:rPr>
+              <a:t>: number of employees - quarterly indicator (numeric)</a:t>
+            </a:r>
+          </a:p>
+          <a:p>
+            <a:pPr lvl="0">
+              <a:lnSpc>
+                <a:spcPct val="90000"/>
+              </a:lnSpc>
+              <a:buClr>
+                <a:srgbClr val="58B6C0"/>
+              </a:buClr>
+            </a:pPr>
+            <a:endParaRPr lang="en-US" dirty="0">
+              <a:solidFill>
+                <a:prstClr val="black"/>
+              </a:solidFill>
+            </a:endParaRPr>
+          </a:p>
+          <a:p>
+            <a:pPr lvl="0">
+              <a:lnSpc>
+                <a:spcPct val="90000"/>
+              </a:lnSpc>
+              <a:buClr>
+                <a:srgbClr val="58B6C0"/>
+              </a:buClr>
+            </a:pPr>
+            <a:endParaRPr lang="en-US" dirty="0">
+              <a:solidFill>
+                <a:prstClr val="black"/>
+              </a:solidFill>
+            </a:endParaRPr>
+          </a:p>
+          <a:p>
+            <a:endParaRPr lang="en-US" dirty="0"/>
+          </a:p>
+        </p:txBody>
+      </p:sp>
+      <p:pic>
+        <p:nvPicPr>
+          <p:cNvPr id="4" name="Content Placeholder 3">
+            <a:extLst>
+              <a:ext uri="{FF2B5EF4-FFF2-40B4-BE49-F238E27FC236}">
+                <a16:creationId xmlns:a16="http://schemas.microsoft.com/office/drawing/2014/main" id="{2B98835B-2000-4E83-9299-5605CF413392}"/>
+              </a:ext>
+            </a:extLst>
+          </p:cNvPr>
+          <p:cNvPicPr>
+            <a:picLocks noChangeAspect="1"/>
+          </p:cNvPicPr>
+          <p:nvPr/>
+        </p:nvPicPr>
+        <p:blipFill>
+          <a:blip r:embed="rId2"/>
+          <a:stretch>
+            <a:fillRect/>
+          </a:stretch>
+        </p:blipFill>
+        <p:spPr>
+          <a:xfrm>
+            <a:off x="5651048" y="3474816"/>
+            <a:ext cx="4579474" cy="2484365"/>
+          </a:xfrm>
+          <a:prstGeom prst="rect">
+            <a:avLst/>
+          </a:prstGeom>
+          <a:ln w="31750" cap="sq">
+            <a:solidFill>
+              <a:srgbClr val="FFFFFF"/>
+            </a:solidFill>
+            <a:miter lim="800000"/>
+          </a:ln>
+        </p:spPr>
+      </p:pic>
+    </p:spTree>
+    <p:extLst>
+      <p:ext uri="{BB962C8B-B14F-4D97-AF65-F5344CB8AC3E}">
+        <p14:creationId xmlns:p14="http://schemas.microsoft.com/office/powerpoint/2010/main" val="2159704186"/>
+      </p:ext>
+    </p:extLst>
+  </p:cSld>
+  <p:clrMapOvr>
+    <a:masterClrMapping/>
+  </p:clrMapOvr>
+</p:sld>
+</file>
+
+<file path=ppt/slides/slide22.xml><?xml version="1.0" encoding="utf-8"?>
+<p:sld xmlns:a="http://schemas.openxmlformats.org/drawingml/2006/main" xmlns:r="http://schemas.openxmlformats.org/officeDocument/2006/relationships" xmlns:p="http://schemas.openxmlformats.org/presentationml/2006/main">
+  <p:cSld>
+    <p:spTree>
+      <p:nvGrpSpPr>
+        <p:cNvPr id="1" name=""/>
+        <p:cNvGrpSpPr/>
+        <p:nvPr/>
+      </p:nvGrpSpPr>
+      <p:grpSpPr>
+        <a:xfrm>
+          <a:off x="0" y="0"/>
+          <a:ext cx="0" cy="0"/>
+          <a:chOff x="0" y="0"/>
+          <a:chExt cx="0" cy="0"/>
+        </a:xfrm>
+      </p:grpSpPr>
+      <p:sp>
+        <p:nvSpPr>
+          <p:cNvPr id="2" name="Title 1">
+            <a:extLst>
+              <a:ext uri="{FF2B5EF4-FFF2-40B4-BE49-F238E27FC236}">
+                <a16:creationId xmlns:a16="http://schemas.microsoft.com/office/drawing/2014/main" id="{42DCF7CC-3F1F-5EE8-BEFE-61422634D27F}"/>
+              </a:ext>
+            </a:extLst>
+          </p:cNvPr>
+          <p:cNvSpPr>
+            <a:spLocks noGrp="1"/>
+          </p:cNvSpPr>
+          <p:nvPr>
+            <p:ph type="title"/>
+          </p:nvPr>
+        </p:nvSpPr>
+        <p:spPr/>
+        <p:txBody>
+          <a:bodyPr/>
+          <a:lstStyle/>
+          <a:p>
+            <a:r>
+              <a:rPr lang="en-US" dirty="0"/>
+              <a:t>Interest rates and deposits</a:t>
+            </a:r>
+          </a:p>
+        </p:txBody>
+      </p:sp>
+      <p:sp>
+        <p:nvSpPr>
+          <p:cNvPr id="3" name="Content Placeholder 2">
+            <a:extLst>
+              <a:ext uri="{FF2B5EF4-FFF2-40B4-BE49-F238E27FC236}">
+                <a16:creationId xmlns:a16="http://schemas.microsoft.com/office/drawing/2014/main" id="{99710C9B-F8B7-7FDC-0EA5-5E541D9EAA30}"/>
+              </a:ext>
+            </a:extLst>
+          </p:cNvPr>
+          <p:cNvSpPr>
+            <a:spLocks noGrp="1"/>
+          </p:cNvSpPr>
+          <p:nvPr>
+            <p:ph idx="1"/>
+          </p:nvPr>
+        </p:nvSpPr>
+        <p:spPr/>
+        <p:txBody>
+          <a:bodyPr>
+            <a:normAutofit fontScale="92500" lnSpcReduction="20000"/>
+          </a:bodyPr>
+          <a:lstStyle/>
+          <a:p>
+            <a:r>
+              <a:rPr lang="en-US" dirty="0"/>
+              <a:t>In periods of rising interest rates, consumers are more likely to purchase term deposits since the increased cost of borrowing makes savings more attractive. Also, with higher market interest rates, the financial institution will need to offer the investor a higher rate of interest, so the investor also earns more.</a:t>
+            </a:r>
+          </a:p>
+          <a:p>
+            <a:r>
+              <a:rPr lang="en-US" dirty="0"/>
+              <a:t>When interest rates decrease, consumers are encouraged to borrow and spend more, thereby stimulating the economy. In a low interest rate environment, demand for term deposits can decrease since investors can typically find alternative investment vehicles that pay a higher rate.</a:t>
+            </a:r>
+          </a:p>
+          <a:p>
+            <a:r>
+              <a:rPr lang="en-US" dirty="0"/>
+              <a:t>Term deposits are an extremely safe investment and are therefore very appealing to conservative, low-risk investors. </a:t>
+            </a:r>
+          </a:p>
+          <a:p>
+            <a:r>
+              <a:rPr lang="en-US" dirty="0"/>
+              <a:t>Source: https://</a:t>
+            </a:r>
+            <a:r>
+              <a:rPr lang="en-US" dirty="0" err="1"/>
+              <a:t>www.investopedia.com</a:t>
+            </a:r>
+            <a:r>
+              <a:rPr lang="en-US" dirty="0"/>
+              <a:t>/terms/t/</a:t>
+            </a:r>
+            <a:r>
+              <a:rPr lang="en-US" dirty="0" err="1"/>
+              <a:t>termdeposit.asp</a:t>
+            </a:r>
+            <a:br>
+              <a:rPr lang="en-US" dirty="0"/>
+            </a:br>
+            <a:endParaRPr lang="en-US" dirty="0"/>
+          </a:p>
+        </p:txBody>
+      </p:sp>
+    </p:spTree>
+    <p:extLst>
+      <p:ext uri="{BB962C8B-B14F-4D97-AF65-F5344CB8AC3E}">
+        <p14:creationId xmlns:p14="http://schemas.microsoft.com/office/powerpoint/2010/main" val="3674109466"/>
+      </p:ext>
+    </p:extLst>
+  </p:cSld>
+  <p:clrMapOvr>
+    <a:masterClrMapping/>
+  </p:clrMapOvr>
+</p:sld>
+</file>
+
+<file path=ppt/slides/slide23.xml><?xml version="1.0" encoding="utf-8"?>
+<p:sld xmlns:a="http://schemas.openxmlformats.org/drawingml/2006/main" xmlns:r="http://schemas.openxmlformats.org/officeDocument/2006/relationships" xmlns:p="http://schemas.openxmlformats.org/presentationml/2006/main">
+  <p:cSld>
+    <p:bg>
+      <p:bgPr>
+        <a:solidFill>
+          <a:schemeClr val="accent2"/>
+        </a:solidFill>
+        <a:effectLst/>
+      </p:bgPr>
+    </p:bg>
+    <p:spTree>
+      <p:nvGrpSpPr>
+        <p:cNvPr id="1" name=""/>
+        <p:cNvGrpSpPr/>
+        <p:nvPr/>
+      </p:nvGrpSpPr>
+      <p:grpSpPr>
+        <a:xfrm>
+          <a:off x="0" y="0"/>
+          <a:ext cx="0" cy="0"/>
+          <a:chOff x="0" y="0"/>
+          <a:chExt cx="0" cy="0"/>
+        </a:xfrm>
+      </p:grpSpPr>
+      <p:sp>
+        <p:nvSpPr>
+          <p:cNvPr id="2" name="Title 1">
+            <a:extLst>
+              <a:ext uri="{FF2B5EF4-FFF2-40B4-BE49-F238E27FC236}">
+                <a16:creationId xmlns:a16="http://schemas.microsoft.com/office/drawing/2014/main" id="{A8126BE4-C41A-8F27-E263-A4DAB0B3658B}"/>
+              </a:ext>
+            </a:extLst>
+          </p:cNvPr>
+          <p:cNvSpPr>
+            <a:spLocks noGrp="1"/>
+          </p:cNvSpPr>
+          <p:nvPr>
+            <p:ph type="title"/>
+          </p:nvPr>
+        </p:nvSpPr>
+        <p:spPr>
+          <a:xfrm>
+            <a:off x="804672" y="2404872"/>
+            <a:ext cx="3044950" cy="1627792"/>
+          </a:xfrm>
+        </p:spPr>
+        <p:txBody>
+          <a:bodyPr vert="horz" lIns="274320" tIns="182880" rIns="274320" bIns="182880" rtlCol="0" anchor="ctr" anchorCtr="1">
+            <a:normAutofit/>
+          </a:bodyPr>
+          <a:lstStyle/>
+          <a:p>
+            <a:r>
+              <a:rPr lang="en-US" dirty="0">
+                <a:solidFill>
+                  <a:srgbClr val="262626"/>
+                </a:solidFill>
+              </a:rPr>
+              <a:t>model stats</a:t>
+            </a:r>
+          </a:p>
+        </p:txBody>
+      </p:sp>
+      <p:sp>
+        <p:nvSpPr>
+          <p:cNvPr id="11" name="Rectangle 8">
+            <a:extLst>
+              <a:ext uri="{FF2B5EF4-FFF2-40B4-BE49-F238E27FC236}">
+                <a16:creationId xmlns:a16="http://schemas.microsoft.com/office/drawing/2014/main" id="{ED6F0A31-5407-4EFA-9DFA-67E942682962}"/>
+              </a:ext>
+              <a:ext uri="{C183D7F6-B498-43B3-948B-1728B52AA6E4}">
+                <adec:decorative xmlns:adec="http://schemas.microsoft.com/office/drawing/2017/decorative" val="1"/>
+              </a:ext>
+            </a:extLst>
+          </p:cNvPr>
+          <p:cNvSpPr>
+            <a:spLocks noGrp="1" noRot="1" noChangeAspect="1" noMove="1" noResize="1" noEditPoints="1" noAdjustHandles="1" noChangeArrowheads="1" noChangeShapeType="1" noTextEdit="1"/>
+          </p:cNvSpPr>
+          <p:nvPr>
+            <p:extLst>
+              <p:ext uri="{386F3935-93C4-4BCD-93E2-E3B085C9AB24}">
+                <p16:designElem xmlns:p16="http://schemas.microsoft.com/office/powerpoint/2015/main" val="1"/>
+              </p:ext>
+            </p:extLst>
+          </p:nvPr>
+        </p:nvSpPr>
+        <p:spPr>
+          <a:xfrm>
+            <a:off x="4654296" y="0"/>
+            <a:ext cx="7537703" cy="6858000"/>
+          </a:xfrm>
+          <a:prstGeom prst="rect">
+            <a:avLst/>
+          </a:prstGeom>
+          <a:solidFill>
+            <a:srgbClr val="FFFFFF"/>
+          </a:solidFill>
+          <a:ln>
+            <a:noFill/>
+          </a:ln>
+        </p:spPr>
+        <p:style>
+          <a:lnRef idx="2">
+            <a:schemeClr val="accent1">
+              <a:shade val="50000"/>
+            </a:schemeClr>
+          </a:lnRef>
+          <a:fillRef idx="1">
+            <a:schemeClr val="accent1"/>
+          </a:fillRef>
+          <a:effectRef idx="0">
+            <a:schemeClr val="accent1"/>
+          </a:effectRef>
+          <a:fontRef idx="minor">
+            <a:schemeClr val="lt1"/>
+          </a:fontRef>
+        </p:style>
+        <p:txBody>
+          <a:bodyPr rtlCol="0" anchor="ctr"/>
+          <a:lstStyle/>
+          <a:p>
+            <a:pPr algn="ctr"/>
+            <a:endParaRPr lang="en-US"/>
+          </a:p>
+        </p:txBody>
+      </p:sp>
+      <p:pic>
+        <p:nvPicPr>
+          <p:cNvPr id="4" name="Content Placeholder 3">
+            <a:extLst>
+              <a:ext uri="{FF2B5EF4-FFF2-40B4-BE49-F238E27FC236}">
+                <a16:creationId xmlns:a16="http://schemas.microsoft.com/office/drawing/2014/main" id="{0EA28444-8A1A-145D-AD83-7029BD2B1824}"/>
+              </a:ext>
+            </a:extLst>
+          </p:cNvPr>
+          <p:cNvPicPr>
+            <a:picLocks noGrp="1" noChangeAspect="1"/>
+          </p:cNvPicPr>
+          <p:nvPr>
+            <p:ph idx="1"/>
+          </p:nvPr>
+        </p:nvPicPr>
+        <p:blipFill>
+          <a:blip r:embed="rId2"/>
+          <a:stretch>
+            <a:fillRect/>
+          </a:stretch>
+        </p:blipFill>
+        <p:spPr>
+          <a:xfrm>
+            <a:off x="6660134" y="672738"/>
+            <a:ext cx="4092086" cy="5263134"/>
+          </a:xfrm>
+          <a:prstGeom prst="rect">
+            <a:avLst/>
+          </a:prstGeom>
+        </p:spPr>
+      </p:pic>
+    </p:spTree>
+    <p:extLst>
+      <p:ext uri="{BB962C8B-B14F-4D97-AF65-F5344CB8AC3E}">
+        <p14:creationId xmlns:p14="http://schemas.microsoft.com/office/powerpoint/2010/main" val="1866641940"/>
+      </p:ext>
+    </p:extLst>
+  </p:cSld>
+  <p:clrMapOvr>
+    <a:masterClrMapping/>
+  </p:clrMapOvr>
+</p:sld>
+</file>
+
+<file path=ppt/slides/slide24.xml><?xml version="1.0" encoding="utf-8"?>
+<p:sld xmlns:a="http://schemas.openxmlformats.org/drawingml/2006/main" xmlns:r="http://schemas.openxmlformats.org/officeDocument/2006/relationships" xmlns:p="http://schemas.openxmlformats.org/presentationml/2006/main">
+  <p:cSld>
+    <p:spTree>
+      <p:nvGrpSpPr>
+        <p:cNvPr id="1" name=""/>
+        <p:cNvGrpSpPr/>
+        <p:nvPr/>
+      </p:nvGrpSpPr>
+      <p:grpSpPr>
+        <a:xfrm>
+          <a:off x="0" y="0"/>
+          <a:ext cx="0" cy="0"/>
+          <a:chOff x="0" y="0"/>
+          <a:chExt cx="0" cy="0"/>
+        </a:xfrm>
+      </p:grpSpPr>
+      <p:sp>
+        <p:nvSpPr>
+          <p:cNvPr id="2" name="Title 1">
+            <a:extLst>
+              <a:ext uri="{FF2B5EF4-FFF2-40B4-BE49-F238E27FC236}">
+                <a16:creationId xmlns:a16="http://schemas.microsoft.com/office/drawing/2014/main" id="{F605D3CD-8023-F560-9DBE-7B488B07F55B}"/>
+              </a:ext>
+            </a:extLst>
+          </p:cNvPr>
+          <p:cNvSpPr>
+            <a:spLocks noGrp="1"/>
+          </p:cNvSpPr>
+          <p:nvPr>
+            <p:ph type="title"/>
+          </p:nvPr>
+        </p:nvSpPr>
+        <p:spPr/>
+        <p:txBody>
+          <a:bodyPr/>
+          <a:lstStyle/>
+          <a:p>
+            <a:r>
+              <a:rPr lang="en-US" dirty="0"/>
+              <a:t>Roc curve</a:t>
+            </a:r>
+          </a:p>
+        </p:txBody>
+      </p:sp>
+      <p:pic>
+        <p:nvPicPr>
+          <p:cNvPr id="4" name="Content Placeholder 3">
+            <a:extLst>
+              <a:ext uri="{FF2B5EF4-FFF2-40B4-BE49-F238E27FC236}">
+                <a16:creationId xmlns:a16="http://schemas.microsoft.com/office/drawing/2014/main" id="{AE74AF01-29E4-A9D2-1A8B-5FA5817243BB}"/>
+              </a:ext>
+            </a:extLst>
+          </p:cNvPr>
+          <p:cNvPicPr>
+            <a:picLocks noGrp="1" noChangeAspect="1"/>
+          </p:cNvPicPr>
+          <p:nvPr>
+            <p:ph idx="1"/>
+          </p:nvPr>
+        </p:nvPicPr>
+        <p:blipFill>
+          <a:blip r:embed="rId2"/>
+          <a:stretch>
+            <a:fillRect/>
+          </a:stretch>
+        </p:blipFill>
+        <p:spPr>
+          <a:xfrm>
+            <a:off x="2479098" y="2638425"/>
+            <a:ext cx="7233805" cy="3101975"/>
+          </a:xfrm>
+          <a:prstGeom prst="rect">
+            <a:avLst/>
+          </a:prstGeom>
+        </p:spPr>
+      </p:pic>
+    </p:spTree>
+    <p:extLst>
+      <p:ext uri="{BB962C8B-B14F-4D97-AF65-F5344CB8AC3E}">
+        <p14:creationId xmlns:p14="http://schemas.microsoft.com/office/powerpoint/2010/main" val="787895217"/>
+      </p:ext>
+    </p:extLst>
+  </p:cSld>
+  <p:clrMapOvr>
+    <a:masterClrMapping/>
+  </p:clrMapOvr>
+</p:sld>
+</file>
+
+<file path=ppt/slides/slide25.xml><?xml version="1.0" encoding="utf-8"?>
+<p:sld xmlns:a="http://schemas.openxmlformats.org/drawingml/2006/main" xmlns:r="http://schemas.openxmlformats.org/officeDocument/2006/relationships" xmlns:p="http://schemas.openxmlformats.org/presentationml/2006/main">
+  <p:cSld>
+    <p:bg>
+      <p:bgPr>
+        <a:solidFill>
+          <a:schemeClr val="accent2"/>
+        </a:solidFill>
+        <a:effectLst/>
+      </p:bgPr>
+    </p:bg>
+    <p:spTree>
+      <p:nvGrpSpPr>
+        <p:cNvPr id="1" name=""/>
+        <p:cNvGrpSpPr/>
+        <p:nvPr/>
+      </p:nvGrpSpPr>
+      <p:grpSpPr>
+        <a:xfrm>
+          <a:off x="0" y="0"/>
+          <a:ext cx="0" cy="0"/>
+          <a:chOff x="0" y="0"/>
+          <a:chExt cx="0" cy="0"/>
+        </a:xfrm>
+      </p:grpSpPr>
+      <p:sp>
+        <p:nvSpPr>
+          <p:cNvPr id="18" name="Rectangle 17">
+            <a:extLst>
+              <a:ext uri="{FF2B5EF4-FFF2-40B4-BE49-F238E27FC236}">
+                <a16:creationId xmlns:a16="http://schemas.microsoft.com/office/drawing/2014/main" id="{C3A694C2-50DA-401D-9E8A-3621EBF0C75C}"/>
+              </a:ext>
+              <a:ext uri="{C183D7F6-B498-43B3-948B-1728B52AA6E4}">
+                <adec:decorative xmlns:adec="http://schemas.microsoft.com/office/drawing/2017/decorative" val="1"/>
+              </a:ext>
+            </a:extLst>
+          </p:cNvPr>
+          <p:cNvSpPr>
+            <a:spLocks noGrp="1" noRot="1" noChangeAspect="1" noMove="1" noResize="1" noEditPoints="1" noAdjustHandles="1" noChangeArrowheads="1" noChangeShapeType="1" noTextEdit="1"/>
+          </p:cNvSpPr>
+          <p:nvPr>
+            <p:extLst>
+              <p:ext uri="{386F3935-93C4-4BCD-93E2-E3B085C9AB24}">
+                <p16:designElem xmlns:p16="http://schemas.microsoft.com/office/powerpoint/2015/main" val="1"/>
+              </p:ext>
+            </p:extLst>
+          </p:nvPr>
+        </p:nvSpPr>
+        <p:spPr>
+          <a:xfrm>
+            <a:off x="0" y="-2"/>
+            <a:ext cx="12192000" cy="4918511"/>
+          </a:xfrm>
+          <a:prstGeom prst="rect">
+            <a:avLst/>
+          </a:prstGeom>
+          <a:solidFill>
+            <a:srgbClr val="FFFFFF"/>
+          </a:solidFill>
+          <a:ln>
+            <a:noFill/>
+          </a:ln>
+        </p:spPr>
+        <p:style>
+          <a:lnRef idx="2">
+            <a:schemeClr val="accent1">
+              <a:shade val="50000"/>
+            </a:schemeClr>
+          </a:lnRef>
+          <a:fillRef idx="1">
+            <a:schemeClr val="accent1"/>
+          </a:fillRef>
+          <a:effectRef idx="0">
+            <a:schemeClr val="accent1"/>
+          </a:effectRef>
+          <a:fontRef idx="minor">
+            <a:schemeClr val="lt1"/>
+          </a:fontRef>
+        </p:style>
+        <p:txBody>
+          <a:bodyPr rtlCol="0" anchor="ctr"/>
+          <a:lstStyle/>
+          <a:p>
+            <a:pPr algn="ctr"/>
+            <a:endParaRPr lang="en-US"/>
+          </a:p>
+        </p:txBody>
+      </p:sp>
+      <p:sp>
+        <p:nvSpPr>
+          <p:cNvPr id="2" name="Title 1">
+            <a:extLst>
+              <a:ext uri="{FF2B5EF4-FFF2-40B4-BE49-F238E27FC236}">
+                <a16:creationId xmlns:a16="http://schemas.microsoft.com/office/drawing/2014/main" id="{20C7406C-EBC6-6D9D-6D65-A9A05A5F7E29}"/>
+              </a:ext>
+            </a:extLst>
+          </p:cNvPr>
+          <p:cNvSpPr>
+            <a:spLocks noGrp="1"/>
+          </p:cNvSpPr>
+          <p:nvPr>
+            <p:ph type="title"/>
+          </p:nvPr>
+        </p:nvSpPr>
+        <p:spPr>
+          <a:xfrm>
+            <a:off x="1600200" y="4269282"/>
+            <a:ext cx="8991600" cy="1264762"/>
+          </a:xfrm>
+        </p:spPr>
+        <p:txBody>
+          <a:bodyPr vert="horz" lIns="274320" tIns="182880" rIns="274320" bIns="182880" rtlCol="0" anchor="ctr" anchorCtr="1">
+            <a:normAutofit/>
+          </a:bodyPr>
+          <a:lstStyle/>
+          <a:p>
+            <a:r>
+              <a:rPr lang="en-US" sz="3200" dirty="0">
+                <a:solidFill>
+                  <a:srgbClr val="262626"/>
+                </a:solidFill>
+              </a:rPr>
+              <a:t>Days since last contact and deposit</a:t>
+            </a:r>
+          </a:p>
+        </p:txBody>
+      </p:sp>
+      <p:pic>
+        <p:nvPicPr>
+          <p:cNvPr id="4" name="Content Placeholder 3">
+            <a:extLst>
+              <a:ext uri="{FF2B5EF4-FFF2-40B4-BE49-F238E27FC236}">
+                <a16:creationId xmlns:a16="http://schemas.microsoft.com/office/drawing/2014/main" id="{8A966576-EE7C-50C2-1703-C342B5531A39}"/>
+              </a:ext>
+            </a:extLst>
+          </p:cNvPr>
+          <p:cNvPicPr>
+            <a:picLocks noGrp="1" noChangeAspect="1"/>
+          </p:cNvPicPr>
+          <p:nvPr>
+            <p:ph idx="1"/>
+          </p:nvPr>
+        </p:nvPicPr>
+        <p:blipFill>
+          <a:blip r:embed="rId2"/>
+          <a:stretch>
+            <a:fillRect/>
+          </a:stretch>
+        </p:blipFill>
+        <p:spPr>
+          <a:xfrm>
+            <a:off x="2583970" y="640078"/>
+            <a:ext cx="7024059" cy="3301307"/>
+          </a:xfrm>
+          <a:prstGeom prst="rect">
+            <a:avLst/>
+          </a:prstGeom>
+        </p:spPr>
+      </p:pic>
+    </p:spTree>
+    <p:extLst>
+      <p:ext uri="{BB962C8B-B14F-4D97-AF65-F5344CB8AC3E}">
+        <p14:creationId xmlns:p14="http://schemas.microsoft.com/office/powerpoint/2010/main" val="3429850141"/>
+      </p:ext>
+    </p:extLst>
+  </p:cSld>
+  <p:clrMapOvr>
+    <a:masterClrMapping/>
+  </p:clrMapOvr>
+</p:sld>
+</file>
+
+<file path=ppt/slides/slide26.xml><?xml version="1.0" encoding="utf-8"?>
+<p:sld xmlns:a="http://schemas.openxmlformats.org/drawingml/2006/main" xmlns:r="http://schemas.openxmlformats.org/officeDocument/2006/relationships" xmlns:p="http://schemas.openxmlformats.org/presentationml/2006/main">
+  <p:cSld>
+    <p:bg>
+      <p:bgPr>
+        <a:solidFill>
+          <a:schemeClr val="accent2"/>
+        </a:solidFill>
+        <a:effectLst/>
+      </p:bgPr>
+    </p:bg>
+    <p:spTree>
+      <p:nvGrpSpPr>
+        <p:cNvPr id="1" name=""/>
+        <p:cNvGrpSpPr/>
+        <p:nvPr/>
+      </p:nvGrpSpPr>
+      <p:grpSpPr>
+        <a:xfrm>
+          <a:off x="0" y="0"/>
+          <a:ext cx="0" cy="0"/>
+          <a:chOff x="0" y="0"/>
+          <a:chExt cx="0" cy="0"/>
+        </a:xfrm>
+      </p:grpSpPr>
+      <p:sp>
+        <p:nvSpPr>
+          <p:cNvPr id="25" name="Rectangle 24">
+            <a:extLst>
+              <a:ext uri="{FF2B5EF4-FFF2-40B4-BE49-F238E27FC236}">
+                <a16:creationId xmlns:a16="http://schemas.microsoft.com/office/drawing/2014/main" id="{C3A694C2-50DA-401D-9E8A-3621EBF0C75C}"/>
+              </a:ext>
+              <a:ext uri="{C183D7F6-B498-43B3-948B-1728B52AA6E4}">
+                <adec:decorative xmlns:adec="http://schemas.microsoft.com/office/drawing/2017/decorative" val="1"/>
+              </a:ext>
+            </a:extLst>
+          </p:cNvPr>
+          <p:cNvSpPr>
+            <a:spLocks noGrp="1" noRot="1" noChangeAspect="1" noMove="1" noResize="1" noEditPoints="1" noAdjustHandles="1" noChangeArrowheads="1" noChangeShapeType="1" noTextEdit="1"/>
+          </p:cNvSpPr>
+          <p:nvPr>
+            <p:extLst>
+              <p:ext uri="{386F3935-93C4-4BCD-93E2-E3B085C9AB24}">
+                <p16:designElem xmlns:p16="http://schemas.microsoft.com/office/powerpoint/2015/main" val="1"/>
+              </p:ext>
+            </p:extLst>
+          </p:nvPr>
+        </p:nvSpPr>
+        <p:spPr>
+          <a:xfrm>
+            <a:off x="0" y="-2"/>
+            <a:ext cx="12192000" cy="4918511"/>
+          </a:xfrm>
+          <a:prstGeom prst="rect">
+            <a:avLst/>
+          </a:prstGeom>
+          <a:solidFill>
+            <a:srgbClr val="FFFFFF"/>
+          </a:solidFill>
+          <a:ln>
+            <a:noFill/>
+          </a:ln>
+        </p:spPr>
+        <p:style>
+          <a:lnRef idx="2">
+            <a:schemeClr val="accent1">
+              <a:shade val="50000"/>
+            </a:schemeClr>
+          </a:lnRef>
+          <a:fillRef idx="1">
+            <a:schemeClr val="accent1"/>
+          </a:fillRef>
+          <a:effectRef idx="0">
+            <a:schemeClr val="accent1"/>
+          </a:effectRef>
+          <a:fontRef idx="minor">
+            <a:schemeClr val="lt1"/>
+          </a:fontRef>
+        </p:style>
+        <p:txBody>
+          <a:bodyPr rtlCol="0" anchor="ctr"/>
+          <a:lstStyle/>
+          <a:p>
+            <a:pPr algn="ctr"/>
+            <a:endParaRPr lang="en-US"/>
+          </a:p>
+        </p:txBody>
+      </p:sp>
+      <p:sp>
+        <p:nvSpPr>
+          <p:cNvPr id="2" name="Title 1">
+            <a:extLst>
+              <a:ext uri="{FF2B5EF4-FFF2-40B4-BE49-F238E27FC236}">
+                <a16:creationId xmlns:a16="http://schemas.microsoft.com/office/drawing/2014/main" id="{824A567C-7B3A-66E4-CFEB-9CCF8186CA90}"/>
+              </a:ext>
+            </a:extLst>
+          </p:cNvPr>
+          <p:cNvSpPr>
+            <a:spLocks noGrp="1"/>
+          </p:cNvSpPr>
+          <p:nvPr>
+            <p:ph type="title"/>
+          </p:nvPr>
+        </p:nvSpPr>
+        <p:spPr>
+          <a:xfrm>
+            <a:off x="1600200" y="4269282"/>
+            <a:ext cx="8991600" cy="1264762"/>
+          </a:xfrm>
+        </p:spPr>
+        <p:txBody>
+          <a:bodyPr vert="horz" lIns="274320" tIns="182880" rIns="274320" bIns="182880" rtlCol="0" anchor="ctr" anchorCtr="1">
+            <a:normAutofit/>
+          </a:bodyPr>
+          <a:lstStyle/>
+          <a:p>
+            <a:r>
+              <a:rPr lang="en-US" sz="3200" dirty="0">
+                <a:solidFill>
+                  <a:srgbClr val="262626"/>
+                </a:solidFill>
+              </a:rPr>
+              <a:t>Number of contacts vs deposits</a:t>
+            </a:r>
+          </a:p>
+        </p:txBody>
+      </p:sp>
+      <p:pic>
+        <p:nvPicPr>
+          <p:cNvPr id="3" name="Content Placeholder 2">
+            <a:extLst>
+              <a:ext uri="{FF2B5EF4-FFF2-40B4-BE49-F238E27FC236}">
+                <a16:creationId xmlns:a16="http://schemas.microsoft.com/office/drawing/2014/main" id="{3899FC30-D07C-4684-6E68-54F251A3F471}"/>
+              </a:ext>
+            </a:extLst>
+          </p:cNvPr>
+          <p:cNvPicPr>
+            <a:picLocks noGrp="1" noChangeAspect="1"/>
+          </p:cNvPicPr>
+          <p:nvPr>
+            <p:ph idx="1"/>
+          </p:nvPr>
+        </p:nvPicPr>
+        <p:blipFill>
+          <a:blip r:embed="rId2"/>
+          <a:stretch>
+            <a:fillRect/>
+          </a:stretch>
+        </p:blipFill>
+        <p:spPr>
+          <a:xfrm>
+            <a:off x="2921667" y="640078"/>
+            <a:ext cx="6348666" cy="3301307"/>
+          </a:xfrm>
+          <a:prstGeom prst="rect">
+            <a:avLst/>
+          </a:prstGeom>
+        </p:spPr>
+      </p:pic>
+    </p:spTree>
+    <p:extLst>
+      <p:ext uri="{BB962C8B-B14F-4D97-AF65-F5344CB8AC3E}">
+        <p14:creationId xmlns:p14="http://schemas.microsoft.com/office/powerpoint/2010/main" val="2788838927"/>
+      </p:ext>
+    </p:extLst>
+  </p:cSld>
+  <p:clrMapOvr>
+    <a:masterClrMapping/>
+  </p:clrMapOvr>
+</p:sld>
+</file>
+
+<file path=ppt/slides/slide27.xml><?xml version="1.0" encoding="utf-8"?>
+<p:sld xmlns:a="http://schemas.openxmlformats.org/drawingml/2006/main" xmlns:r="http://schemas.openxmlformats.org/officeDocument/2006/relationships" xmlns:p="http://schemas.openxmlformats.org/presentationml/2006/main">
+  <p:cSld>
+    <p:bg>
+      <p:bgPr>
+        <a:solidFill>
+          <a:schemeClr val="accent2"/>
+        </a:solidFill>
+        <a:effectLst/>
+      </p:bgPr>
+    </p:bg>
+    <p:spTree>
+      <p:nvGrpSpPr>
+        <p:cNvPr id="1" name=""/>
+        <p:cNvGrpSpPr/>
+        <p:nvPr/>
+      </p:nvGrpSpPr>
+      <p:grpSpPr>
+        <a:xfrm>
+          <a:off x="0" y="0"/>
+          <a:ext cx="0" cy="0"/>
+          <a:chOff x="0" y="0"/>
+          <a:chExt cx="0" cy="0"/>
+        </a:xfrm>
+      </p:grpSpPr>
+      <p:sp>
+        <p:nvSpPr>
+          <p:cNvPr id="18" name="Rectangle 17">
+            <a:extLst>
+              <a:ext uri="{FF2B5EF4-FFF2-40B4-BE49-F238E27FC236}">
+                <a16:creationId xmlns:a16="http://schemas.microsoft.com/office/drawing/2014/main" id="{C3A694C2-50DA-401D-9E8A-3621EBF0C75C}"/>
+              </a:ext>
+              <a:ext uri="{C183D7F6-B498-43B3-948B-1728B52AA6E4}">
+                <adec:decorative xmlns:adec="http://schemas.microsoft.com/office/drawing/2017/decorative" val="1"/>
+              </a:ext>
+            </a:extLst>
+          </p:cNvPr>
+          <p:cNvSpPr>
+            <a:spLocks noGrp="1" noRot="1" noChangeAspect="1" noMove="1" noResize="1" noEditPoints="1" noAdjustHandles="1" noChangeArrowheads="1" noChangeShapeType="1" noTextEdit="1"/>
+          </p:cNvSpPr>
+          <p:nvPr>
+            <p:extLst>
+              <p:ext uri="{386F3935-93C4-4BCD-93E2-E3B085C9AB24}">
+                <p16:designElem xmlns:p16="http://schemas.microsoft.com/office/powerpoint/2015/main" val="1"/>
+              </p:ext>
+            </p:extLst>
+          </p:nvPr>
+        </p:nvSpPr>
+        <p:spPr>
+          <a:xfrm>
+            <a:off x="0" y="-2"/>
+            <a:ext cx="12192000" cy="4918511"/>
+          </a:xfrm>
+          <a:prstGeom prst="rect">
+            <a:avLst/>
+          </a:prstGeom>
+          <a:solidFill>
+            <a:srgbClr val="FFFFFF"/>
+          </a:solidFill>
+          <a:ln>
+            <a:noFill/>
+          </a:ln>
+        </p:spPr>
+        <p:style>
+          <a:lnRef idx="2">
+            <a:schemeClr val="accent1">
+              <a:shade val="50000"/>
+            </a:schemeClr>
+          </a:lnRef>
+          <a:fillRef idx="1">
+            <a:schemeClr val="accent1"/>
+          </a:fillRef>
+          <a:effectRef idx="0">
+            <a:schemeClr val="accent1"/>
+          </a:effectRef>
+          <a:fontRef idx="minor">
+            <a:schemeClr val="lt1"/>
+          </a:fontRef>
+        </p:style>
+        <p:txBody>
+          <a:bodyPr rtlCol="0" anchor="ctr"/>
+          <a:lstStyle/>
+          <a:p>
+            <a:pPr algn="ctr"/>
+            <a:endParaRPr lang="en-US"/>
+          </a:p>
+        </p:txBody>
+      </p:sp>
+      <p:sp>
+        <p:nvSpPr>
+          <p:cNvPr id="2" name="Title 1">
+            <a:extLst>
+              <a:ext uri="{FF2B5EF4-FFF2-40B4-BE49-F238E27FC236}">
+                <a16:creationId xmlns:a16="http://schemas.microsoft.com/office/drawing/2014/main" id="{E1809979-7069-1CAC-61FD-71B29F26F407}"/>
+              </a:ext>
+            </a:extLst>
+          </p:cNvPr>
+          <p:cNvSpPr>
+            <a:spLocks noGrp="1"/>
+          </p:cNvSpPr>
+          <p:nvPr>
+            <p:ph type="title"/>
+          </p:nvPr>
+        </p:nvSpPr>
+        <p:spPr>
+          <a:xfrm>
+            <a:off x="1600200" y="4269282"/>
+            <a:ext cx="8991600" cy="1264762"/>
+          </a:xfrm>
+        </p:spPr>
+        <p:txBody>
+          <a:bodyPr vert="horz" lIns="274320" tIns="182880" rIns="274320" bIns="182880" rtlCol="0" anchor="ctr" anchorCtr="1">
+            <a:normAutofit/>
+          </a:bodyPr>
+          <a:lstStyle/>
+          <a:p>
+            <a:r>
+              <a:rPr lang="en-US" sz="3200">
+                <a:solidFill>
+                  <a:srgbClr val="262626"/>
+                </a:solidFill>
+              </a:rPr>
+              <a:t>Number of employees vs deposits</a:t>
+            </a:r>
+          </a:p>
+        </p:txBody>
+      </p:sp>
+      <p:pic>
+        <p:nvPicPr>
+          <p:cNvPr id="4" name="Content Placeholder 3">
+            <a:extLst>
+              <a:ext uri="{FF2B5EF4-FFF2-40B4-BE49-F238E27FC236}">
+                <a16:creationId xmlns:a16="http://schemas.microsoft.com/office/drawing/2014/main" id="{4EDCDF1C-2E7E-C5BF-7824-755BAA009B87}"/>
+              </a:ext>
+            </a:extLst>
+          </p:cNvPr>
+          <p:cNvPicPr>
+            <a:picLocks noGrp="1" noChangeAspect="1"/>
+          </p:cNvPicPr>
+          <p:nvPr>
+            <p:ph idx="1"/>
+          </p:nvPr>
+        </p:nvPicPr>
+        <p:blipFill>
+          <a:blip r:embed="rId2"/>
+          <a:stretch>
+            <a:fillRect/>
+          </a:stretch>
+        </p:blipFill>
+        <p:spPr>
+          <a:xfrm>
+            <a:off x="2527019" y="640078"/>
+            <a:ext cx="7137962" cy="3301307"/>
+          </a:xfrm>
+          <a:prstGeom prst="rect">
+            <a:avLst/>
+          </a:prstGeom>
+        </p:spPr>
+      </p:pic>
+    </p:spTree>
+    <p:extLst>
+      <p:ext uri="{BB962C8B-B14F-4D97-AF65-F5344CB8AC3E}">
+        <p14:creationId xmlns:p14="http://schemas.microsoft.com/office/powerpoint/2010/main" val="485437797"/>
+      </p:ext>
+    </p:extLst>
+  </p:cSld>
+  <p:clrMapOvr>
+    <a:masterClrMapping/>
+  </p:clrMapOvr>
+</p:sld>
+</file>
+
+<file path=ppt/slides/slide28.xml><?xml version="1.0" encoding="utf-8"?>
+<p:sld xmlns:a="http://schemas.openxmlformats.org/drawingml/2006/main" xmlns:r="http://schemas.openxmlformats.org/officeDocument/2006/relationships" xmlns:p="http://schemas.openxmlformats.org/presentationml/2006/main">
+  <p:cSld>
+    <p:bg>
+      <p:bgPr>
+        <a:solidFill>
+          <a:schemeClr val="accent2"/>
+        </a:solidFill>
+        <a:effectLst/>
+      </p:bgPr>
+    </p:bg>
+    <p:spTree>
+      <p:nvGrpSpPr>
+        <p:cNvPr id="1" name=""/>
+        <p:cNvGrpSpPr/>
+        <p:nvPr/>
+      </p:nvGrpSpPr>
+      <p:grpSpPr>
+        <a:xfrm>
+          <a:off x="0" y="0"/>
+          <a:ext cx="0" cy="0"/>
+          <a:chOff x="0" y="0"/>
+          <a:chExt cx="0" cy="0"/>
+        </a:xfrm>
+      </p:grpSpPr>
+      <p:sp>
+        <p:nvSpPr>
+          <p:cNvPr id="13" name="Rectangle 8">
+            <a:extLst>
+              <a:ext uri="{FF2B5EF4-FFF2-40B4-BE49-F238E27FC236}">
+                <a16:creationId xmlns:a16="http://schemas.microsoft.com/office/drawing/2014/main" id="{C3A694C2-50DA-401D-9E8A-3621EBF0C75C}"/>
+              </a:ext>
+              <a:ext uri="{C183D7F6-B498-43B3-948B-1728B52AA6E4}">
+                <adec:decorative xmlns:adec="http://schemas.microsoft.com/office/drawing/2017/decorative" val="1"/>
+              </a:ext>
+            </a:extLst>
+          </p:cNvPr>
+          <p:cNvSpPr>
+            <a:spLocks noGrp="1" noRot="1" noChangeAspect="1" noMove="1" noResize="1" noEditPoints="1" noAdjustHandles="1" noChangeArrowheads="1" noChangeShapeType="1" noTextEdit="1"/>
+          </p:cNvSpPr>
+          <p:nvPr>
+            <p:extLst>
+              <p:ext uri="{386F3935-93C4-4BCD-93E2-E3B085C9AB24}">
+                <p16:designElem xmlns:p16="http://schemas.microsoft.com/office/powerpoint/2015/main" val="1"/>
+              </p:ext>
+            </p:extLst>
+          </p:nvPr>
+        </p:nvSpPr>
+        <p:spPr>
+          <a:xfrm>
+            <a:off x="0" y="-2"/>
+            <a:ext cx="12192000" cy="4918511"/>
+          </a:xfrm>
+          <a:prstGeom prst="rect">
+            <a:avLst/>
+          </a:prstGeom>
+          <a:solidFill>
+            <a:srgbClr val="FFFFFF"/>
+          </a:solidFill>
+          <a:ln>
+            <a:noFill/>
+          </a:ln>
+        </p:spPr>
+        <p:style>
+          <a:lnRef idx="2">
+            <a:schemeClr val="accent1">
+              <a:shade val="50000"/>
+            </a:schemeClr>
+          </a:lnRef>
+          <a:fillRef idx="1">
+            <a:schemeClr val="accent1"/>
+          </a:fillRef>
+          <a:effectRef idx="0">
+            <a:schemeClr val="accent1"/>
+          </a:effectRef>
+          <a:fontRef idx="minor">
+            <a:schemeClr val="lt1"/>
+          </a:fontRef>
+        </p:style>
+        <p:txBody>
+          <a:bodyPr rtlCol="0" anchor="ctr"/>
+          <a:lstStyle/>
+          <a:p>
+            <a:pPr algn="ctr"/>
+            <a:endParaRPr lang="en-US"/>
+          </a:p>
+        </p:txBody>
+      </p:sp>
+      <p:sp>
+        <p:nvSpPr>
+          <p:cNvPr id="2" name="Title 1">
+            <a:extLst>
+              <a:ext uri="{FF2B5EF4-FFF2-40B4-BE49-F238E27FC236}">
+                <a16:creationId xmlns:a16="http://schemas.microsoft.com/office/drawing/2014/main" id="{3ACEE734-6AF8-48D0-8AB1-36FBE5D4FA67}"/>
+              </a:ext>
+            </a:extLst>
+          </p:cNvPr>
+          <p:cNvSpPr>
+            <a:spLocks noGrp="1"/>
+          </p:cNvSpPr>
+          <p:nvPr>
+            <p:ph type="title"/>
+          </p:nvPr>
+        </p:nvSpPr>
+        <p:spPr>
+          <a:xfrm>
+            <a:off x="1600200" y="4269282"/>
+            <a:ext cx="8991600" cy="1264762"/>
+          </a:xfrm>
+        </p:spPr>
+        <p:txBody>
+          <a:bodyPr vert="horz" lIns="274320" tIns="182880" rIns="274320" bIns="182880" rtlCol="0" anchor="ctr" anchorCtr="1">
+            <a:normAutofit/>
+          </a:bodyPr>
+          <a:lstStyle/>
+          <a:p>
+            <a:r>
+              <a:rPr lang="en-US" sz="3200" dirty="0">
+                <a:solidFill>
+                  <a:srgbClr val="262626"/>
+                </a:solidFill>
+              </a:rPr>
+              <a:t>Housing vs deposit</a:t>
+            </a:r>
+          </a:p>
+        </p:txBody>
+      </p:sp>
+      <p:pic>
+        <p:nvPicPr>
+          <p:cNvPr id="4" name="Content Placeholder 3" descr="Shape, rectangle&#10;&#10;Description automatically generated">
+            <a:extLst>
+              <a:ext uri="{FF2B5EF4-FFF2-40B4-BE49-F238E27FC236}">
+                <a16:creationId xmlns:a16="http://schemas.microsoft.com/office/drawing/2014/main" id="{7D2793C6-1F18-7329-C8EF-08D5B12C0B70}"/>
+              </a:ext>
+            </a:extLst>
+          </p:cNvPr>
+          <p:cNvPicPr>
+            <a:picLocks noGrp="1" noChangeAspect="1"/>
+          </p:cNvPicPr>
+          <p:nvPr>
+            <p:ph idx="1"/>
+          </p:nvPr>
+        </p:nvPicPr>
+        <p:blipFill>
+          <a:blip r:embed="rId2"/>
+          <a:stretch>
+            <a:fillRect/>
+          </a:stretch>
+        </p:blipFill>
+        <p:spPr>
+          <a:xfrm>
+            <a:off x="3412010" y="640078"/>
+            <a:ext cx="5367979" cy="3301307"/>
+          </a:xfrm>
+          <a:prstGeom prst="rect">
+            <a:avLst/>
+          </a:prstGeom>
+        </p:spPr>
+      </p:pic>
+    </p:spTree>
+    <p:extLst>
+      <p:ext uri="{BB962C8B-B14F-4D97-AF65-F5344CB8AC3E}">
+        <p14:creationId xmlns:p14="http://schemas.microsoft.com/office/powerpoint/2010/main" val="2386493643"/>
+      </p:ext>
+    </p:extLst>
+  </p:cSld>
+  <p:clrMapOvr>
+    <a:masterClrMapping/>
+  </p:clrMapOvr>
+</p:sld>
+</file>
+
+<file path=ppt/slides/slide29.xml><?xml version="1.0" encoding="utf-8"?>
+<p:sld xmlns:a="http://schemas.openxmlformats.org/drawingml/2006/main" xmlns:r="http://schemas.openxmlformats.org/officeDocument/2006/relationships" xmlns:p="http://schemas.openxmlformats.org/presentationml/2006/main">
+  <p:cSld>
+    <p:spTree>
+      <p:nvGrpSpPr>
+        <p:cNvPr id="1" name=""/>
+        <p:cNvGrpSpPr/>
+        <p:nvPr/>
+      </p:nvGrpSpPr>
+      <p:grpSpPr>
+        <a:xfrm>
+          <a:off x="0" y="0"/>
+          <a:ext cx="0" cy="0"/>
+          <a:chOff x="0" y="0"/>
+          <a:chExt cx="0" cy="0"/>
+        </a:xfrm>
+      </p:grpSpPr>
+      <p:sp>
+        <p:nvSpPr>
+          <p:cNvPr id="2" name="Title 1">
+            <a:extLst>
+              <a:ext uri="{FF2B5EF4-FFF2-40B4-BE49-F238E27FC236}">
+                <a16:creationId xmlns:a16="http://schemas.microsoft.com/office/drawing/2014/main" id="{B14D7E61-E472-9F21-1DA9-153E30F096E4}"/>
+              </a:ext>
+            </a:extLst>
+          </p:cNvPr>
+          <p:cNvSpPr>
+            <a:spLocks noGrp="1"/>
+          </p:cNvSpPr>
+          <p:nvPr>
+            <p:ph type="title"/>
+          </p:nvPr>
+        </p:nvSpPr>
+        <p:spPr/>
+        <p:txBody>
+          <a:bodyPr/>
+          <a:lstStyle/>
+          <a:p>
+            <a:r>
+              <a:rPr lang="en-US" dirty="0"/>
+              <a:t>Cost of no-ml strategy</a:t>
+            </a:r>
+          </a:p>
+        </p:txBody>
+      </p:sp>
+      <p:sp>
+        <p:nvSpPr>
+          <p:cNvPr id="3" name="Content Placeholder 2">
+            <a:extLst>
+              <a:ext uri="{FF2B5EF4-FFF2-40B4-BE49-F238E27FC236}">
+                <a16:creationId xmlns:a16="http://schemas.microsoft.com/office/drawing/2014/main" id="{A4AA96FF-A42F-9FB1-7ECF-CBA43F2C9C9B}"/>
+              </a:ext>
+            </a:extLst>
+          </p:cNvPr>
+          <p:cNvSpPr>
+            <a:spLocks noGrp="1"/>
+          </p:cNvSpPr>
+          <p:nvPr>
+            <p:ph idx="1"/>
+          </p:nvPr>
+        </p:nvSpPr>
+        <p:spPr/>
+        <p:txBody>
+          <a:bodyPr>
+            <a:normAutofit fontScale="92500" lnSpcReduction="20000"/>
+          </a:bodyPr>
+          <a:lstStyle/>
+          <a:p>
+            <a:r>
+              <a:rPr lang="en-US" dirty="0"/>
+              <a:t>Assuming a uniform distribution of yeses and noes, to reach 63% of the possible yeses, the bank would call .63362*41188=26098 customers.</a:t>
+            </a:r>
+          </a:p>
+          <a:p>
+            <a:pPr lvl="1"/>
+            <a:r>
+              <a:rPr lang="en-US" dirty="0"/>
+              <a:t>11.265% (2940) will say yes, with a length of call per yes being 553.1912 seconds, for a total of 452 hours. </a:t>
+            </a:r>
+          </a:p>
+          <a:p>
+            <a:pPr lvl="1"/>
+            <a:r>
+              <a:rPr lang="en-US" dirty="0"/>
+              <a:t>88.735% (23158) will say no, with a length of call per yes being 220.8448 seconds, for a total of 1420 hours</a:t>
+            </a:r>
+          </a:p>
+          <a:p>
+            <a:pPr lvl="1"/>
+            <a:r>
+              <a:rPr lang="en-US" dirty="0"/>
+              <a:t>Lower bound cost of acquiring 63% yeses: $10/</a:t>
+            </a:r>
+            <a:r>
+              <a:rPr lang="en-US" dirty="0" err="1"/>
+              <a:t>hr</a:t>
+            </a:r>
+            <a:r>
+              <a:rPr lang="en-US" dirty="0"/>
+              <a:t>*(1870)</a:t>
+            </a:r>
+            <a:r>
+              <a:rPr lang="en-US" dirty="0" err="1"/>
+              <a:t>hrs</a:t>
+            </a:r>
+            <a:r>
+              <a:rPr lang="en-US" dirty="0"/>
+              <a:t>= $18,700+Cost(long-term customer value and reputation costs loses)+Opportunity cost of spending many employee hours on the campaign</a:t>
+            </a:r>
+          </a:p>
+          <a:p>
+            <a:pPr lvl="1"/>
+            <a:r>
+              <a:rPr lang="en-US" dirty="0"/>
+              <a:t>Upper bound cost of acquiring 63% yeses: $20/</a:t>
+            </a:r>
+            <a:r>
+              <a:rPr lang="en-US" dirty="0" err="1"/>
+              <a:t>hr</a:t>
+            </a:r>
+            <a:r>
+              <a:rPr lang="en-US" dirty="0"/>
+              <a:t>*(5850)</a:t>
+            </a:r>
+            <a:r>
+              <a:rPr lang="en-US" dirty="0" err="1"/>
+              <a:t>hrs</a:t>
+            </a:r>
+            <a:r>
+              <a:rPr lang="en-US" dirty="0"/>
+              <a:t>= $37,400 +Cost(long-term customer value and reputation costs loses) )+Opportunity cost of spending many employee hours on the campaign</a:t>
+            </a:r>
+          </a:p>
+          <a:p>
+            <a:pPr lvl="1"/>
+            <a:endParaRPr lang="en-US" dirty="0"/>
+          </a:p>
+          <a:p>
+            <a:pPr lvl="1"/>
+            <a:endParaRPr lang="en-US" dirty="0"/>
+          </a:p>
+          <a:p>
+            <a:pPr lvl="1"/>
+            <a:endParaRPr lang="en-US" dirty="0"/>
+          </a:p>
+        </p:txBody>
+      </p:sp>
+    </p:spTree>
+    <p:extLst>
+      <p:ext uri="{BB962C8B-B14F-4D97-AF65-F5344CB8AC3E}">
+        <p14:creationId xmlns:p14="http://schemas.microsoft.com/office/powerpoint/2010/main" val="1729307658"/>
+      </p:ext>
+    </p:extLst>
+  </p:cSld>
+  <p:clrMapOvr>
+    <a:masterClrMapping/>
+  </p:clrMapOvr>
+</p:sld>
+</file>
+
+<file path=ppt/slides/slide3.xml><?xml version="1.0" encoding="utf-8"?>
+<p:sld xmlns:a="http://schemas.openxmlformats.org/drawingml/2006/main" xmlns:r="http://schemas.openxmlformats.org/officeDocument/2006/relationships" xmlns:p="http://schemas.openxmlformats.org/presentationml/2006/main">
+  <p:cSld>
+    <p:spTree>
+      <p:nvGrpSpPr>
+        <p:cNvPr id="1" name=""/>
+        <p:cNvGrpSpPr/>
+        <p:nvPr/>
+      </p:nvGrpSpPr>
+      <p:grpSpPr>
+        <a:xfrm>
+          <a:off x="0" y="0"/>
+          <a:ext cx="0" cy="0"/>
+          <a:chOff x="0" y="0"/>
+          <a:chExt cx="0" cy="0"/>
+        </a:xfrm>
+      </p:grpSpPr>
+      <p:sp>
+        <p:nvSpPr>
+          <p:cNvPr id="2" name="Title 1">
+            <a:extLst>
+              <a:ext uri="{FF2B5EF4-FFF2-40B4-BE49-F238E27FC236}">
+                <a16:creationId xmlns:a16="http://schemas.microsoft.com/office/drawing/2014/main" id="{D7484EDA-B6F5-021D-4704-9A4073542F32}"/>
+              </a:ext>
+            </a:extLst>
+          </p:cNvPr>
+          <p:cNvSpPr>
+            <a:spLocks noGrp="1"/>
+          </p:cNvSpPr>
+          <p:nvPr>
+            <p:ph type="title"/>
+          </p:nvPr>
+        </p:nvSpPr>
+        <p:spPr/>
+        <p:txBody>
+          <a:bodyPr/>
+          <a:lstStyle/>
+          <a:p>
+            <a:r>
+              <a:rPr lang="en-US" dirty="0"/>
+              <a:t>Objective</a:t>
+            </a:r>
+          </a:p>
+        </p:txBody>
+      </p:sp>
+      <p:sp>
+        <p:nvSpPr>
+          <p:cNvPr id="3" name="Content Placeholder 2">
+            <a:extLst>
+              <a:ext uri="{FF2B5EF4-FFF2-40B4-BE49-F238E27FC236}">
+                <a16:creationId xmlns:a16="http://schemas.microsoft.com/office/drawing/2014/main" id="{61A6E4AC-C1CB-966A-1CC3-0C65C33F6217}"/>
+              </a:ext>
+            </a:extLst>
+          </p:cNvPr>
+          <p:cNvSpPr>
+            <a:spLocks noGrp="1"/>
+          </p:cNvSpPr>
+          <p:nvPr>
+            <p:ph idx="1"/>
+          </p:nvPr>
+        </p:nvSpPr>
+        <p:spPr/>
+        <p:txBody>
+          <a:bodyPr/>
+          <a:lstStyle/>
+          <a:p>
+            <a:r>
+              <a:rPr lang="en-US" dirty="0"/>
+              <a:t>The main objective is to have people agree to make a long-term deposit with the bank</a:t>
+            </a:r>
+          </a:p>
+          <a:p>
+            <a:r>
+              <a:rPr lang="en-US" dirty="0"/>
+              <a:t>Precision: Positive class is ‘yes’, so false positives would be predicting that the person will say yes when they will say no.  Want to avoid these to minimize inconvenience caused to people and cost of our staff’s time, but can tolerate some false positives if this means getting more business.</a:t>
+            </a:r>
+          </a:p>
+          <a:p>
+            <a:r>
+              <a:rPr lang="en-US" dirty="0"/>
+              <a:t>Recall: False negatives are when we predict a ‘no’ when the person will, in fact, say yes.  The cost of this prediction is not getting a client.  In a sales situation, wish to avoid this and would rather make more calls.  </a:t>
+            </a:r>
+            <a:r>
+              <a:rPr lang="en-US" i="1" dirty="0"/>
+              <a:t>Thus</a:t>
+            </a:r>
+            <a:r>
+              <a:rPr lang="en-US" dirty="0"/>
+              <a:t> </a:t>
+            </a:r>
+            <a:r>
+              <a:rPr lang="en-US" i="1" u="sng" dirty="0"/>
+              <a:t>focus</a:t>
+            </a:r>
+            <a:r>
+              <a:rPr lang="en-US" dirty="0"/>
+              <a:t> </a:t>
+            </a:r>
+            <a:r>
+              <a:rPr lang="en-US" i="1" dirty="0"/>
+              <a:t>on</a:t>
+            </a:r>
+            <a:r>
+              <a:rPr lang="en-US" dirty="0"/>
+              <a:t> </a:t>
+            </a:r>
+            <a:r>
+              <a:rPr lang="en-US" i="1" dirty="0"/>
+              <a:t>recall over precision.</a:t>
+            </a:r>
+            <a:endParaRPr lang="en-US" dirty="0"/>
+          </a:p>
+          <a:p>
+            <a:endParaRPr lang="en-US" dirty="0"/>
+          </a:p>
+        </p:txBody>
+      </p:sp>
+    </p:spTree>
+    <p:extLst>
+      <p:ext uri="{BB962C8B-B14F-4D97-AF65-F5344CB8AC3E}">
+        <p14:creationId xmlns:p14="http://schemas.microsoft.com/office/powerpoint/2010/main" val="1762334115"/>
+      </p:ext>
+    </p:extLst>
+  </p:cSld>
+  <p:clrMapOvr>
+    <a:masterClrMapping/>
+  </p:clrMapOvr>
+</p:sld>
+</file>
+
+<file path=ppt/slides/slide30.xml><?xml version="1.0" encoding="utf-8"?>
+<p:sld xmlns:a="http://schemas.openxmlformats.org/drawingml/2006/main" xmlns:r="http://schemas.openxmlformats.org/officeDocument/2006/relationships" xmlns:p="http://schemas.openxmlformats.org/presentationml/2006/main">
+  <p:cSld>
+    <p:spTree>
+      <p:nvGrpSpPr>
+        <p:cNvPr id="1" name=""/>
+        <p:cNvGrpSpPr/>
+        <p:nvPr/>
+      </p:nvGrpSpPr>
+      <p:grpSpPr>
+        <a:xfrm>
+          <a:off x="0" y="0"/>
+          <a:ext cx="0" cy="0"/>
+          <a:chOff x="0" y="0"/>
+          <a:chExt cx="0" cy="0"/>
+        </a:xfrm>
+      </p:grpSpPr>
+      <p:sp>
+        <p:nvSpPr>
+          <p:cNvPr id="2" name="Title 1">
+            <a:extLst>
+              <a:ext uri="{FF2B5EF4-FFF2-40B4-BE49-F238E27FC236}">
+                <a16:creationId xmlns:a16="http://schemas.microsoft.com/office/drawing/2014/main" id="{1A674F87-5BD0-33F3-6898-D29B8C92871B}"/>
+              </a:ext>
+            </a:extLst>
+          </p:cNvPr>
+          <p:cNvSpPr>
+            <a:spLocks noGrp="1"/>
+          </p:cNvSpPr>
+          <p:nvPr>
+            <p:ph type="title"/>
+          </p:nvPr>
+        </p:nvSpPr>
+        <p:spPr/>
+        <p:txBody>
+          <a:bodyPr/>
+          <a:lstStyle/>
+          <a:p>
+            <a:r>
+              <a:rPr lang="en-US" dirty="0"/>
+              <a:t>Cost of ml strategy</a:t>
+            </a:r>
+          </a:p>
+        </p:txBody>
+      </p:sp>
+      <p:sp>
+        <p:nvSpPr>
+          <p:cNvPr id="3" name="Content Placeholder 2">
+            <a:extLst>
+              <a:ext uri="{FF2B5EF4-FFF2-40B4-BE49-F238E27FC236}">
+                <a16:creationId xmlns:a16="http://schemas.microsoft.com/office/drawing/2014/main" id="{E6E33C5E-AB5F-DE4B-1270-B39C2690F045}"/>
+              </a:ext>
+            </a:extLst>
+          </p:cNvPr>
+          <p:cNvSpPr>
+            <a:spLocks noGrp="1"/>
+          </p:cNvSpPr>
+          <p:nvPr>
+            <p:ph idx="1"/>
+          </p:nvPr>
+        </p:nvSpPr>
+        <p:spPr/>
+        <p:txBody>
+          <a:bodyPr>
+            <a:normAutofit fontScale="92500" lnSpcReduction="10000"/>
+          </a:bodyPr>
+          <a:lstStyle/>
+          <a:p>
+            <a:r>
+              <a:rPr lang="en-US" dirty="0"/>
+              <a:t>Identified a group of 7510 customers, about 2940 of whom will say yes</a:t>
+            </a:r>
+          </a:p>
+          <a:p>
+            <a:pPr lvl="1"/>
+            <a:r>
+              <a:rPr lang="en-US" dirty="0"/>
+              <a:t>Cost of 452 hours for the yeses and 280 hours for the noes</a:t>
+            </a:r>
+          </a:p>
+          <a:p>
+            <a:pPr lvl="1"/>
+            <a:r>
+              <a:rPr lang="en-US" dirty="0"/>
+              <a:t>Lower bound cost of acquiring 62% yeses: $10/</a:t>
+            </a:r>
+            <a:r>
+              <a:rPr lang="en-US" dirty="0" err="1"/>
+              <a:t>hr</a:t>
+            </a:r>
+            <a:r>
+              <a:rPr lang="en-US" dirty="0"/>
+              <a:t>*(732)</a:t>
+            </a:r>
+            <a:r>
+              <a:rPr lang="en-US" dirty="0" err="1"/>
+              <a:t>hrs</a:t>
+            </a:r>
+            <a:r>
+              <a:rPr lang="en-US" dirty="0"/>
+              <a:t>= $7320+Cost(long-term customer value and reputation costs loses) </a:t>
+            </a:r>
+          </a:p>
+          <a:p>
+            <a:pPr lvl="2"/>
+            <a:r>
+              <a:rPr lang="en-US" dirty="0"/>
+              <a:t>Smaller than $18,700 and the reputation cost to the company, long-term customer value losses, reputation costs, and opportunity costs are much smaller</a:t>
+            </a:r>
+          </a:p>
+          <a:p>
+            <a:pPr lvl="1"/>
+            <a:r>
+              <a:rPr lang="en-US" dirty="0"/>
+              <a:t>Upper bound cost of acquiring 62% yeses: $20/</a:t>
+            </a:r>
+            <a:r>
+              <a:rPr lang="en-US" dirty="0" err="1"/>
+              <a:t>hr</a:t>
+            </a:r>
+            <a:r>
+              <a:rPr lang="en-US" dirty="0"/>
+              <a:t>*(5850)</a:t>
+            </a:r>
+            <a:r>
+              <a:rPr lang="en-US" dirty="0" err="1"/>
+              <a:t>hrs</a:t>
+            </a:r>
+            <a:r>
+              <a:rPr lang="en-US" dirty="0"/>
+              <a:t>= $14640 +Cost(long-term customer value and reputation costs loses)+Opportunity cost of spending many employee hours on the campaign</a:t>
+            </a:r>
+          </a:p>
+          <a:p>
+            <a:pPr lvl="2"/>
+            <a:r>
+              <a:rPr lang="en-US" dirty="0"/>
+              <a:t>Smaller than $37,400 and the reputation cost to the company, long-term customer value losses, reputation costs, and opportunity costs are much smaller</a:t>
+            </a:r>
+          </a:p>
+          <a:p>
+            <a:endParaRPr lang="en-US" dirty="0"/>
+          </a:p>
+        </p:txBody>
+      </p:sp>
+    </p:spTree>
+    <p:extLst>
+      <p:ext uri="{BB962C8B-B14F-4D97-AF65-F5344CB8AC3E}">
+        <p14:creationId xmlns:p14="http://schemas.microsoft.com/office/powerpoint/2010/main" val="609018786"/>
+      </p:ext>
+    </p:extLst>
+  </p:cSld>
+  <p:clrMapOvr>
+    <a:masterClrMapping/>
+  </p:clrMapOvr>
+</p:sld>
+</file>
+
+<file path=ppt/slides/slide31.xml><?xml version="1.0" encoding="utf-8"?>
 <p:sld xmlns:a="http://schemas.openxmlformats.org/drawingml/2006/main" xmlns:r="http://schemas.openxmlformats.org/officeDocument/2006/relationships" xmlns:p="http://schemas.openxmlformats.org/presentationml/2006/main">
   <p:cSld>
     <p:bg>
@@ -6457,2610 +10406,6 @@
 </p:sld>
 </file>
 
-<file path=ppt/slides/slide18.xml><?xml version="1.0" encoding="utf-8"?>
-<p:sld xmlns:a="http://schemas.openxmlformats.org/drawingml/2006/main" xmlns:r="http://schemas.openxmlformats.org/officeDocument/2006/relationships" xmlns:p="http://schemas.openxmlformats.org/presentationml/2006/main">
-  <p:cSld>
-    <p:spTree>
-      <p:nvGrpSpPr>
-        <p:cNvPr id="1" name=""/>
-        <p:cNvGrpSpPr/>
-        <p:nvPr/>
-      </p:nvGrpSpPr>
-      <p:grpSpPr>
-        <a:xfrm>
-          <a:off x="0" y="0"/>
-          <a:ext cx="0" cy="0"/>
-          <a:chOff x="0" y="0"/>
-          <a:chExt cx="0" cy="0"/>
-        </a:xfrm>
-      </p:grpSpPr>
-      <p:sp>
-        <p:nvSpPr>
-          <p:cNvPr id="2" name="Title 1">
-            <a:extLst>
-              <a:ext uri="{FF2B5EF4-FFF2-40B4-BE49-F238E27FC236}">
-                <a16:creationId xmlns:a16="http://schemas.microsoft.com/office/drawing/2014/main" id="{B134002E-F285-3CEF-C959-1996135F33D4}"/>
-              </a:ext>
-            </a:extLst>
-          </p:cNvPr>
-          <p:cNvSpPr>
-            <a:spLocks noGrp="1"/>
-          </p:cNvSpPr>
-          <p:nvPr>
-            <p:ph type="title"/>
-          </p:nvPr>
-        </p:nvSpPr>
-        <p:spPr/>
-        <p:txBody>
-          <a:bodyPr/>
-          <a:lstStyle/>
-          <a:p>
-            <a:r>
-              <a:rPr lang="en-US" dirty="0"/>
-              <a:t>Duration vs deposits</a:t>
-            </a:r>
-          </a:p>
-        </p:txBody>
-      </p:sp>
-      <p:pic>
-        <p:nvPicPr>
-          <p:cNvPr id="4" name="Content Placeholder 3">
-            <a:extLst>
-              <a:ext uri="{FF2B5EF4-FFF2-40B4-BE49-F238E27FC236}">
-                <a16:creationId xmlns:a16="http://schemas.microsoft.com/office/drawing/2014/main" id="{0D9180F0-B392-C9B0-7EB4-A2F6FC18484E}"/>
-              </a:ext>
-            </a:extLst>
-          </p:cNvPr>
-          <p:cNvPicPr>
-            <a:picLocks noGrp="1" noChangeAspect="1"/>
-          </p:cNvPicPr>
-          <p:nvPr>
-            <p:ph idx="1"/>
-          </p:nvPr>
-        </p:nvPicPr>
-        <p:blipFill>
-          <a:blip r:embed="rId2"/>
-          <a:stretch>
-            <a:fillRect/>
-          </a:stretch>
-        </p:blipFill>
-        <p:spPr>
-          <a:xfrm>
-            <a:off x="3152847" y="2638425"/>
-            <a:ext cx="5886307" cy="3101975"/>
-          </a:xfrm>
-          <a:prstGeom prst="rect">
-            <a:avLst/>
-          </a:prstGeom>
-        </p:spPr>
-      </p:pic>
-    </p:spTree>
-    <p:extLst>
-      <p:ext uri="{BB962C8B-B14F-4D97-AF65-F5344CB8AC3E}">
-        <p14:creationId xmlns:p14="http://schemas.microsoft.com/office/powerpoint/2010/main" val="3352324455"/>
-      </p:ext>
-    </p:extLst>
-  </p:cSld>
-  <p:clrMapOvr>
-    <a:masterClrMapping/>
-  </p:clrMapOvr>
-</p:sld>
-</file>
-
-<file path=ppt/slides/slide19.xml><?xml version="1.0" encoding="utf-8"?>
-<p:sld xmlns:a="http://schemas.openxmlformats.org/drawingml/2006/main" xmlns:r="http://schemas.openxmlformats.org/officeDocument/2006/relationships" xmlns:p="http://schemas.openxmlformats.org/presentationml/2006/main">
-  <p:cSld>
-    <p:bg>
-      <p:bgPr>
-        <a:solidFill>
-          <a:schemeClr val="bg2"/>
-        </a:solidFill>
-        <a:effectLst/>
-      </p:bgPr>
-    </p:bg>
-    <p:spTree>
-      <p:nvGrpSpPr>
-        <p:cNvPr id="1" name=""/>
-        <p:cNvGrpSpPr/>
-        <p:nvPr/>
-      </p:nvGrpSpPr>
-      <p:grpSpPr>
-        <a:xfrm>
-          <a:off x="0" y="0"/>
-          <a:ext cx="0" cy="0"/>
-          <a:chOff x="0" y="0"/>
-          <a:chExt cx="0" cy="0"/>
-        </a:xfrm>
-      </p:grpSpPr>
-      <p:sp>
-        <p:nvSpPr>
-          <p:cNvPr id="2" name="Title 1">
-            <a:extLst>
-              <a:ext uri="{FF2B5EF4-FFF2-40B4-BE49-F238E27FC236}">
-                <a16:creationId xmlns:a16="http://schemas.microsoft.com/office/drawing/2014/main" id="{716B2D3C-0FFB-5C38-A514-0AFEB50AC7EE}"/>
-              </a:ext>
-            </a:extLst>
-          </p:cNvPr>
-          <p:cNvSpPr>
-            <a:spLocks noGrp="1"/>
-          </p:cNvSpPr>
-          <p:nvPr>
-            <p:ph type="title"/>
-          </p:nvPr>
-        </p:nvSpPr>
-        <p:spPr>
-          <a:xfrm>
-            <a:off x="640079" y="640079"/>
-            <a:ext cx="3402531" cy="5272242"/>
-          </a:xfrm>
-        </p:spPr>
-        <p:txBody>
-          <a:bodyPr>
-            <a:normAutofit/>
-          </a:bodyPr>
-          <a:lstStyle/>
-          <a:p>
-            <a:endParaRPr lang="en-US"/>
-          </a:p>
-        </p:txBody>
-      </p:sp>
-      <p:sp>
-        <p:nvSpPr>
-          <p:cNvPr id="8" name="Content Placeholder 7">
-            <a:extLst>
-              <a:ext uri="{FF2B5EF4-FFF2-40B4-BE49-F238E27FC236}">
-                <a16:creationId xmlns:a16="http://schemas.microsoft.com/office/drawing/2014/main" id="{44947E6F-BB73-C6F2-C6AC-A2900EDC78B6}"/>
-              </a:ext>
-            </a:extLst>
-          </p:cNvPr>
-          <p:cNvSpPr>
-            <a:spLocks noGrp="1"/>
-          </p:cNvSpPr>
-          <p:nvPr>
-            <p:ph idx="1"/>
-          </p:nvPr>
-        </p:nvSpPr>
-        <p:spPr>
-          <a:xfrm>
-            <a:off x="4672103" y="640079"/>
-            <a:ext cx="6883072" cy="2834737"/>
-          </a:xfrm>
-        </p:spPr>
-        <p:txBody>
-          <a:bodyPr>
-            <a:normAutofit/>
-          </a:bodyPr>
-          <a:lstStyle/>
-          <a:p>
-            <a:endParaRPr lang="en-US" dirty="0"/>
-          </a:p>
-        </p:txBody>
-      </p:sp>
-      <p:pic>
-        <p:nvPicPr>
-          <p:cNvPr id="7" name="Picture 6">
-            <a:extLst>
-              <a:ext uri="{FF2B5EF4-FFF2-40B4-BE49-F238E27FC236}">
-                <a16:creationId xmlns:a16="http://schemas.microsoft.com/office/drawing/2014/main" id="{FE790583-8639-BEB9-E564-28BD042EA06B}"/>
-              </a:ext>
-            </a:extLst>
-          </p:cNvPr>
-          <p:cNvPicPr>
-            <a:picLocks noChangeAspect="1"/>
-          </p:cNvPicPr>
-          <p:nvPr/>
-        </p:nvPicPr>
-        <p:blipFill>
-          <a:blip r:embed="rId2"/>
-          <a:stretch>
-            <a:fillRect/>
-          </a:stretch>
-        </p:blipFill>
-        <p:spPr>
-          <a:xfrm>
-            <a:off x="4210380" y="4496202"/>
-            <a:ext cx="7728507" cy="753529"/>
-          </a:xfrm>
-          <a:prstGeom prst="rect">
-            <a:avLst/>
-          </a:prstGeom>
-          <a:ln w="31750" cap="sq">
-            <a:solidFill>
-              <a:srgbClr val="FFFFFF"/>
-            </a:solidFill>
-            <a:miter lim="800000"/>
-          </a:ln>
-        </p:spPr>
-      </p:pic>
-      <p:pic>
-        <p:nvPicPr>
-          <p:cNvPr id="9" name="Picture 8">
-            <a:extLst>
-              <a:ext uri="{FF2B5EF4-FFF2-40B4-BE49-F238E27FC236}">
-                <a16:creationId xmlns:a16="http://schemas.microsoft.com/office/drawing/2014/main" id="{7D49C923-A740-0C48-7FD0-222EE99E9C83}"/>
-              </a:ext>
-            </a:extLst>
-          </p:cNvPr>
-          <p:cNvPicPr>
-            <a:picLocks noChangeAspect="1"/>
-          </p:cNvPicPr>
-          <p:nvPr/>
-        </p:nvPicPr>
-        <p:blipFill>
-          <a:blip r:embed="rId3"/>
-          <a:stretch>
-            <a:fillRect/>
-          </a:stretch>
-        </p:blipFill>
-        <p:spPr>
-          <a:xfrm>
-            <a:off x="5668308" y="1037142"/>
-            <a:ext cx="3975100" cy="3213100"/>
-          </a:xfrm>
-          <a:prstGeom prst="rect">
-            <a:avLst/>
-          </a:prstGeom>
-        </p:spPr>
-      </p:pic>
-    </p:spTree>
-    <p:extLst>
-      <p:ext uri="{BB962C8B-B14F-4D97-AF65-F5344CB8AC3E}">
-        <p14:creationId xmlns:p14="http://schemas.microsoft.com/office/powerpoint/2010/main" val="312194574"/>
-      </p:ext>
-    </p:extLst>
-  </p:cSld>
-  <p:clrMapOvr>
-    <a:masterClrMapping/>
-  </p:clrMapOvr>
-</p:sld>
-</file>
-
-<file path=ppt/slides/slide2.xml><?xml version="1.0" encoding="utf-8"?>
-<p:sld xmlns:a="http://schemas.openxmlformats.org/drawingml/2006/main" xmlns:r="http://schemas.openxmlformats.org/officeDocument/2006/relationships" xmlns:p="http://schemas.openxmlformats.org/presentationml/2006/main">
-  <p:cSld>
-    <p:spTree>
-      <p:nvGrpSpPr>
-        <p:cNvPr id="1" name=""/>
-        <p:cNvGrpSpPr/>
-        <p:nvPr/>
-      </p:nvGrpSpPr>
-      <p:grpSpPr>
-        <a:xfrm>
-          <a:off x="0" y="0"/>
-          <a:ext cx="0" cy="0"/>
-          <a:chOff x="0" y="0"/>
-          <a:chExt cx="0" cy="0"/>
-        </a:xfrm>
-      </p:grpSpPr>
-      <p:sp>
-        <p:nvSpPr>
-          <p:cNvPr id="2" name="Title 1">
-            <a:extLst>
-              <a:ext uri="{FF2B5EF4-FFF2-40B4-BE49-F238E27FC236}">
-                <a16:creationId xmlns:a16="http://schemas.microsoft.com/office/drawing/2014/main" id="{D7484EDA-B6F5-021D-4704-9A4073542F32}"/>
-              </a:ext>
-            </a:extLst>
-          </p:cNvPr>
-          <p:cNvSpPr>
-            <a:spLocks noGrp="1"/>
-          </p:cNvSpPr>
-          <p:nvPr>
-            <p:ph type="title"/>
-          </p:nvPr>
-        </p:nvSpPr>
-        <p:spPr/>
-        <p:txBody>
-          <a:bodyPr/>
-          <a:lstStyle/>
-          <a:p>
-            <a:r>
-              <a:rPr lang="en-US" dirty="0"/>
-              <a:t>Dataset</a:t>
-            </a:r>
-          </a:p>
-        </p:txBody>
-      </p:sp>
-      <p:sp>
-        <p:nvSpPr>
-          <p:cNvPr id="3" name="Content Placeholder 2">
-            <a:extLst>
-              <a:ext uri="{FF2B5EF4-FFF2-40B4-BE49-F238E27FC236}">
-                <a16:creationId xmlns:a16="http://schemas.microsoft.com/office/drawing/2014/main" id="{61A6E4AC-C1CB-966A-1CC3-0C65C33F6217}"/>
-              </a:ext>
-            </a:extLst>
-          </p:cNvPr>
-          <p:cNvSpPr>
-            <a:spLocks noGrp="1"/>
-          </p:cNvSpPr>
-          <p:nvPr>
-            <p:ph idx="1"/>
-          </p:nvPr>
-        </p:nvSpPr>
-        <p:spPr/>
-        <p:txBody>
-          <a:bodyPr/>
-          <a:lstStyle/>
-          <a:p>
-            <a:r>
-              <a:rPr lang="en-US" dirty="0">
-                <a:solidFill>
-                  <a:srgbClr val="123654"/>
-                </a:solidFill>
-                <a:latin typeface="Arial" panose="020B0604020202020204" pitchFamily="34" charset="0"/>
-              </a:rPr>
-              <a:t>Data collected from May 2008 to June 2013</a:t>
-            </a:r>
-          </a:p>
-          <a:p>
-            <a:r>
-              <a:rPr lang="en-US" dirty="0">
-                <a:solidFill>
-                  <a:srgbClr val="123654"/>
-                </a:solidFill>
-                <a:latin typeface="Arial" panose="020B0604020202020204" pitchFamily="34" charset="0"/>
-              </a:rPr>
-              <a:t>Originally 21 features including demographic variables, number of campaign contacts, success rate of previous campaign, as well as economic indicators (such as Euribor 3-month rate)</a:t>
-            </a:r>
-          </a:p>
-          <a:p>
-            <a:r>
-              <a:rPr lang="en-US" dirty="0">
-                <a:solidFill>
-                  <a:srgbClr val="123654"/>
-                </a:solidFill>
-                <a:latin typeface="Arial" panose="020B0604020202020204" pitchFamily="34" charset="0"/>
-              </a:rPr>
-              <a:t>[Moro et al., 2014] S. Moro, P. Cortez and P. Rita. A Data-Driven Approach to Predict the Success of Bank Telemarketing. Decision Support Systems, Elsevier, 62:22-31, June 2014</a:t>
-            </a:r>
-          </a:p>
-          <a:p>
-            <a:r>
-              <a:rPr lang="en-US" dirty="0">
-                <a:solidFill>
-                  <a:srgbClr val="123654"/>
-                </a:solidFill>
-                <a:latin typeface="Arial" panose="020B0604020202020204" pitchFamily="34" charset="0"/>
-              </a:rPr>
-              <a:t>Available here: https://</a:t>
-            </a:r>
-            <a:r>
-              <a:rPr lang="en-US" dirty="0" err="1">
-                <a:solidFill>
-                  <a:srgbClr val="123654"/>
-                </a:solidFill>
-                <a:latin typeface="Arial" panose="020B0604020202020204" pitchFamily="34" charset="0"/>
-              </a:rPr>
-              <a:t>archive.ics.uci.edu</a:t>
-            </a:r>
-            <a:r>
-              <a:rPr lang="en-US" dirty="0">
-                <a:solidFill>
-                  <a:srgbClr val="123654"/>
-                </a:solidFill>
-                <a:latin typeface="Arial" panose="020B0604020202020204" pitchFamily="34" charset="0"/>
-              </a:rPr>
-              <a:t>/ml/datasets/</a:t>
-            </a:r>
-            <a:r>
-              <a:rPr lang="en-US" dirty="0" err="1">
-                <a:solidFill>
-                  <a:srgbClr val="123654"/>
-                </a:solidFill>
-                <a:latin typeface="Arial" panose="020B0604020202020204" pitchFamily="34" charset="0"/>
-              </a:rPr>
-              <a:t>Bank+Marketing</a:t>
-            </a:r>
-            <a:r>
-              <a:rPr lang="en-US" dirty="0">
-                <a:solidFill>
-                  <a:srgbClr val="123654"/>
-                </a:solidFill>
-                <a:latin typeface="Arial" panose="020B0604020202020204" pitchFamily="34" charset="0"/>
-              </a:rPr>
-              <a:t>#</a:t>
-            </a:r>
-          </a:p>
-          <a:p>
-            <a:endParaRPr lang="en-US" dirty="0"/>
-          </a:p>
-        </p:txBody>
-      </p:sp>
-    </p:spTree>
-    <p:extLst>
-      <p:ext uri="{BB962C8B-B14F-4D97-AF65-F5344CB8AC3E}">
-        <p14:creationId xmlns:p14="http://schemas.microsoft.com/office/powerpoint/2010/main" val="3662640421"/>
-      </p:ext>
-    </p:extLst>
-  </p:cSld>
-  <p:clrMapOvr>
-    <a:masterClrMapping/>
-  </p:clrMapOvr>
-</p:sld>
-</file>
-
-<file path=ppt/slides/slide20.xml><?xml version="1.0" encoding="utf-8"?>
-<p:sld xmlns:a="http://schemas.openxmlformats.org/drawingml/2006/main" xmlns:r="http://schemas.openxmlformats.org/officeDocument/2006/relationships" xmlns:p="http://schemas.openxmlformats.org/presentationml/2006/main">
-  <p:cSld>
-    <p:bg>
-      <p:bgPr>
-        <a:solidFill>
-          <a:schemeClr val="bg2"/>
-        </a:solidFill>
-        <a:effectLst/>
-      </p:bgPr>
-    </p:bg>
-    <p:spTree>
-      <p:nvGrpSpPr>
-        <p:cNvPr id="1" name=""/>
-        <p:cNvGrpSpPr/>
-        <p:nvPr/>
-      </p:nvGrpSpPr>
-      <p:grpSpPr>
-        <a:xfrm>
-          <a:off x="0" y="0"/>
-          <a:ext cx="0" cy="0"/>
-          <a:chOff x="0" y="0"/>
-          <a:chExt cx="0" cy="0"/>
-        </a:xfrm>
-      </p:grpSpPr>
-      <p:sp>
-        <p:nvSpPr>
-          <p:cNvPr id="2" name="Title 1">
-            <a:extLst>
-              <a:ext uri="{FF2B5EF4-FFF2-40B4-BE49-F238E27FC236}">
-                <a16:creationId xmlns:a16="http://schemas.microsoft.com/office/drawing/2014/main" id="{A3B23C00-C40A-DE6C-5357-F862941001B8}"/>
-              </a:ext>
-            </a:extLst>
-          </p:cNvPr>
-          <p:cNvSpPr>
-            <a:spLocks noGrp="1"/>
-          </p:cNvSpPr>
-          <p:nvPr>
-            <p:ph type="title"/>
-          </p:nvPr>
-        </p:nvSpPr>
-        <p:spPr>
-          <a:xfrm>
-            <a:off x="640079" y="640079"/>
-            <a:ext cx="3402531" cy="5272242"/>
-          </a:xfrm>
-        </p:spPr>
-        <p:txBody>
-          <a:bodyPr>
-            <a:normAutofit/>
-          </a:bodyPr>
-          <a:lstStyle/>
-          <a:p>
-            <a:r>
-              <a:rPr lang="en-US" dirty="0"/>
-              <a:t>Smaller feature set </a:t>
-            </a:r>
-            <a:r>
-              <a:rPr lang="en-US" dirty="0" err="1"/>
-              <a:t>importances</a:t>
-            </a:r>
-            <a:endParaRPr lang="en-US" dirty="0"/>
-          </a:p>
-        </p:txBody>
-      </p:sp>
-      <p:sp>
-        <p:nvSpPr>
-          <p:cNvPr id="8" name="Content Placeholder 7">
-            <a:extLst>
-              <a:ext uri="{FF2B5EF4-FFF2-40B4-BE49-F238E27FC236}">
-                <a16:creationId xmlns:a16="http://schemas.microsoft.com/office/drawing/2014/main" id="{8D78159B-93A7-CAF1-E52B-12E766788D7A}"/>
-              </a:ext>
-            </a:extLst>
-          </p:cNvPr>
-          <p:cNvSpPr>
-            <a:spLocks noGrp="1"/>
-          </p:cNvSpPr>
-          <p:nvPr>
-            <p:ph idx="1"/>
-          </p:nvPr>
-        </p:nvSpPr>
-        <p:spPr>
-          <a:xfrm>
-            <a:off x="4672103" y="640079"/>
-            <a:ext cx="6883072" cy="2834737"/>
-          </a:xfrm>
-        </p:spPr>
-        <p:txBody>
-          <a:bodyPr>
-            <a:normAutofit/>
-          </a:bodyPr>
-          <a:lstStyle/>
-          <a:p>
-            <a:r>
-              <a:rPr lang="en-US" dirty="0"/>
-              <a:t>Interestingly, dropping </a:t>
-            </a:r>
-            <a:r>
-              <a:rPr lang="en-US" dirty="0" err="1"/>
-              <a:t>emp.var.rate</a:t>
-            </a:r>
-            <a:r>
-              <a:rPr lang="en-US" dirty="0"/>
-              <a:t>, </a:t>
-            </a:r>
-            <a:r>
-              <a:rPr lang="en-US" dirty="0" err="1"/>
-              <a:t>cons.conf.idx</a:t>
-            </a:r>
-            <a:r>
-              <a:rPr lang="en-US" dirty="0"/>
-              <a:t>, </a:t>
-            </a:r>
-            <a:r>
-              <a:rPr lang="en-US" dirty="0" err="1"/>
-              <a:t>nr.employed</a:t>
-            </a:r>
-            <a:r>
-              <a:rPr lang="en-US" dirty="0"/>
-              <a:t> produced a model with about the same recall and accuracy. For ease of use, may rely on this model for R Shiny app</a:t>
-            </a:r>
-          </a:p>
-          <a:p>
-            <a:pPr lvl="0">
-              <a:lnSpc>
-                <a:spcPct val="90000"/>
-              </a:lnSpc>
-              <a:buClr>
-                <a:srgbClr val="58B6C0"/>
-              </a:buClr>
-            </a:pPr>
-            <a:r>
-              <a:rPr lang="en-US" dirty="0" err="1">
-                <a:solidFill>
-                  <a:prstClr val="black"/>
-                </a:solidFill>
-              </a:rPr>
-              <a:t>emp.var.rate</a:t>
-            </a:r>
-            <a:r>
-              <a:rPr lang="en-US" dirty="0">
-                <a:solidFill>
-                  <a:prstClr val="black"/>
-                </a:solidFill>
-              </a:rPr>
-              <a:t>: employment variation rate - quarterly indicator (numeric)</a:t>
-            </a:r>
-          </a:p>
-          <a:p>
-            <a:pPr lvl="0">
-              <a:lnSpc>
-                <a:spcPct val="90000"/>
-              </a:lnSpc>
-              <a:buClr>
-                <a:srgbClr val="58B6C0"/>
-              </a:buClr>
-            </a:pPr>
-            <a:r>
-              <a:rPr lang="en-US" dirty="0" err="1">
-                <a:solidFill>
-                  <a:prstClr val="black"/>
-                </a:solidFill>
-              </a:rPr>
-              <a:t>cons.conf.idx</a:t>
-            </a:r>
-            <a:r>
-              <a:rPr lang="en-US" dirty="0">
-                <a:solidFill>
-                  <a:prstClr val="black"/>
-                </a:solidFill>
-              </a:rPr>
-              <a:t>: consumer confidence index - monthly indicator (numeric)</a:t>
-            </a:r>
-          </a:p>
-          <a:p>
-            <a:pPr lvl="0">
-              <a:lnSpc>
-                <a:spcPct val="90000"/>
-              </a:lnSpc>
-              <a:buClr>
-                <a:srgbClr val="58B6C0"/>
-              </a:buClr>
-            </a:pPr>
-            <a:r>
-              <a:rPr lang="en-US" dirty="0" err="1">
-                <a:solidFill>
-                  <a:prstClr val="black"/>
-                </a:solidFill>
-              </a:rPr>
-              <a:t>nr.employed</a:t>
-            </a:r>
-            <a:r>
-              <a:rPr lang="en-US" dirty="0">
-                <a:solidFill>
-                  <a:prstClr val="black"/>
-                </a:solidFill>
-              </a:rPr>
-              <a:t>: number of employees - quarterly indicator (numeric)</a:t>
-            </a:r>
-          </a:p>
-          <a:p>
-            <a:pPr lvl="0">
-              <a:lnSpc>
-                <a:spcPct val="90000"/>
-              </a:lnSpc>
-              <a:buClr>
-                <a:srgbClr val="58B6C0"/>
-              </a:buClr>
-            </a:pPr>
-            <a:endParaRPr lang="en-US" dirty="0">
-              <a:solidFill>
-                <a:prstClr val="black"/>
-              </a:solidFill>
-            </a:endParaRPr>
-          </a:p>
-          <a:p>
-            <a:pPr lvl="0">
-              <a:lnSpc>
-                <a:spcPct val="90000"/>
-              </a:lnSpc>
-              <a:buClr>
-                <a:srgbClr val="58B6C0"/>
-              </a:buClr>
-            </a:pPr>
-            <a:endParaRPr lang="en-US" dirty="0">
-              <a:solidFill>
-                <a:prstClr val="black"/>
-              </a:solidFill>
-            </a:endParaRPr>
-          </a:p>
-          <a:p>
-            <a:endParaRPr lang="en-US" dirty="0"/>
-          </a:p>
-        </p:txBody>
-      </p:sp>
-      <p:pic>
-        <p:nvPicPr>
-          <p:cNvPr id="4" name="Content Placeholder 3">
-            <a:extLst>
-              <a:ext uri="{FF2B5EF4-FFF2-40B4-BE49-F238E27FC236}">
-                <a16:creationId xmlns:a16="http://schemas.microsoft.com/office/drawing/2014/main" id="{2B98835B-2000-4E83-9299-5605CF413392}"/>
-              </a:ext>
-            </a:extLst>
-          </p:cNvPr>
-          <p:cNvPicPr>
-            <a:picLocks noChangeAspect="1"/>
-          </p:cNvPicPr>
-          <p:nvPr/>
-        </p:nvPicPr>
-        <p:blipFill>
-          <a:blip r:embed="rId2"/>
-          <a:stretch>
-            <a:fillRect/>
-          </a:stretch>
-        </p:blipFill>
-        <p:spPr>
-          <a:xfrm>
-            <a:off x="5651048" y="3474816"/>
-            <a:ext cx="4579474" cy="2484365"/>
-          </a:xfrm>
-          <a:prstGeom prst="rect">
-            <a:avLst/>
-          </a:prstGeom>
-          <a:ln w="31750" cap="sq">
-            <a:solidFill>
-              <a:srgbClr val="FFFFFF"/>
-            </a:solidFill>
-            <a:miter lim="800000"/>
-          </a:ln>
-        </p:spPr>
-      </p:pic>
-    </p:spTree>
-    <p:extLst>
-      <p:ext uri="{BB962C8B-B14F-4D97-AF65-F5344CB8AC3E}">
-        <p14:creationId xmlns:p14="http://schemas.microsoft.com/office/powerpoint/2010/main" val="2159704186"/>
-      </p:ext>
-    </p:extLst>
-  </p:cSld>
-  <p:clrMapOvr>
-    <a:masterClrMapping/>
-  </p:clrMapOvr>
-</p:sld>
-</file>
-
-<file path=ppt/slides/slide21.xml><?xml version="1.0" encoding="utf-8"?>
-<p:sld xmlns:a="http://schemas.openxmlformats.org/drawingml/2006/main" xmlns:r="http://schemas.openxmlformats.org/officeDocument/2006/relationships" xmlns:p="http://schemas.openxmlformats.org/presentationml/2006/main">
-  <p:cSld>
-    <p:bg>
-      <p:bgPr>
-        <a:solidFill>
-          <a:schemeClr val="bg2"/>
-        </a:solidFill>
-        <a:effectLst/>
-      </p:bgPr>
-    </p:bg>
-    <p:spTree>
-      <p:nvGrpSpPr>
-        <p:cNvPr id="1" name=""/>
-        <p:cNvGrpSpPr/>
-        <p:nvPr/>
-      </p:nvGrpSpPr>
-      <p:grpSpPr>
-        <a:xfrm>
-          <a:off x="0" y="0"/>
-          <a:ext cx="0" cy="0"/>
-          <a:chOff x="0" y="0"/>
-          <a:chExt cx="0" cy="0"/>
-        </a:xfrm>
-      </p:grpSpPr>
-      <p:sp>
-        <p:nvSpPr>
-          <p:cNvPr id="2" name="Title 1">
-            <a:extLst>
-              <a:ext uri="{FF2B5EF4-FFF2-40B4-BE49-F238E27FC236}">
-                <a16:creationId xmlns:a16="http://schemas.microsoft.com/office/drawing/2014/main" id="{E1809979-7069-1CAC-61FD-71B29F26F407}"/>
-              </a:ext>
-            </a:extLst>
-          </p:cNvPr>
-          <p:cNvSpPr>
-            <a:spLocks noGrp="1"/>
-          </p:cNvSpPr>
-          <p:nvPr>
-            <p:ph type="title"/>
-          </p:nvPr>
-        </p:nvSpPr>
-        <p:spPr>
-          <a:xfrm>
-            <a:off x="804672" y="964692"/>
-            <a:ext cx="3066937" cy="1188720"/>
-          </a:xfrm>
-        </p:spPr>
-        <p:txBody>
-          <a:bodyPr>
-            <a:normAutofit fontScale="90000"/>
-          </a:bodyPr>
-          <a:lstStyle/>
-          <a:p>
-            <a:r>
-              <a:rPr lang="en-US" dirty="0"/>
-              <a:t>Number of employees vs deposits</a:t>
-            </a:r>
-          </a:p>
-        </p:txBody>
-      </p:sp>
-      <p:sp>
-        <p:nvSpPr>
-          <p:cNvPr id="8" name="Content Placeholder 7">
-            <a:extLst>
-              <a:ext uri="{FF2B5EF4-FFF2-40B4-BE49-F238E27FC236}">
-                <a16:creationId xmlns:a16="http://schemas.microsoft.com/office/drawing/2014/main" id="{CBE809DD-B1D6-0120-FE98-5699FD9D9AE1}"/>
-              </a:ext>
-            </a:extLst>
-          </p:cNvPr>
-          <p:cNvSpPr>
-            <a:spLocks noGrp="1"/>
-          </p:cNvSpPr>
-          <p:nvPr>
-            <p:ph idx="1"/>
-          </p:nvPr>
-        </p:nvSpPr>
-        <p:spPr>
-          <a:xfrm>
-            <a:off x="803244" y="2638044"/>
-            <a:ext cx="3063765" cy="3263206"/>
-          </a:xfrm>
-        </p:spPr>
-        <p:txBody>
-          <a:bodyPr>
-            <a:normAutofit/>
-          </a:bodyPr>
-          <a:lstStyle/>
-          <a:p>
-            <a:endParaRPr lang="en-US"/>
-          </a:p>
-        </p:txBody>
-      </p:sp>
-      <p:sp>
-        <p:nvSpPr>
-          <p:cNvPr id="11" name="Rectangle 10">
-            <a:extLst>
-              <a:ext uri="{FF2B5EF4-FFF2-40B4-BE49-F238E27FC236}">
-                <a16:creationId xmlns:a16="http://schemas.microsoft.com/office/drawing/2014/main" id="{B9A6A8C2-8B3A-4AD3-AFCC-F1D3F1F02D3F}"/>
-              </a:ext>
-              <a:ext uri="{C183D7F6-B498-43B3-948B-1728B52AA6E4}">
-                <adec:decorative xmlns:adec="http://schemas.microsoft.com/office/drawing/2017/decorative" val="1"/>
-              </a:ext>
-            </a:extLst>
-          </p:cNvPr>
-          <p:cNvSpPr>
-            <a:spLocks noGrp="1" noRot="1" noChangeAspect="1" noMove="1" noResize="1" noEditPoints="1" noAdjustHandles="1" noChangeArrowheads="1" noChangeShapeType="1" noTextEdit="1"/>
-          </p:cNvSpPr>
-          <p:nvPr>
-            <p:extLst>
-              <p:ext uri="{386F3935-93C4-4BCD-93E2-E3B085C9AB24}">
-                <p16:designElem xmlns:p16="http://schemas.microsoft.com/office/powerpoint/2015/main" val="1"/>
-              </p:ext>
-            </p:extLst>
-          </p:nvPr>
-        </p:nvSpPr>
-        <p:spPr>
-          <a:xfrm>
-            <a:off x="4494182" y="964692"/>
-            <a:ext cx="6885432" cy="4936558"/>
-          </a:xfrm>
-          <a:prstGeom prst="rect">
-            <a:avLst/>
-          </a:prstGeom>
-          <a:noFill/>
-          <a:ln w="31750" cap="sq">
-            <a:solidFill>
-              <a:srgbClr val="FFFFFF"/>
-            </a:solidFill>
-            <a:miter lim="800000"/>
-          </a:ln>
-        </p:spPr>
-        <p:style>
-          <a:lnRef idx="2">
-            <a:schemeClr val="accent1">
-              <a:shade val="50000"/>
-            </a:schemeClr>
-          </a:lnRef>
-          <a:fillRef idx="1">
-            <a:schemeClr val="accent1"/>
-          </a:fillRef>
-          <a:effectRef idx="0">
-            <a:schemeClr val="accent1"/>
-          </a:effectRef>
-          <a:fontRef idx="minor">
-            <a:schemeClr val="lt1"/>
-          </a:fontRef>
-        </p:style>
-        <p:txBody>
-          <a:bodyPr rtlCol="0" anchor="ctr"/>
-          <a:lstStyle/>
-          <a:p>
-            <a:pPr algn="ctr"/>
-            <a:endParaRPr lang="en-US" dirty="0"/>
-          </a:p>
-        </p:txBody>
-      </p:sp>
-      <p:sp>
-        <p:nvSpPr>
-          <p:cNvPr id="13" name="Rectangle 12">
-            <a:extLst>
-              <a:ext uri="{FF2B5EF4-FFF2-40B4-BE49-F238E27FC236}">
-                <a16:creationId xmlns:a16="http://schemas.microsoft.com/office/drawing/2014/main" id="{CDF64937-39B5-4AB3-A2EF-EA689BA6087B}"/>
-              </a:ext>
-              <a:ext uri="{C183D7F6-B498-43B3-948B-1728B52AA6E4}">
-                <adec:decorative xmlns:adec="http://schemas.microsoft.com/office/drawing/2017/decorative" val="1"/>
-              </a:ext>
-            </a:extLst>
-          </p:cNvPr>
-          <p:cNvSpPr>
-            <a:spLocks noGrp="1" noRot="1" noChangeAspect="1" noMove="1" noResize="1" noEditPoints="1" noAdjustHandles="1" noChangeArrowheads="1" noChangeShapeType="1" noTextEdit="1"/>
-          </p:cNvSpPr>
-          <p:nvPr>
-            <p:extLst>
-              <p:ext uri="{386F3935-93C4-4BCD-93E2-E3B085C9AB24}">
-                <p16:designElem xmlns:p16="http://schemas.microsoft.com/office/powerpoint/2015/main" val="1"/>
-              </p:ext>
-            </p:extLst>
-          </p:nvPr>
-        </p:nvSpPr>
-        <p:spPr>
-          <a:xfrm>
-            <a:off x="4657802" y="1128683"/>
-            <a:ext cx="6558192" cy="4608576"/>
-          </a:xfrm>
-          <a:prstGeom prst="rect">
-            <a:avLst/>
-          </a:prstGeom>
-          <a:solidFill>
-            <a:srgbClr val="FFFFFF"/>
-          </a:solidFill>
-          <a:ln>
-            <a:noFill/>
-          </a:ln>
-        </p:spPr>
-        <p:style>
-          <a:lnRef idx="2">
-            <a:schemeClr val="accent1">
-              <a:shade val="50000"/>
-            </a:schemeClr>
-          </a:lnRef>
-          <a:fillRef idx="1">
-            <a:schemeClr val="accent1"/>
-          </a:fillRef>
-          <a:effectRef idx="0">
-            <a:schemeClr val="accent1"/>
-          </a:effectRef>
-          <a:fontRef idx="minor">
-            <a:schemeClr val="lt1"/>
-          </a:fontRef>
-        </p:style>
-        <p:txBody>
-          <a:bodyPr rtlCol="0" anchor="ctr"/>
-          <a:lstStyle/>
-          <a:p>
-            <a:pPr algn="ctr"/>
-            <a:endParaRPr lang="en-US"/>
-          </a:p>
-        </p:txBody>
-      </p:sp>
-      <p:pic>
-        <p:nvPicPr>
-          <p:cNvPr id="4" name="Content Placeholder 3">
-            <a:extLst>
-              <a:ext uri="{FF2B5EF4-FFF2-40B4-BE49-F238E27FC236}">
-                <a16:creationId xmlns:a16="http://schemas.microsoft.com/office/drawing/2014/main" id="{4EDCDF1C-2E7E-C5BF-7824-755BAA009B87}"/>
-              </a:ext>
-            </a:extLst>
-          </p:cNvPr>
-          <p:cNvPicPr>
-            <a:picLocks noChangeAspect="1"/>
-          </p:cNvPicPr>
-          <p:nvPr/>
-        </p:nvPicPr>
-        <p:blipFill>
-          <a:blip r:embed="rId2"/>
-          <a:stretch>
-            <a:fillRect/>
-          </a:stretch>
-        </p:blipFill>
-        <p:spPr>
-          <a:xfrm>
-            <a:off x="4823366" y="1992963"/>
-            <a:ext cx="6227064" cy="2880016"/>
-          </a:xfrm>
-          <a:prstGeom prst="rect">
-            <a:avLst/>
-          </a:prstGeom>
-        </p:spPr>
-      </p:pic>
-    </p:spTree>
-    <p:extLst>
-      <p:ext uri="{BB962C8B-B14F-4D97-AF65-F5344CB8AC3E}">
-        <p14:creationId xmlns:p14="http://schemas.microsoft.com/office/powerpoint/2010/main" val="485437797"/>
-      </p:ext>
-    </p:extLst>
-  </p:cSld>
-  <p:clrMapOvr>
-    <a:masterClrMapping/>
-  </p:clrMapOvr>
-</p:sld>
-</file>
-
-<file path=ppt/slides/slide22.xml><?xml version="1.0" encoding="utf-8"?>
-<p:sld xmlns:a="http://schemas.openxmlformats.org/drawingml/2006/main" xmlns:r="http://schemas.openxmlformats.org/officeDocument/2006/relationships" xmlns:p="http://schemas.openxmlformats.org/presentationml/2006/main">
-  <p:cSld>
-    <p:bg>
-      <p:bgPr>
-        <a:solidFill>
-          <a:schemeClr val="bg2"/>
-        </a:solidFill>
-        <a:effectLst/>
-      </p:bgPr>
-    </p:bg>
-    <p:spTree>
-      <p:nvGrpSpPr>
-        <p:cNvPr id="1" name=""/>
-        <p:cNvGrpSpPr/>
-        <p:nvPr/>
-      </p:nvGrpSpPr>
-      <p:grpSpPr>
-        <a:xfrm>
-          <a:off x="0" y="0"/>
-          <a:ext cx="0" cy="0"/>
-          <a:chOff x="0" y="0"/>
-          <a:chExt cx="0" cy="0"/>
-        </a:xfrm>
-      </p:grpSpPr>
-      <p:sp>
-        <p:nvSpPr>
-          <p:cNvPr id="2" name="Title 1">
-            <a:extLst>
-              <a:ext uri="{FF2B5EF4-FFF2-40B4-BE49-F238E27FC236}">
-                <a16:creationId xmlns:a16="http://schemas.microsoft.com/office/drawing/2014/main" id="{20C7406C-EBC6-6D9D-6D65-A9A05A5F7E29}"/>
-              </a:ext>
-            </a:extLst>
-          </p:cNvPr>
-          <p:cNvSpPr>
-            <a:spLocks noGrp="1"/>
-          </p:cNvSpPr>
-          <p:nvPr>
-            <p:ph type="title"/>
-          </p:nvPr>
-        </p:nvSpPr>
-        <p:spPr>
-          <a:xfrm>
-            <a:off x="804672" y="964692"/>
-            <a:ext cx="3066937" cy="1188720"/>
-          </a:xfrm>
-        </p:spPr>
-        <p:txBody>
-          <a:bodyPr>
-            <a:normAutofit/>
-          </a:bodyPr>
-          <a:lstStyle/>
-          <a:p>
-            <a:endParaRPr lang="en-US"/>
-          </a:p>
-        </p:txBody>
-      </p:sp>
-      <p:sp>
-        <p:nvSpPr>
-          <p:cNvPr id="8" name="Content Placeholder 7">
-            <a:extLst>
-              <a:ext uri="{FF2B5EF4-FFF2-40B4-BE49-F238E27FC236}">
-                <a16:creationId xmlns:a16="http://schemas.microsoft.com/office/drawing/2014/main" id="{C85CEDE2-6A03-835F-B888-1F9244B5ACF5}"/>
-              </a:ext>
-            </a:extLst>
-          </p:cNvPr>
-          <p:cNvSpPr>
-            <a:spLocks noGrp="1"/>
-          </p:cNvSpPr>
-          <p:nvPr>
-            <p:ph idx="1"/>
-          </p:nvPr>
-        </p:nvSpPr>
-        <p:spPr>
-          <a:xfrm>
-            <a:off x="803244" y="2638044"/>
-            <a:ext cx="3063765" cy="3263206"/>
-          </a:xfrm>
-        </p:spPr>
-        <p:txBody>
-          <a:bodyPr>
-            <a:normAutofit/>
-          </a:bodyPr>
-          <a:lstStyle/>
-          <a:p>
-            <a:endParaRPr lang="en-US"/>
-          </a:p>
-        </p:txBody>
-      </p:sp>
-      <p:sp>
-        <p:nvSpPr>
-          <p:cNvPr id="11" name="Rectangle 10">
-            <a:extLst>
-              <a:ext uri="{FF2B5EF4-FFF2-40B4-BE49-F238E27FC236}">
-                <a16:creationId xmlns:a16="http://schemas.microsoft.com/office/drawing/2014/main" id="{B9A6A8C2-8B3A-4AD3-AFCC-F1D3F1F02D3F}"/>
-              </a:ext>
-              <a:ext uri="{C183D7F6-B498-43B3-948B-1728B52AA6E4}">
-                <adec:decorative xmlns:adec="http://schemas.microsoft.com/office/drawing/2017/decorative" val="1"/>
-              </a:ext>
-            </a:extLst>
-          </p:cNvPr>
-          <p:cNvSpPr>
-            <a:spLocks noGrp="1" noRot="1" noChangeAspect="1" noMove="1" noResize="1" noEditPoints="1" noAdjustHandles="1" noChangeArrowheads="1" noChangeShapeType="1" noTextEdit="1"/>
-          </p:cNvSpPr>
-          <p:nvPr>
-            <p:extLst>
-              <p:ext uri="{386F3935-93C4-4BCD-93E2-E3B085C9AB24}">
-                <p16:designElem xmlns:p16="http://schemas.microsoft.com/office/powerpoint/2015/main" val="1"/>
-              </p:ext>
-            </p:extLst>
-          </p:nvPr>
-        </p:nvSpPr>
-        <p:spPr>
-          <a:xfrm>
-            <a:off x="4494182" y="964692"/>
-            <a:ext cx="6885432" cy="4936558"/>
-          </a:xfrm>
-          <a:prstGeom prst="rect">
-            <a:avLst/>
-          </a:prstGeom>
-          <a:noFill/>
-          <a:ln w="31750" cap="sq">
-            <a:solidFill>
-              <a:srgbClr val="FFFFFF"/>
-            </a:solidFill>
-            <a:miter lim="800000"/>
-          </a:ln>
-        </p:spPr>
-        <p:style>
-          <a:lnRef idx="2">
-            <a:schemeClr val="accent1">
-              <a:shade val="50000"/>
-            </a:schemeClr>
-          </a:lnRef>
-          <a:fillRef idx="1">
-            <a:schemeClr val="accent1"/>
-          </a:fillRef>
-          <a:effectRef idx="0">
-            <a:schemeClr val="accent1"/>
-          </a:effectRef>
-          <a:fontRef idx="minor">
-            <a:schemeClr val="lt1"/>
-          </a:fontRef>
-        </p:style>
-        <p:txBody>
-          <a:bodyPr rtlCol="0" anchor="ctr"/>
-          <a:lstStyle/>
-          <a:p>
-            <a:pPr algn="ctr"/>
-            <a:endParaRPr lang="en-US" dirty="0"/>
-          </a:p>
-        </p:txBody>
-      </p:sp>
-      <p:sp>
-        <p:nvSpPr>
-          <p:cNvPr id="13" name="Rectangle 12">
-            <a:extLst>
-              <a:ext uri="{FF2B5EF4-FFF2-40B4-BE49-F238E27FC236}">
-                <a16:creationId xmlns:a16="http://schemas.microsoft.com/office/drawing/2014/main" id="{CDF64937-39B5-4AB3-A2EF-EA689BA6087B}"/>
-              </a:ext>
-              <a:ext uri="{C183D7F6-B498-43B3-948B-1728B52AA6E4}">
-                <adec:decorative xmlns:adec="http://schemas.microsoft.com/office/drawing/2017/decorative" val="1"/>
-              </a:ext>
-            </a:extLst>
-          </p:cNvPr>
-          <p:cNvSpPr>
-            <a:spLocks noGrp="1" noRot="1" noChangeAspect="1" noMove="1" noResize="1" noEditPoints="1" noAdjustHandles="1" noChangeArrowheads="1" noChangeShapeType="1" noTextEdit="1"/>
-          </p:cNvSpPr>
-          <p:nvPr>
-            <p:extLst>
-              <p:ext uri="{386F3935-93C4-4BCD-93E2-E3B085C9AB24}">
-                <p16:designElem xmlns:p16="http://schemas.microsoft.com/office/powerpoint/2015/main" val="1"/>
-              </p:ext>
-            </p:extLst>
-          </p:nvPr>
-        </p:nvSpPr>
-        <p:spPr>
-          <a:xfrm>
-            <a:off x="4657802" y="1128683"/>
-            <a:ext cx="6558192" cy="4608576"/>
-          </a:xfrm>
-          <a:prstGeom prst="rect">
-            <a:avLst/>
-          </a:prstGeom>
-          <a:solidFill>
-            <a:srgbClr val="FFFFFF"/>
-          </a:solidFill>
-          <a:ln>
-            <a:noFill/>
-          </a:ln>
-        </p:spPr>
-        <p:style>
-          <a:lnRef idx="2">
-            <a:schemeClr val="accent1">
-              <a:shade val="50000"/>
-            </a:schemeClr>
-          </a:lnRef>
-          <a:fillRef idx="1">
-            <a:schemeClr val="accent1"/>
-          </a:fillRef>
-          <a:effectRef idx="0">
-            <a:schemeClr val="accent1"/>
-          </a:effectRef>
-          <a:fontRef idx="minor">
-            <a:schemeClr val="lt1"/>
-          </a:fontRef>
-        </p:style>
-        <p:txBody>
-          <a:bodyPr rtlCol="0" anchor="ctr"/>
-          <a:lstStyle/>
-          <a:p>
-            <a:pPr algn="ctr"/>
-            <a:endParaRPr lang="en-US"/>
-          </a:p>
-        </p:txBody>
-      </p:sp>
-      <p:pic>
-        <p:nvPicPr>
-          <p:cNvPr id="4" name="Content Placeholder 3">
-            <a:extLst>
-              <a:ext uri="{FF2B5EF4-FFF2-40B4-BE49-F238E27FC236}">
-                <a16:creationId xmlns:a16="http://schemas.microsoft.com/office/drawing/2014/main" id="{8A966576-EE7C-50C2-1703-C342B5531A39}"/>
-              </a:ext>
-            </a:extLst>
-          </p:cNvPr>
-          <p:cNvPicPr>
-            <a:picLocks noChangeAspect="1"/>
-          </p:cNvPicPr>
-          <p:nvPr/>
-        </p:nvPicPr>
-        <p:blipFill>
-          <a:blip r:embed="rId2"/>
-          <a:stretch>
-            <a:fillRect/>
-          </a:stretch>
-        </p:blipFill>
-        <p:spPr>
-          <a:xfrm>
-            <a:off x="4823366" y="1969611"/>
-            <a:ext cx="6227064" cy="2926719"/>
-          </a:xfrm>
-          <a:prstGeom prst="rect">
-            <a:avLst/>
-          </a:prstGeom>
-        </p:spPr>
-      </p:pic>
-    </p:spTree>
-    <p:extLst>
-      <p:ext uri="{BB962C8B-B14F-4D97-AF65-F5344CB8AC3E}">
-        <p14:creationId xmlns:p14="http://schemas.microsoft.com/office/powerpoint/2010/main" val="3429850141"/>
-      </p:ext>
-    </p:extLst>
-  </p:cSld>
-  <p:clrMapOvr>
-    <a:masterClrMapping/>
-  </p:clrMapOvr>
-</p:sld>
-</file>
-
-<file path=ppt/slides/slide23.xml><?xml version="1.0" encoding="utf-8"?>
-<p:sld xmlns:a="http://schemas.openxmlformats.org/drawingml/2006/main" xmlns:r="http://schemas.openxmlformats.org/officeDocument/2006/relationships" xmlns:p="http://schemas.openxmlformats.org/presentationml/2006/main">
-  <p:cSld>
-    <p:spTree>
-      <p:nvGrpSpPr>
-        <p:cNvPr id="1" name=""/>
-        <p:cNvGrpSpPr/>
-        <p:nvPr/>
-      </p:nvGrpSpPr>
-      <p:grpSpPr>
-        <a:xfrm>
-          <a:off x="0" y="0"/>
-          <a:ext cx="0" cy="0"/>
-          <a:chOff x="0" y="0"/>
-          <a:chExt cx="0" cy="0"/>
-        </a:xfrm>
-      </p:grpSpPr>
-      <p:sp>
-        <p:nvSpPr>
-          <p:cNvPr id="2" name="Title 1">
-            <a:extLst>
-              <a:ext uri="{FF2B5EF4-FFF2-40B4-BE49-F238E27FC236}">
-                <a16:creationId xmlns:a16="http://schemas.microsoft.com/office/drawing/2014/main" id="{42DCF7CC-3F1F-5EE8-BEFE-61422634D27F}"/>
-              </a:ext>
-            </a:extLst>
-          </p:cNvPr>
-          <p:cNvSpPr>
-            <a:spLocks noGrp="1"/>
-          </p:cNvSpPr>
-          <p:nvPr>
-            <p:ph type="title"/>
-          </p:nvPr>
-        </p:nvSpPr>
-        <p:spPr/>
-        <p:txBody>
-          <a:bodyPr/>
-          <a:lstStyle/>
-          <a:p>
-            <a:r>
-              <a:rPr lang="en-US" dirty="0"/>
-              <a:t>Interest rates and deposits</a:t>
-            </a:r>
-          </a:p>
-        </p:txBody>
-      </p:sp>
-      <p:sp>
-        <p:nvSpPr>
-          <p:cNvPr id="3" name="Content Placeholder 2">
-            <a:extLst>
-              <a:ext uri="{FF2B5EF4-FFF2-40B4-BE49-F238E27FC236}">
-                <a16:creationId xmlns:a16="http://schemas.microsoft.com/office/drawing/2014/main" id="{99710C9B-F8B7-7FDC-0EA5-5E541D9EAA30}"/>
-              </a:ext>
-            </a:extLst>
-          </p:cNvPr>
-          <p:cNvSpPr>
-            <a:spLocks noGrp="1"/>
-          </p:cNvSpPr>
-          <p:nvPr>
-            <p:ph idx="1"/>
-          </p:nvPr>
-        </p:nvSpPr>
-        <p:spPr/>
-        <p:txBody>
-          <a:bodyPr>
-            <a:normAutofit fontScale="92500" lnSpcReduction="20000"/>
-          </a:bodyPr>
-          <a:lstStyle/>
-          <a:p>
-            <a:r>
-              <a:rPr lang="en-US" dirty="0"/>
-              <a:t>In periods of rising interest rates, consumers are more likely to purchase term deposits since the increased cost of borrowing makes savings more attractive. Also, with higher market interest rates, the financial institution will need to offer the investor a higher rate of interest, so the investor also earns more.</a:t>
-            </a:r>
-          </a:p>
-          <a:p>
-            <a:r>
-              <a:rPr lang="en-US" dirty="0"/>
-              <a:t>When interest rates decrease, consumers are encouraged to borrow and spend more, thereby stimulating the economy. In a low interest rate environment, demand for term deposits can decrease since investors can typically find alternative investment vehicles that pay a higher rate.</a:t>
-            </a:r>
-          </a:p>
-          <a:p>
-            <a:r>
-              <a:rPr lang="en-US" dirty="0"/>
-              <a:t>Term deposits are an extremely safe investment and are therefore very appealing to conservative, low-risk investors. </a:t>
-            </a:r>
-          </a:p>
-          <a:p>
-            <a:r>
-              <a:rPr lang="en-US" dirty="0"/>
-              <a:t>Source: https://</a:t>
-            </a:r>
-            <a:r>
-              <a:rPr lang="en-US" dirty="0" err="1"/>
-              <a:t>www.investopedia.com</a:t>
-            </a:r>
-            <a:r>
-              <a:rPr lang="en-US" dirty="0"/>
-              <a:t>/terms/t/</a:t>
-            </a:r>
-            <a:r>
-              <a:rPr lang="en-US" dirty="0" err="1"/>
-              <a:t>termdeposit.asp</a:t>
-            </a:r>
-            <a:br>
-              <a:rPr lang="en-US" dirty="0"/>
-            </a:br>
-            <a:endParaRPr lang="en-US" dirty="0"/>
-          </a:p>
-        </p:txBody>
-      </p:sp>
-    </p:spTree>
-    <p:extLst>
-      <p:ext uri="{BB962C8B-B14F-4D97-AF65-F5344CB8AC3E}">
-        <p14:creationId xmlns:p14="http://schemas.microsoft.com/office/powerpoint/2010/main" val="3674109466"/>
-      </p:ext>
-    </p:extLst>
-  </p:cSld>
-  <p:clrMapOvr>
-    <a:masterClrMapping/>
-  </p:clrMapOvr>
-</p:sld>
-</file>
-
-<file path=ppt/slides/slide24.xml><?xml version="1.0" encoding="utf-8"?>
-<p:sld xmlns:a="http://schemas.openxmlformats.org/drawingml/2006/main" xmlns:r="http://schemas.openxmlformats.org/officeDocument/2006/relationships" xmlns:p="http://schemas.openxmlformats.org/presentationml/2006/main">
-  <p:cSld>
-    <p:bg>
-      <p:bgPr>
-        <a:solidFill>
-          <a:schemeClr val="bg2"/>
-        </a:solidFill>
-        <a:effectLst/>
-      </p:bgPr>
-    </p:bg>
-    <p:spTree>
-      <p:nvGrpSpPr>
-        <p:cNvPr id="1" name=""/>
-        <p:cNvGrpSpPr/>
-        <p:nvPr/>
-      </p:nvGrpSpPr>
-      <p:grpSpPr>
-        <a:xfrm>
-          <a:off x="0" y="0"/>
-          <a:ext cx="0" cy="0"/>
-          <a:chOff x="0" y="0"/>
-          <a:chExt cx="0" cy="0"/>
-        </a:xfrm>
-      </p:grpSpPr>
-      <p:sp>
-        <p:nvSpPr>
-          <p:cNvPr id="2" name="Title 1">
-            <a:extLst>
-              <a:ext uri="{FF2B5EF4-FFF2-40B4-BE49-F238E27FC236}">
-                <a16:creationId xmlns:a16="http://schemas.microsoft.com/office/drawing/2014/main" id="{42DCF7CC-3F1F-5EE8-BEFE-61422634D27F}"/>
-              </a:ext>
-            </a:extLst>
-          </p:cNvPr>
-          <p:cNvSpPr>
-            <a:spLocks noGrp="1"/>
-          </p:cNvSpPr>
-          <p:nvPr>
-            <p:ph type="title"/>
-          </p:nvPr>
-        </p:nvSpPr>
-        <p:spPr>
-          <a:xfrm>
-            <a:off x="804672" y="964692"/>
-            <a:ext cx="3066937" cy="1188720"/>
-          </a:xfrm>
-        </p:spPr>
-        <p:txBody>
-          <a:bodyPr>
-            <a:normAutofit/>
-          </a:bodyPr>
-          <a:lstStyle/>
-          <a:p>
-            <a:r>
-              <a:rPr lang="en-US" sz="2400"/>
-              <a:t>Interest rates and deposits</a:t>
-            </a:r>
-          </a:p>
-        </p:txBody>
-      </p:sp>
-      <p:sp>
-        <p:nvSpPr>
-          <p:cNvPr id="3" name="Content Placeholder 2">
-            <a:extLst>
-              <a:ext uri="{FF2B5EF4-FFF2-40B4-BE49-F238E27FC236}">
-                <a16:creationId xmlns:a16="http://schemas.microsoft.com/office/drawing/2014/main" id="{99710C9B-F8B7-7FDC-0EA5-5E541D9EAA30}"/>
-              </a:ext>
-            </a:extLst>
-          </p:cNvPr>
-          <p:cNvSpPr>
-            <a:spLocks noGrp="1"/>
-          </p:cNvSpPr>
-          <p:nvPr>
-            <p:ph idx="1"/>
-          </p:nvPr>
-        </p:nvSpPr>
-        <p:spPr>
-          <a:xfrm>
-            <a:off x="803244" y="2638044"/>
-            <a:ext cx="3063765" cy="3263206"/>
-          </a:xfrm>
-        </p:spPr>
-        <p:txBody>
-          <a:bodyPr>
-            <a:normAutofit fontScale="92500" lnSpcReduction="20000"/>
-          </a:bodyPr>
-          <a:lstStyle/>
-          <a:p>
-            <a:pPr marL="0" indent="0">
-              <a:lnSpc>
-                <a:spcPct val="90000"/>
-              </a:lnSpc>
-              <a:buNone/>
-            </a:pPr>
-            <a:br>
-              <a:rPr lang="en-US" dirty="0"/>
-            </a:br>
-            <a:endParaRPr lang="en-US" dirty="0"/>
-          </a:p>
-          <a:p>
-            <a:pPr>
-              <a:lnSpc>
-                <a:spcPct val="90000"/>
-              </a:lnSpc>
-            </a:pPr>
-            <a:r>
-              <a:rPr lang="en-US" dirty="0"/>
-              <a:t>The 3 month Euribor interest rate is</a:t>
-            </a:r>
-            <a:r>
-              <a:rPr lang="en-US" b="1" dirty="0"/>
-              <a:t> </a:t>
-            </a:r>
-            <a:r>
-              <a:rPr lang="en-US" dirty="0"/>
-              <a:t>the interest rate at which a selection of European banks lend one another funds denominated in euros whereby the loans have a maturity of 3 months.</a:t>
-            </a:r>
-          </a:p>
-          <a:p>
-            <a:pPr>
-              <a:lnSpc>
-                <a:spcPct val="90000"/>
-              </a:lnSpc>
-            </a:pPr>
-            <a:r>
-              <a:rPr lang="en-US" dirty="0"/>
-              <a:t>Source: https://</a:t>
-            </a:r>
-            <a:r>
-              <a:rPr lang="en-US" dirty="0" err="1"/>
-              <a:t>www.global-rates.com</a:t>
-            </a:r>
-            <a:r>
-              <a:rPr lang="en-US" dirty="0"/>
-              <a:t>/</a:t>
-            </a:r>
-            <a:r>
-              <a:rPr lang="en-US" dirty="0" err="1"/>
-              <a:t>en</a:t>
-            </a:r>
-            <a:r>
-              <a:rPr lang="en-US" dirty="0"/>
-              <a:t>/interest-rates/</a:t>
-            </a:r>
-            <a:r>
-              <a:rPr lang="en-US" dirty="0" err="1"/>
-              <a:t>euribor</a:t>
-            </a:r>
-            <a:r>
-              <a:rPr lang="en-US" dirty="0"/>
-              <a:t>/2008.aspx</a:t>
-            </a:r>
-          </a:p>
-          <a:p>
-            <a:pPr marL="0" indent="0">
-              <a:lnSpc>
-                <a:spcPct val="90000"/>
-              </a:lnSpc>
-              <a:buNone/>
-            </a:pPr>
-            <a:br>
-              <a:rPr lang="en-US" dirty="0"/>
-            </a:br>
-            <a:endParaRPr lang="en-US" dirty="0"/>
-          </a:p>
-        </p:txBody>
-      </p:sp>
-      <p:sp>
-        <p:nvSpPr>
-          <p:cNvPr id="16" name="Rectangle 15">
-            <a:extLst>
-              <a:ext uri="{FF2B5EF4-FFF2-40B4-BE49-F238E27FC236}">
-                <a16:creationId xmlns:a16="http://schemas.microsoft.com/office/drawing/2014/main" id="{B9A6A8C2-8B3A-4AD3-AFCC-F1D3F1F02D3F}"/>
-              </a:ext>
-              <a:ext uri="{C183D7F6-B498-43B3-948B-1728B52AA6E4}">
-                <adec:decorative xmlns:adec="http://schemas.microsoft.com/office/drawing/2017/decorative" val="1"/>
-              </a:ext>
-            </a:extLst>
-          </p:cNvPr>
-          <p:cNvSpPr>
-            <a:spLocks noGrp="1" noRot="1" noChangeAspect="1" noMove="1" noResize="1" noEditPoints="1" noAdjustHandles="1" noChangeArrowheads="1" noChangeShapeType="1" noTextEdit="1"/>
-          </p:cNvSpPr>
-          <p:nvPr>
-            <p:extLst>
-              <p:ext uri="{386F3935-93C4-4BCD-93E2-E3B085C9AB24}">
-                <p16:designElem xmlns:p16="http://schemas.microsoft.com/office/powerpoint/2015/main" val="1"/>
-              </p:ext>
-            </p:extLst>
-          </p:nvPr>
-        </p:nvSpPr>
-        <p:spPr>
-          <a:xfrm>
-            <a:off x="4494182" y="964692"/>
-            <a:ext cx="6885432" cy="4936558"/>
-          </a:xfrm>
-          <a:prstGeom prst="rect">
-            <a:avLst/>
-          </a:prstGeom>
-          <a:noFill/>
-          <a:ln w="31750" cap="sq">
-            <a:solidFill>
-              <a:srgbClr val="FFFFFF"/>
-            </a:solidFill>
-            <a:miter lim="800000"/>
-          </a:ln>
-        </p:spPr>
-        <p:style>
-          <a:lnRef idx="2">
-            <a:schemeClr val="accent1">
-              <a:shade val="50000"/>
-            </a:schemeClr>
-          </a:lnRef>
-          <a:fillRef idx="1">
-            <a:schemeClr val="accent1"/>
-          </a:fillRef>
-          <a:effectRef idx="0">
-            <a:schemeClr val="accent1"/>
-          </a:effectRef>
-          <a:fontRef idx="minor">
-            <a:schemeClr val="lt1"/>
-          </a:fontRef>
-        </p:style>
-        <p:txBody>
-          <a:bodyPr rtlCol="0" anchor="ctr"/>
-          <a:lstStyle/>
-          <a:p>
-            <a:pPr algn="ctr"/>
-            <a:endParaRPr lang="en-US" dirty="0"/>
-          </a:p>
-        </p:txBody>
-      </p:sp>
-      <p:sp>
-        <p:nvSpPr>
-          <p:cNvPr id="18" name="Rectangle 17">
-            <a:extLst>
-              <a:ext uri="{FF2B5EF4-FFF2-40B4-BE49-F238E27FC236}">
-                <a16:creationId xmlns:a16="http://schemas.microsoft.com/office/drawing/2014/main" id="{CDF64937-39B5-4AB3-A2EF-EA689BA6087B}"/>
-              </a:ext>
-              <a:ext uri="{C183D7F6-B498-43B3-948B-1728B52AA6E4}">
-                <adec:decorative xmlns:adec="http://schemas.microsoft.com/office/drawing/2017/decorative" val="1"/>
-              </a:ext>
-            </a:extLst>
-          </p:cNvPr>
-          <p:cNvSpPr>
-            <a:spLocks noGrp="1" noRot="1" noChangeAspect="1" noMove="1" noResize="1" noEditPoints="1" noAdjustHandles="1" noChangeArrowheads="1" noChangeShapeType="1" noTextEdit="1"/>
-          </p:cNvSpPr>
-          <p:nvPr>
-            <p:extLst>
-              <p:ext uri="{386F3935-93C4-4BCD-93E2-E3B085C9AB24}">
-                <p16:designElem xmlns:p16="http://schemas.microsoft.com/office/powerpoint/2015/main" val="1"/>
-              </p:ext>
-            </p:extLst>
-          </p:nvPr>
-        </p:nvSpPr>
-        <p:spPr>
-          <a:xfrm>
-            <a:off x="4657802" y="1128683"/>
-            <a:ext cx="6558192" cy="4608576"/>
-          </a:xfrm>
-          <a:prstGeom prst="rect">
-            <a:avLst/>
-          </a:prstGeom>
-          <a:solidFill>
-            <a:srgbClr val="FFFFFF"/>
-          </a:solidFill>
-          <a:ln>
-            <a:noFill/>
-          </a:ln>
-        </p:spPr>
-        <p:style>
-          <a:lnRef idx="2">
-            <a:schemeClr val="accent1">
-              <a:shade val="50000"/>
-            </a:schemeClr>
-          </a:lnRef>
-          <a:fillRef idx="1">
-            <a:schemeClr val="accent1"/>
-          </a:fillRef>
-          <a:effectRef idx="0">
-            <a:schemeClr val="accent1"/>
-          </a:effectRef>
-          <a:fontRef idx="minor">
-            <a:schemeClr val="lt1"/>
-          </a:fontRef>
-        </p:style>
-        <p:txBody>
-          <a:bodyPr rtlCol="0" anchor="ctr"/>
-          <a:lstStyle/>
-          <a:p>
-            <a:pPr algn="ctr"/>
-            <a:endParaRPr lang="en-US"/>
-          </a:p>
-        </p:txBody>
-      </p:sp>
-      <p:pic>
-        <p:nvPicPr>
-          <p:cNvPr id="4" name="Picture 3" descr="Chart, line chart&#10;&#10;Description automatically generated">
-            <a:extLst>
-              <a:ext uri="{FF2B5EF4-FFF2-40B4-BE49-F238E27FC236}">
-                <a16:creationId xmlns:a16="http://schemas.microsoft.com/office/drawing/2014/main" id="{70C24CD1-8EF0-2E76-D80E-724E9C9B1354}"/>
-              </a:ext>
-            </a:extLst>
-          </p:cNvPr>
-          <p:cNvPicPr>
-            <a:picLocks noChangeAspect="1"/>
-          </p:cNvPicPr>
-          <p:nvPr/>
-        </p:nvPicPr>
-        <p:blipFill>
-          <a:blip r:embed="rId2"/>
-          <a:stretch>
-            <a:fillRect/>
-          </a:stretch>
-        </p:blipFill>
-        <p:spPr>
-          <a:xfrm>
-            <a:off x="4823366" y="2428857"/>
-            <a:ext cx="6227064" cy="2008227"/>
-          </a:xfrm>
-          <a:prstGeom prst="rect">
-            <a:avLst/>
-          </a:prstGeom>
-        </p:spPr>
-      </p:pic>
-    </p:spTree>
-    <p:extLst>
-      <p:ext uri="{BB962C8B-B14F-4D97-AF65-F5344CB8AC3E}">
-        <p14:creationId xmlns:p14="http://schemas.microsoft.com/office/powerpoint/2010/main" val="1102143672"/>
-      </p:ext>
-    </p:extLst>
-  </p:cSld>
-  <p:clrMapOvr>
-    <a:masterClrMapping/>
-  </p:clrMapOvr>
-</p:sld>
-</file>
-
-<file path=ppt/slides/slide25.xml><?xml version="1.0" encoding="utf-8"?>
-<p:sld xmlns:a="http://schemas.openxmlformats.org/drawingml/2006/main" xmlns:r="http://schemas.openxmlformats.org/officeDocument/2006/relationships" xmlns:p="http://schemas.openxmlformats.org/presentationml/2006/main">
-  <p:cSld>
-    <p:spTree>
-      <p:nvGrpSpPr>
-        <p:cNvPr id="1" name=""/>
-        <p:cNvGrpSpPr/>
-        <p:nvPr/>
-      </p:nvGrpSpPr>
-      <p:grpSpPr>
-        <a:xfrm>
-          <a:off x="0" y="0"/>
-          <a:ext cx="0" cy="0"/>
-          <a:chOff x="0" y="0"/>
-          <a:chExt cx="0" cy="0"/>
-        </a:xfrm>
-      </p:grpSpPr>
-      <p:sp>
-        <p:nvSpPr>
-          <p:cNvPr id="2" name="Title 1">
-            <a:extLst>
-              <a:ext uri="{FF2B5EF4-FFF2-40B4-BE49-F238E27FC236}">
-                <a16:creationId xmlns:a16="http://schemas.microsoft.com/office/drawing/2014/main" id="{F605D3CD-8023-F560-9DBE-7B488B07F55B}"/>
-              </a:ext>
-            </a:extLst>
-          </p:cNvPr>
-          <p:cNvSpPr>
-            <a:spLocks noGrp="1"/>
-          </p:cNvSpPr>
-          <p:nvPr>
-            <p:ph type="title"/>
-          </p:nvPr>
-        </p:nvSpPr>
-        <p:spPr/>
-        <p:txBody>
-          <a:bodyPr/>
-          <a:lstStyle/>
-          <a:p>
-            <a:r>
-              <a:rPr lang="en-US" dirty="0"/>
-              <a:t>Roc curve</a:t>
-            </a:r>
-          </a:p>
-        </p:txBody>
-      </p:sp>
-      <p:pic>
-        <p:nvPicPr>
-          <p:cNvPr id="4" name="Content Placeholder 3">
-            <a:extLst>
-              <a:ext uri="{FF2B5EF4-FFF2-40B4-BE49-F238E27FC236}">
-                <a16:creationId xmlns:a16="http://schemas.microsoft.com/office/drawing/2014/main" id="{AE74AF01-29E4-A9D2-1A8B-5FA5817243BB}"/>
-              </a:ext>
-            </a:extLst>
-          </p:cNvPr>
-          <p:cNvPicPr>
-            <a:picLocks noGrp="1" noChangeAspect="1"/>
-          </p:cNvPicPr>
-          <p:nvPr>
-            <p:ph idx="1"/>
-          </p:nvPr>
-        </p:nvPicPr>
-        <p:blipFill>
-          <a:blip r:embed="rId2"/>
-          <a:stretch>
-            <a:fillRect/>
-          </a:stretch>
-        </p:blipFill>
-        <p:spPr>
-          <a:xfrm>
-            <a:off x="2479098" y="2638425"/>
-            <a:ext cx="7233805" cy="3101975"/>
-          </a:xfrm>
-          <a:prstGeom prst="rect">
-            <a:avLst/>
-          </a:prstGeom>
-        </p:spPr>
-      </p:pic>
-    </p:spTree>
-    <p:extLst>
-      <p:ext uri="{BB962C8B-B14F-4D97-AF65-F5344CB8AC3E}">
-        <p14:creationId xmlns:p14="http://schemas.microsoft.com/office/powerpoint/2010/main" val="787895217"/>
-      </p:ext>
-    </p:extLst>
-  </p:cSld>
-  <p:clrMapOvr>
-    <a:masterClrMapping/>
-  </p:clrMapOvr>
-</p:sld>
-</file>
-
-<file path=ppt/slides/slide26.xml><?xml version="1.0" encoding="utf-8"?>
-<p:sld xmlns:a="http://schemas.openxmlformats.org/drawingml/2006/main" xmlns:r="http://schemas.openxmlformats.org/officeDocument/2006/relationships" xmlns:p="http://schemas.openxmlformats.org/presentationml/2006/main">
-  <p:cSld>
-    <p:bg>
-      <p:bgPr>
-        <a:solidFill>
-          <a:schemeClr val="bg2"/>
-        </a:solidFill>
-        <a:effectLst/>
-      </p:bgPr>
-    </p:bg>
-    <p:spTree>
-      <p:nvGrpSpPr>
-        <p:cNvPr id="1" name=""/>
-        <p:cNvGrpSpPr/>
-        <p:nvPr/>
-      </p:nvGrpSpPr>
-      <p:grpSpPr>
-        <a:xfrm>
-          <a:off x="0" y="0"/>
-          <a:ext cx="0" cy="0"/>
-          <a:chOff x="0" y="0"/>
-          <a:chExt cx="0" cy="0"/>
-        </a:xfrm>
-      </p:grpSpPr>
-      <p:sp>
-        <p:nvSpPr>
-          <p:cNvPr id="2" name="Title 1">
-            <a:extLst>
-              <a:ext uri="{FF2B5EF4-FFF2-40B4-BE49-F238E27FC236}">
-                <a16:creationId xmlns:a16="http://schemas.microsoft.com/office/drawing/2014/main" id="{7DF4C2E0-50CD-C08B-DDE2-31594F98E420}"/>
-              </a:ext>
-            </a:extLst>
-          </p:cNvPr>
-          <p:cNvSpPr>
-            <a:spLocks noGrp="1"/>
-          </p:cNvSpPr>
-          <p:nvPr>
-            <p:ph type="title"/>
-          </p:nvPr>
-        </p:nvSpPr>
-        <p:spPr>
-          <a:xfrm>
-            <a:off x="804672" y="964692"/>
-            <a:ext cx="3066937" cy="1188720"/>
-          </a:xfrm>
-        </p:spPr>
-        <p:txBody>
-          <a:bodyPr>
-            <a:normAutofit fontScale="90000"/>
-          </a:bodyPr>
-          <a:lstStyle/>
-          <a:p>
-            <a:r>
-              <a:rPr lang="en-US" dirty="0"/>
-              <a:t>Telephone type vs deposit</a:t>
-            </a:r>
-          </a:p>
-        </p:txBody>
-      </p:sp>
-      <p:sp>
-        <p:nvSpPr>
-          <p:cNvPr id="8" name="Content Placeholder 7">
-            <a:extLst>
-              <a:ext uri="{FF2B5EF4-FFF2-40B4-BE49-F238E27FC236}">
-                <a16:creationId xmlns:a16="http://schemas.microsoft.com/office/drawing/2014/main" id="{40038055-A281-1B2F-6F11-8374148AA378}"/>
-              </a:ext>
-            </a:extLst>
-          </p:cNvPr>
-          <p:cNvSpPr>
-            <a:spLocks noGrp="1"/>
-          </p:cNvSpPr>
-          <p:nvPr>
-            <p:ph idx="1"/>
-          </p:nvPr>
-        </p:nvSpPr>
-        <p:spPr>
-          <a:xfrm>
-            <a:off x="803244" y="2638044"/>
-            <a:ext cx="3063765" cy="3263206"/>
-          </a:xfrm>
-        </p:spPr>
-        <p:txBody>
-          <a:bodyPr>
-            <a:normAutofit/>
-          </a:bodyPr>
-          <a:lstStyle/>
-          <a:p>
-            <a:r>
-              <a:rPr lang="en-US" dirty="0"/>
-              <a:t>Cellular contact are more likely to say yes</a:t>
-            </a:r>
-          </a:p>
-        </p:txBody>
-      </p:sp>
-      <p:sp>
-        <p:nvSpPr>
-          <p:cNvPr id="11" name="Rectangle 10">
-            <a:extLst>
-              <a:ext uri="{FF2B5EF4-FFF2-40B4-BE49-F238E27FC236}">
-                <a16:creationId xmlns:a16="http://schemas.microsoft.com/office/drawing/2014/main" id="{B9A6A8C2-8B3A-4AD3-AFCC-F1D3F1F02D3F}"/>
-              </a:ext>
-              <a:ext uri="{C183D7F6-B498-43B3-948B-1728B52AA6E4}">
-                <adec:decorative xmlns:adec="http://schemas.microsoft.com/office/drawing/2017/decorative" val="1"/>
-              </a:ext>
-            </a:extLst>
-          </p:cNvPr>
-          <p:cNvSpPr>
-            <a:spLocks noGrp="1" noRot="1" noChangeAspect="1" noMove="1" noResize="1" noEditPoints="1" noAdjustHandles="1" noChangeArrowheads="1" noChangeShapeType="1" noTextEdit="1"/>
-          </p:cNvSpPr>
-          <p:nvPr>
-            <p:extLst>
-              <p:ext uri="{386F3935-93C4-4BCD-93E2-E3B085C9AB24}">
-                <p16:designElem xmlns:p16="http://schemas.microsoft.com/office/powerpoint/2015/main" val="1"/>
-              </p:ext>
-            </p:extLst>
-          </p:nvPr>
-        </p:nvSpPr>
-        <p:spPr>
-          <a:xfrm>
-            <a:off x="4494182" y="964692"/>
-            <a:ext cx="6885432" cy="4936558"/>
-          </a:xfrm>
-          <a:prstGeom prst="rect">
-            <a:avLst/>
-          </a:prstGeom>
-          <a:noFill/>
-          <a:ln w="31750" cap="sq">
-            <a:solidFill>
-              <a:srgbClr val="FFFFFF"/>
-            </a:solidFill>
-            <a:miter lim="800000"/>
-          </a:ln>
-        </p:spPr>
-        <p:style>
-          <a:lnRef idx="2">
-            <a:schemeClr val="accent1">
-              <a:shade val="50000"/>
-            </a:schemeClr>
-          </a:lnRef>
-          <a:fillRef idx="1">
-            <a:schemeClr val="accent1"/>
-          </a:fillRef>
-          <a:effectRef idx="0">
-            <a:schemeClr val="accent1"/>
-          </a:effectRef>
-          <a:fontRef idx="minor">
-            <a:schemeClr val="lt1"/>
-          </a:fontRef>
-        </p:style>
-        <p:txBody>
-          <a:bodyPr rtlCol="0" anchor="ctr"/>
-          <a:lstStyle/>
-          <a:p>
-            <a:pPr algn="ctr"/>
-            <a:endParaRPr lang="en-US" dirty="0"/>
-          </a:p>
-        </p:txBody>
-      </p:sp>
-      <p:sp>
-        <p:nvSpPr>
-          <p:cNvPr id="13" name="Rectangle 12">
-            <a:extLst>
-              <a:ext uri="{FF2B5EF4-FFF2-40B4-BE49-F238E27FC236}">
-                <a16:creationId xmlns:a16="http://schemas.microsoft.com/office/drawing/2014/main" id="{CDF64937-39B5-4AB3-A2EF-EA689BA6087B}"/>
-              </a:ext>
-              <a:ext uri="{C183D7F6-B498-43B3-948B-1728B52AA6E4}">
-                <adec:decorative xmlns:adec="http://schemas.microsoft.com/office/drawing/2017/decorative" val="1"/>
-              </a:ext>
-            </a:extLst>
-          </p:cNvPr>
-          <p:cNvSpPr>
-            <a:spLocks noGrp="1" noRot="1" noChangeAspect="1" noMove="1" noResize="1" noEditPoints="1" noAdjustHandles="1" noChangeArrowheads="1" noChangeShapeType="1" noTextEdit="1"/>
-          </p:cNvSpPr>
-          <p:nvPr>
-            <p:extLst>
-              <p:ext uri="{386F3935-93C4-4BCD-93E2-E3B085C9AB24}">
-                <p16:designElem xmlns:p16="http://schemas.microsoft.com/office/powerpoint/2015/main" val="1"/>
-              </p:ext>
-            </p:extLst>
-          </p:nvPr>
-        </p:nvSpPr>
-        <p:spPr>
-          <a:xfrm>
-            <a:off x="4657802" y="1128683"/>
-            <a:ext cx="6558192" cy="4608576"/>
-          </a:xfrm>
-          <a:prstGeom prst="rect">
-            <a:avLst/>
-          </a:prstGeom>
-          <a:solidFill>
-            <a:srgbClr val="FFFFFF"/>
-          </a:solidFill>
-          <a:ln>
-            <a:noFill/>
-          </a:ln>
-        </p:spPr>
-        <p:style>
-          <a:lnRef idx="2">
-            <a:schemeClr val="accent1">
-              <a:shade val="50000"/>
-            </a:schemeClr>
-          </a:lnRef>
-          <a:fillRef idx="1">
-            <a:schemeClr val="accent1"/>
-          </a:fillRef>
-          <a:effectRef idx="0">
-            <a:schemeClr val="accent1"/>
-          </a:effectRef>
-          <a:fontRef idx="minor">
-            <a:schemeClr val="lt1"/>
-          </a:fontRef>
-        </p:style>
-        <p:txBody>
-          <a:bodyPr rtlCol="0" anchor="ctr"/>
-          <a:lstStyle/>
-          <a:p>
-            <a:pPr algn="ctr"/>
-            <a:endParaRPr lang="en-US"/>
-          </a:p>
-        </p:txBody>
-      </p:sp>
-      <p:pic>
-        <p:nvPicPr>
-          <p:cNvPr id="4" name="Content Placeholder 3" descr="Chart, treemap chart&#10;&#10;Description automatically generated">
-            <a:extLst>
-              <a:ext uri="{FF2B5EF4-FFF2-40B4-BE49-F238E27FC236}">
-                <a16:creationId xmlns:a16="http://schemas.microsoft.com/office/drawing/2014/main" id="{DBA9DFBA-3AA5-0827-EBFB-2F7803A6F027}"/>
-              </a:ext>
-            </a:extLst>
-          </p:cNvPr>
-          <p:cNvPicPr>
-            <a:picLocks noChangeAspect="1"/>
-          </p:cNvPicPr>
-          <p:nvPr/>
-        </p:nvPicPr>
-        <p:blipFill>
-          <a:blip r:embed="rId2"/>
-          <a:stretch>
-            <a:fillRect/>
-          </a:stretch>
-        </p:blipFill>
-        <p:spPr>
-          <a:xfrm>
-            <a:off x="4823366" y="1502581"/>
-            <a:ext cx="6227064" cy="3860779"/>
-          </a:xfrm>
-          <a:prstGeom prst="rect">
-            <a:avLst/>
-          </a:prstGeom>
-        </p:spPr>
-      </p:pic>
-    </p:spTree>
-    <p:extLst>
-      <p:ext uri="{BB962C8B-B14F-4D97-AF65-F5344CB8AC3E}">
-        <p14:creationId xmlns:p14="http://schemas.microsoft.com/office/powerpoint/2010/main" val="885346616"/>
-      </p:ext>
-    </p:extLst>
-  </p:cSld>
-  <p:clrMapOvr>
-    <a:masterClrMapping/>
-  </p:clrMapOvr>
-</p:sld>
-</file>
-
-<file path=ppt/slides/slide27.xml><?xml version="1.0" encoding="utf-8"?>
-<p:sld xmlns:a="http://schemas.openxmlformats.org/drawingml/2006/main" xmlns:r="http://schemas.openxmlformats.org/officeDocument/2006/relationships" xmlns:p="http://schemas.openxmlformats.org/presentationml/2006/main">
-  <p:cSld>
-    <p:bg>
-      <p:bgPr>
-        <a:solidFill>
-          <a:schemeClr val="bg2"/>
-        </a:solidFill>
-        <a:effectLst/>
-      </p:bgPr>
-    </p:bg>
-    <p:spTree>
-      <p:nvGrpSpPr>
-        <p:cNvPr id="1" name=""/>
-        <p:cNvGrpSpPr/>
-        <p:nvPr/>
-      </p:nvGrpSpPr>
-      <p:grpSpPr>
-        <a:xfrm>
-          <a:off x="0" y="0"/>
-          <a:ext cx="0" cy="0"/>
-          <a:chOff x="0" y="0"/>
-          <a:chExt cx="0" cy="0"/>
-        </a:xfrm>
-      </p:grpSpPr>
-      <p:sp>
-        <p:nvSpPr>
-          <p:cNvPr id="2" name="Title 1">
-            <a:extLst>
-              <a:ext uri="{FF2B5EF4-FFF2-40B4-BE49-F238E27FC236}">
-                <a16:creationId xmlns:a16="http://schemas.microsoft.com/office/drawing/2014/main" id="{E2AEAEBE-F2E7-353B-B7C5-D443F755248E}"/>
-              </a:ext>
-            </a:extLst>
-          </p:cNvPr>
-          <p:cNvSpPr>
-            <a:spLocks noGrp="1"/>
-          </p:cNvSpPr>
-          <p:nvPr>
-            <p:ph type="title"/>
-          </p:nvPr>
-        </p:nvSpPr>
-        <p:spPr>
-          <a:xfrm>
-            <a:off x="804672" y="964692"/>
-            <a:ext cx="3066937" cy="1188720"/>
-          </a:xfrm>
-        </p:spPr>
-        <p:txBody>
-          <a:bodyPr>
-            <a:normAutofit/>
-          </a:bodyPr>
-          <a:lstStyle/>
-          <a:p>
-            <a:r>
-              <a:rPr lang="en-US" dirty="0"/>
-              <a:t>Deposits by month</a:t>
-            </a:r>
-          </a:p>
-        </p:txBody>
-      </p:sp>
-      <p:sp>
-        <p:nvSpPr>
-          <p:cNvPr id="8" name="Content Placeholder 7">
-            <a:extLst>
-              <a:ext uri="{FF2B5EF4-FFF2-40B4-BE49-F238E27FC236}">
-                <a16:creationId xmlns:a16="http://schemas.microsoft.com/office/drawing/2014/main" id="{E8FAF2AA-3378-CCE0-9B98-17DF575F7A5B}"/>
-              </a:ext>
-            </a:extLst>
-          </p:cNvPr>
-          <p:cNvSpPr>
-            <a:spLocks noGrp="1"/>
-          </p:cNvSpPr>
-          <p:nvPr>
-            <p:ph idx="1"/>
-          </p:nvPr>
-        </p:nvSpPr>
-        <p:spPr>
-          <a:xfrm>
-            <a:off x="803244" y="2638044"/>
-            <a:ext cx="3063765" cy="3263206"/>
-          </a:xfrm>
-        </p:spPr>
-        <p:txBody>
-          <a:bodyPr>
-            <a:normAutofit/>
-          </a:bodyPr>
-          <a:lstStyle/>
-          <a:p>
-            <a:r>
-              <a:rPr lang="en-US" dirty="0"/>
-              <a:t>High frequency of yeses in April, March, October, September, and December</a:t>
-            </a:r>
-          </a:p>
-          <a:p>
-            <a:r>
-              <a:rPr lang="en-US" dirty="0"/>
-              <a:t>A lot of activity in May, but most people say no: perhaps rework the timing of calls to have more calls be placed in April, March, October, September, and December</a:t>
-            </a:r>
-          </a:p>
-          <a:p>
-            <a:endParaRPr lang="en-US" dirty="0"/>
-          </a:p>
-        </p:txBody>
-      </p:sp>
-      <p:sp>
-        <p:nvSpPr>
-          <p:cNvPr id="11" name="Rectangle 10">
-            <a:extLst>
-              <a:ext uri="{FF2B5EF4-FFF2-40B4-BE49-F238E27FC236}">
-                <a16:creationId xmlns:a16="http://schemas.microsoft.com/office/drawing/2014/main" id="{B9A6A8C2-8B3A-4AD3-AFCC-F1D3F1F02D3F}"/>
-              </a:ext>
-              <a:ext uri="{C183D7F6-B498-43B3-948B-1728B52AA6E4}">
-                <adec:decorative xmlns:adec="http://schemas.microsoft.com/office/drawing/2017/decorative" val="1"/>
-              </a:ext>
-            </a:extLst>
-          </p:cNvPr>
-          <p:cNvSpPr>
-            <a:spLocks noGrp="1" noRot="1" noChangeAspect="1" noMove="1" noResize="1" noEditPoints="1" noAdjustHandles="1" noChangeArrowheads="1" noChangeShapeType="1" noTextEdit="1"/>
-          </p:cNvSpPr>
-          <p:nvPr>
-            <p:extLst>
-              <p:ext uri="{386F3935-93C4-4BCD-93E2-E3B085C9AB24}">
-                <p16:designElem xmlns:p16="http://schemas.microsoft.com/office/powerpoint/2015/main" val="1"/>
-              </p:ext>
-            </p:extLst>
-          </p:nvPr>
-        </p:nvSpPr>
-        <p:spPr>
-          <a:xfrm>
-            <a:off x="4494182" y="964692"/>
-            <a:ext cx="6885432" cy="4936558"/>
-          </a:xfrm>
-          <a:prstGeom prst="rect">
-            <a:avLst/>
-          </a:prstGeom>
-          <a:noFill/>
-          <a:ln w="31750" cap="sq">
-            <a:solidFill>
-              <a:srgbClr val="FFFFFF"/>
-            </a:solidFill>
-            <a:miter lim="800000"/>
-          </a:ln>
-        </p:spPr>
-        <p:style>
-          <a:lnRef idx="2">
-            <a:schemeClr val="accent1">
-              <a:shade val="50000"/>
-            </a:schemeClr>
-          </a:lnRef>
-          <a:fillRef idx="1">
-            <a:schemeClr val="accent1"/>
-          </a:fillRef>
-          <a:effectRef idx="0">
-            <a:schemeClr val="accent1"/>
-          </a:effectRef>
-          <a:fontRef idx="minor">
-            <a:schemeClr val="lt1"/>
-          </a:fontRef>
-        </p:style>
-        <p:txBody>
-          <a:bodyPr rtlCol="0" anchor="ctr"/>
-          <a:lstStyle/>
-          <a:p>
-            <a:pPr algn="ctr"/>
-            <a:endParaRPr lang="en-US" dirty="0"/>
-          </a:p>
-        </p:txBody>
-      </p:sp>
-      <p:sp>
-        <p:nvSpPr>
-          <p:cNvPr id="13" name="Rectangle 12">
-            <a:extLst>
-              <a:ext uri="{FF2B5EF4-FFF2-40B4-BE49-F238E27FC236}">
-                <a16:creationId xmlns:a16="http://schemas.microsoft.com/office/drawing/2014/main" id="{CDF64937-39B5-4AB3-A2EF-EA689BA6087B}"/>
-              </a:ext>
-              <a:ext uri="{C183D7F6-B498-43B3-948B-1728B52AA6E4}">
-                <adec:decorative xmlns:adec="http://schemas.microsoft.com/office/drawing/2017/decorative" val="1"/>
-              </a:ext>
-            </a:extLst>
-          </p:cNvPr>
-          <p:cNvSpPr>
-            <a:spLocks noGrp="1" noRot="1" noChangeAspect="1" noMove="1" noResize="1" noEditPoints="1" noAdjustHandles="1" noChangeArrowheads="1" noChangeShapeType="1" noTextEdit="1"/>
-          </p:cNvSpPr>
-          <p:nvPr>
-            <p:extLst>
-              <p:ext uri="{386F3935-93C4-4BCD-93E2-E3B085C9AB24}">
-                <p16:designElem xmlns:p16="http://schemas.microsoft.com/office/powerpoint/2015/main" val="1"/>
-              </p:ext>
-            </p:extLst>
-          </p:nvPr>
-        </p:nvSpPr>
-        <p:spPr>
-          <a:xfrm>
-            <a:off x="4657802" y="1128683"/>
-            <a:ext cx="6558192" cy="4608576"/>
-          </a:xfrm>
-          <a:prstGeom prst="rect">
-            <a:avLst/>
-          </a:prstGeom>
-          <a:solidFill>
-            <a:srgbClr val="FFFFFF"/>
-          </a:solidFill>
-          <a:ln>
-            <a:noFill/>
-          </a:ln>
-        </p:spPr>
-        <p:style>
-          <a:lnRef idx="2">
-            <a:schemeClr val="accent1">
-              <a:shade val="50000"/>
-            </a:schemeClr>
-          </a:lnRef>
-          <a:fillRef idx="1">
-            <a:schemeClr val="accent1"/>
-          </a:fillRef>
-          <a:effectRef idx="0">
-            <a:schemeClr val="accent1"/>
-          </a:effectRef>
-          <a:fontRef idx="minor">
-            <a:schemeClr val="lt1"/>
-          </a:fontRef>
-        </p:style>
-        <p:txBody>
-          <a:bodyPr rtlCol="0" anchor="ctr"/>
-          <a:lstStyle/>
-          <a:p>
-            <a:pPr algn="ctr"/>
-            <a:endParaRPr lang="en-US"/>
-          </a:p>
-        </p:txBody>
-      </p:sp>
-      <p:pic>
-        <p:nvPicPr>
-          <p:cNvPr id="4" name="Content Placeholder 3" descr="Chart, bar chart&#10;&#10;Description automatically generated">
-            <a:extLst>
-              <a:ext uri="{FF2B5EF4-FFF2-40B4-BE49-F238E27FC236}">
-                <a16:creationId xmlns:a16="http://schemas.microsoft.com/office/drawing/2014/main" id="{88E3B023-A976-20B2-7117-9F428A6703A0}"/>
-              </a:ext>
-            </a:extLst>
-          </p:cNvPr>
-          <p:cNvPicPr>
-            <a:picLocks noChangeAspect="1"/>
-          </p:cNvPicPr>
-          <p:nvPr/>
-        </p:nvPicPr>
-        <p:blipFill>
-          <a:blip r:embed="rId2"/>
-          <a:stretch>
-            <a:fillRect/>
-          </a:stretch>
-        </p:blipFill>
-        <p:spPr>
-          <a:xfrm>
-            <a:off x="4823366" y="1876205"/>
-            <a:ext cx="6227064" cy="3113531"/>
-          </a:xfrm>
-          <a:prstGeom prst="rect">
-            <a:avLst/>
-          </a:prstGeom>
-        </p:spPr>
-      </p:pic>
-    </p:spTree>
-    <p:extLst>
-      <p:ext uri="{BB962C8B-B14F-4D97-AF65-F5344CB8AC3E}">
-        <p14:creationId xmlns:p14="http://schemas.microsoft.com/office/powerpoint/2010/main" val="4281674797"/>
-      </p:ext>
-    </p:extLst>
-  </p:cSld>
-  <p:clrMapOvr>
-    <a:masterClrMapping/>
-  </p:clrMapOvr>
-</p:sld>
-</file>
-
-<file path=ppt/slides/slide28.xml><?xml version="1.0" encoding="utf-8"?>
-<p:sld xmlns:a="http://schemas.openxmlformats.org/drawingml/2006/main" xmlns:r="http://schemas.openxmlformats.org/officeDocument/2006/relationships" xmlns:p="http://schemas.openxmlformats.org/presentationml/2006/main">
-  <p:cSld>
-    <p:spTree>
-      <p:nvGrpSpPr>
-        <p:cNvPr id="1" name=""/>
-        <p:cNvGrpSpPr/>
-        <p:nvPr/>
-      </p:nvGrpSpPr>
-      <p:grpSpPr>
-        <a:xfrm>
-          <a:off x="0" y="0"/>
-          <a:ext cx="0" cy="0"/>
-          <a:chOff x="0" y="0"/>
-          <a:chExt cx="0" cy="0"/>
-        </a:xfrm>
-      </p:grpSpPr>
-      <p:sp>
-        <p:nvSpPr>
-          <p:cNvPr id="2" name="Title 1">
-            <a:extLst>
-              <a:ext uri="{FF2B5EF4-FFF2-40B4-BE49-F238E27FC236}">
-                <a16:creationId xmlns:a16="http://schemas.microsoft.com/office/drawing/2014/main" id="{B14D7E61-E472-9F21-1DA9-153E30F096E4}"/>
-              </a:ext>
-            </a:extLst>
-          </p:cNvPr>
-          <p:cNvSpPr>
-            <a:spLocks noGrp="1"/>
-          </p:cNvSpPr>
-          <p:nvPr>
-            <p:ph type="title"/>
-          </p:nvPr>
-        </p:nvSpPr>
-        <p:spPr/>
-        <p:txBody>
-          <a:bodyPr/>
-          <a:lstStyle/>
-          <a:p>
-            <a:r>
-              <a:rPr lang="en-US" dirty="0"/>
-              <a:t>Cost of no-ml strategy</a:t>
-            </a:r>
-          </a:p>
-        </p:txBody>
-      </p:sp>
-      <p:sp>
-        <p:nvSpPr>
-          <p:cNvPr id="3" name="Content Placeholder 2">
-            <a:extLst>
-              <a:ext uri="{FF2B5EF4-FFF2-40B4-BE49-F238E27FC236}">
-                <a16:creationId xmlns:a16="http://schemas.microsoft.com/office/drawing/2014/main" id="{A4AA96FF-A42F-9FB1-7ECF-CBA43F2C9C9B}"/>
-              </a:ext>
-            </a:extLst>
-          </p:cNvPr>
-          <p:cNvSpPr>
-            <a:spLocks noGrp="1"/>
-          </p:cNvSpPr>
-          <p:nvPr>
-            <p:ph idx="1"/>
-          </p:nvPr>
-        </p:nvSpPr>
-        <p:spPr/>
-        <p:txBody>
-          <a:bodyPr>
-            <a:normAutofit fontScale="85000" lnSpcReduction="10000"/>
-          </a:bodyPr>
-          <a:lstStyle/>
-          <a:p>
-            <a:r>
-              <a:rPr lang="en-US" dirty="0"/>
-              <a:t>Assuming a uniform distribution of yeses and noes, to reach 62% of the possible yeses, the bank would call .63362*41188=26098 customers.</a:t>
-            </a:r>
-          </a:p>
-          <a:p>
-            <a:pPr lvl="1"/>
-            <a:r>
-              <a:rPr lang="en-US" dirty="0"/>
-              <a:t>11.265% will say yes, with a length of call per yes being 553.1912 seconds, for a total of 452 hours. In addition, there were a total of 2.05 previous contacts per every ‘yes’ customer.  Assuming these were not ‘yeses’ then, the cost is additional 362 hours.  Total cost of 804 hours.</a:t>
-            </a:r>
-          </a:p>
-          <a:p>
-            <a:pPr lvl="1"/>
-            <a:r>
-              <a:rPr lang="en-US" dirty="0"/>
-              <a:t>88.735% will say no, with a length of call per yes being 220.8448 seconds, for a total of 1390 hours. In addition, there were a total of 2.63 previous contacts per every ‘no’ customer.  Assuming these were not ‘yeses’ then, the cost is additional 3656 hours.  Total cost of 5046 hours.</a:t>
-            </a:r>
-          </a:p>
-          <a:p>
-            <a:pPr lvl="1"/>
-            <a:r>
-              <a:rPr lang="en-US" dirty="0"/>
-              <a:t>Lower bound cost of acquiring 62% yeses: $10/</a:t>
-            </a:r>
-            <a:r>
-              <a:rPr lang="en-US" dirty="0" err="1"/>
-              <a:t>hr</a:t>
-            </a:r>
-            <a:r>
-              <a:rPr lang="en-US" dirty="0"/>
-              <a:t>*(5850)</a:t>
-            </a:r>
-            <a:r>
-              <a:rPr lang="en-US" dirty="0" err="1"/>
-              <a:t>hrs</a:t>
-            </a:r>
-            <a:r>
-              <a:rPr lang="en-US" dirty="0"/>
-              <a:t>= $58,500+long-term customer value and reputation costs</a:t>
-            </a:r>
-          </a:p>
-          <a:p>
-            <a:pPr lvl="1"/>
-            <a:r>
-              <a:rPr lang="en-US" dirty="0"/>
-              <a:t>Upper bound cost of acquiring 62% yeses: $20/</a:t>
-            </a:r>
-            <a:r>
-              <a:rPr lang="en-US" dirty="0" err="1"/>
-              <a:t>hr</a:t>
-            </a:r>
-            <a:r>
-              <a:rPr lang="en-US" dirty="0"/>
-              <a:t>*(5850)</a:t>
-            </a:r>
-            <a:r>
-              <a:rPr lang="en-US" dirty="0" err="1"/>
-              <a:t>hrs</a:t>
-            </a:r>
-            <a:r>
-              <a:rPr lang="en-US" dirty="0"/>
-              <a:t>= $117,000 +long-term customer value and reputation costs</a:t>
-            </a:r>
-          </a:p>
-          <a:p>
-            <a:pPr lvl="1"/>
-            <a:endParaRPr lang="en-US" dirty="0"/>
-          </a:p>
-          <a:p>
-            <a:pPr lvl="1"/>
-            <a:endParaRPr lang="en-US" dirty="0"/>
-          </a:p>
-          <a:p>
-            <a:pPr lvl="1"/>
-            <a:endParaRPr lang="en-US" dirty="0"/>
-          </a:p>
-        </p:txBody>
-      </p:sp>
-    </p:spTree>
-    <p:extLst>
-      <p:ext uri="{BB962C8B-B14F-4D97-AF65-F5344CB8AC3E}">
-        <p14:creationId xmlns:p14="http://schemas.microsoft.com/office/powerpoint/2010/main" val="2413235844"/>
-      </p:ext>
-    </p:extLst>
-  </p:cSld>
-  <p:clrMapOvr>
-    <a:masterClrMapping/>
-  </p:clrMapOvr>
-</p:sld>
-</file>
-
-<file path=ppt/slides/slide3.xml><?xml version="1.0" encoding="utf-8"?>
-<p:sld xmlns:a="http://schemas.openxmlformats.org/drawingml/2006/main" xmlns:r="http://schemas.openxmlformats.org/officeDocument/2006/relationships" xmlns:p="http://schemas.openxmlformats.org/presentationml/2006/main">
-  <p:cSld>
-    <p:spTree>
-      <p:nvGrpSpPr>
-        <p:cNvPr id="1" name=""/>
-        <p:cNvGrpSpPr/>
-        <p:nvPr/>
-      </p:nvGrpSpPr>
-      <p:grpSpPr>
-        <a:xfrm>
-          <a:off x="0" y="0"/>
-          <a:ext cx="0" cy="0"/>
-          <a:chOff x="0" y="0"/>
-          <a:chExt cx="0" cy="0"/>
-        </a:xfrm>
-      </p:grpSpPr>
-      <p:sp>
-        <p:nvSpPr>
-          <p:cNvPr id="2" name="Title 1">
-            <a:extLst>
-              <a:ext uri="{FF2B5EF4-FFF2-40B4-BE49-F238E27FC236}">
-                <a16:creationId xmlns:a16="http://schemas.microsoft.com/office/drawing/2014/main" id="{D7484EDA-B6F5-021D-4704-9A4073542F32}"/>
-              </a:ext>
-            </a:extLst>
-          </p:cNvPr>
-          <p:cNvSpPr>
-            <a:spLocks noGrp="1"/>
-          </p:cNvSpPr>
-          <p:nvPr>
-            <p:ph type="title"/>
-          </p:nvPr>
-        </p:nvSpPr>
-        <p:spPr/>
-        <p:txBody>
-          <a:bodyPr/>
-          <a:lstStyle/>
-          <a:p>
-            <a:r>
-              <a:rPr lang="en-US" dirty="0"/>
-              <a:t>Objective</a:t>
-            </a:r>
-          </a:p>
-        </p:txBody>
-      </p:sp>
-      <p:sp>
-        <p:nvSpPr>
-          <p:cNvPr id="3" name="Content Placeholder 2">
-            <a:extLst>
-              <a:ext uri="{FF2B5EF4-FFF2-40B4-BE49-F238E27FC236}">
-                <a16:creationId xmlns:a16="http://schemas.microsoft.com/office/drawing/2014/main" id="{61A6E4AC-C1CB-966A-1CC3-0C65C33F6217}"/>
-              </a:ext>
-            </a:extLst>
-          </p:cNvPr>
-          <p:cNvSpPr>
-            <a:spLocks noGrp="1"/>
-          </p:cNvSpPr>
-          <p:nvPr>
-            <p:ph idx="1"/>
-          </p:nvPr>
-        </p:nvSpPr>
-        <p:spPr/>
-        <p:txBody>
-          <a:bodyPr/>
-          <a:lstStyle/>
-          <a:p>
-            <a:r>
-              <a:rPr lang="en-US" dirty="0"/>
-              <a:t>The main objective is to have people agree to make a long-term deposit with the bank</a:t>
-            </a:r>
-          </a:p>
-          <a:p>
-            <a:r>
-              <a:rPr lang="en-US" dirty="0"/>
-              <a:t>Precision: Positive class is ‘yes’, so false positives would be predicting that the person will say yes when they will say no.  Want to avoid these to minimize inconvenience caused to people and cost of our staff’s time, but can tolerate some false positives if this means getting more business.</a:t>
-            </a:r>
-          </a:p>
-          <a:p>
-            <a:r>
-              <a:rPr lang="en-US" dirty="0"/>
-              <a:t>Recall: False negatives are when we predict a ‘no’ when the person will, in fact, say yes.  The cost of this prediction is not getting a client.  In a sales situation, wish to avoid this and would rather make more calls.  </a:t>
-            </a:r>
-            <a:r>
-              <a:rPr lang="en-US" i="1" dirty="0"/>
-              <a:t>Thus</a:t>
-            </a:r>
-            <a:r>
-              <a:rPr lang="en-US" dirty="0"/>
-              <a:t> </a:t>
-            </a:r>
-            <a:r>
-              <a:rPr lang="en-US" i="1" u="sng" dirty="0"/>
-              <a:t>focus</a:t>
-            </a:r>
-            <a:r>
-              <a:rPr lang="en-US" dirty="0"/>
-              <a:t> </a:t>
-            </a:r>
-            <a:r>
-              <a:rPr lang="en-US" i="1" dirty="0"/>
-              <a:t>on</a:t>
-            </a:r>
-            <a:r>
-              <a:rPr lang="en-US" dirty="0"/>
-              <a:t> </a:t>
-            </a:r>
-            <a:r>
-              <a:rPr lang="en-US" i="1" dirty="0"/>
-              <a:t>recall over precision.</a:t>
-            </a:r>
-            <a:endParaRPr lang="en-US" dirty="0"/>
-          </a:p>
-          <a:p>
-            <a:endParaRPr lang="en-US" dirty="0"/>
-          </a:p>
-        </p:txBody>
-      </p:sp>
-    </p:spTree>
-    <p:extLst>
-      <p:ext uri="{BB962C8B-B14F-4D97-AF65-F5344CB8AC3E}">
-        <p14:creationId xmlns:p14="http://schemas.microsoft.com/office/powerpoint/2010/main" val="1762334115"/>
-      </p:ext>
-    </p:extLst>
-  </p:cSld>
-  <p:clrMapOvr>
-    <a:masterClrMapping/>
-  </p:clrMapOvr>
-</p:sld>
-</file>
-
 <file path=ppt/slides/slide4.xml><?xml version="1.0" encoding="utf-8"?>
 <p:sld xmlns:a="http://schemas.openxmlformats.org/drawingml/2006/main" xmlns:r="http://schemas.openxmlformats.org/officeDocument/2006/relationships" xmlns:p="http://schemas.openxmlformats.org/presentationml/2006/main">
   <p:cSld>
@@ -9374,153 +10719,10 @@
       </p:grpSpPr>
       <p:sp>
         <p:nvSpPr>
-          <p:cNvPr id="2" name="Title 1">
+          <p:cNvPr id="23" name="Rectangle 17">
             <a:extLst>
               <a:ext uri="{FF2B5EF4-FFF2-40B4-BE49-F238E27FC236}">
-                <a16:creationId xmlns:a16="http://schemas.microsoft.com/office/drawing/2014/main" id="{DC2FAC95-08F5-EA4F-B85C-00377330B149}"/>
-              </a:ext>
-            </a:extLst>
-          </p:cNvPr>
-          <p:cNvSpPr>
-            <a:spLocks noGrp="1"/>
-          </p:cNvSpPr>
-          <p:nvPr>
-            <p:ph type="title"/>
-          </p:nvPr>
-        </p:nvSpPr>
-        <p:spPr>
-          <a:xfrm>
-            <a:off x="804672" y="964692"/>
-            <a:ext cx="3066937" cy="1188720"/>
-          </a:xfrm>
-        </p:spPr>
-        <p:txBody>
-          <a:bodyPr vert="horz" lIns="274320" tIns="182880" rIns="274320" bIns="182880" rtlCol="0" anchorCtr="1">
-            <a:normAutofit/>
-          </a:bodyPr>
-          <a:lstStyle/>
-          <a:p>
-            <a:r>
-              <a:rPr lang="en-US" sz="2400"/>
-              <a:t>Correlations</a:t>
-            </a:r>
-          </a:p>
-        </p:txBody>
-      </p:sp>
-      <p:sp>
-        <p:nvSpPr>
-          <p:cNvPr id="13" name="Content Placeholder 12">
-            <a:extLst>
-              <a:ext uri="{FF2B5EF4-FFF2-40B4-BE49-F238E27FC236}">
-                <a16:creationId xmlns:a16="http://schemas.microsoft.com/office/drawing/2014/main" id="{28F2FA10-57B6-8AD2-FF43-745CF6AA6EA8}"/>
-              </a:ext>
-            </a:extLst>
-          </p:cNvPr>
-          <p:cNvSpPr>
-            <a:spLocks noGrp="1"/>
-          </p:cNvSpPr>
-          <p:nvPr>
-            <p:ph idx="1"/>
-          </p:nvPr>
-        </p:nvSpPr>
-        <p:spPr>
-          <a:xfrm>
-            <a:off x="803244" y="2638044"/>
-            <a:ext cx="3063765" cy="3263206"/>
-          </a:xfrm>
-        </p:spPr>
-        <p:txBody>
-          <a:bodyPr>
-            <a:normAutofit fontScale="92500" lnSpcReduction="10000"/>
-          </a:bodyPr>
-          <a:lstStyle/>
-          <a:p>
-            <a:pPr>
-              <a:lnSpc>
-                <a:spcPct val="90000"/>
-              </a:lnSpc>
-            </a:pPr>
-            <a:r>
-              <a:rPr lang="en-US" sz="1500" dirty="0"/>
-              <a:t>High positive correlations between eurobor3m and consumer price index</a:t>
-            </a:r>
-          </a:p>
-          <a:p>
-            <a:pPr>
-              <a:lnSpc>
-                <a:spcPct val="90000"/>
-              </a:lnSpc>
-            </a:pPr>
-            <a:r>
-              <a:rPr lang="en-US" sz="1500" dirty="0"/>
-              <a:t>Low correlations between euribor3m and</a:t>
-            </a:r>
-          </a:p>
-          <a:p>
-            <a:pPr lvl="1">
-              <a:lnSpc>
-                <a:spcPct val="90000"/>
-              </a:lnSpc>
-            </a:pPr>
-            <a:r>
-              <a:rPr lang="en-US" sz="1500" dirty="0"/>
-              <a:t> </a:t>
-            </a:r>
-            <a:r>
-              <a:rPr lang="en-US" sz="1500" dirty="0" err="1"/>
-              <a:t>pdays</a:t>
-            </a:r>
-            <a:r>
-              <a:rPr lang="en-US" sz="1500" dirty="0"/>
-              <a:t> ( number of days that passed by after the client was last contacted from a previous campaign) </a:t>
-            </a:r>
-          </a:p>
-          <a:p>
-            <a:pPr lvl="1">
-              <a:lnSpc>
-                <a:spcPct val="90000"/>
-              </a:lnSpc>
-            </a:pPr>
-            <a:r>
-              <a:rPr lang="en-US" sz="1500" dirty="0"/>
-              <a:t>previous (number of contacts performed before this campaign and for this client (numeric))</a:t>
-            </a:r>
-          </a:p>
-          <a:p>
-            <a:pPr lvl="1">
-              <a:lnSpc>
-                <a:spcPct val="90000"/>
-              </a:lnSpc>
-            </a:pPr>
-            <a:r>
-              <a:rPr lang="en-US" sz="1500" dirty="0"/>
-              <a:t>Main economic indicators are highly correlated</a:t>
-            </a:r>
-          </a:p>
-          <a:p>
-            <a:pPr>
-              <a:lnSpc>
-                <a:spcPct val="90000"/>
-              </a:lnSpc>
-            </a:pPr>
-            <a:endParaRPr lang="en-US" sz="1500" dirty="0"/>
-          </a:p>
-          <a:p>
-            <a:pPr>
-              <a:lnSpc>
-                <a:spcPct val="90000"/>
-              </a:lnSpc>
-            </a:pPr>
-            <a:endParaRPr lang="en-US" sz="1500" dirty="0"/>
-          </a:p>
-        </p:txBody>
-      </p:sp>
-      <p:sp>
-        <p:nvSpPr>
-          <p:cNvPr id="23" name="Rectangle 22">
-            <a:extLst>
-              <a:ext uri="{FF2B5EF4-FFF2-40B4-BE49-F238E27FC236}">
-                <a16:creationId xmlns:a16="http://schemas.microsoft.com/office/drawing/2014/main" id="{B9A6A8C2-8B3A-4AD3-AFCC-F1D3F1F02D3F}"/>
+                <a16:creationId xmlns:a16="http://schemas.microsoft.com/office/drawing/2014/main" id="{7A816DFB-8B0F-47B3-BC12-7B9F59B4EC58}"/>
               </a:ext>
               <a:ext uri="{C183D7F6-B498-43B3-948B-1728B52AA6E4}">
                 <adec:decorative xmlns:adec="http://schemas.microsoft.com/office/drawing/2017/decorative" val="1"/>
@@ -9540,8 +10742,214 @@
         </p:nvSpPr>
         <p:spPr>
           <a:xfrm>
-            <a:off x="4494182" y="964692"/>
-            <a:ext cx="6885432" cy="4936558"/>
+            <a:off x="0" y="-2"/>
+            <a:ext cx="6072915" cy="6858002"/>
+          </a:xfrm>
+          <a:prstGeom prst="rect">
+            <a:avLst/>
+          </a:prstGeom>
+          <a:solidFill>
+            <a:schemeClr val="accent2"/>
+          </a:solidFill>
+          <a:ln>
+            <a:noFill/>
+          </a:ln>
+        </p:spPr>
+        <p:style>
+          <a:lnRef idx="2">
+            <a:schemeClr val="accent1">
+              <a:shade val="50000"/>
+            </a:schemeClr>
+          </a:lnRef>
+          <a:fillRef idx="1">
+            <a:schemeClr val="accent1"/>
+          </a:fillRef>
+          <a:effectRef idx="0">
+            <a:schemeClr val="accent1"/>
+          </a:effectRef>
+          <a:fontRef idx="minor">
+            <a:schemeClr val="lt1"/>
+          </a:fontRef>
+        </p:style>
+        <p:txBody>
+          <a:bodyPr rtlCol="0" anchor="ctr"/>
+          <a:lstStyle/>
+          <a:p>
+            <a:pPr algn="ctr"/>
+            <a:endParaRPr lang="en-US"/>
+          </a:p>
+        </p:txBody>
+      </p:sp>
+      <p:sp>
+        <p:nvSpPr>
+          <p:cNvPr id="2" name="Title 1">
+            <a:extLst>
+              <a:ext uri="{FF2B5EF4-FFF2-40B4-BE49-F238E27FC236}">
+                <a16:creationId xmlns:a16="http://schemas.microsoft.com/office/drawing/2014/main" id="{DC2FAC95-08F5-EA4F-B85C-00377330B149}"/>
+              </a:ext>
+            </a:extLst>
+          </p:cNvPr>
+          <p:cNvSpPr>
+            <a:spLocks noGrp="1"/>
+          </p:cNvSpPr>
+          <p:nvPr>
+            <p:ph type="title"/>
+          </p:nvPr>
+        </p:nvSpPr>
+        <p:spPr>
+          <a:xfrm>
+            <a:off x="804672" y="1290025"/>
+            <a:ext cx="4475892" cy="1188720"/>
+          </a:xfrm>
+          <a:solidFill>
+            <a:srgbClr val="FFFFFF"/>
+          </a:solidFill>
+          <a:ln>
+            <a:solidFill>
+              <a:srgbClr val="404040"/>
+            </a:solidFill>
+          </a:ln>
+        </p:spPr>
+        <p:txBody>
+          <a:bodyPr vert="horz" lIns="274320" tIns="182880" rIns="274320" bIns="182880" rtlCol="0" anchorCtr="1">
+            <a:normAutofit/>
+          </a:bodyPr>
+          <a:lstStyle/>
+          <a:p>
+            <a:r>
+              <a:rPr lang="en-US">
+                <a:solidFill>
+                  <a:srgbClr val="262626"/>
+                </a:solidFill>
+              </a:rPr>
+              <a:t>Correlations</a:t>
+            </a:r>
+          </a:p>
+        </p:txBody>
+      </p:sp>
+      <p:sp>
+        <p:nvSpPr>
+          <p:cNvPr id="13" name="Content Placeholder 12">
+            <a:extLst>
+              <a:ext uri="{FF2B5EF4-FFF2-40B4-BE49-F238E27FC236}">
+                <a16:creationId xmlns:a16="http://schemas.microsoft.com/office/drawing/2014/main" id="{28F2FA10-57B6-8AD2-FF43-745CF6AA6EA8}"/>
+              </a:ext>
+            </a:extLst>
+          </p:cNvPr>
+          <p:cNvSpPr>
+            <a:spLocks noGrp="1"/>
+          </p:cNvSpPr>
+          <p:nvPr>
+            <p:ph idx="1"/>
+          </p:nvPr>
+        </p:nvSpPr>
+        <p:spPr>
+          <a:xfrm>
+            <a:off x="804672" y="2858703"/>
+            <a:ext cx="4475892" cy="3042547"/>
+          </a:xfrm>
+        </p:spPr>
+        <p:txBody>
+          <a:bodyPr>
+            <a:normAutofit fontScale="92500" lnSpcReduction="10000"/>
+          </a:bodyPr>
+          <a:lstStyle/>
+          <a:p>
+            <a:r>
+              <a:rPr lang="en-US" sz="1700">
+                <a:solidFill>
+                  <a:srgbClr val="FFFFFF"/>
+                </a:solidFill>
+              </a:rPr>
+              <a:t>High positive correlations between eurobor3m and consumer price index</a:t>
+            </a:r>
+          </a:p>
+          <a:p>
+            <a:r>
+              <a:rPr lang="en-US" sz="1700">
+                <a:solidFill>
+                  <a:srgbClr val="FFFFFF"/>
+                </a:solidFill>
+              </a:rPr>
+              <a:t>Low correlations between euribor3m and</a:t>
+            </a:r>
+          </a:p>
+          <a:p>
+            <a:pPr lvl="1"/>
+            <a:r>
+              <a:rPr lang="en-US" sz="1700">
+                <a:solidFill>
+                  <a:srgbClr val="FFFFFF"/>
+                </a:solidFill>
+              </a:rPr>
+              <a:t> pdays ( number of days that passed by after the client was last contacted from a previous campaign) </a:t>
+            </a:r>
+          </a:p>
+          <a:p>
+            <a:pPr lvl="1"/>
+            <a:r>
+              <a:rPr lang="en-US" sz="1700">
+                <a:solidFill>
+                  <a:srgbClr val="FFFFFF"/>
+                </a:solidFill>
+              </a:rPr>
+              <a:t>previous (number of contacts performed before this campaign and for this client (numeric))</a:t>
+            </a:r>
+          </a:p>
+          <a:p>
+            <a:pPr lvl="1"/>
+            <a:r>
+              <a:rPr lang="en-US" sz="1700">
+                <a:solidFill>
+                  <a:srgbClr val="FFFFFF"/>
+                </a:solidFill>
+              </a:rPr>
+              <a:t>Main economic indicators are highly correlated</a:t>
+            </a:r>
+          </a:p>
+          <a:p>
+            <a:endParaRPr lang="en-US" sz="1700">
+              <a:solidFill>
+                <a:srgbClr val="FFFFFF"/>
+              </a:solidFill>
+            </a:endParaRPr>
+          </a:p>
+          <a:p>
+            <a:endParaRPr lang="en-US" sz="1700">
+              <a:solidFill>
+                <a:srgbClr val="FFFFFF"/>
+              </a:solidFill>
+            </a:endParaRPr>
+          </a:p>
+        </p:txBody>
+      </p:sp>
+      <p:sp>
+        <p:nvSpPr>
+          <p:cNvPr id="24" name="Rectangle 19">
+            <a:extLst>
+              <a:ext uri="{FF2B5EF4-FFF2-40B4-BE49-F238E27FC236}">
+                <a16:creationId xmlns:a16="http://schemas.microsoft.com/office/drawing/2014/main" id="{E87D435C-84AC-4E27-9CD3-0AAAF73EB28F}"/>
+              </a:ext>
+              <a:ext uri="{C183D7F6-B498-43B3-948B-1728B52AA6E4}">
+                <adec:decorative xmlns:adec="http://schemas.microsoft.com/office/drawing/2017/decorative" val="1"/>
+              </a:ext>
+            </a:extLst>
+          </p:cNvPr>
+          <p:cNvSpPr>
+            <a:spLocks noGrp="1" noRot="1" noChangeAspect="1" noMove="1" noResize="1" noEditPoints="1" noAdjustHandles="1" noChangeArrowheads="1" noChangeShapeType="1" noTextEdit="1"/>
+          </p:cNvSpPr>
+          <p:nvPr>
+            <p:extLst>
+              <p:ext uri="{386F3935-93C4-4BCD-93E2-E3B085C9AB24}">
+                <p16:designElem xmlns:p16="http://schemas.microsoft.com/office/powerpoint/2015/main" val="1"/>
+              </p:ext>
+            </p:extLst>
+          </p:nvPr>
+        </p:nvSpPr>
+        <p:spPr>
+          <a:xfrm>
+            <a:off x="6733032" y="640080"/>
+            <a:ext cx="4818888" cy="5261170"/>
           </a:xfrm>
           <a:prstGeom prst="rect">
             <a:avLst/>
@@ -9581,10 +10989,10 @@
       </p:sp>
       <p:sp>
         <p:nvSpPr>
-          <p:cNvPr id="25" name="Rectangle 24">
+          <p:cNvPr id="22" name="Rectangle 21">
             <a:extLst>
               <a:ext uri="{FF2B5EF4-FFF2-40B4-BE49-F238E27FC236}">
-                <a16:creationId xmlns:a16="http://schemas.microsoft.com/office/drawing/2014/main" id="{CDF64937-39B5-4AB3-A2EF-EA689BA6087B}"/>
+                <a16:creationId xmlns:a16="http://schemas.microsoft.com/office/drawing/2014/main" id="{EFA4C881-BF60-416C-A273-70541298EEB4}"/>
               </a:ext>
               <a:ext uri="{C183D7F6-B498-43B3-948B-1728B52AA6E4}">
                 <adec:decorative xmlns:adec="http://schemas.microsoft.com/office/drawing/2017/decorative" val="1"/>
@@ -9604,8 +11012,8 @@
         </p:nvSpPr>
         <p:spPr>
           <a:xfrm>
-            <a:off x="4657802" y="1128683"/>
-            <a:ext cx="6558192" cy="4608576"/>
+            <a:off x="6877586" y="806357"/>
+            <a:ext cx="4511266" cy="4928616"/>
           </a:xfrm>
           <a:prstGeom prst="rect">
             <a:avLst/>
@@ -9644,10 +11052,10 @@
       </p:sp>
       <p:pic>
         <p:nvPicPr>
-          <p:cNvPr id="5" name="Picture 4">
+          <p:cNvPr id="6" name="Picture 5" descr="Chart&#10;&#10;Description automatically generated">
             <a:extLst>
               <a:ext uri="{FF2B5EF4-FFF2-40B4-BE49-F238E27FC236}">
-                <a16:creationId xmlns:a16="http://schemas.microsoft.com/office/drawing/2014/main" id="{AC986D35-62F2-5DF1-E6CC-1C57640B5A76}"/>
+                <a16:creationId xmlns:a16="http://schemas.microsoft.com/office/drawing/2014/main" id="{B2C50452-1857-1D07-6640-3B6076E3ED95}"/>
               </a:ext>
             </a:extLst>
           </p:cNvPr>
@@ -9664,8 +11072,8 @@
         </p:blipFill>
         <p:spPr>
           <a:xfrm>
-            <a:off x="5419608" y="1293275"/>
-            <a:ext cx="5034579" cy="4279392"/>
+            <a:off x="7064692" y="1137553"/>
+            <a:ext cx="4159568" cy="4266223"/>
           </a:xfrm>
           <a:prstGeom prst="rect">
             <a:avLst/>
@@ -9691,7 +11099,7 @@
     <p:bg>
       <p:bgPr>
         <a:solidFill>
-          <a:schemeClr val="bg2"/>
+          <a:schemeClr val="bg1"/>
         </a:solidFill>
         <a:effectLst/>
       </p:bgPr>
@@ -9710,237 +11118,12 @@
           <a:chExt cx="0" cy="0"/>
         </a:xfrm>
       </p:grpSpPr>
-      <p:sp>
-        <p:nvSpPr>
-          <p:cNvPr id="2" name="Title 1">
+      <p:pic>
+        <p:nvPicPr>
+          <p:cNvPr id="6" name="Picture 5" descr="Chart&#10;&#10;Description automatically generated">
             <a:extLst>
               <a:ext uri="{FF2B5EF4-FFF2-40B4-BE49-F238E27FC236}">
-                <a16:creationId xmlns:a16="http://schemas.microsoft.com/office/drawing/2014/main" id="{73DFEA01-3C66-DF6E-2798-320D6C08674D}"/>
-              </a:ext>
-            </a:extLst>
-          </p:cNvPr>
-          <p:cNvSpPr>
-            <a:spLocks noGrp="1"/>
-          </p:cNvSpPr>
-          <p:nvPr>
-            <p:ph type="title"/>
-          </p:nvPr>
-        </p:nvSpPr>
-        <p:spPr>
-          <a:xfrm>
-            <a:off x="804672" y="964692"/>
-            <a:ext cx="3066937" cy="1188720"/>
-          </a:xfrm>
-        </p:spPr>
-        <p:txBody>
-          <a:bodyPr>
-            <a:normAutofit/>
-          </a:bodyPr>
-          <a:lstStyle/>
-          <a:p>
-            <a:r>
-              <a:rPr lang="en-US" sz="2000"/>
-              <a:t>Feature </a:t>
-            </a:r>
-            <a:r>
-              <a:rPr lang="en-US" sz="2000" err="1"/>
-              <a:t>importances</a:t>
-            </a:r>
-            <a:r>
-              <a:rPr lang="en-US" sz="2000"/>
-              <a:t> and model</a:t>
-            </a:r>
-          </a:p>
-        </p:txBody>
-      </p:sp>
-      <p:sp>
-        <p:nvSpPr>
-          <p:cNvPr id="8" name="Content Placeholder 7">
-            <a:extLst>
-              <a:ext uri="{FF2B5EF4-FFF2-40B4-BE49-F238E27FC236}">
-                <a16:creationId xmlns:a16="http://schemas.microsoft.com/office/drawing/2014/main" id="{6EEF0BD3-55C3-E330-0C19-A83988D65B6C}"/>
-              </a:ext>
-            </a:extLst>
-          </p:cNvPr>
-          <p:cNvSpPr>
-            <a:spLocks noGrp="1"/>
-          </p:cNvSpPr>
-          <p:nvPr>
-            <p:ph idx="1"/>
-          </p:nvPr>
-        </p:nvSpPr>
-        <p:spPr>
-          <a:xfrm>
-            <a:off x="803244" y="2638044"/>
-            <a:ext cx="3063765" cy="3263206"/>
-          </a:xfrm>
-        </p:spPr>
-        <p:txBody>
-          <a:bodyPr>
-            <a:normAutofit/>
-          </a:bodyPr>
-          <a:lstStyle/>
-          <a:p>
-            <a:r>
-              <a:rPr lang="en-US" dirty="0"/>
-              <a:t>Feature </a:t>
-            </a:r>
-            <a:r>
-              <a:rPr lang="en-US" dirty="0" err="1"/>
-              <a:t>importances</a:t>
-            </a:r>
-            <a:r>
-              <a:rPr lang="en-US" dirty="0"/>
-              <a:t> after running a random forest model </a:t>
-            </a:r>
-          </a:p>
-          <a:p>
-            <a:r>
-              <a:rPr lang="en-US" dirty="0"/>
-              <a:t>Can capture 60% of people saying yes to a deposit by getting 3 yeses to every 5 noes in the group we identify</a:t>
-            </a:r>
-          </a:p>
-          <a:p>
-            <a:r>
-              <a:rPr lang="en-US" dirty="0"/>
-              <a:t>The best observed on data without leakage</a:t>
-            </a:r>
-          </a:p>
-        </p:txBody>
-      </p:sp>
-      <p:sp>
-        <p:nvSpPr>
-          <p:cNvPr id="26" name="Rectangle 25">
-            <a:extLst>
-              <a:ext uri="{FF2B5EF4-FFF2-40B4-BE49-F238E27FC236}">
-                <a16:creationId xmlns:a16="http://schemas.microsoft.com/office/drawing/2014/main" id="{B9A6A8C2-8B3A-4AD3-AFCC-F1D3F1F02D3F}"/>
-              </a:ext>
-              <a:ext uri="{C183D7F6-B498-43B3-948B-1728B52AA6E4}">
-                <adec:decorative xmlns:adec="http://schemas.microsoft.com/office/drawing/2017/decorative" val="1"/>
-              </a:ext>
-            </a:extLst>
-          </p:cNvPr>
-          <p:cNvSpPr>
-            <a:spLocks noGrp="1" noRot="1" noChangeAspect="1" noMove="1" noResize="1" noEditPoints="1" noAdjustHandles="1" noChangeArrowheads="1" noChangeShapeType="1" noTextEdit="1"/>
-          </p:cNvSpPr>
-          <p:nvPr>
-            <p:extLst>
-              <p:ext uri="{386F3935-93C4-4BCD-93E2-E3B085C9AB24}">
-                <p16:designElem xmlns:p16="http://schemas.microsoft.com/office/powerpoint/2015/main" val="1"/>
-              </p:ext>
-            </p:extLst>
-          </p:nvPr>
-        </p:nvSpPr>
-        <p:spPr>
-          <a:xfrm>
-            <a:off x="4494182" y="964692"/>
-            <a:ext cx="6885432" cy="4936558"/>
-          </a:xfrm>
-          <a:prstGeom prst="rect">
-            <a:avLst/>
-          </a:prstGeom>
-          <a:noFill/>
-          <a:ln w="31750" cap="sq">
-            <a:solidFill>
-              <a:srgbClr val="FFFFFF"/>
-            </a:solidFill>
-            <a:miter lim="800000"/>
-          </a:ln>
-        </p:spPr>
-        <p:style>
-          <a:lnRef idx="2">
-            <a:schemeClr val="accent1">
-              <a:shade val="50000"/>
-            </a:schemeClr>
-          </a:lnRef>
-          <a:fillRef idx="1">
-            <a:schemeClr val="accent1"/>
-          </a:fillRef>
-          <a:effectRef idx="0">
-            <a:schemeClr val="accent1"/>
-          </a:effectRef>
-          <a:fontRef idx="minor">
-            <a:schemeClr val="lt1"/>
-          </a:fontRef>
-        </p:style>
-        <p:txBody>
-          <a:bodyPr rtlCol="0" anchor="ctr"/>
-          <a:lstStyle/>
-          <a:p>
-            <a:pPr algn="ctr"/>
-            <a:endParaRPr lang="en-US" dirty="0"/>
-          </a:p>
-        </p:txBody>
-      </p:sp>
-      <p:sp>
-        <p:nvSpPr>
-          <p:cNvPr id="28" name="Rectangle 27">
-            <a:extLst>
-              <a:ext uri="{FF2B5EF4-FFF2-40B4-BE49-F238E27FC236}">
-                <a16:creationId xmlns:a16="http://schemas.microsoft.com/office/drawing/2014/main" id="{CDF64937-39B5-4AB3-A2EF-EA689BA6087B}"/>
-              </a:ext>
-              <a:ext uri="{C183D7F6-B498-43B3-948B-1728B52AA6E4}">
-                <adec:decorative xmlns:adec="http://schemas.microsoft.com/office/drawing/2017/decorative" val="1"/>
-              </a:ext>
-            </a:extLst>
-          </p:cNvPr>
-          <p:cNvSpPr>
-            <a:spLocks noGrp="1" noRot="1" noChangeAspect="1" noMove="1" noResize="1" noEditPoints="1" noAdjustHandles="1" noChangeArrowheads="1" noChangeShapeType="1" noTextEdit="1"/>
-          </p:cNvSpPr>
-          <p:nvPr>
-            <p:extLst>
-              <p:ext uri="{386F3935-93C4-4BCD-93E2-E3B085C9AB24}">
-                <p16:designElem xmlns:p16="http://schemas.microsoft.com/office/powerpoint/2015/main" val="1"/>
-              </p:ext>
-            </p:extLst>
-          </p:nvPr>
-        </p:nvSpPr>
-        <p:spPr>
-          <a:xfrm>
-            <a:off x="4657802" y="1128683"/>
-            <a:ext cx="6558192" cy="4608576"/>
-          </a:xfrm>
-          <a:prstGeom prst="rect">
-            <a:avLst/>
-          </a:prstGeom>
-          <a:solidFill>
-            <a:srgbClr val="FFFFFF"/>
-          </a:solidFill>
-          <a:ln>
-            <a:noFill/>
-          </a:ln>
-        </p:spPr>
-        <p:style>
-          <a:lnRef idx="2">
-            <a:schemeClr val="accent1">
-              <a:shade val="50000"/>
-            </a:schemeClr>
-          </a:lnRef>
-          <a:fillRef idx="1">
-            <a:schemeClr val="accent1"/>
-          </a:fillRef>
-          <a:effectRef idx="0">
-            <a:schemeClr val="accent1"/>
-          </a:effectRef>
-          <a:fontRef idx="minor">
-            <a:schemeClr val="lt1"/>
-          </a:fontRef>
-        </p:style>
-        <p:txBody>
-          <a:bodyPr rtlCol="0" anchor="ctr"/>
-          <a:lstStyle/>
-          <a:p>
-            <a:pPr algn="ctr"/>
-            <a:endParaRPr lang="en-US"/>
-          </a:p>
-        </p:txBody>
-      </p:sp>
-      <p:pic>
-        <p:nvPicPr>
-          <p:cNvPr id="5" name="Picture 4">
-            <a:extLst>
-              <a:ext uri="{FF2B5EF4-FFF2-40B4-BE49-F238E27FC236}">
-                <a16:creationId xmlns:a16="http://schemas.microsoft.com/office/drawing/2014/main" id="{8FEDF5A3-D971-37D9-5A74-69F76DCE29E2}"/>
+                <a16:creationId xmlns:a16="http://schemas.microsoft.com/office/drawing/2014/main" id="{E2DE1AA4-46A6-5F08-0E08-9F3D0E317FC4}"/>
               </a:ext>
             </a:extLst>
           </p:cNvPr>
@@ -9949,22 +11132,128 @@
           </p:cNvPicPr>
           <p:nvPr/>
         </p:nvPicPr>
-        <p:blipFill>
-          <a:blip r:embed="rId2"/>
-          <a:stretch>
-            <a:fillRect/>
-          </a:stretch>
+        <p:blipFill rotWithShape="1">
+          <a:blip r:embed="rId2">
+            <a:alphaModFix amt="40000"/>
+          </a:blip>
+          <a:srcRect r="9334" b="1"/>
+          <a:stretch/>
         </p:blipFill>
         <p:spPr>
           <a:xfrm>
-            <a:off x="4823366" y="2000746"/>
-            <a:ext cx="6227064" cy="2864449"/>
+            <a:off x="-446294" y="0"/>
+            <a:ext cx="12191980" cy="6857990"/>
           </a:xfrm>
           <a:prstGeom prst="rect">
             <a:avLst/>
           </a:prstGeom>
         </p:spPr>
       </p:pic>
+      <p:sp>
+        <p:nvSpPr>
+          <p:cNvPr id="2" name="Title 1">
+            <a:extLst>
+              <a:ext uri="{FF2B5EF4-FFF2-40B4-BE49-F238E27FC236}">
+                <a16:creationId xmlns:a16="http://schemas.microsoft.com/office/drawing/2014/main" id="{73DFEA01-3C66-DF6E-2798-320D6C08674D}"/>
+              </a:ext>
+            </a:extLst>
+          </p:cNvPr>
+          <p:cNvSpPr>
+            <a:spLocks noGrp="1"/>
+          </p:cNvSpPr>
+          <p:nvPr>
+            <p:ph type="title"/>
+          </p:nvPr>
+        </p:nvSpPr>
+        <p:spPr>
+          <a:xfrm>
+            <a:off x="2231136" y="964692"/>
+            <a:ext cx="7729728" cy="1188720"/>
+          </a:xfrm>
+          <a:noFill/>
+          <a:ln>
+            <a:solidFill>
+              <a:srgbClr val="FFFFFF"/>
+            </a:solidFill>
+          </a:ln>
+        </p:spPr>
+        <p:txBody>
+          <a:bodyPr>
+            <a:normAutofit/>
+          </a:bodyPr>
+          <a:lstStyle/>
+          <a:p>
+            <a:r>
+              <a:rPr lang="en-US">
+                <a:solidFill>
+                  <a:schemeClr val="tx1"/>
+                </a:solidFill>
+              </a:rPr>
+              <a:t>Feature importances and model</a:t>
+            </a:r>
+            <a:endParaRPr lang="en-US" dirty="0">
+              <a:solidFill>
+                <a:schemeClr val="tx1"/>
+              </a:solidFill>
+            </a:endParaRPr>
+          </a:p>
+        </p:txBody>
+      </p:sp>
+      <p:sp>
+        <p:nvSpPr>
+          <p:cNvPr id="8" name="Content Placeholder 7">
+            <a:extLst>
+              <a:ext uri="{FF2B5EF4-FFF2-40B4-BE49-F238E27FC236}">
+                <a16:creationId xmlns:a16="http://schemas.microsoft.com/office/drawing/2014/main" id="{6EEF0BD3-55C3-E330-0C19-A83988D65B6C}"/>
+              </a:ext>
+            </a:extLst>
+          </p:cNvPr>
+          <p:cNvSpPr>
+            <a:spLocks noGrp="1"/>
+          </p:cNvSpPr>
+          <p:nvPr>
+            <p:ph idx="1"/>
+          </p:nvPr>
+        </p:nvSpPr>
+        <p:spPr>
+          <a:xfrm>
+            <a:off x="2231136" y="2638044"/>
+            <a:ext cx="7729728" cy="3101983"/>
+          </a:xfrm>
+        </p:spPr>
+        <p:txBody>
+          <a:bodyPr>
+            <a:normAutofit/>
+          </a:bodyPr>
+          <a:lstStyle/>
+          <a:p>
+            <a:r>
+              <a:rPr lang="en-US" dirty="0"/>
+              <a:t>Feature </a:t>
+            </a:r>
+            <a:r>
+              <a:rPr lang="en-US" dirty="0" err="1"/>
+              <a:t>importances</a:t>
+            </a:r>
+            <a:r>
+              <a:rPr lang="en-US" dirty="0"/>
+              <a:t> after running a random forest model </a:t>
+            </a:r>
+          </a:p>
+          <a:p>
+            <a:r>
+              <a:rPr lang="en-US" dirty="0"/>
+              <a:t>Can capture 60% of people saying yes to a deposit by getting 3 yeses to every 5 noes in the group we identify</a:t>
+            </a:r>
+          </a:p>
+          <a:p>
+            <a:r>
+              <a:rPr lang="en-US" dirty="0"/>
+              <a:t>The best observed on data without leakage. More accurate models generally used leaked variable ‘duration’</a:t>
+            </a:r>
+          </a:p>
+        </p:txBody>
+      </p:sp>
     </p:spTree>
     <p:extLst>
       <p:ext uri="{BB962C8B-B14F-4D97-AF65-F5344CB8AC3E}">
@@ -9973,7 +11262,7 @@
     </p:extLst>
   </p:cSld>
   <p:clrMapOvr>
-    <a:masterClrMapping/>
+    <a:overrideClrMapping bg1="dk1" tx1="lt1" bg2="dk2" tx2="lt2" accent1="accent1" accent2="accent2" accent3="accent3" accent4="accent4" accent5="accent5" accent6="accent6" hlink="hlink" folHlink="folHlink"/>
   </p:clrMapOvr>
 </p:sld>
 </file>
@@ -10305,7 +11594,7 @@
           <p:cNvPr id="2" name="Title 1">
             <a:extLst>
               <a:ext uri="{FF2B5EF4-FFF2-40B4-BE49-F238E27FC236}">
-                <a16:creationId xmlns:a16="http://schemas.microsoft.com/office/drawing/2014/main" id="{824A567C-7B3A-66E4-CFEB-9CCF8186CA90}"/>
+                <a16:creationId xmlns:a16="http://schemas.microsoft.com/office/drawing/2014/main" id="{42DCF7CC-3F1F-5EE8-BEFE-61422634D27F}"/>
               </a:ext>
             </a:extLst>
           </p:cNvPr>
@@ -10328,16 +11617,19 @@
           </a:bodyPr>
           <a:lstStyle/>
           <a:p>
-            <a:endParaRPr lang="en-US"/>
-          </a:p>
-        </p:txBody>
-      </p:sp>
-      <p:sp>
-        <p:nvSpPr>
-          <p:cNvPr id="8" name="Content Placeholder 7">
+            <a:r>
+              <a:rPr lang="en-US" sz="2400"/>
+              <a:t>Interest rates and deposits</a:t>
+            </a:r>
+          </a:p>
+        </p:txBody>
+      </p:sp>
+      <p:sp>
+        <p:nvSpPr>
+          <p:cNvPr id="3" name="Content Placeholder 2">
             <a:extLst>
               <a:ext uri="{FF2B5EF4-FFF2-40B4-BE49-F238E27FC236}">
-                <a16:creationId xmlns:a16="http://schemas.microsoft.com/office/drawing/2014/main" id="{84442560-0E47-4AF4-C6AA-D9449E518FAA}"/>
+                <a16:creationId xmlns:a16="http://schemas.microsoft.com/office/drawing/2014/main" id="{99710C9B-F8B7-7FDC-0EA5-5E541D9EAA30}"/>
               </a:ext>
             </a:extLst>
           </p:cNvPr>
@@ -10356,17 +11648,92 @@
         </p:spPr>
         <p:txBody>
           <a:bodyPr>
-            <a:normAutofit/>
+            <a:normAutofit fontScale="92500" lnSpcReduction="20000"/>
           </a:bodyPr>
           <a:lstStyle/>
           <a:p>
-            <a:endParaRPr lang="en-US"/>
-          </a:p>
-        </p:txBody>
-      </p:sp>
-      <p:sp>
-        <p:nvSpPr>
-          <p:cNvPr id="18" name="Rectangle 17">
+            <a:pPr marL="0" indent="0">
+              <a:lnSpc>
+                <a:spcPct val="90000"/>
+              </a:lnSpc>
+              <a:buNone/>
+            </a:pPr>
+            <a:br>
+              <a:rPr lang="en-US" dirty="0"/>
+            </a:br>
+            <a:endParaRPr lang="en-US" dirty="0"/>
+          </a:p>
+          <a:p>
+            <a:pPr>
+              <a:lnSpc>
+                <a:spcPct val="90000"/>
+              </a:lnSpc>
+            </a:pPr>
+            <a:r>
+              <a:rPr lang="en-US" dirty="0"/>
+              <a:t>The 3 month Euribor interest rate is</a:t>
+            </a:r>
+            <a:r>
+              <a:rPr lang="en-US" b="1" dirty="0"/>
+              <a:t> </a:t>
+            </a:r>
+            <a:r>
+              <a:rPr lang="en-US" dirty="0"/>
+              <a:t>the interest rate at which a selection of European banks lend one another funds denominated in euros whereby the loans have a maturity of 3 months.</a:t>
+            </a:r>
+          </a:p>
+          <a:p>
+            <a:pPr>
+              <a:lnSpc>
+                <a:spcPct val="90000"/>
+              </a:lnSpc>
+            </a:pPr>
+            <a:r>
+              <a:rPr lang="en-US" dirty="0"/>
+              <a:t>Source: https://</a:t>
+            </a:r>
+            <a:r>
+              <a:rPr lang="en-US" dirty="0" err="1"/>
+              <a:t>www.global-rates.com</a:t>
+            </a:r>
+            <a:r>
+              <a:rPr lang="en-US" dirty="0"/>
+              <a:t>/</a:t>
+            </a:r>
+            <a:r>
+              <a:rPr lang="en-US" dirty="0" err="1"/>
+              <a:t>en</a:t>
+            </a:r>
+            <a:r>
+              <a:rPr lang="en-US" dirty="0"/>
+              <a:t>/interest-rates/</a:t>
+            </a:r>
+            <a:r>
+              <a:rPr lang="en-US" dirty="0" err="1"/>
+              <a:t>euribor</a:t>
+            </a:r>
+            <a:r>
+              <a:rPr lang="en-US" dirty="0"/>
+              <a:t>/2008.aspx</a:t>
+            </a:r>
+          </a:p>
+          <a:p>
+            <a:pPr marL="0" indent="0">
+              <a:lnSpc>
+                <a:spcPct val="90000"/>
+              </a:lnSpc>
+              <a:buNone/>
+            </a:pPr>
+            <a:br>
+              <a:rPr lang="en-US" dirty="0"/>
+            </a:br>
+            <a:endParaRPr lang="en-US" dirty="0"/>
+          </a:p>
+        </p:txBody>
+      </p:sp>
+      <p:sp>
+        <p:nvSpPr>
+          <p:cNvPr id="16" name="Rectangle 15">
             <a:extLst>
               <a:ext uri="{FF2B5EF4-FFF2-40B4-BE49-F238E27FC236}">
                 <a16:creationId xmlns:a16="http://schemas.microsoft.com/office/drawing/2014/main" id="{B9A6A8C2-8B3A-4AD3-AFCC-F1D3F1F02D3F}"/>
@@ -10430,7 +11797,7 @@
       </p:sp>
       <p:sp>
         <p:nvSpPr>
-          <p:cNvPr id="20" name="Rectangle 19">
+          <p:cNvPr id="18" name="Rectangle 17">
             <a:extLst>
               <a:ext uri="{FF2B5EF4-FFF2-40B4-BE49-F238E27FC236}">
                 <a16:creationId xmlns:a16="http://schemas.microsoft.com/office/drawing/2014/main" id="{CDF64937-39B5-4AB3-A2EF-EA689BA6087B}"/>
@@ -10493,10 +11860,10 @@
       </p:sp>
       <p:pic>
         <p:nvPicPr>
-          <p:cNvPr id="3" name="Picture 2">
+          <p:cNvPr id="4" name="Picture 3" descr="Chart, line chart&#10;&#10;Description automatically generated">
             <a:extLst>
               <a:ext uri="{FF2B5EF4-FFF2-40B4-BE49-F238E27FC236}">
-                <a16:creationId xmlns:a16="http://schemas.microsoft.com/office/drawing/2014/main" id="{3899FC30-D07C-4684-6E68-54F251A3F471}"/>
+                <a16:creationId xmlns:a16="http://schemas.microsoft.com/office/drawing/2014/main" id="{70C24CD1-8EF0-2E76-D80E-724E9C9B1354}"/>
               </a:ext>
             </a:extLst>
           </p:cNvPr>
@@ -10513,8 +11880,8 @@
         </p:blipFill>
         <p:spPr>
           <a:xfrm>
-            <a:off x="4823366" y="1813934"/>
-            <a:ext cx="6227064" cy="3238073"/>
+            <a:off x="4823366" y="2428857"/>
+            <a:ext cx="6227064" cy="2008227"/>
           </a:xfrm>
           <a:prstGeom prst="rect">
             <a:avLst/>
@@ -10524,7 +11891,7 @@
     </p:spTree>
     <p:extLst>
       <p:ext uri="{BB962C8B-B14F-4D97-AF65-F5344CB8AC3E}">
-        <p14:creationId xmlns:p14="http://schemas.microsoft.com/office/powerpoint/2010/main" val="2788838927"/>
+        <p14:creationId xmlns:p14="http://schemas.microsoft.com/office/powerpoint/2010/main" val="1102143672"/>
       </p:ext>
     </p:extLst>
   </p:cSld>
@@ -10537,6 +11904,14 @@
 <file path=ppt/slides/slide9.xml><?xml version="1.0" encoding="utf-8"?>
 <p:sld xmlns:a="http://schemas.openxmlformats.org/drawingml/2006/main" xmlns:r="http://schemas.openxmlformats.org/officeDocument/2006/relationships" xmlns:p="http://schemas.openxmlformats.org/presentationml/2006/main">
   <p:cSld>
+    <p:bg>
+      <p:bgPr>
+        <a:solidFill>
+          <a:schemeClr val="bg2"/>
+        </a:solidFill>
+        <a:effectLst/>
+      </p:bgPr>
+    </p:bg>
     <p:spTree>
       <p:nvGrpSpPr>
         <p:cNvPr id="1" name=""/>
@@ -10556,7 +11931,7 @@
           <p:cNvPr id="2" name="Title 1">
             <a:extLst>
               <a:ext uri="{FF2B5EF4-FFF2-40B4-BE49-F238E27FC236}">
-                <a16:creationId xmlns:a16="http://schemas.microsoft.com/office/drawing/2014/main" id="{5B06D7E8-B4E9-E46B-BCE2-4638BAEFA62C}"/>
+                <a16:creationId xmlns:a16="http://schemas.microsoft.com/office/drawing/2014/main" id="{7DF4C2E0-50CD-C08B-DDE2-31594F98E420}"/>
               </a:ext>
             </a:extLst>
           </p:cNvPr>
@@ -10567,24 +11942,31 @@
             <p:ph type="title"/>
           </p:nvPr>
         </p:nvSpPr>
-        <p:spPr/>
-        <p:txBody>
-          <a:bodyPr/>
+        <p:spPr>
+          <a:xfrm>
+            <a:off x="804672" y="964692"/>
+            <a:ext cx="3066937" cy="1188720"/>
+          </a:xfrm>
+        </p:spPr>
+        <p:txBody>
+          <a:bodyPr>
+            <a:normAutofit fontScale="90000"/>
+          </a:bodyPr>
           <a:lstStyle/>
           <a:p>
             <a:r>
               <a:rPr lang="en-US" dirty="0"/>
-              <a:t>Business Concerns</a:t>
-            </a:r>
-          </a:p>
-        </p:txBody>
-      </p:sp>
-      <p:sp>
-        <p:nvSpPr>
-          <p:cNvPr id="3" name="Content Placeholder 2">
+              <a:t>Telephone type vs deposit</a:t>
+            </a:r>
+          </a:p>
+        </p:txBody>
+      </p:sp>
+      <p:sp>
+        <p:nvSpPr>
+          <p:cNvPr id="8" name="Content Placeholder 7">
             <a:extLst>
               <a:ext uri="{FF2B5EF4-FFF2-40B4-BE49-F238E27FC236}">
-                <a16:creationId xmlns:a16="http://schemas.microsoft.com/office/drawing/2014/main" id="{C1722422-861D-9D74-CA78-5189426724BE}"/>
+                <a16:creationId xmlns:a16="http://schemas.microsoft.com/office/drawing/2014/main" id="{40038055-A281-1B2F-6F11-8374148AA378}"/>
               </a:ext>
             </a:extLst>
           </p:cNvPr>
@@ -10595,87 +11977,186 @@
             <p:ph idx="1"/>
           </p:nvPr>
         </p:nvSpPr>
-        <p:spPr/>
+        <p:spPr>
+          <a:xfrm>
+            <a:off x="803244" y="2638044"/>
+            <a:ext cx="3063765" cy="3263206"/>
+          </a:xfrm>
+        </p:spPr>
         <p:txBody>
           <a:bodyPr>
-            <a:normAutofit fontScale="85000" lnSpcReduction="10000"/>
+            <a:normAutofit/>
           </a:bodyPr>
           <a:lstStyle/>
           <a:p>
             <a:r>
               <a:rPr lang="en-US" dirty="0"/>
-              <a:t>“It is difficult to financially quantify costs, since long term deposits have different amounts, interest rates and subscription periods.” (</a:t>
-            </a:r>
-            <a:r>
-              <a:rPr lang="en-US" dirty="0">
-                <a:solidFill>
-                  <a:srgbClr val="123654"/>
-                </a:solidFill>
-              </a:rPr>
-              <a:t>Moro et al., 2014)</a:t>
-            </a:r>
+              <a:t>Cellular contact are more likely to say yes</a:t>
+            </a:r>
+          </a:p>
+        </p:txBody>
+      </p:sp>
+      <p:sp>
+        <p:nvSpPr>
+          <p:cNvPr id="11" name="Rectangle 10">
+            <a:extLst>
+              <a:ext uri="{FF2B5EF4-FFF2-40B4-BE49-F238E27FC236}">
+                <a16:creationId xmlns:a16="http://schemas.microsoft.com/office/drawing/2014/main" id="{B9A6A8C2-8B3A-4AD3-AFCC-F1D3F1F02D3F}"/>
+              </a:ext>
+              <a:ext uri="{C183D7F6-B498-43B3-948B-1728B52AA6E4}">
+                <adec:decorative xmlns:adec="http://schemas.microsoft.com/office/drawing/2017/decorative" val="1"/>
+              </a:ext>
+            </a:extLst>
+          </p:cNvPr>
+          <p:cNvSpPr>
+            <a:spLocks noGrp="1" noRot="1" noChangeAspect="1" noMove="1" noResize="1" noEditPoints="1" noAdjustHandles="1" noChangeArrowheads="1" noChangeShapeType="1" noTextEdit="1"/>
+          </p:cNvSpPr>
+          <p:nvPr>
+            <p:extLst>
+              <p:ext uri="{386F3935-93C4-4BCD-93E2-E3B085C9AB24}">
+                <p16:designElem xmlns:p16="http://schemas.microsoft.com/office/powerpoint/2015/main" val="1"/>
+              </p:ext>
+            </p:extLst>
+          </p:nvPr>
+        </p:nvSpPr>
+        <p:spPr>
+          <a:xfrm>
+            <a:off x="4494182" y="964692"/>
+            <a:ext cx="6885432" cy="4936558"/>
+          </a:xfrm>
+          <a:prstGeom prst="rect">
+            <a:avLst/>
+          </a:prstGeom>
+          <a:noFill/>
+          <a:ln w="31750" cap="sq">
+            <a:solidFill>
+              <a:srgbClr val="FFFFFF"/>
+            </a:solidFill>
+            <a:miter lim="800000"/>
+          </a:ln>
+        </p:spPr>
+        <p:style>
+          <a:lnRef idx="2">
+            <a:schemeClr val="accent1">
+              <a:shade val="50000"/>
+            </a:schemeClr>
+          </a:lnRef>
+          <a:fillRef idx="1">
+            <a:schemeClr val="accent1"/>
+          </a:fillRef>
+          <a:effectRef idx="0">
+            <a:schemeClr val="accent1"/>
+          </a:effectRef>
+          <a:fontRef idx="minor">
+            <a:schemeClr val="lt1"/>
+          </a:fontRef>
+        </p:style>
+        <p:txBody>
+          <a:bodyPr rtlCol="0" anchor="ctr"/>
+          <a:lstStyle/>
+          <a:p>
+            <a:pPr algn="ctr"/>
             <a:endParaRPr lang="en-US" dirty="0"/>
           </a:p>
-          <a:p>
-            <a:r>
-              <a:rPr lang="en-US" dirty="0"/>
-              <a:t>Client stress and intrusiveness associated with outbound calls should also be considered, as the bank is maximizing lifetime value of doing business with the customer</a:t>
-            </a:r>
-          </a:p>
-          <a:p>
-            <a:r>
-              <a:rPr lang="en-US" dirty="0"/>
-              <a:t>“The 2008 financial crisis increased the pressure for Portuguese banks to increase long term deposits.”(</a:t>
-            </a:r>
-            <a:r>
-              <a:rPr lang="en-US" dirty="0">
-                <a:solidFill>
-                  <a:srgbClr val="123654"/>
-                </a:solidFill>
-              </a:rPr>
-              <a:t>Moro et al., 2014)</a:t>
-            </a:r>
-            <a:endParaRPr lang="en-US" dirty="0"/>
-          </a:p>
-          <a:p>
-            <a:r>
-              <a:rPr lang="en-US" dirty="0"/>
-              <a:t>According to </a:t>
-            </a:r>
-            <a:r>
-              <a:rPr lang="en-US" dirty="0">
-                <a:hlinkClick r:id="rId2"/>
-              </a:rPr>
-              <a:t>https://www.erieri.com/salary/job/call-center-agent/Portugal</a:t>
-            </a:r>
-            <a:r>
-              <a:rPr lang="en-US" dirty="0"/>
-              <a:t>, the average salary of  a call center agent in Portugal is €8/hour (about $8.08/hour).   Assume there are down times, so the lowest price per hour is about $10.</a:t>
-            </a:r>
-          </a:p>
-          <a:p>
-            <a:r>
-              <a:rPr lang="en-US" dirty="0"/>
-              <a:t>According to </a:t>
-            </a:r>
-            <a:r>
-              <a:rPr lang="en-US" dirty="0" err="1"/>
-              <a:t>salaryexplorer.com</a:t>
-            </a:r>
-            <a:r>
-              <a:rPr lang="en-US" dirty="0"/>
-              <a:t>, an average bank worker in Portugal earns about €18.70/hour ($18.87/hour).  Assume there are down times, so the lowest price per hour is $20.</a:t>
-            </a:r>
-          </a:p>
-          <a:p>
-            <a:endParaRPr lang="en-US" dirty="0"/>
-          </a:p>
-        </p:txBody>
-      </p:sp>
+        </p:txBody>
+      </p:sp>
+      <p:sp>
+        <p:nvSpPr>
+          <p:cNvPr id="13" name="Rectangle 12">
+            <a:extLst>
+              <a:ext uri="{FF2B5EF4-FFF2-40B4-BE49-F238E27FC236}">
+                <a16:creationId xmlns:a16="http://schemas.microsoft.com/office/drawing/2014/main" id="{CDF64937-39B5-4AB3-A2EF-EA689BA6087B}"/>
+              </a:ext>
+              <a:ext uri="{C183D7F6-B498-43B3-948B-1728B52AA6E4}">
+                <adec:decorative xmlns:adec="http://schemas.microsoft.com/office/drawing/2017/decorative" val="1"/>
+              </a:ext>
+            </a:extLst>
+          </p:cNvPr>
+          <p:cNvSpPr>
+            <a:spLocks noGrp="1" noRot="1" noChangeAspect="1" noMove="1" noResize="1" noEditPoints="1" noAdjustHandles="1" noChangeArrowheads="1" noChangeShapeType="1" noTextEdit="1"/>
+          </p:cNvSpPr>
+          <p:nvPr>
+            <p:extLst>
+              <p:ext uri="{386F3935-93C4-4BCD-93E2-E3B085C9AB24}">
+                <p16:designElem xmlns:p16="http://schemas.microsoft.com/office/powerpoint/2015/main" val="1"/>
+              </p:ext>
+            </p:extLst>
+          </p:nvPr>
+        </p:nvSpPr>
+        <p:spPr>
+          <a:xfrm>
+            <a:off x="4657802" y="1128683"/>
+            <a:ext cx="6558192" cy="4608576"/>
+          </a:xfrm>
+          <a:prstGeom prst="rect">
+            <a:avLst/>
+          </a:prstGeom>
+          <a:solidFill>
+            <a:srgbClr val="FFFFFF"/>
+          </a:solidFill>
+          <a:ln>
+            <a:noFill/>
+          </a:ln>
+        </p:spPr>
+        <p:style>
+          <a:lnRef idx="2">
+            <a:schemeClr val="accent1">
+              <a:shade val="50000"/>
+            </a:schemeClr>
+          </a:lnRef>
+          <a:fillRef idx="1">
+            <a:schemeClr val="accent1"/>
+          </a:fillRef>
+          <a:effectRef idx="0">
+            <a:schemeClr val="accent1"/>
+          </a:effectRef>
+          <a:fontRef idx="minor">
+            <a:schemeClr val="lt1"/>
+          </a:fontRef>
+        </p:style>
+        <p:txBody>
+          <a:bodyPr rtlCol="0" anchor="ctr"/>
+          <a:lstStyle/>
+          <a:p>
+            <a:pPr algn="ctr"/>
+            <a:endParaRPr lang="en-US"/>
+          </a:p>
+        </p:txBody>
+      </p:sp>
+      <p:pic>
+        <p:nvPicPr>
+          <p:cNvPr id="4" name="Content Placeholder 3" descr="Chart, treemap chart&#10;&#10;Description automatically generated">
+            <a:extLst>
+              <a:ext uri="{FF2B5EF4-FFF2-40B4-BE49-F238E27FC236}">
+                <a16:creationId xmlns:a16="http://schemas.microsoft.com/office/drawing/2014/main" id="{DBA9DFBA-3AA5-0827-EBFB-2F7803A6F027}"/>
+              </a:ext>
+            </a:extLst>
+          </p:cNvPr>
+          <p:cNvPicPr>
+            <a:picLocks noChangeAspect="1"/>
+          </p:cNvPicPr>
+          <p:nvPr/>
+        </p:nvPicPr>
+        <p:blipFill>
+          <a:blip r:embed="rId2"/>
+          <a:stretch>
+            <a:fillRect/>
+          </a:stretch>
+        </p:blipFill>
+        <p:spPr>
+          <a:xfrm>
+            <a:off x="4823366" y="1502581"/>
+            <a:ext cx="6227064" cy="3860779"/>
+          </a:xfrm>
+          <a:prstGeom prst="rect">
+            <a:avLst/>
+          </a:prstGeom>
+        </p:spPr>
+      </p:pic>
     </p:spTree>
     <p:extLst>
       <p:ext uri="{BB962C8B-B14F-4D97-AF65-F5344CB8AC3E}">
-        <p14:creationId xmlns:p14="http://schemas.microsoft.com/office/powerpoint/2010/main" val="1784024761"/>
+        <p14:creationId xmlns:p14="http://schemas.microsoft.com/office/powerpoint/2010/main" val="885346616"/>
       </p:ext>
     </p:extLst>
   </p:cSld>

--- a/BankMarketing.pptx
+++ b/BankMarketing.pptx
@@ -4139,16 +4139,24 @@
             </a:r>
           </a:p>
           <a:p>
+            <a:pPr>
+              <a:lnSpc>
+                <a:spcPct val="90000"/>
+              </a:lnSpc>
+            </a:pPr>
+            <a:r>
+              <a:rPr lang="en-US" sz="1100" dirty="0"/>
+              <a:t>Mixed strategy is strategy of identifying as positives any clients for which the model predicts their probability of saying a yes as at least 30%</a:t>
+            </a:r>
+          </a:p>
+          <a:p>
             <a:pPr marL="0" indent="0">
               <a:lnSpc>
                 <a:spcPct val="90000"/>
               </a:lnSpc>
               <a:buNone/>
             </a:pPr>
-            <a:r>
-              <a:rPr lang="en-US" sz="1100" dirty="0"/>
-              <a:t> </a:t>
-            </a:r>
+            <a:endParaRPr lang="en-US" sz="1100" dirty="0"/>
           </a:p>
           <a:p>
             <a:pPr lvl="1">
@@ -4183,14 +4191,14 @@
           <p:nvPr>
             <p:extLst>
               <p:ext uri="{D42A27DB-BD31-4B8C-83A1-F6EECF244321}">
-                <p14:modId xmlns:p14="http://schemas.microsoft.com/office/powerpoint/2010/main" val="1311957506"/>
+                <p14:modId xmlns:p14="http://schemas.microsoft.com/office/powerpoint/2010/main" val="4162853071"/>
               </p:ext>
             </p:extLst>
           </p:nvPr>
         </p:nvGraphicFramePr>
         <p:xfrm>
-          <a:off x="978416" y="2068219"/>
-          <a:ext cx="6558191" cy="2729507"/>
+          <a:off x="978416" y="2068220"/>
+          <a:ext cx="6558191" cy="3898652"/>
         </p:xfrm>
         <a:graphic>
           <a:graphicData uri="http://schemas.openxmlformats.org/drawingml/2006/table">
@@ -4236,7 +4244,7 @@
                   </a:extLst>
                 </a:gridCol>
               </a:tblGrid>
-              <a:tr h="644551">
+              <a:tr h="546088">
                 <a:tc>
                   <a:txBody>
                     <a:bodyPr/>
@@ -4546,7 +4554,7 @@
                   </a:ext>
                 </a:extLst>
               </a:tr>
-              <a:tr h="493248">
+              <a:tr h="417898">
                 <a:tc>
                   <a:txBody>
                     <a:bodyPr/>
@@ -4787,14 +4795,14 @@
                   </a:ext>
                 </a:extLst>
               </a:tr>
-              <a:tr h="644551">
+              <a:tr h="546088">
                 <a:tc>
                   <a:txBody>
                     <a:bodyPr/>
                     <a:lstStyle/>
                     <a:p>
                       <a:r>
-                        <a:rPr lang="en-US" sz="1000" cap="none" spc="0">
+                        <a:rPr lang="en-US" sz="1000" cap="none" spc="0" dirty="0">
                           <a:solidFill>
                             <a:schemeClr val="tx1"/>
                           </a:solidFill>
@@ -4917,7 +4925,7 @@
                     <a:lstStyle/>
                     <a:p>
                       <a:r>
-                        <a:rPr lang="en-US" sz="1000" cap="none" spc="0">
+                        <a:rPr lang="en-US" sz="1000" cap="none" spc="0" dirty="0">
                           <a:solidFill>
                             <a:schemeClr val="tx1"/>
                           </a:solidFill>
@@ -4927,7 +4935,7 @@
                     </a:p>
                     <a:p>
                       <a:r>
-                        <a:rPr lang="en-US" sz="1000" cap="none" spc="0">
+                        <a:rPr lang="en-US" sz="1000" cap="none" spc="0" dirty="0">
                           <a:solidFill>
                             <a:schemeClr val="tx1"/>
                           </a:solidFill>
@@ -4968,7 +4976,7 @@
                     <a:lstStyle/>
                     <a:p>
                       <a:r>
-                        <a:rPr lang="en-US" sz="1000" cap="none" spc="0">
+                        <a:rPr lang="en-US" sz="1000" cap="none" spc="0" dirty="0">
                           <a:solidFill>
                             <a:schemeClr val="tx1"/>
                           </a:solidFill>
@@ -4978,7 +4986,7 @@
                     </a:p>
                     <a:p>
                       <a:r>
-                        <a:rPr lang="en-US" sz="1000" cap="none" spc="0">
+                        <a:rPr lang="en-US" sz="1000" cap="none" spc="0" dirty="0">
                           <a:solidFill>
                             <a:schemeClr val="tx1"/>
                           </a:solidFill>
@@ -4987,7 +4995,7 @@
                       </a:r>
                     </a:p>
                     <a:p>
-                      <a:endParaRPr lang="en-US" sz="1000" cap="none" spc="0">
+                      <a:endParaRPr lang="en-US" sz="1000" cap="none" spc="0" dirty="0">
                         <a:solidFill>
                           <a:schemeClr val="tx1"/>
                         </a:solidFill>
@@ -5026,19 +5034,299 @@
                   </a:ext>
                 </a:extLst>
               </a:tr>
-              <a:tr h="947157">
+              <a:tr h="546088">
                 <a:tc>
                   <a:txBody>
                     <a:bodyPr/>
                     <a:lstStyle/>
                     <a:p>
                       <a:r>
-                        <a:rPr lang="en-US" sz="1000" cap="none" spc="0">
+                        <a:rPr lang="en-US" sz="1000" cap="none" spc="0" dirty="0">
+                          <a:solidFill>
+                            <a:schemeClr val="tx1"/>
+                          </a:solidFill>
+                        </a:rPr>
+                        <a:t>Mixed</a:t>
+                      </a:r>
+                    </a:p>
+                  </a:txBody>
+                  <a:tcPr marL="0" marR="45391" marT="18156" marB="136173">
+                    <a:lnL w="12700" cmpd="sng">
+                      <a:noFill/>
+                      <a:prstDash val="solid"/>
+                    </a:lnL>
+                    <a:lnR w="12700" cmpd="sng">
+                      <a:noFill/>
+                      <a:prstDash val="solid"/>
+                    </a:lnR>
+                    <a:lnT w="6350" cap="flat" cmpd="sng" algn="ctr">
+                      <a:noFill/>
+                      <a:prstDash val="solid"/>
+                    </a:lnT>
+                    <a:lnB w="12700" cmpd="sng">
+                      <a:noFill/>
+                      <a:prstDash val="solid"/>
+                    </a:lnB>
+                    <a:solidFill>
+                      <a:schemeClr val="bg1">
+                        <a:lumMod val="95000"/>
+                      </a:schemeClr>
+                    </a:solidFill>
+                  </a:tcPr>
+                </a:tc>
+                <a:tc>
+                  <a:txBody>
+                    <a:bodyPr/>
+                    <a:lstStyle/>
+                    <a:p>
+                      <a:r>
+                        <a:rPr lang="en-US" sz="1000" cap="none" spc="0" dirty="0">
+                          <a:solidFill>
+                            <a:schemeClr val="tx1"/>
+                          </a:solidFill>
+                        </a:rPr>
+                        <a:t>571</a:t>
+                      </a:r>
+                    </a:p>
+                  </a:txBody>
+                  <a:tcPr marL="0" marR="45391" marT="18156" marB="136173">
+                    <a:lnL w="12700" cmpd="sng">
+                      <a:noFill/>
+                      <a:prstDash val="solid"/>
+                    </a:lnL>
+                    <a:lnR w="12700" cmpd="sng">
+                      <a:noFill/>
+                      <a:prstDash val="solid"/>
+                    </a:lnR>
+                    <a:lnT w="6350" cap="flat" cmpd="sng" algn="ctr">
+                      <a:noFill/>
+                      <a:prstDash val="solid"/>
+                    </a:lnT>
+                    <a:lnB w="12700" cmpd="sng">
+                      <a:noFill/>
+                      <a:prstDash val="solid"/>
+                    </a:lnB>
+                    <a:solidFill>
+                      <a:schemeClr val="bg1">
+                        <a:lumMod val="95000"/>
+                      </a:schemeClr>
+                    </a:solidFill>
+                  </a:tcPr>
+                </a:tc>
+                <a:tc>
+                  <a:txBody>
+                    <a:bodyPr/>
+                    <a:lstStyle/>
+                    <a:p>
+                      <a:r>
+                        <a:rPr lang="en-US" sz="1000" cap="none" spc="0" dirty="0">
+                          <a:solidFill>
+                            <a:schemeClr val="tx1"/>
+                          </a:solidFill>
+                        </a:rPr>
+                        <a:t>807</a:t>
+                      </a:r>
+                    </a:p>
+                  </a:txBody>
+                  <a:tcPr marL="0" marR="45391" marT="18156" marB="136173">
+                    <a:lnL w="12700" cmpd="sng">
+                      <a:noFill/>
+                      <a:prstDash val="solid"/>
+                    </a:lnL>
+                    <a:lnR w="12700" cmpd="sng">
+                      <a:noFill/>
+                      <a:prstDash val="solid"/>
+                    </a:lnR>
+                    <a:lnT w="6350" cap="flat" cmpd="sng" algn="ctr">
+                      <a:noFill/>
+                      <a:prstDash val="solid"/>
+                    </a:lnT>
+                    <a:lnB w="12700" cmpd="sng">
+                      <a:noFill/>
+                      <a:prstDash val="solid"/>
+                    </a:lnB>
+                    <a:solidFill>
+                      <a:schemeClr val="bg1">
+                        <a:lumMod val="95000"/>
+                      </a:schemeClr>
+                    </a:solidFill>
+                  </a:tcPr>
+                </a:tc>
+                <a:tc>
+                  <a:txBody>
+                    <a:bodyPr/>
+                    <a:lstStyle/>
+                    <a:p>
+                      <a:r>
+                        <a:rPr lang="en-US" sz="1000" cap="none" spc="0" dirty="0">
+                          <a:solidFill>
+                            <a:schemeClr val="tx1"/>
+                          </a:solidFill>
+                        </a:rPr>
+                        <a:t>$13783+</a:t>
+                      </a:r>
+                    </a:p>
+                    <a:p>
+                      <a:pPr marL="0" marR="0" lvl="0" indent="0" algn="l" defTabSz="914400" rtl="0" eaLnBrk="1" fontAlgn="auto" latinLnBrk="0" hangingPunct="1">
+                        <a:lnSpc>
+                          <a:spcPct val="100000"/>
+                        </a:lnSpc>
+                        <a:spcBef>
+                          <a:spcPts val="0"/>
+                        </a:spcBef>
+                        <a:spcAft>
+                          <a:spcPts val="0"/>
+                        </a:spcAft>
+                        <a:buClrTx/>
+                        <a:buSzTx/>
+                        <a:buFontTx/>
+                        <a:buNone/>
+                        <a:tabLst/>
+                        <a:defRPr/>
+                      </a:pPr>
+                      <a:r>
+                        <a:rPr lang="en-US" sz="1000" cap="none" spc="0" dirty="0">
+                          <a:solidFill>
+                            <a:schemeClr val="tx1"/>
+                          </a:solidFill>
+                        </a:rPr>
+                        <a:t>C(intangible medium)</a:t>
+                      </a:r>
+                    </a:p>
+                    <a:p>
+                      <a:endParaRPr lang="en-US" sz="1000" cap="none" spc="0" dirty="0">
+                        <a:solidFill>
+                          <a:schemeClr val="tx1"/>
+                        </a:solidFill>
+                      </a:endParaRPr>
+                    </a:p>
+                  </a:txBody>
+                  <a:tcPr marL="0" marR="45391" marT="18156" marB="136173">
+                    <a:lnL w="12700" cmpd="sng">
+                      <a:noFill/>
+                      <a:prstDash val="solid"/>
+                    </a:lnL>
+                    <a:lnR w="12700" cmpd="sng">
+                      <a:noFill/>
+                      <a:prstDash val="solid"/>
+                    </a:lnR>
+                    <a:lnT w="6350" cap="flat" cmpd="sng" algn="ctr">
+                      <a:noFill/>
+                      <a:prstDash val="solid"/>
+                    </a:lnT>
+                    <a:lnB w="12700" cmpd="sng">
+                      <a:noFill/>
+                      <a:prstDash val="solid"/>
+                    </a:lnB>
+                    <a:solidFill>
+                      <a:schemeClr val="bg1">
+                        <a:lumMod val="95000"/>
+                      </a:schemeClr>
+                    </a:solidFill>
+                  </a:tcPr>
+                </a:tc>
+                <a:tc>
+                  <a:txBody>
+                    <a:bodyPr/>
+                    <a:lstStyle/>
+                    <a:p>
+                      <a:r>
+                        <a:rPr lang="en-US" sz="1000" cap="none" spc="0" dirty="0">
+                          <a:solidFill>
+                            <a:schemeClr val="tx1"/>
+                          </a:solidFill>
+                        </a:rPr>
+                        <a:t>$27567+</a:t>
+                      </a:r>
+                    </a:p>
+                    <a:p>
+                      <a:pPr marL="0" marR="0" lvl="0" indent="0" algn="l" defTabSz="914400" rtl="0" eaLnBrk="1" fontAlgn="auto" latinLnBrk="0" hangingPunct="1">
+                        <a:lnSpc>
+                          <a:spcPct val="100000"/>
+                        </a:lnSpc>
+                        <a:spcBef>
+                          <a:spcPts val="0"/>
+                        </a:spcBef>
+                        <a:spcAft>
+                          <a:spcPts val="0"/>
+                        </a:spcAft>
+                        <a:buClrTx/>
+                        <a:buSzTx/>
+                        <a:buFontTx/>
+                        <a:buNone/>
+                        <a:tabLst/>
+                        <a:defRPr/>
+                      </a:pPr>
+                      <a:r>
+                        <a:rPr lang="en-US" sz="1000" cap="none" spc="0" dirty="0">
+                          <a:solidFill>
+                            <a:schemeClr val="tx1"/>
+                          </a:solidFill>
+                        </a:rPr>
+                        <a:t>C(intangible medium)</a:t>
+                      </a:r>
+                    </a:p>
+                    <a:p>
+                      <a:endParaRPr lang="en-US" sz="1000" cap="none" spc="0" dirty="0">
+                        <a:solidFill>
+                          <a:schemeClr val="tx1"/>
+                        </a:solidFill>
+                      </a:endParaRPr>
+                    </a:p>
+                  </a:txBody>
+                  <a:tcPr marL="0" marR="45391" marT="18156" marB="136173">
+                    <a:lnL w="12700" cmpd="sng">
+                      <a:noFill/>
+                      <a:prstDash val="solid"/>
+                    </a:lnL>
+                    <a:lnR w="12700" cmpd="sng">
+                      <a:noFill/>
+                      <a:prstDash val="solid"/>
+                    </a:lnR>
+                    <a:lnT w="6350" cap="flat" cmpd="sng" algn="ctr">
+                      <a:noFill/>
+                      <a:prstDash val="solid"/>
+                    </a:lnT>
+                    <a:lnB w="12700" cmpd="sng">
+                      <a:noFill/>
+                      <a:prstDash val="solid"/>
+                    </a:lnB>
+                    <a:solidFill>
+                      <a:schemeClr val="bg1">
+                        <a:lumMod val="95000"/>
+                      </a:schemeClr>
+                    </a:solidFill>
+                  </a:tcPr>
+                </a:tc>
+                <a:extLst>
+                  <a:ext uri="{0D108BD9-81ED-4DB2-BD59-A6C34878D82A}">
+                    <a16:rowId xmlns:a16="http://schemas.microsoft.com/office/drawing/2014/main" val="3078379153"/>
+                  </a:ext>
+                </a:extLst>
+              </a:tr>
+              <a:tr h="802468">
+                <a:tc>
+                  <a:txBody>
+                    <a:bodyPr/>
+                    <a:lstStyle/>
+                    <a:p>
+                      <a:r>
+                        <a:rPr lang="en-US" sz="1000" cap="none" spc="0" dirty="0">
                           <a:solidFill>
                             <a:schemeClr val="tx1"/>
                           </a:solidFill>
                         </a:rPr>
                         <a:t>Difference</a:t>
+                      </a:r>
+                    </a:p>
+                    <a:p>
+                      <a:r>
+                        <a:rPr lang="en-US" sz="1000" cap="none" spc="0" dirty="0">
+                          <a:solidFill>
+                            <a:schemeClr val="tx1"/>
+                          </a:solidFill>
+                        </a:rPr>
+                        <a:t>(No ML-ML)</a:t>
                       </a:r>
                     </a:p>
                   </a:txBody>
@@ -5068,7 +5356,7 @@
                     <a:lstStyle/>
                     <a:p>
                       <a:r>
-                        <a:rPr lang="en-US" sz="1000" cap="none" spc="0">
+                        <a:rPr lang="en-US" sz="1000" cap="none" spc="0" dirty="0">
                           <a:solidFill>
                             <a:schemeClr val="tx1"/>
                           </a:solidFill>
@@ -5103,7 +5391,7 @@
                     <a:lstStyle/>
                     <a:p>
                       <a:r>
-                        <a:rPr lang="en-US" sz="1000" cap="none" spc="0">
+                        <a:rPr lang="en-US" sz="1000" cap="none" spc="0" dirty="0">
                           <a:solidFill>
                             <a:schemeClr val="tx1"/>
                           </a:solidFill>
@@ -5249,6 +5537,270 @@
                   </a:ext>
                 </a:extLst>
               </a:tr>
+              <a:tr h="802468">
+                <a:tc>
+                  <a:txBody>
+                    <a:bodyPr/>
+                    <a:lstStyle/>
+                    <a:p>
+                      <a:r>
+                        <a:rPr lang="en-US" sz="1000" cap="none" spc="0" dirty="0">
+                          <a:solidFill>
+                            <a:schemeClr val="tx1"/>
+                          </a:solidFill>
+                        </a:rPr>
+                        <a:t>Difference</a:t>
+                      </a:r>
+                    </a:p>
+                    <a:p>
+                      <a:r>
+                        <a:rPr lang="en-US" sz="1000" cap="none" spc="0" dirty="0">
+                          <a:solidFill>
+                            <a:schemeClr val="tx1"/>
+                          </a:solidFill>
+                        </a:rPr>
+                        <a:t>(Mixed-ML)</a:t>
+                      </a:r>
+                    </a:p>
+                    <a:p>
+                      <a:endParaRPr lang="en-US" sz="1000" cap="none" spc="0" dirty="0">
+                        <a:solidFill>
+                          <a:schemeClr val="tx1"/>
+                        </a:solidFill>
+                      </a:endParaRPr>
+                    </a:p>
+                  </a:txBody>
+                  <a:tcPr marL="0" marR="45391" marT="18156" marB="136173">
+                    <a:lnL w="12700" cmpd="sng">
+                      <a:noFill/>
+                      <a:prstDash val="solid"/>
+                    </a:lnL>
+                    <a:lnR w="12700" cmpd="sng">
+                      <a:noFill/>
+                      <a:prstDash val="solid"/>
+                    </a:lnR>
+                    <a:lnT w="12700" cmpd="sng">
+                      <a:noFill/>
+                      <a:prstDash val="solid"/>
+                    </a:lnT>
+                    <a:lnB w="12700" cmpd="sng">
+                      <a:noFill/>
+                      <a:prstDash val="solid"/>
+                    </a:lnB>
+                    <a:noFill/>
+                  </a:tcPr>
+                </a:tc>
+                <a:tc>
+                  <a:txBody>
+                    <a:bodyPr/>
+                    <a:lstStyle/>
+                    <a:p>
+                      <a:r>
+                        <a:rPr lang="en-US" sz="1000" cap="none" spc="0" dirty="0">
+                          <a:solidFill>
+                            <a:schemeClr val="tx1"/>
+                          </a:solidFill>
+                        </a:rPr>
+                        <a:t>119</a:t>
+                      </a:r>
+                    </a:p>
+                  </a:txBody>
+                  <a:tcPr marL="0" marR="45391" marT="18156" marB="136173">
+                    <a:lnL w="12700" cmpd="sng">
+                      <a:noFill/>
+                      <a:prstDash val="solid"/>
+                    </a:lnL>
+                    <a:lnR w="12700" cmpd="sng">
+                      <a:noFill/>
+                      <a:prstDash val="solid"/>
+                    </a:lnR>
+                    <a:lnT w="12700" cmpd="sng">
+                      <a:noFill/>
+                      <a:prstDash val="solid"/>
+                    </a:lnT>
+                    <a:lnB w="12700" cmpd="sng">
+                      <a:noFill/>
+                      <a:prstDash val="solid"/>
+                    </a:lnB>
+                    <a:noFill/>
+                  </a:tcPr>
+                </a:tc>
+                <a:tc>
+                  <a:txBody>
+                    <a:bodyPr/>
+                    <a:lstStyle/>
+                    <a:p>
+                      <a:r>
+                        <a:rPr lang="en-US" sz="1000" cap="none" spc="0" dirty="0">
+                          <a:solidFill>
+                            <a:schemeClr val="tx1"/>
+                          </a:solidFill>
+                        </a:rPr>
+                        <a:t>527</a:t>
+                      </a:r>
+                    </a:p>
+                  </a:txBody>
+                  <a:tcPr marL="0" marR="45391" marT="18156" marB="136173">
+                    <a:lnL w="12700" cmpd="sng">
+                      <a:noFill/>
+                      <a:prstDash val="solid"/>
+                    </a:lnL>
+                    <a:lnR w="12700" cmpd="sng">
+                      <a:noFill/>
+                      <a:prstDash val="solid"/>
+                    </a:lnR>
+                    <a:lnT w="12700" cmpd="sng">
+                      <a:noFill/>
+                      <a:prstDash val="solid"/>
+                    </a:lnT>
+                    <a:lnB w="12700" cmpd="sng">
+                      <a:noFill/>
+                      <a:prstDash val="solid"/>
+                    </a:lnB>
+                    <a:noFill/>
+                  </a:tcPr>
+                </a:tc>
+                <a:tc>
+                  <a:txBody>
+                    <a:bodyPr/>
+                    <a:lstStyle/>
+                    <a:p>
+                      <a:pPr marL="0" marR="0" lvl="0" indent="0" algn="l" defTabSz="914400" rtl="0" eaLnBrk="1" fontAlgn="auto" latinLnBrk="0" hangingPunct="1">
+                        <a:lnSpc>
+                          <a:spcPct val="100000"/>
+                        </a:lnSpc>
+                        <a:spcBef>
+                          <a:spcPts val="0"/>
+                        </a:spcBef>
+                        <a:spcAft>
+                          <a:spcPts val="0"/>
+                        </a:spcAft>
+                        <a:buClrTx/>
+                        <a:buSzTx/>
+                        <a:buFontTx/>
+                        <a:buNone/>
+                        <a:tabLst/>
+                        <a:defRPr/>
+                      </a:pPr>
+                      <a:r>
+                        <a:rPr lang="en-US" sz="1000" cap="none" spc="0" dirty="0">
+                          <a:solidFill>
+                            <a:schemeClr val="tx1"/>
+                          </a:solidFill>
+                        </a:rPr>
+                        <a:t>$6463+(C(intangible medium)-C(intangible low))</a:t>
+                      </a:r>
+                    </a:p>
+                    <a:p>
+                      <a:pPr marL="0" marR="0" lvl="0" indent="0" algn="l" defTabSz="914400" rtl="0" eaLnBrk="1" fontAlgn="auto" latinLnBrk="0" hangingPunct="1">
+                        <a:lnSpc>
+                          <a:spcPct val="100000"/>
+                        </a:lnSpc>
+                        <a:spcBef>
+                          <a:spcPts val="0"/>
+                        </a:spcBef>
+                        <a:spcAft>
+                          <a:spcPts val="0"/>
+                        </a:spcAft>
+                        <a:buClrTx/>
+                        <a:buSzTx/>
+                        <a:buFontTx/>
+                        <a:buNone/>
+                        <a:tabLst/>
+                        <a:defRPr/>
+                      </a:pPr>
+                      <a:endParaRPr lang="en-US" sz="1000" cap="none" spc="0" dirty="0">
+                        <a:solidFill>
+                          <a:schemeClr val="tx1"/>
+                        </a:solidFill>
+                      </a:endParaRPr>
+                    </a:p>
+                  </a:txBody>
+                  <a:tcPr marL="0" marR="45391" marT="18156" marB="136173">
+                    <a:lnL w="12700" cmpd="sng">
+                      <a:noFill/>
+                      <a:prstDash val="solid"/>
+                    </a:lnL>
+                    <a:lnR w="12700" cmpd="sng">
+                      <a:noFill/>
+                      <a:prstDash val="solid"/>
+                    </a:lnR>
+                    <a:lnT w="12700" cmpd="sng">
+                      <a:noFill/>
+                      <a:prstDash val="solid"/>
+                    </a:lnT>
+                    <a:lnB w="12700" cmpd="sng">
+                      <a:noFill/>
+                      <a:prstDash val="solid"/>
+                    </a:lnB>
+                    <a:noFill/>
+                  </a:tcPr>
+                </a:tc>
+                <a:tc>
+                  <a:txBody>
+                    <a:bodyPr/>
+                    <a:lstStyle/>
+                    <a:p>
+                      <a:pPr marL="0" marR="0" lvl="0" indent="0" algn="l" defTabSz="914400" rtl="0" eaLnBrk="1" fontAlgn="auto" latinLnBrk="0" hangingPunct="1">
+                        <a:lnSpc>
+                          <a:spcPct val="100000"/>
+                        </a:lnSpc>
+                        <a:spcBef>
+                          <a:spcPts val="0"/>
+                        </a:spcBef>
+                        <a:spcAft>
+                          <a:spcPts val="0"/>
+                        </a:spcAft>
+                        <a:buClrTx/>
+                        <a:buSzTx/>
+                        <a:buFontTx/>
+                        <a:buNone/>
+                        <a:tabLst/>
+                        <a:defRPr/>
+                      </a:pPr>
+                      <a:r>
+                        <a:rPr lang="en-US" sz="1000" cap="none" spc="0" dirty="0">
+                          <a:solidFill>
+                            <a:schemeClr val="tx1"/>
+                          </a:solidFill>
+                        </a:rPr>
+                        <a:t>$12926+(C(intangible medium)-C(intangible low))</a:t>
+                      </a:r>
+                    </a:p>
+                    <a:p>
+                      <a:endParaRPr lang="en-US" sz="1000" cap="none" spc="0" dirty="0">
+                        <a:solidFill>
+                          <a:schemeClr val="tx1"/>
+                        </a:solidFill>
+                      </a:endParaRPr>
+                    </a:p>
+                  </a:txBody>
+                  <a:tcPr marL="0" marR="45391" marT="18156" marB="136173">
+                    <a:lnL w="12700" cmpd="sng">
+                      <a:noFill/>
+                      <a:prstDash val="solid"/>
+                    </a:lnL>
+                    <a:lnR w="12700" cmpd="sng">
+                      <a:noFill/>
+                      <a:prstDash val="solid"/>
+                    </a:lnR>
+                    <a:lnT w="12700" cmpd="sng">
+                      <a:noFill/>
+                      <a:prstDash val="solid"/>
+                    </a:lnT>
+                    <a:lnB w="12700" cmpd="sng">
+                      <a:noFill/>
+                      <a:prstDash val="solid"/>
+                    </a:lnB>
+                    <a:noFill/>
+                  </a:tcPr>
+                </a:tc>
+                <a:extLst>
+                  <a:ext uri="{0D108BD9-81ED-4DB2-BD59-A6C34878D82A}">
+                    <a16:rowId xmlns:a16="http://schemas.microsoft.com/office/drawing/2014/main" val="2649515448"/>
+                  </a:ext>
+                </a:extLst>
+              </a:tr>
             </a:tbl>
           </a:graphicData>
         </a:graphic>
@@ -5330,13 +5882,13 @@
         <p:spPr/>
         <p:txBody>
           <a:bodyPr>
-            <a:normAutofit fontScale="92500" lnSpcReduction="10000"/>
+            <a:normAutofit fontScale="92500" lnSpcReduction="20000"/>
           </a:bodyPr>
           <a:lstStyle/>
           <a:p>
             <a:r>
               <a:rPr lang="en-US" dirty="0"/>
-              <a:t>Adopt the ML strategy if long-term customer value and intangible costs are a significant concern and campaign resources are limited.  </a:t>
+              <a:t>Adopt the ML strategy if long-term customer value and intangible costs are a significant concern and campaign resources are limited. This will allow getting 63% of all potential yeses at low cost.</a:t>
             </a:r>
           </a:p>
           <a:p>
@@ -5356,13 +5908,13 @@
           <a:p>
             <a:r>
               <a:rPr lang="en-US" dirty="0"/>
-              <a:t>Adopt a mixed strategy of first calling the customers identified by the ML model, followed by the ones not identified if intangible costs and campaign resources are moderate</a:t>
+              <a:t>Adopt a mixed strategy of contacting clients for which the model predicts their probability of saying a yes as at least 30% if intangible costs and campaign resources are moderate. This will allow getting 80% of all potential yeses at moderate cost.</a:t>
             </a:r>
           </a:p>
           <a:p>
             <a:r>
               <a:rPr lang="en-US" dirty="0"/>
-              <a:t>Adopt a strategy of contacting all customers if have large campaign resources, are less concerned with intangible costs, and the cost of missing some of the yeses is particularly high</a:t>
+              <a:t>Adopt a strategy of contacting all customers if have large campaign resources, are less concerned with intangible costs, and the cost of missing some of the yeses is particularly high. This will allow getting 100% of all potential yeses at higher cost.</a:t>
             </a:r>
           </a:p>
           <a:p>
@@ -5447,7 +5999,7 @@
         <p:spPr/>
         <p:txBody>
           <a:bodyPr>
-            <a:normAutofit fontScale="92500" lnSpcReduction="20000"/>
+            <a:normAutofit fontScale="85000" lnSpcReduction="20000"/>
           </a:bodyPr>
           <a:lstStyle/>
           <a:p>
@@ -5465,7 +6017,7 @@
           <a:p>
             <a:r>
               <a:rPr lang="en-US" dirty="0"/>
-              <a:t>What other data can be obtained? </a:t>
+              <a:t>What other data can be obtained to allow us to build a better model? </a:t>
             </a:r>
           </a:p>
           <a:p>
@@ -5483,14 +6035,17 @@
             </a:r>
           </a:p>
           <a:p>
+            <a:r>
+              <a:rPr lang="en-US" dirty="0"/>
+              <a:t>AB Testing with profit per person metric with and without ML model. Which strategy works best given the bank’s profitability and long-term customer value metrics?</a:t>
+            </a:r>
+          </a:p>
+          <a:p>
             <a:pPr lvl="1"/>
             <a:r>
               <a:rPr lang="en-US" dirty="0"/>
-              <a:t>Convert ROC curve to business metrics to provide flexible recommendations to decision makers</a:t>
-            </a:r>
-          </a:p>
-          <a:p>
-            <a:endParaRPr lang="en-US" dirty="0"/>
+              <a:t>Monitor for model drift</a:t>
+            </a:r>
           </a:p>
         </p:txBody>
       </p:sp>
@@ -7890,8 +8445,8 @@
         </p:blipFill>
         <p:spPr>
           <a:xfrm>
-            <a:off x="5651048" y="3474816"/>
-            <a:ext cx="4579474" cy="2484365"/>
+            <a:off x="5018314" y="3280889"/>
+            <a:ext cx="5971709" cy="3239653"/>
           </a:xfrm>
           <a:prstGeom prst="rect">
             <a:avLst/>

--- a/BankMarketing.pptx
+++ b/BankMarketing.pptx
@@ -27,15 +27,16 @@
     <p:sldId id="272" r:id="rId21"/>
     <p:sldId id="274" r:id="rId22"/>
     <p:sldId id="277" r:id="rId23"/>
-    <p:sldId id="289" r:id="rId24"/>
-    <p:sldId id="279" r:id="rId25"/>
-    <p:sldId id="276" r:id="rId26"/>
-    <p:sldId id="269" r:id="rId27"/>
-    <p:sldId id="275" r:id="rId28"/>
-    <p:sldId id="288" r:id="rId29"/>
-    <p:sldId id="284" r:id="rId30"/>
-    <p:sldId id="283" r:id="rId31"/>
-    <p:sldId id="264" r:id="rId32"/>
+    <p:sldId id="290" r:id="rId24"/>
+    <p:sldId id="289" r:id="rId25"/>
+    <p:sldId id="279" r:id="rId26"/>
+    <p:sldId id="276" r:id="rId27"/>
+    <p:sldId id="269" r:id="rId28"/>
+    <p:sldId id="275" r:id="rId29"/>
+    <p:sldId id="288" r:id="rId30"/>
+    <p:sldId id="284" r:id="rId31"/>
+    <p:sldId id="283" r:id="rId32"/>
+    <p:sldId id="264" r:id="rId33"/>
   </p:sldIdLst>
   <p:sldSz cx="12192000" cy="6858000"/>
   <p:notesSz cx="6858000" cy="9144000"/>
@@ -5968,7 +5969,12 @@
             <p:ph type="title"/>
           </p:nvPr>
         </p:nvSpPr>
-        <p:spPr/>
+        <p:spPr>
+          <a:xfrm>
+            <a:off x="1643743" y="964692"/>
+            <a:ext cx="8948057" cy="1188720"/>
+          </a:xfrm>
+        </p:spPr>
         <p:txBody>
           <a:bodyPr/>
           <a:lstStyle/>
@@ -5996,7 +6002,12 @@
             <p:ph idx="1"/>
           </p:nvPr>
         </p:nvSpPr>
-        <p:spPr/>
+        <p:spPr>
+          <a:xfrm>
+            <a:off x="1643743" y="2362200"/>
+            <a:ext cx="8948057" cy="3531108"/>
+          </a:xfrm>
+        </p:spPr>
         <p:txBody>
           <a:bodyPr>
             <a:normAutofit fontScale="85000" lnSpcReduction="20000"/>
@@ -6011,7 +6022,7 @@
           <a:p>
             <a:r>
               <a:rPr lang="en-US" dirty="0"/>
-              <a:t>Deduce the dates from Euribor 3-month rate and perform separate analyses for pre- and post-financial crisis</a:t>
+              <a:t>Having the dates from Euribor 3-month rate would allow one to perform separate analyses for pre- and post-financial crisis or get a more accurate overall model.  Also, could build more reliable validation and test sets (Euribor 3m rates alone cannot be used to reliably deduce dates).</a:t>
             </a:r>
           </a:p>
           <a:p>
@@ -6037,7 +6048,14 @@
           <a:p>
             <a:r>
               <a:rPr lang="en-US" dirty="0"/>
-              <a:t>AB Testing with profit per person metric with and without ML model. Which strategy works best given the bank’s profitability and long-term customer value metrics?</a:t>
+              <a:t>Use AB Testing with profit per person metric to compare model performance in real life. </a:t>
+            </a:r>
+          </a:p>
+          <a:p>
+            <a:pPr lvl="1"/>
+            <a:r>
+              <a:rPr lang="en-US" dirty="0"/>
+              <a:t>Which strategy works best given the bank’s profitability and long-term customer value metrics?</a:t>
             </a:r>
           </a:p>
           <a:p>
@@ -8597,6 +8615,135 @@
 <file path=ppt/slides/slide23.xml><?xml version="1.0" encoding="utf-8"?>
 <p:sld xmlns:a="http://schemas.openxmlformats.org/drawingml/2006/main" xmlns:r="http://schemas.openxmlformats.org/officeDocument/2006/relationships" xmlns:p="http://schemas.openxmlformats.org/presentationml/2006/main">
   <p:cSld>
+    <p:spTree>
+      <p:nvGrpSpPr>
+        <p:cNvPr id="1" name=""/>
+        <p:cNvGrpSpPr/>
+        <p:nvPr/>
+      </p:nvGrpSpPr>
+      <p:grpSpPr>
+        <a:xfrm>
+          <a:off x="0" y="0"/>
+          <a:ext cx="0" cy="0"/>
+          <a:chOff x="0" y="0"/>
+          <a:chExt cx="0" cy="0"/>
+        </a:xfrm>
+      </p:grpSpPr>
+      <p:sp>
+        <p:nvSpPr>
+          <p:cNvPr id="2" name="Title 1">
+            <a:extLst>
+              <a:ext uri="{FF2B5EF4-FFF2-40B4-BE49-F238E27FC236}">
+                <a16:creationId xmlns:a16="http://schemas.microsoft.com/office/drawing/2014/main" id="{DCFA5601-3F5B-C55F-5667-5B0B71DC70A6}"/>
+              </a:ext>
+            </a:extLst>
+          </p:cNvPr>
+          <p:cNvSpPr>
+            <a:spLocks noGrp="1"/>
+          </p:cNvSpPr>
+          <p:nvPr>
+            <p:ph type="title"/>
+          </p:nvPr>
+        </p:nvSpPr>
+        <p:spPr/>
+        <p:txBody>
+          <a:bodyPr/>
+          <a:lstStyle/>
+          <a:p>
+            <a:r>
+              <a:rPr lang="en-US" dirty="0"/>
+              <a:t>Modeling approach</a:t>
+            </a:r>
+          </a:p>
+        </p:txBody>
+      </p:sp>
+      <p:sp>
+        <p:nvSpPr>
+          <p:cNvPr id="3" name="Content Placeholder 2">
+            <a:extLst>
+              <a:ext uri="{FF2B5EF4-FFF2-40B4-BE49-F238E27FC236}">
+                <a16:creationId xmlns:a16="http://schemas.microsoft.com/office/drawing/2014/main" id="{F91066E7-AF7E-0FE6-2C0B-B5A311570FDD}"/>
+              </a:ext>
+            </a:extLst>
+          </p:cNvPr>
+          <p:cNvSpPr>
+            <a:spLocks noGrp="1"/>
+          </p:cNvSpPr>
+          <p:nvPr>
+            <p:ph idx="1"/>
+          </p:nvPr>
+        </p:nvSpPr>
+        <p:spPr/>
+        <p:txBody>
+          <a:bodyPr>
+            <a:normAutofit/>
+          </a:bodyPr>
+          <a:lstStyle/>
+          <a:p>
+            <a:pPr marL="0" indent="0">
+              <a:buNone/>
+            </a:pPr>
+            <a:r>
+              <a:rPr lang="en-US" dirty="0"/>
+              <a:t>Outline: </a:t>
+            </a:r>
+          </a:p>
+          <a:p>
+            <a:r>
+              <a:rPr lang="en-US" dirty="0"/>
+              <a:t>1. Do some preliminary visualizations (already checked that there are no </a:t>
+            </a:r>
+            <a:r>
+              <a:rPr lang="en-US" dirty="0" err="1"/>
+              <a:t>na’s</a:t>
+            </a:r>
+            <a:r>
+              <a:rPr lang="en-US" dirty="0"/>
+              <a:t>)</a:t>
+            </a:r>
+          </a:p>
+          <a:p>
+            <a:r>
+              <a:rPr lang="en-US" dirty="0"/>
+              <a:t>2. Split into training, validation, and test sets</a:t>
+            </a:r>
+          </a:p>
+          <a:p>
+            <a:r>
+              <a:rPr lang="en-US" dirty="0"/>
+              <a:t>3. Fit a random forest, which performed better than gradient boosting</a:t>
+            </a:r>
+          </a:p>
+          <a:p>
+            <a:r>
+              <a:rPr lang="en-US" dirty="0"/>
+              <a:t>4. Do visualizations for the features identified as important by the random forest</a:t>
+            </a:r>
+          </a:p>
+          <a:p>
+            <a:r>
+              <a:rPr lang="en-US" dirty="0"/>
+              <a:t>5. Present the results</a:t>
+            </a:r>
+          </a:p>
+        </p:txBody>
+      </p:sp>
+    </p:spTree>
+    <p:extLst>
+      <p:ext uri="{BB962C8B-B14F-4D97-AF65-F5344CB8AC3E}">
+        <p14:creationId xmlns:p14="http://schemas.microsoft.com/office/powerpoint/2010/main" val="3959928360"/>
+      </p:ext>
+    </p:extLst>
+  </p:cSld>
+  <p:clrMapOvr>
+    <a:masterClrMapping/>
+  </p:clrMapOvr>
+</p:sld>
+</file>
+
+<file path=ppt/slides/slide24.xml><?xml version="1.0" encoding="utf-8"?>
+<p:sld xmlns:a="http://schemas.openxmlformats.org/drawingml/2006/main" xmlns:r="http://schemas.openxmlformats.org/officeDocument/2006/relationships" xmlns:p="http://schemas.openxmlformats.org/presentationml/2006/main">
+  <p:cSld>
     <p:bg>
       <p:bgPr>
         <a:solidFill>
@@ -8766,7 +8913,7 @@
 </p:sld>
 </file>
 
-<file path=ppt/slides/slide24.xml><?xml version="1.0" encoding="utf-8"?>
+<file path=ppt/slides/slide25.xml><?xml version="1.0" encoding="utf-8"?>
 <p:sld xmlns:a="http://schemas.openxmlformats.org/drawingml/2006/main" xmlns:r="http://schemas.openxmlformats.org/officeDocument/2006/relationships" xmlns:p="http://schemas.openxmlformats.org/presentationml/2006/main">
   <p:cSld>
     <p:spTree>
@@ -8847,178 +8994,6 @@
     <p:extLst>
       <p:ext uri="{BB962C8B-B14F-4D97-AF65-F5344CB8AC3E}">
         <p14:creationId xmlns:p14="http://schemas.microsoft.com/office/powerpoint/2010/main" val="787895217"/>
-      </p:ext>
-    </p:extLst>
-  </p:cSld>
-  <p:clrMapOvr>
-    <a:masterClrMapping/>
-  </p:clrMapOvr>
-</p:sld>
-</file>
-
-<file path=ppt/slides/slide25.xml><?xml version="1.0" encoding="utf-8"?>
-<p:sld xmlns:a="http://schemas.openxmlformats.org/drawingml/2006/main" xmlns:r="http://schemas.openxmlformats.org/officeDocument/2006/relationships" xmlns:p="http://schemas.openxmlformats.org/presentationml/2006/main">
-  <p:cSld>
-    <p:bg>
-      <p:bgPr>
-        <a:solidFill>
-          <a:schemeClr val="accent2"/>
-        </a:solidFill>
-        <a:effectLst/>
-      </p:bgPr>
-    </p:bg>
-    <p:spTree>
-      <p:nvGrpSpPr>
-        <p:cNvPr id="1" name=""/>
-        <p:cNvGrpSpPr/>
-        <p:nvPr/>
-      </p:nvGrpSpPr>
-      <p:grpSpPr>
-        <a:xfrm>
-          <a:off x="0" y="0"/>
-          <a:ext cx="0" cy="0"/>
-          <a:chOff x="0" y="0"/>
-          <a:chExt cx="0" cy="0"/>
-        </a:xfrm>
-      </p:grpSpPr>
-      <p:sp>
-        <p:nvSpPr>
-          <p:cNvPr id="18" name="Rectangle 17">
-            <a:extLst>
-              <a:ext uri="{FF2B5EF4-FFF2-40B4-BE49-F238E27FC236}">
-                <a16:creationId xmlns:a16="http://schemas.microsoft.com/office/drawing/2014/main" id="{C3A694C2-50DA-401D-9E8A-3621EBF0C75C}"/>
-              </a:ext>
-              <a:ext uri="{C183D7F6-B498-43B3-948B-1728B52AA6E4}">
-                <adec:decorative xmlns:adec="http://schemas.microsoft.com/office/drawing/2017/decorative" val="1"/>
-              </a:ext>
-            </a:extLst>
-          </p:cNvPr>
-          <p:cNvSpPr>
-            <a:spLocks noGrp="1" noRot="1" noChangeAspect="1" noMove="1" noResize="1" noEditPoints="1" noAdjustHandles="1" noChangeArrowheads="1" noChangeShapeType="1" noTextEdit="1"/>
-          </p:cNvSpPr>
-          <p:nvPr>
-            <p:extLst>
-              <p:ext uri="{386F3935-93C4-4BCD-93E2-E3B085C9AB24}">
-                <p16:designElem xmlns:p16="http://schemas.microsoft.com/office/powerpoint/2015/main" val="1"/>
-              </p:ext>
-            </p:extLst>
-          </p:nvPr>
-        </p:nvSpPr>
-        <p:spPr>
-          <a:xfrm>
-            <a:off x="0" y="-2"/>
-            <a:ext cx="12192000" cy="4918511"/>
-          </a:xfrm>
-          <a:prstGeom prst="rect">
-            <a:avLst/>
-          </a:prstGeom>
-          <a:solidFill>
-            <a:srgbClr val="FFFFFF"/>
-          </a:solidFill>
-          <a:ln>
-            <a:noFill/>
-          </a:ln>
-        </p:spPr>
-        <p:style>
-          <a:lnRef idx="2">
-            <a:schemeClr val="accent1">
-              <a:shade val="50000"/>
-            </a:schemeClr>
-          </a:lnRef>
-          <a:fillRef idx="1">
-            <a:schemeClr val="accent1"/>
-          </a:fillRef>
-          <a:effectRef idx="0">
-            <a:schemeClr val="accent1"/>
-          </a:effectRef>
-          <a:fontRef idx="minor">
-            <a:schemeClr val="lt1"/>
-          </a:fontRef>
-        </p:style>
-        <p:txBody>
-          <a:bodyPr rtlCol="0" anchor="ctr"/>
-          <a:lstStyle/>
-          <a:p>
-            <a:pPr algn="ctr"/>
-            <a:endParaRPr lang="en-US"/>
-          </a:p>
-        </p:txBody>
-      </p:sp>
-      <p:sp>
-        <p:nvSpPr>
-          <p:cNvPr id="2" name="Title 1">
-            <a:extLst>
-              <a:ext uri="{FF2B5EF4-FFF2-40B4-BE49-F238E27FC236}">
-                <a16:creationId xmlns:a16="http://schemas.microsoft.com/office/drawing/2014/main" id="{20C7406C-EBC6-6D9D-6D65-A9A05A5F7E29}"/>
-              </a:ext>
-            </a:extLst>
-          </p:cNvPr>
-          <p:cNvSpPr>
-            <a:spLocks noGrp="1"/>
-          </p:cNvSpPr>
-          <p:nvPr>
-            <p:ph type="title"/>
-          </p:nvPr>
-        </p:nvSpPr>
-        <p:spPr>
-          <a:xfrm>
-            <a:off x="1600200" y="4269282"/>
-            <a:ext cx="8991600" cy="1264762"/>
-          </a:xfrm>
-        </p:spPr>
-        <p:txBody>
-          <a:bodyPr vert="horz" lIns="274320" tIns="182880" rIns="274320" bIns="182880" rtlCol="0" anchor="ctr" anchorCtr="1">
-            <a:normAutofit/>
-          </a:bodyPr>
-          <a:lstStyle/>
-          <a:p>
-            <a:r>
-              <a:rPr lang="en-US" sz="3200" dirty="0">
-                <a:solidFill>
-                  <a:srgbClr val="262626"/>
-                </a:solidFill>
-              </a:rPr>
-              <a:t>Days since last contact and deposit</a:t>
-            </a:r>
-          </a:p>
-        </p:txBody>
-      </p:sp>
-      <p:pic>
-        <p:nvPicPr>
-          <p:cNvPr id="4" name="Content Placeholder 3">
-            <a:extLst>
-              <a:ext uri="{FF2B5EF4-FFF2-40B4-BE49-F238E27FC236}">
-                <a16:creationId xmlns:a16="http://schemas.microsoft.com/office/drawing/2014/main" id="{8A966576-EE7C-50C2-1703-C342B5531A39}"/>
-              </a:ext>
-            </a:extLst>
-          </p:cNvPr>
-          <p:cNvPicPr>
-            <a:picLocks noGrp="1" noChangeAspect="1"/>
-          </p:cNvPicPr>
-          <p:nvPr>
-            <p:ph idx="1"/>
-          </p:nvPr>
-        </p:nvPicPr>
-        <p:blipFill>
-          <a:blip r:embed="rId2"/>
-          <a:stretch>
-            <a:fillRect/>
-          </a:stretch>
-        </p:blipFill>
-        <p:spPr>
-          <a:xfrm>
-            <a:off x="2583970" y="640078"/>
-            <a:ext cx="7024059" cy="3301307"/>
-          </a:xfrm>
-          <a:prstGeom prst="rect">
-            <a:avLst/>
-          </a:prstGeom>
-        </p:spPr>
-      </p:pic>
-    </p:spTree>
-    <p:extLst>
-      <p:ext uri="{BB962C8B-B14F-4D97-AF65-F5344CB8AC3E}">
-        <p14:creationId xmlns:p14="http://schemas.microsoft.com/office/powerpoint/2010/main" val="3429850141"/>
       </p:ext>
     </p:extLst>
   </p:cSld>
@@ -9055,7 +9030,7 @@
       </p:grpSpPr>
       <p:sp>
         <p:nvSpPr>
-          <p:cNvPr id="25" name="Rectangle 24">
+          <p:cNvPr id="18" name="Rectangle 17">
             <a:extLst>
               <a:ext uri="{FF2B5EF4-FFF2-40B4-BE49-F238E27FC236}">
                 <a16:creationId xmlns:a16="http://schemas.microsoft.com/office/drawing/2014/main" id="{C3A694C2-50DA-401D-9E8A-3621EBF0C75C}"/>
@@ -9121,7 +9096,7 @@
           <p:cNvPr id="2" name="Title 1">
             <a:extLst>
               <a:ext uri="{FF2B5EF4-FFF2-40B4-BE49-F238E27FC236}">
-                <a16:creationId xmlns:a16="http://schemas.microsoft.com/office/drawing/2014/main" id="{824A567C-7B3A-66E4-CFEB-9CCF8186CA90}"/>
+                <a16:creationId xmlns:a16="http://schemas.microsoft.com/office/drawing/2014/main" id="{20C7406C-EBC6-6D9D-6D65-A9A05A5F7E29}"/>
               </a:ext>
             </a:extLst>
           </p:cNvPr>
@@ -9150,17 +9125,17 @@
                   <a:srgbClr val="262626"/>
                 </a:solidFill>
               </a:rPr>
-              <a:t>Number of contacts vs deposits</a:t>
+              <a:t>Days since last contact and deposit</a:t>
             </a:r>
           </a:p>
         </p:txBody>
       </p:sp>
       <p:pic>
         <p:nvPicPr>
-          <p:cNvPr id="3" name="Content Placeholder 2">
+          <p:cNvPr id="4" name="Content Placeholder 3">
             <a:extLst>
               <a:ext uri="{FF2B5EF4-FFF2-40B4-BE49-F238E27FC236}">
-                <a16:creationId xmlns:a16="http://schemas.microsoft.com/office/drawing/2014/main" id="{3899FC30-D07C-4684-6E68-54F251A3F471}"/>
+                <a16:creationId xmlns:a16="http://schemas.microsoft.com/office/drawing/2014/main" id="{8A966576-EE7C-50C2-1703-C342B5531A39}"/>
               </a:ext>
             </a:extLst>
           </p:cNvPr>
@@ -9179,8 +9154,8 @@
         </p:blipFill>
         <p:spPr>
           <a:xfrm>
-            <a:off x="2921667" y="640078"/>
-            <a:ext cx="6348666" cy="3301307"/>
+            <a:off x="2583970" y="640078"/>
+            <a:ext cx="7024059" cy="3301307"/>
           </a:xfrm>
           <a:prstGeom prst="rect">
             <a:avLst/>
@@ -9190,7 +9165,7 @@
     </p:spTree>
     <p:extLst>
       <p:ext uri="{BB962C8B-B14F-4D97-AF65-F5344CB8AC3E}">
-        <p14:creationId xmlns:p14="http://schemas.microsoft.com/office/powerpoint/2010/main" val="2788838927"/>
+        <p14:creationId xmlns:p14="http://schemas.microsoft.com/office/powerpoint/2010/main" val="3429850141"/>
       </p:ext>
     </p:extLst>
   </p:cSld>
@@ -9227,7 +9202,7 @@
       </p:grpSpPr>
       <p:sp>
         <p:nvSpPr>
-          <p:cNvPr id="18" name="Rectangle 17">
+          <p:cNvPr id="25" name="Rectangle 24">
             <a:extLst>
               <a:ext uri="{FF2B5EF4-FFF2-40B4-BE49-F238E27FC236}">
                 <a16:creationId xmlns:a16="http://schemas.microsoft.com/office/drawing/2014/main" id="{C3A694C2-50DA-401D-9E8A-3621EBF0C75C}"/>
@@ -9293,7 +9268,7 @@
           <p:cNvPr id="2" name="Title 1">
             <a:extLst>
               <a:ext uri="{FF2B5EF4-FFF2-40B4-BE49-F238E27FC236}">
-                <a16:creationId xmlns:a16="http://schemas.microsoft.com/office/drawing/2014/main" id="{E1809979-7069-1CAC-61FD-71B29F26F407}"/>
+                <a16:creationId xmlns:a16="http://schemas.microsoft.com/office/drawing/2014/main" id="{824A567C-7B3A-66E4-CFEB-9CCF8186CA90}"/>
               </a:ext>
             </a:extLst>
           </p:cNvPr>
@@ -9317,22 +9292,22 @@
           <a:lstStyle/>
           <a:p>
             <a:r>
-              <a:rPr lang="en-US" sz="3200">
+              <a:rPr lang="en-US" sz="3200" dirty="0">
                 <a:solidFill>
                   <a:srgbClr val="262626"/>
                 </a:solidFill>
               </a:rPr>
-              <a:t>Number of employees vs deposits</a:t>
+              <a:t>Number of contacts vs deposits</a:t>
             </a:r>
           </a:p>
         </p:txBody>
       </p:sp>
       <p:pic>
         <p:nvPicPr>
-          <p:cNvPr id="4" name="Content Placeholder 3">
+          <p:cNvPr id="3" name="Content Placeholder 2">
             <a:extLst>
               <a:ext uri="{FF2B5EF4-FFF2-40B4-BE49-F238E27FC236}">
-                <a16:creationId xmlns:a16="http://schemas.microsoft.com/office/drawing/2014/main" id="{4EDCDF1C-2E7E-C5BF-7824-755BAA009B87}"/>
+                <a16:creationId xmlns:a16="http://schemas.microsoft.com/office/drawing/2014/main" id="{3899FC30-D07C-4684-6E68-54F251A3F471}"/>
               </a:ext>
             </a:extLst>
           </p:cNvPr>
@@ -9351,8 +9326,8 @@
         </p:blipFill>
         <p:spPr>
           <a:xfrm>
-            <a:off x="2527019" y="640078"/>
-            <a:ext cx="7137962" cy="3301307"/>
+            <a:off x="2921667" y="640078"/>
+            <a:ext cx="6348666" cy="3301307"/>
           </a:xfrm>
           <a:prstGeom prst="rect">
             <a:avLst/>
@@ -9362,7 +9337,7 @@
     </p:spTree>
     <p:extLst>
       <p:ext uri="{BB962C8B-B14F-4D97-AF65-F5344CB8AC3E}">
-        <p14:creationId xmlns:p14="http://schemas.microsoft.com/office/powerpoint/2010/main" val="485437797"/>
+        <p14:creationId xmlns:p14="http://schemas.microsoft.com/office/powerpoint/2010/main" val="2788838927"/>
       </p:ext>
     </p:extLst>
   </p:cSld>
@@ -9399,7 +9374,7 @@
       </p:grpSpPr>
       <p:sp>
         <p:nvSpPr>
-          <p:cNvPr id="13" name="Rectangle 8">
+          <p:cNvPr id="18" name="Rectangle 17">
             <a:extLst>
               <a:ext uri="{FF2B5EF4-FFF2-40B4-BE49-F238E27FC236}">
                 <a16:creationId xmlns:a16="http://schemas.microsoft.com/office/drawing/2014/main" id="{C3A694C2-50DA-401D-9E8A-3621EBF0C75C}"/>
@@ -9465,6 +9440,178 @@
           <p:cNvPr id="2" name="Title 1">
             <a:extLst>
               <a:ext uri="{FF2B5EF4-FFF2-40B4-BE49-F238E27FC236}">
+                <a16:creationId xmlns:a16="http://schemas.microsoft.com/office/drawing/2014/main" id="{E1809979-7069-1CAC-61FD-71B29F26F407}"/>
+              </a:ext>
+            </a:extLst>
+          </p:cNvPr>
+          <p:cNvSpPr>
+            <a:spLocks noGrp="1"/>
+          </p:cNvSpPr>
+          <p:nvPr>
+            <p:ph type="title"/>
+          </p:nvPr>
+        </p:nvSpPr>
+        <p:spPr>
+          <a:xfrm>
+            <a:off x="1600200" y="4269282"/>
+            <a:ext cx="8991600" cy="1264762"/>
+          </a:xfrm>
+        </p:spPr>
+        <p:txBody>
+          <a:bodyPr vert="horz" lIns="274320" tIns="182880" rIns="274320" bIns="182880" rtlCol="0" anchor="ctr" anchorCtr="1">
+            <a:normAutofit/>
+          </a:bodyPr>
+          <a:lstStyle/>
+          <a:p>
+            <a:r>
+              <a:rPr lang="en-US" sz="3200">
+                <a:solidFill>
+                  <a:srgbClr val="262626"/>
+                </a:solidFill>
+              </a:rPr>
+              <a:t>Number of employees vs deposits</a:t>
+            </a:r>
+          </a:p>
+        </p:txBody>
+      </p:sp>
+      <p:pic>
+        <p:nvPicPr>
+          <p:cNvPr id="4" name="Content Placeholder 3">
+            <a:extLst>
+              <a:ext uri="{FF2B5EF4-FFF2-40B4-BE49-F238E27FC236}">
+                <a16:creationId xmlns:a16="http://schemas.microsoft.com/office/drawing/2014/main" id="{4EDCDF1C-2E7E-C5BF-7824-755BAA009B87}"/>
+              </a:ext>
+            </a:extLst>
+          </p:cNvPr>
+          <p:cNvPicPr>
+            <a:picLocks noGrp="1" noChangeAspect="1"/>
+          </p:cNvPicPr>
+          <p:nvPr>
+            <p:ph idx="1"/>
+          </p:nvPr>
+        </p:nvPicPr>
+        <p:blipFill>
+          <a:blip r:embed="rId2"/>
+          <a:stretch>
+            <a:fillRect/>
+          </a:stretch>
+        </p:blipFill>
+        <p:spPr>
+          <a:xfrm>
+            <a:off x="2527019" y="640078"/>
+            <a:ext cx="7137962" cy="3301307"/>
+          </a:xfrm>
+          <a:prstGeom prst="rect">
+            <a:avLst/>
+          </a:prstGeom>
+        </p:spPr>
+      </p:pic>
+    </p:spTree>
+    <p:extLst>
+      <p:ext uri="{BB962C8B-B14F-4D97-AF65-F5344CB8AC3E}">
+        <p14:creationId xmlns:p14="http://schemas.microsoft.com/office/powerpoint/2010/main" val="485437797"/>
+      </p:ext>
+    </p:extLst>
+  </p:cSld>
+  <p:clrMapOvr>
+    <a:masterClrMapping/>
+  </p:clrMapOvr>
+</p:sld>
+</file>
+
+<file path=ppt/slides/slide29.xml><?xml version="1.0" encoding="utf-8"?>
+<p:sld xmlns:a="http://schemas.openxmlformats.org/drawingml/2006/main" xmlns:r="http://schemas.openxmlformats.org/officeDocument/2006/relationships" xmlns:p="http://schemas.openxmlformats.org/presentationml/2006/main">
+  <p:cSld>
+    <p:bg>
+      <p:bgPr>
+        <a:solidFill>
+          <a:schemeClr val="accent2"/>
+        </a:solidFill>
+        <a:effectLst/>
+      </p:bgPr>
+    </p:bg>
+    <p:spTree>
+      <p:nvGrpSpPr>
+        <p:cNvPr id="1" name=""/>
+        <p:cNvGrpSpPr/>
+        <p:nvPr/>
+      </p:nvGrpSpPr>
+      <p:grpSpPr>
+        <a:xfrm>
+          <a:off x="0" y="0"/>
+          <a:ext cx="0" cy="0"/>
+          <a:chOff x="0" y="0"/>
+          <a:chExt cx="0" cy="0"/>
+        </a:xfrm>
+      </p:grpSpPr>
+      <p:sp>
+        <p:nvSpPr>
+          <p:cNvPr id="13" name="Rectangle 8">
+            <a:extLst>
+              <a:ext uri="{FF2B5EF4-FFF2-40B4-BE49-F238E27FC236}">
+                <a16:creationId xmlns:a16="http://schemas.microsoft.com/office/drawing/2014/main" id="{C3A694C2-50DA-401D-9E8A-3621EBF0C75C}"/>
+              </a:ext>
+              <a:ext uri="{C183D7F6-B498-43B3-948B-1728B52AA6E4}">
+                <adec:decorative xmlns:adec="http://schemas.microsoft.com/office/drawing/2017/decorative" val="1"/>
+              </a:ext>
+            </a:extLst>
+          </p:cNvPr>
+          <p:cNvSpPr>
+            <a:spLocks noGrp="1" noRot="1" noChangeAspect="1" noMove="1" noResize="1" noEditPoints="1" noAdjustHandles="1" noChangeArrowheads="1" noChangeShapeType="1" noTextEdit="1"/>
+          </p:cNvSpPr>
+          <p:nvPr>
+            <p:extLst>
+              <p:ext uri="{386F3935-93C4-4BCD-93E2-E3B085C9AB24}">
+                <p16:designElem xmlns:p16="http://schemas.microsoft.com/office/powerpoint/2015/main" val="1"/>
+              </p:ext>
+            </p:extLst>
+          </p:nvPr>
+        </p:nvSpPr>
+        <p:spPr>
+          <a:xfrm>
+            <a:off x="0" y="-2"/>
+            <a:ext cx="12192000" cy="4918511"/>
+          </a:xfrm>
+          <a:prstGeom prst="rect">
+            <a:avLst/>
+          </a:prstGeom>
+          <a:solidFill>
+            <a:srgbClr val="FFFFFF"/>
+          </a:solidFill>
+          <a:ln>
+            <a:noFill/>
+          </a:ln>
+        </p:spPr>
+        <p:style>
+          <a:lnRef idx="2">
+            <a:schemeClr val="accent1">
+              <a:shade val="50000"/>
+            </a:schemeClr>
+          </a:lnRef>
+          <a:fillRef idx="1">
+            <a:schemeClr val="accent1"/>
+          </a:fillRef>
+          <a:effectRef idx="0">
+            <a:schemeClr val="accent1"/>
+          </a:effectRef>
+          <a:fontRef idx="minor">
+            <a:schemeClr val="lt1"/>
+          </a:fontRef>
+        </p:style>
+        <p:txBody>
+          <a:bodyPr rtlCol="0" anchor="ctr"/>
+          <a:lstStyle/>
+          <a:p>
+            <a:pPr algn="ctr"/>
+            <a:endParaRPr lang="en-US"/>
+          </a:p>
+        </p:txBody>
+      </p:sp>
+      <p:sp>
+        <p:nvSpPr>
+          <p:cNvPr id="2" name="Title 1">
+            <a:extLst>
+              <a:ext uri="{FF2B5EF4-FFF2-40B4-BE49-F238E27FC236}">
                 <a16:creationId xmlns:a16="http://schemas.microsoft.com/office/drawing/2014/main" id="{3ACEE734-6AF8-48D0-8AB1-36FBE5D4FA67}"/>
               </a:ext>
             </a:extLst>
@@ -9544,166 +9691,6 @@
 </p:sld>
 </file>
 
-<file path=ppt/slides/slide29.xml><?xml version="1.0" encoding="utf-8"?>
-<p:sld xmlns:a="http://schemas.openxmlformats.org/drawingml/2006/main" xmlns:r="http://schemas.openxmlformats.org/officeDocument/2006/relationships" xmlns:p="http://schemas.openxmlformats.org/presentationml/2006/main">
-  <p:cSld>
-    <p:spTree>
-      <p:nvGrpSpPr>
-        <p:cNvPr id="1" name=""/>
-        <p:cNvGrpSpPr/>
-        <p:nvPr/>
-      </p:nvGrpSpPr>
-      <p:grpSpPr>
-        <a:xfrm>
-          <a:off x="0" y="0"/>
-          <a:ext cx="0" cy="0"/>
-          <a:chOff x="0" y="0"/>
-          <a:chExt cx="0" cy="0"/>
-        </a:xfrm>
-      </p:grpSpPr>
-      <p:sp>
-        <p:nvSpPr>
-          <p:cNvPr id="2" name="Title 1">
-            <a:extLst>
-              <a:ext uri="{FF2B5EF4-FFF2-40B4-BE49-F238E27FC236}">
-                <a16:creationId xmlns:a16="http://schemas.microsoft.com/office/drawing/2014/main" id="{B14D7E61-E472-9F21-1DA9-153E30F096E4}"/>
-              </a:ext>
-            </a:extLst>
-          </p:cNvPr>
-          <p:cNvSpPr>
-            <a:spLocks noGrp="1"/>
-          </p:cNvSpPr>
-          <p:nvPr>
-            <p:ph type="title"/>
-          </p:nvPr>
-        </p:nvSpPr>
-        <p:spPr/>
-        <p:txBody>
-          <a:bodyPr/>
-          <a:lstStyle/>
-          <a:p>
-            <a:r>
-              <a:rPr lang="en-US" dirty="0"/>
-              <a:t>Cost of no-ml strategy</a:t>
-            </a:r>
-          </a:p>
-        </p:txBody>
-      </p:sp>
-      <p:sp>
-        <p:nvSpPr>
-          <p:cNvPr id="3" name="Content Placeholder 2">
-            <a:extLst>
-              <a:ext uri="{FF2B5EF4-FFF2-40B4-BE49-F238E27FC236}">
-                <a16:creationId xmlns:a16="http://schemas.microsoft.com/office/drawing/2014/main" id="{A4AA96FF-A42F-9FB1-7ECF-CBA43F2C9C9B}"/>
-              </a:ext>
-            </a:extLst>
-          </p:cNvPr>
-          <p:cNvSpPr>
-            <a:spLocks noGrp="1"/>
-          </p:cNvSpPr>
-          <p:nvPr>
-            <p:ph idx="1"/>
-          </p:nvPr>
-        </p:nvSpPr>
-        <p:spPr/>
-        <p:txBody>
-          <a:bodyPr>
-            <a:normAutofit fontScale="92500" lnSpcReduction="20000"/>
-          </a:bodyPr>
-          <a:lstStyle/>
-          <a:p>
-            <a:r>
-              <a:rPr lang="en-US" dirty="0"/>
-              <a:t>Assuming a uniform distribution of yeses and noes, to reach 63% of the possible yeses, the bank would call .63362*41188=26098 customers.</a:t>
-            </a:r>
-          </a:p>
-          <a:p>
-            <a:pPr lvl="1"/>
-            <a:r>
-              <a:rPr lang="en-US" dirty="0"/>
-              <a:t>11.265% (2940) will say yes, with a length of call per yes being 553.1912 seconds, for a total of 452 hours. </a:t>
-            </a:r>
-          </a:p>
-          <a:p>
-            <a:pPr lvl="1"/>
-            <a:r>
-              <a:rPr lang="en-US" dirty="0"/>
-              <a:t>88.735% (23158) will say no, with a length of call per yes being 220.8448 seconds, for a total of 1420 hours</a:t>
-            </a:r>
-          </a:p>
-          <a:p>
-            <a:pPr lvl="1"/>
-            <a:r>
-              <a:rPr lang="en-US" dirty="0"/>
-              <a:t>Lower bound cost of acquiring 63% yeses: $10/</a:t>
-            </a:r>
-            <a:r>
-              <a:rPr lang="en-US" dirty="0" err="1"/>
-              <a:t>hr</a:t>
-            </a:r>
-            <a:r>
-              <a:rPr lang="en-US" dirty="0"/>
-              <a:t>*(1870)</a:t>
-            </a:r>
-            <a:r>
-              <a:rPr lang="en-US" dirty="0" err="1"/>
-              <a:t>hrs</a:t>
-            </a:r>
-            <a:r>
-              <a:rPr lang="en-US" dirty="0"/>
-              <a:t>= $18,700+Cost(long-term customer value and reputation costs loses)+Opportunity cost of spending many employee hours on the campaign</a:t>
-            </a:r>
-          </a:p>
-          <a:p>
-            <a:pPr lvl="1"/>
-            <a:r>
-              <a:rPr lang="en-US" dirty="0"/>
-              <a:t>Upper bound cost of acquiring 63% yeses: $20/</a:t>
-            </a:r>
-            <a:r>
-              <a:rPr lang="en-US" dirty="0" err="1"/>
-              <a:t>hr</a:t>
-            </a:r>
-            <a:r>
-              <a:rPr lang="en-US" dirty="0"/>
-              <a:t>*(5850)</a:t>
-            </a:r>
-            <a:r>
-              <a:rPr lang="en-US" dirty="0" err="1"/>
-              <a:t>hrs</a:t>
-            </a:r>
-            <a:r>
-              <a:rPr lang="en-US" dirty="0"/>
-              <a:t>= $37,400 +Cost(long-term customer value and reputation costs loses) )+Opportunity cost of spending many employee hours on the campaign</a:t>
-            </a:r>
-          </a:p>
-          <a:p>
-            <a:pPr lvl="1"/>
-            <a:endParaRPr lang="en-US" dirty="0"/>
-          </a:p>
-          <a:p>
-            <a:pPr lvl="1"/>
-            <a:endParaRPr lang="en-US" dirty="0"/>
-          </a:p>
-          <a:p>
-            <a:pPr lvl="1"/>
-            <a:endParaRPr lang="en-US" dirty="0"/>
-          </a:p>
-        </p:txBody>
-      </p:sp>
-    </p:spTree>
-    <p:extLst>
-      <p:ext uri="{BB962C8B-B14F-4D97-AF65-F5344CB8AC3E}">
-        <p14:creationId xmlns:p14="http://schemas.microsoft.com/office/powerpoint/2010/main" val="1729307658"/>
-      </p:ext>
-    </p:extLst>
-  </p:cSld>
-  <p:clrMapOvr>
-    <a:masterClrMapping/>
-  </p:clrMapOvr>
-</p:sld>
-</file>
-
 <file path=ppt/slides/slide3.xml><?xml version="1.0" encoding="utf-8"?>
 <p:sld xmlns:a="http://schemas.openxmlformats.org/drawingml/2006/main" xmlns:r="http://schemas.openxmlformats.org/officeDocument/2006/relationships" xmlns:p="http://schemas.openxmlformats.org/presentationml/2006/main">
   <p:cSld>
@@ -9856,6 +9843,166 @@
           <p:cNvPr id="2" name="Title 1">
             <a:extLst>
               <a:ext uri="{FF2B5EF4-FFF2-40B4-BE49-F238E27FC236}">
+                <a16:creationId xmlns:a16="http://schemas.microsoft.com/office/drawing/2014/main" id="{B14D7E61-E472-9F21-1DA9-153E30F096E4}"/>
+              </a:ext>
+            </a:extLst>
+          </p:cNvPr>
+          <p:cNvSpPr>
+            <a:spLocks noGrp="1"/>
+          </p:cNvSpPr>
+          <p:nvPr>
+            <p:ph type="title"/>
+          </p:nvPr>
+        </p:nvSpPr>
+        <p:spPr/>
+        <p:txBody>
+          <a:bodyPr/>
+          <a:lstStyle/>
+          <a:p>
+            <a:r>
+              <a:rPr lang="en-US" dirty="0"/>
+              <a:t>Cost of no-ml strategy</a:t>
+            </a:r>
+          </a:p>
+        </p:txBody>
+      </p:sp>
+      <p:sp>
+        <p:nvSpPr>
+          <p:cNvPr id="3" name="Content Placeholder 2">
+            <a:extLst>
+              <a:ext uri="{FF2B5EF4-FFF2-40B4-BE49-F238E27FC236}">
+                <a16:creationId xmlns:a16="http://schemas.microsoft.com/office/drawing/2014/main" id="{A4AA96FF-A42F-9FB1-7ECF-CBA43F2C9C9B}"/>
+              </a:ext>
+            </a:extLst>
+          </p:cNvPr>
+          <p:cNvSpPr>
+            <a:spLocks noGrp="1"/>
+          </p:cNvSpPr>
+          <p:nvPr>
+            <p:ph idx="1"/>
+          </p:nvPr>
+        </p:nvSpPr>
+        <p:spPr/>
+        <p:txBody>
+          <a:bodyPr>
+            <a:normAutofit fontScale="92500" lnSpcReduction="20000"/>
+          </a:bodyPr>
+          <a:lstStyle/>
+          <a:p>
+            <a:r>
+              <a:rPr lang="en-US" dirty="0"/>
+              <a:t>Assuming a uniform distribution of yeses and noes, to reach 63% of the possible yeses, the bank would call .63362*41188=26098 customers.</a:t>
+            </a:r>
+          </a:p>
+          <a:p>
+            <a:pPr lvl="1"/>
+            <a:r>
+              <a:rPr lang="en-US" dirty="0"/>
+              <a:t>11.265% (2940) will say yes, with a length of call per yes being 553.1912 seconds, for a total of 452 hours. </a:t>
+            </a:r>
+          </a:p>
+          <a:p>
+            <a:pPr lvl="1"/>
+            <a:r>
+              <a:rPr lang="en-US" dirty="0"/>
+              <a:t>88.735% (23158) will say no, with a length of call per yes being 220.8448 seconds, for a total of 1420 hours</a:t>
+            </a:r>
+          </a:p>
+          <a:p>
+            <a:pPr lvl="1"/>
+            <a:r>
+              <a:rPr lang="en-US" dirty="0"/>
+              <a:t>Lower bound cost of acquiring 63% yeses: $10/</a:t>
+            </a:r>
+            <a:r>
+              <a:rPr lang="en-US" dirty="0" err="1"/>
+              <a:t>hr</a:t>
+            </a:r>
+            <a:r>
+              <a:rPr lang="en-US" dirty="0"/>
+              <a:t>*(1870)</a:t>
+            </a:r>
+            <a:r>
+              <a:rPr lang="en-US" dirty="0" err="1"/>
+              <a:t>hrs</a:t>
+            </a:r>
+            <a:r>
+              <a:rPr lang="en-US" dirty="0"/>
+              <a:t>= $18,700+Cost(long-term customer value and reputation costs loses)+Opportunity cost of spending many employee hours on the campaign</a:t>
+            </a:r>
+          </a:p>
+          <a:p>
+            <a:pPr lvl="1"/>
+            <a:r>
+              <a:rPr lang="en-US" dirty="0"/>
+              <a:t>Upper bound cost of acquiring 63% yeses: $20/</a:t>
+            </a:r>
+            <a:r>
+              <a:rPr lang="en-US" dirty="0" err="1"/>
+              <a:t>hr</a:t>
+            </a:r>
+            <a:r>
+              <a:rPr lang="en-US" dirty="0"/>
+              <a:t>*(5850)</a:t>
+            </a:r>
+            <a:r>
+              <a:rPr lang="en-US" dirty="0" err="1"/>
+              <a:t>hrs</a:t>
+            </a:r>
+            <a:r>
+              <a:rPr lang="en-US" dirty="0"/>
+              <a:t>= $37,400 +Cost(long-term customer value and reputation costs loses) )+Opportunity cost of spending many employee hours on the campaign</a:t>
+            </a:r>
+          </a:p>
+          <a:p>
+            <a:pPr lvl="1"/>
+            <a:endParaRPr lang="en-US" dirty="0"/>
+          </a:p>
+          <a:p>
+            <a:pPr lvl="1"/>
+            <a:endParaRPr lang="en-US" dirty="0"/>
+          </a:p>
+          <a:p>
+            <a:pPr lvl="1"/>
+            <a:endParaRPr lang="en-US" dirty="0"/>
+          </a:p>
+        </p:txBody>
+      </p:sp>
+    </p:spTree>
+    <p:extLst>
+      <p:ext uri="{BB962C8B-B14F-4D97-AF65-F5344CB8AC3E}">
+        <p14:creationId xmlns:p14="http://schemas.microsoft.com/office/powerpoint/2010/main" val="1729307658"/>
+      </p:ext>
+    </p:extLst>
+  </p:cSld>
+  <p:clrMapOvr>
+    <a:masterClrMapping/>
+  </p:clrMapOvr>
+</p:sld>
+</file>
+
+<file path=ppt/slides/slide31.xml><?xml version="1.0" encoding="utf-8"?>
+<p:sld xmlns:a="http://schemas.openxmlformats.org/drawingml/2006/main" xmlns:r="http://schemas.openxmlformats.org/officeDocument/2006/relationships" xmlns:p="http://schemas.openxmlformats.org/presentationml/2006/main">
+  <p:cSld>
+    <p:spTree>
+      <p:nvGrpSpPr>
+        <p:cNvPr id="1" name=""/>
+        <p:cNvGrpSpPr/>
+        <p:nvPr/>
+      </p:nvGrpSpPr>
+      <p:grpSpPr>
+        <a:xfrm>
+          <a:off x="0" y="0"/>
+          <a:ext cx="0" cy="0"/>
+          <a:chOff x="0" y="0"/>
+          <a:chExt cx="0" cy="0"/>
+        </a:xfrm>
+      </p:grpSpPr>
+      <p:sp>
+        <p:nvSpPr>
+          <p:cNvPr id="2" name="Title 1">
+            <a:extLst>
+              <a:ext uri="{FF2B5EF4-FFF2-40B4-BE49-F238E27FC236}">
                 <a16:creationId xmlns:a16="http://schemas.microsoft.com/office/drawing/2014/main" id="{1A674F87-5BD0-33F3-6898-D29B8C92871B}"/>
               </a:ext>
             </a:extLst>
@@ -9992,7 +10139,7 @@
 </p:sld>
 </file>
 
-<file path=ppt/slides/slide31.xml><?xml version="1.0" encoding="utf-8"?>
+<file path=ppt/slides/slide32.xml><?xml version="1.0" encoding="utf-8"?>
 <p:sld xmlns:a="http://schemas.openxmlformats.org/drawingml/2006/main" xmlns:r="http://schemas.openxmlformats.org/officeDocument/2006/relationships" xmlns:p="http://schemas.openxmlformats.org/presentationml/2006/main">
   <p:cSld>
     <p:bg>
@@ -11004,8 +11151,8 @@
         </p:nvSpPr>
         <p:spPr>
           <a:xfrm>
-            <a:off x="804672" y="964692"/>
-            <a:ext cx="3066937" cy="1188720"/>
+            <a:off x="446314" y="964692"/>
+            <a:ext cx="3733800" cy="1188720"/>
           </a:xfrm>
         </p:spPr>
         <p:txBody>
@@ -11039,13 +11186,13 @@
         </p:nvSpPr>
         <p:spPr>
           <a:xfrm>
-            <a:off x="803244" y="2638044"/>
-            <a:ext cx="3063765" cy="3263206"/>
+            <a:off x="337457" y="2373086"/>
+            <a:ext cx="3842657" cy="3528165"/>
           </a:xfrm>
         </p:spPr>
         <p:txBody>
           <a:bodyPr>
-            <a:normAutofit fontScale="92500" lnSpcReduction="20000"/>
+            <a:noAutofit/>
           </a:bodyPr>
           <a:lstStyle/>
           <a:p>
@@ -11069,11 +11216,16 @@
           <a:p>
             <a:r>
               <a:rPr lang="en-US" dirty="0"/>
-              <a:t>Excluded the leaked variable duration.  This variable can be used to get a more accurate model.</a:t>
-            </a:r>
-          </a:p>
-          <a:p>
-            <a:endParaRPr lang="en-US" dirty="0"/>
+              <a:t>Excluded the leaked variable </a:t>
+            </a:r>
+            <a:r>
+              <a:rPr lang="en-US" i="1" dirty="0"/>
+              <a:t>duration</a:t>
+            </a:r>
+            <a:r>
+              <a:rPr lang="en-US" dirty="0"/>
+              <a:t>.  This variable has been used (on Kaggle and elsewhere) to get a more accurate model, but is not know to the bank before a call.</a:t>
+            </a:r>
           </a:p>
         </p:txBody>
       </p:sp>

--- a/BankMarketing.pptx
+++ b/BankMarketing.pptx
@@ -135,6 +135,11 @@
       </a:defRPr>
     </a:lvl9pPr>
   </p:defaultTextStyle>
+  <p:extLst>
+    <p:ext uri="{EFAFB233-063F-42B5-8137-9DF3F51BA10A}">
+      <p15:sldGuideLst xmlns:p15="http://schemas.microsoft.com/office/powerpoint/2012/main"/>
+    </p:ext>
+  </p:extLst>
 </p:presentation>
 </file>
 
@@ -301,7 +306,7 @@
           <a:p>
             <a:fld id="{516ACD4C-5BFD-824B-BDCF-F11299F7E332}" type="datetimeFigureOut">
               <a:rPr lang="en-US" smtClean="0"/>
-              <a:t>8/2/22</a:t>
+              <a:t>8/6/22</a:t>
             </a:fld>
             <a:endParaRPr lang="en-US"/>
           </a:p>
@@ -471,7 +476,7 @@
           <a:p>
             <a:fld id="{516ACD4C-5BFD-824B-BDCF-F11299F7E332}" type="datetimeFigureOut">
               <a:rPr lang="en-US" smtClean="0"/>
-              <a:t>8/2/22</a:t>
+              <a:t>8/6/22</a:t>
             </a:fld>
             <a:endParaRPr lang="en-US"/>
           </a:p>
@@ -651,7 +656,7 @@
           <a:p>
             <a:fld id="{516ACD4C-5BFD-824B-BDCF-F11299F7E332}" type="datetimeFigureOut">
               <a:rPr lang="en-US" smtClean="0"/>
-              <a:t>8/2/22</a:t>
+              <a:t>8/6/22</a:t>
             </a:fld>
             <a:endParaRPr lang="en-US"/>
           </a:p>
@@ -821,7 +826,7 @@
           <a:p>
             <a:fld id="{516ACD4C-5BFD-824B-BDCF-F11299F7E332}" type="datetimeFigureOut">
               <a:rPr lang="en-US" smtClean="0"/>
-              <a:t>8/2/22</a:t>
+              <a:t>8/6/22</a:t>
             </a:fld>
             <a:endParaRPr lang="en-US"/>
           </a:p>
@@ -1089,7 +1094,7 @@
           <a:p>
             <a:fld id="{516ACD4C-5BFD-824B-BDCF-F11299F7E332}" type="datetimeFigureOut">
               <a:rPr lang="en-US" smtClean="0"/>
-              <a:t>8/2/22</a:t>
+              <a:t>8/6/22</a:t>
             </a:fld>
             <a:endParaRPr lang="en-US"/>
           </a:p>
@@ -1321,7 +1326,7 @@
           <a:p>
             <a:fld id="{516ACD4C-5BFD-824B-BDCF-F11299F7E332}" type="datetimeFigureOut">
               <a:rPr lang="en-US" smtClean="0"/>
-              <a:t>8/2/22</a:t>
+              <a:t>8/6/22</a:t>
             </a:fld>
             <a:endParaRPr lang="en-US"/>
           </a:p>
@@ -1676,7 +1681,7 @@
           <a:p>
             <a:fld id="{516ACD4C-5BFD-824B-BDCF-F11299F7E332}" type="datetimeFigureOut">
               <a:rPr lang="en-US" smtClean="0"/>
-              <a:t>8/2/22</a:t>
+              <a:t>8/6/22</a:t>
             </a:fld>
             <a:endParaRPr lang="en-US"/>
           </a:p>
@@ -1817,7 +1822,7 @@
           <a:p>
             <a:fld id="{516ACD4C-5BFD-824B-BDCF-F11299F7E332}" type="datetimeFigureOut">
               <a:rPr lang="en-US" smtClean="0"/>
-              <a:t>8/2/22</a:t>
+              <a:t>8/6/22</a:t>
             </a:fld>
             <a:endParaRPr lang="en-US"/>
           </a:p>
@@ -1912,7 +1917,7 @@
           <a:p>
             <a:fld id="{516ACD4C-5BFD-824B-BDCF-F11299F7E332}" type="datetimeFigureOut">
               <a:rPr lang="en-US" smtClean="0"/>
-              <a:t>8/2/22</a:t>
+              <a:t>8/6/22</a:t>
             </a:fld>
             <a:endParaRPr lang="en-US"/>
           </a:p>
@@ -2269,7 +2274,7 @@
           <a:p>
             <a:fld id="{516ACD4C-5BFD-824B-BDCF-F11299F7E332}" type="datetimeFigureOut">
               <a:rPr lang="en-US" smtClean="0"/>
-              <a:t>8/2/22</a:t>
+              <a:t>8/6/22</a:t>
             </a:fld>
             <a:endParaRPr lang="en-US"/>
           </a:p>
@@ -2625,7 +2630,7 @@
           <a:p>
             <a:fld id="{516ACD4C-5BFD-824B-BDCF-F11299F7E332}" type="datetimeFigureOut">
               <a:rPr lang="en-US" smtClean="0"/>
-              <a:t>8/2/22</a:t>
+              <a:t>8/6/22</a:t>
             </a:fld>
             <a:endParaRPr lang="en-US"/>
           </a:p>
@@ -2865,7 +2870,7 @@
           <a:p>
             <a:fld id="{516ACD4C-5BFD-824B-BDCF-F11299F7E332}" type="datetimeFigureOut">
               <a:rPr lang="en-US" smtClean="0"/>
-              <a:t>8/2/22</a:t>
+              <a:t>8/6/22</a:t>
             </a:fld>
             <a:endParaRPr lang="en-US"/>
           </a:p>
@@ -3924,13 +3929,13 @@
         </p:nvSpPr>
         <p:spPr>
           <a:xfrm>
-            <a:off x="8312677" y="964692"/>
-            <a:ext cx="3066937" cy="1188720"/>
+            <a:off x="8055429" y="964692"/>
+            <a:ext cx="3646714" cy="820565"/>
           </a:xfrm>
         </p:spPr>
         <p:txBody>
           <a:bodyPr>
-            <a:normAutofit/>
+            <a:normAutofit fontScale="90000"/>
           </a:bodyPr>
           <a:lstStyle/>
           <a:p>
@@ -4086,70 +4091,15 @@
         </p:nvSpPr>
         <p:spPr>
           <a:xfrm>
-            <a:off x="8311249" y="2638044"/>
-            <a:ext cx="3063765" cy="3263206"/>
+            <a:off x="8055429" y="2068220"/>
+            <a:ext cx="3646714" cy="4201951"/>
           </a:xfrm>
         </p:spPr>
         <p:txBody>
           <a:bodyPr>
-            <a:normAutofit/>
+            <a:normAutofit fontScale="92500" lnSpcReduction="10000"/>
           </a:bodyPr>
           <a:lstStyle/>
-          <a:p>
-            <a:pPr>
-              <a:lnSpc>
-                <a:spcPct val="90000"/>
-              </a:lnSpc>
-            </a:pPr>
-            <a:r>
-              <a:rPr lang="en-US" sz="1100" dirty="0"/>
-              <a:t>Assuming an approximately uniform distribution of yeses and noes</a:t>
-            </a:r>
-          </a:p>
-          <a:p>
-            <a:pPr>
-              <a:lnSpc>
-                <a:spcPct val="90000"/>
-              </a:lnSpc>
-            </a:pPr>
-            <a:r>
-              <a:rPr lang="en-US" sz="1100" dirty="0"/>
-              <a:t>Intangible costs are long-term reputational damage to the company from customers being (repeatedly) inconvenienced with offers that are of no interest to them, the ensuing loss in long-term customer value, opportunity costs of having employees work on more promising directions (offer a more appropriate products to customers), etc.</a:t>
-            </a:r>
-          </a:p>
-          <a:p>
-            <a:pPr>
-              <a:lnSpc>
-                <a:spcPct val="90000"/>
-              </a:lnSpc>
-            </a:pPr>
-            <a:r>
-              <a:rPr lang="en-US" sz="1100" dirty="0"/>
-              <a:t>LB is lower bound</a:t>
-            </a:r>
-          </a:p>
-          <a:p>
-            <a:pPr>
-              <a:lnSpc>
-                <a:spcPct val="90000"/>
-              </a:lnSpc>
-            </a:pPr>
-            <a:r>
-              <a:rPr lang="en-US" sz="1100" dirty="0"/>
-              <a:t>UB is upper bound</a:t>
-            </a:r>
-          </a:p>
-          <a:p>
-            <a:pPr>
-              <a:lnSpc>
-                <a:spcPct val="90000"/>
-              </a:lnSpc>
-            </a:pPr>
-            <a:r>
-              <a:rPr lang="en-US" sz="1100" dirty="0"/>
-              <a:t>Mixed strategy is strategy of identifying as positives any clients for which the model predicts their probability of saying a yes as at least 30%</a:t>
-            </a:r>
-          </a:p>
           <a:p>
             <a:pPr marL="0" indent="0">
               <a:lnSpc>
@@ -4157,7 +4107,76 @@
               </a:lnSpc>
               <a:buNone/>
             </a:pPr>
-            <a:endParaRPr lang="en-US" sz="1100" dirty="0"/>
+            <a:r>
+              <a:rPr lang="en-US" sz="1100" b="1" dirty="0"/>
+              <a:t>FOOTNOTES</a:t>
+            </a:r>
+          </a:p>
+          <a:p>
+            <a:pPr>
+              <a:lnSpc>
+                <a:spcPct val="90000"/>
+              </a:lnSpc>
+            </a:pPr>
+            <a:r>
+              <a:rPr lang="en-US" sz="1400" dirty="0"/>
+              <a:t>Assuming an approximately uniform distribution of yeses and noes</a:t>
+            </a:r>
+          </a:p>
+          <a:p>
+            <a:pPr>
+              <a:lnSpc>
+                <a:spcPct val="90000"/>
+              </a:lnSpc>
+            </a:pPr>
+            <a:r>
+              <a:rPr lang="en-US" sz="1400" dirty="0"/>
+              <a:t>ML model assumes we get data on customers for whom deposit data is not available (same size as our dataset for ease of calculations)</a:t>
+            </a:r>
+          </a:p>
+          <a:p>
+            <a:pPr>
+              <a:lnSpc>
+                <a:spcPct val="90000"/>
+              </a:lnSpc>
+            </a:pPr>
+            <a:r>
+              <a:rPr lang="en-US" sz="1400" dirty="0"/>
+              <a:t>Intangible costs are long-term reputational damage to the company from customers being (repeatedly) inconvenienced with offers that are of no interest to them, the ensuing loss in long-term customer value, opportunity costs of having employees work on more promising directions (offer a more appropriate products to customers), etc.</a:t>
+            </a:r>
+          </a:p>
+          <a:p>
+            <a:pPr>
+              <a:lnSpc>
+                <a:spcPct val="90000"/>
+              </a:lnSpc>
+            </a:pPr>
+            <a:r>
+              <a:rPr lang="en-US" sz="1400" dirty="0"/>
+              <a:t>LB is lower bound</a:t>
+            </a:r>
+          </a:p>
+          <a:p>
+            <a:pPr>
+              <a:lnSpc>
+                <a:spcPct val="90000"/>
+              </a:lnSpc>
+            </a:pPr>
+            <a:r>
+              <a:rPr lang="en-US" sz="1400" dirty="0"/>
+              <a:t>UB is upper bound</a:t>
+            </a:r>
+          </a:p>
+          <a:p>
+            <a:pPr>
+              <a:lnSpc>
+                <a:spcPct val="90000"/>
+              </a:lnSpc>
+            </a:pPr>
+            <a:r>
+              <a:rPr lang="en-US" sz="1400" dirty="0"/>
+              <a:t>Mixed strategy is strategy of identifying as positives any clients for which the model predicts their probability of saying a yes as at least 30%</a:t>
+            </a:r>
           </a:p>
           <a:p>
             <a:pPr lvl="1">
@@ -4192,7 +4211,7 @@
           <p:nvPr>
             <p:extLst>
               <p:ext uri="{D42A27DB-BD31-4B8C-83A1-F6EECF244321}">
-                <p14:modId xmlns:p14="http://schemas.microsoft.com/office/powerpoint/2010/main" val="4162853071"/>
+                <p14:modId xmlns:p14="http://schemas.microsoft.com/office/powerpoint/2010/main" val="573608798"/>
               </p:ext>
             </p:extLst>
           </p:nvPr>
@@ -4632,12 +4651,12 @@
                         <a:defRPr/>
                       </a:pPr>
                       <a:r>
-                        <a:rPr lang="en-US" sz="1000" cap="none" spc="0">
+                        <a:rPr lang="en-US" sz="1000" cap="none" spc="0" dirty="0">
                           <a:solidFill>
                             <a:schemeClr val="tx1"/>
                           </a:solidFill>
                         </a:rPr>
-                        <a:t>452 </a:t>
+                        <a:t>1097 </a:t>
                       </a:r>
                     </a:p>
                   </a:txBody>
@@ -4668,12 +4687,12 @@
                     <a:lstStyle/>
                     <a:p>
                       <a:r>
-                        <a:rPr lang="en-US" sz="1000" cap="none" spc="0">
+                        <a:rPr lang="en-US" sz="1000" cap="none" spc="0" dirty="0">
                           <a:solidFill>
                             <a:schemeClr val="tx1"/>
                           </a:solidFill>
                         </a:rPr>
-                        <a:t>1420</a:t>
+                        <a:t>3448</a:t>
                       </a:r>
                     </a:p>
                   </a:txBody>
@@ -4704,17 +4723,17 @@
                     <a:lstStyle/>
                     <a:p>
                       <a:r>
-                        <a:rPr lang="en-US" sz="1000" cap="none" spc="0">
+                        <a:rPr lang="en-US" sz="1000" cap="none" spc="0" dirty="0">
                           <a:solidFill>
                             <a:schemeClr val="tx1"/>
                           </a:solidFill>
                         </a:rPr>
-                        <a:t>$18700+</a:t>
+                        <a:t>$45402+</a:t>
                       </a:r>
                     </a:p>
                     <a:p>
                       <a:r>
-                        <a:rPr lang="en-US" sz="1000" cap="none" spc="0">
+                        <a:rPr lang="en-US" sz="1000" cap="none" spc="0" dirty="0">
                           <a:solidFill>
                             <a:schemeClr val="tx1"/>
                           </a:solidFill>
@@ -4750,17 +4769,17 @@
                     <a:lstStyle/>
                     <a:p>
                       <a:r>
-                        <a:rPr lang="en-US" sz="1000" cap="none" spc="0">
+                        <a:rPr lang="en-US" sz="1000" cap="none" spc="0" dirty="0">
                           <a:solidFill>
                             <a:schemeClr val="tx1"/>
                           </a:solidFill>
                         </a:rPr>
-                        <a:t>$37400+</a:t>
+                        <a:t>$90803+</a:t>
                       </a:r>
                     </a:p>
                     <a:p>
                       <a:r>
-                        <a:rPr lang="en-US" sz="1000" cap="none" spc="0">
+                        <a:rPr lang="en-US" sz="1000" cap="none" spc="0" dirty="0">
                           <a:solidFill>
                             <a:schemeClr val="tx1"/>
                           </a:solidFill>
@@ -4844,53 +4863,12 @@
                     <a:lstStyle/>
                     <a:p>
                       <a:r>
-                        <a:rPr lang="en-US" sz="1000" cap="none" spc="0">
+                        <a:rPr lang="en-US" sz="1000" cap="none" spc="0" dirty="0">
                           <a:solidFill>
                             <a:schemeClr val="tx1"/>
                           </a:solidFill>
                         </a:rPr>
-                        <a:t>452</a:t>
-                      </a:r>
-                    </a:p>
-                  </a:txBody>
-                  <a:tcPr marL="0" marR="45391" marT="18156" marB="136173">
-                    <a:lnL w="12700" cmpd="sng">
-                      <a:noFill/>
-                      <a:prstDash val="solid"/>
-                    </a:lnL>
-                    <a:lnR w="12700" cmpd="sng">
-                      <a:noFill/>
-                      <a:prstDash val="solid"/>
-                    </a:lnR>
-                    <a:lnT w="6350" cap="flat" cmpd="sng" algn="ctr">
-                      <a:solidFill>
-                        <a:schemeClr val="tx1"/>
-                      </a:solidFill>
-                      <a:prstDash val="solid"/>
-                    </a:lnT>
-                    <a:lnB w="12700" cmpd="sng">
-                      <a:noFill/>
-                      <a:prstDash val="solid"/>
-                    </a:lnB>
-                    <a:solidFill>
-                      <a:schemeClr val="bg1">
-                        <a:lumMod val="95000"/>
-                      </a:schemeClr>
-                    </a:solidFill>
-                  </a:tcPr>
-                </a:tc>
-                <a:tc>
-                  <a:txBody>
-                    <a:bodyPr/>
-                    <a:lstStyle/>
-                    <a:p>
-                      <a:r>
-                        <a:rPr lang="en-US" sz="1000" cap="none" spc="0">
-                          <a:solidFill>
-                            <a:schemeClr val="tx1"/>
-                          </a:solidFill>
-                        </a:rPr>
-                        <a:t>280</a:t>
+                        <a:t>1097</a:t>
                       </a:r>
                     </a:p>
                   </a:txBody>
@@ -4931,17 +4909,7 @@
                             <a:schemeClr val="tx1"/>
                           </a:solidFill>
                         </a:rPr>
-                        <a:t>$7320+</a:t>
-                      </a:r>
-                    </a:p>
-                    <a:p>
-                      <a:r>
-                        <a:rPr lang="en-US" sz="1000" cap="none" spc="0" dirty="0">
-                          <a:solidFill>
-                            <a:schemeClr val="tx1"/>
-                          </a:solidFill>
-                        </a:rPr>
-                        <a:t>C(intangible low)</a:t>
+                        <a:t>680</a:t>
                       </a:r>
                     </a:p>
                   </a:txBody>
@@ -4982,7 +4950,58 @@
                             <a:schemeClr val="tx1"/>
                           </a:solidFill>
                         </a:rPr>
-                        <a:t>$14640+</a:t>
+                        <a:t>$17772+</a:t>
+                      </a:r>
+                    </a:p>
+                    <a:p>
+                      <a:r>
+                        <a:rPr lang="en-US" sz="1000" cap="none" spc="0" dirty="0">
+                          <a:solidFill>
+                            <a:schemeClr val="tx1"/>
+                          </a:solidFill>
+                        </a:rPr>
+                        <a:t>C(intangible low)</a:t>
+                      </a:r>
+                    </a:p>
+                  </a:txBody>
+                  <a:tcPr marL="0" marR="45391" marT="18156" marB="136173">
+                    <a:lnL w="12700" cmpd="sng">
+                      <a:noFill/>
+                      <a:prstDash val="solid"/>
+                    </a:lnL>
+                    <a:lnR w="12700" cmpd="sng">
+                      <a:noFill/>
+                      <a:prstDash val="solid"/>
+                    </a:lnR>
+                    <a:lnT w="6350" cap="flat" cmpd="sng" algn="ctr">
+                      <a:solidFill>
+                        <a:schemeClr val="tx1"/>
+                      </a:solidFill>
+                      <a:prstDash val="solid"/>
+                    </a:lnT>
+                    <a:lnB w="12700" cmpd="sng">
+                      <a:noFill/>
+                      <a:prstDash val="solid"/>
+                    </a:lnB>
+                    <a:solidFill>
+                      <a:schemeClr val="bg1">
+                        <a:lumMod val="95000"/>
+                      </a:schemeClr>
+                    </a:solidFill>
+                  </a:tcPr>
+                </a:tc>
+                <a:tc>
+                  <a:txBody>
+                    <a:bodyPr/>
+                    <a:lstStyle/>
+                    <a:p>
+                      <a:r>
+                        <a:rPr lang="en-US" sz="1000" cap="none" spc="0" dirty="0">
+                          <a:solidFill>
+                            <a:schemeClr val="tx1"/>
+                          </a:solidFill>
+                        </a:rPr>
+                        <a:t>$35544+</a:t>
                       </a:r>
                     </a:p>
                     <a:p>
@@ -5086,7 +5105,7 @@
                             <a:schemeClr val="tx1"/>
                           </a:solidFill>
                         </a:rPr>
-                        <a:t>571</a:t>
+                        <a:t>1386</a:t>
                       </a:r>
                     </a:p>
                   </a:txBody>
@@ -5125,7 +5144,7 @@
                             <a:schemeClr val="tx1"/>
                           </a:solidFill>
                         </a:rPr>
-                        <a:t>807</a:t>
+                        <a:t>1959</a:t>
                       </a:r>
                     </a:p>
                   </a:txBody>
@@ -5164,7 +5183,7 @@
                             <a:schemeClr val="tx1"/>
                           </a:solidFill>
                         </a:rPr>
-                        <a:t>$13783+</a:t>
+                        <a:t>$33464+</a:t>
                       </a:r>
                     </a:p>
                     <a:p>
@@ -5237,7 +5256,7 @@
                             <a:schemeClr val="tx1"/>
                           </a:solidFill>
                         </a:rPr>
-                        <a:t>$27567+</a:t>
+                        <a:t>$66927+</a:t>
                       </a:r>
                     </a:p>
                     <a:p>
@@ -5394,10 +5413,10 @@
                       <a:r>
                         <a:rPr lang="en-US" sz="1000" cap="none" spc="0" dirty="0">
                           <a:solidFill>
-                            <a:schemeClr val="tx1"/>
+                            <a:srgbClr val="FF0000"/>
                           </a:solidFill>
                         </a:rPr>
-                        <a:t>1140</a:t>
+                        <a:t>2768</a:t>
                       </a:r>
                     </a:p>
                   </a:txBody>
@@ -5446,10 +5465,10 @@
                       <a:r>
                         <a:rPr lang="en-US" sz="1000" cap="none" spc="0" dirty="0">
                           <a:solidFill>
-                            <a:schemeClr val="tx1"/>
+                            <a:srgbClr val="FF0000"/>
                           </a:solidFill>
                         </a:rPr>
-                        <a:t>$11380+(C(intangible high)-C(intangible low))</a:t>
+                        <a:t>$27629+(C(intangible high)-C(intangible low))</a:t>
                       </a:r>
                     </a:p>
                   </a:txBody>
@@ -5498,10 +5517,10 @@
                       <a:r>
                         <a:rPr lang="en-US" sz="1000" cap="none" spc="0" dirty="0">
                           <a:solidFill>
-                            <a:schemeClr val="tx1"/>
+                            <a:srgbClr val="FF0000"/>
                           </a:solidFill>
                         </a:rPr>
-                        <a:t>$22760+(C(intangible high)-C(intangible low))</a:t>
+                        <a:t>$55259+(C(intangible high)-C(intangible low))</a:t>
                       </a:r>
                     </a:p>
                     <a:p>
@@ -5599,10 +5618,10 @@
                       <a:r>
                         <a:rPr lang="en-US" sz="1000" cap="none" spc="0" dirty="0">
                           <a:solidFill>
-                            <a:schemeClr val="tx1"/>
+                            <a:srgbClr val="FF0000"/>
                           </a:solidFill>
                         </a:rPr>
-                        <a:t>119</a:t>
+                        <a:t>289</a:t>
                       </a:r>
                     </a:p>
                   </a:txBody>
@@ -5634,10 +5653,10 @@
                       <a:r>
                         <a:rPr lang="en-US" sz="1000" cap="none" spc="0" dirty="0">
                           <a:solidFill>
-                            <a:schemeClr val="tx1"/>
+                            <a:srgbClr val="FF0000"/>
                           </a:solidFill>
                         </a:rPr>
-                        <a:t>527</a:t>
+                        <a:t>1279</a:t>
                       </a:r>
                     </a:p>
                   </a:txBody>
@@ -5686,10 +5705,10 @@
                       <a:r>
                         <a:rPr lang="en-US" sz="1000" cap="none" spc="0" dirty="0">
                           <a:solidFill>
-                            <a:schemeClr val="tx1"/>
+                            <a:srgbClr val="FF0000"/>
                           </a:solidFill>
                         </a:rPr>
-                        <a:t>$6463+(C(intangible medium)-C(intangible low))</a:t>
+                        <a:t>$15691+(C(intangible medium)-C(intangible low))</a:t>
                       </a:r>
                     </a:p>
                     <a:p>
@@ -5762,10 +5781,10 @@
                       <a:r>
                         <a:rPr lang="en-US" sz="1000" cap="none" spc="0" dirty="0">
                           <a:solidFill>
-                            <a:schemeClr val="tx1"/>
+                            <a:srgbClr val="FF0000"/>
                           </a:solidFill>
                         </a:rPr>
-                        <a:t>$12926+(C(intangible medium)-C(intangible low))</a:t>
+                        <a:t>$31383+(C(intangible medium)-C(intangible low))</a:t>
                       </a:r>
                     </a:p>
                     <a:p>
@@ -7943,7 +7962,7 @@
         <p:spPr/>
         <p:txBody>
           <a:bodyPr>
-            <a:normAutofit fontScale="92500" lnSpcReduction="10000"/>
+            <a:normAutofit fontScale="92500" lnSpcReduction="20000"/>
           </a:bodyPr>
           <a:lstStyle/>
           <a:p>
@@ -7966,6 +7985,17 @@
                 <a:latin typeface="Arial" panose="020B0604020202020204" pitchFamily="34" charset="0"/>
               </a:rPr>
               <a:t>Originally 21 features including demographic variables, number of campaign contacts, success rate of previous campaign, as well as economic indicators (such as Euribor 3-month rate)</a:t>
+            </a:r>
+          </a:p>
+          <a:p>
+            <a:r>
+              <a:rPr lang="en-US" dirty="0">
+                <a:solidFill>
+                  <a:srgbClr val="123654"/>
+                </a:solidFill>
+                <a:latin typeface="Arial" panose="020B0604020202020204" pitchFamily="34" charset="0"/>
+              </a:rPr>
+              <a:t>41188 observations</a:t>
             </a:r>
           </a:p>
           <a:p>

--- a/BankMarketing.pptx
+++ b/BankMarketing.pptx
@@ -4108,7 +4108,7 @@
               <a:buNone/>
             </a:pPr>
             <a:r>
-              <a:rPr lang="en-US" sz="1100" b="1" dirty="0"/>
+              <a:rPr lang="en-US" sz="1500" b="1" dirty="0"/>
               <a:t>FOOTNOTES</a:t>
             </a:r>
           </a:p>
@@ -4131,7 +4131,7 @@
             </a:pPr>
             <a:r>
               <a:rPr lang="en-US" sz="1400" dirty="0"/>
-              <a:t>ML model assumes we get data on customers for whom deposit data is not available (same size as our dataset for ease of calculations)</a:t>
+              <a:t>Calculations assume we get data on 100,000 customers for whom deposit data is not available </a:t>
             </a:r>
           </a:p>
           <a:p>
@@ -4211,14 +4211,14 @@
           <p:nvPr>
             <p:extLst>
               <p:ext uri="{D42A27DB-BD31-4B8C-83A1-F6EECF244321}">
-                <p14:modId xmlns:p14="http://schemas.microsoft.com/office/powerpoint/2010/main" val="573608798"/>
+                <p14:modId xmlns:p14="http://schemas.microsoft.com/office/powerpoint/2010/main" val="646146264"/>
               </p:ext>
             </p:extLst>
           </p:nvPr>
         </p:nvGraphicFramePr>
         <p:xfrm>
-          <a:off x="978416" y="2068220"/>
-          <a:ext cx="6558191" cy="3898652"/>
+          <a:off x="1048624" y="1308683"/>
+          <a:ext cx="6487982" cy="4756559"/>
         </p:xfrm>
         <a:graphic>
           <a:graphicData uri="http://schemas.openxmlformats.org/drawingml/2006/table">
@@ -4228,35 +4228,35 @@
                 <a:tableStyleId>{5C22544A-7EE6-4342-B048-85BDC9FD1C3A}</a:tableStyleId>
               </a:tblPr>
               <a:tblGrid>
-                <a:gridCol w="758566">
+                <a:gridCol w="750445">
                   <a:extLst>
                     <a:ext uri="{9D8B030D-6E8A-4147-A177-3AD203B41FA5}">
                       <a16:colId xmlns:a16="http://schemas.microsoft.com/office/drawing/2014/main" val="2780349557"/>
                     </a:ext>
                   </a:extLst>
                 </a:gridCol>
-                <a:gridCol w="1067303">
+                <a:gridCol w="1055877">
                   <a:extLst>
                     <a:ext uri="{9D8B030D-6E8A-4147-A177-3AD203B41FA5}">
                       <a16:colId xmlns:a16="http://schemas.microsoft.com/office/drawing/2014/main" val="1762101800"/>
                     </a:ext>
                   </a:extLst>
                 </a:gridCol>
-                <a:gridCol w="1210054">
+                <a:gridCol w="1197100">
                   <a:extLst>
                     <a:ext uri="{9D8B030D-6E8A-4147-A177-3AD203B41FA5}">
                       <a16:colId xmlns:a16="http://schemas.microsoft.com/office/drawing/2014/main" val="1257051223"/>
                     </a:ext>
                   </a:extLst>
                 </a:gridCol>
-                <a:gridCol w="1761134">
+                <a:gridCol w="1742280">
                   <a:extLst>
                     <a:ext uri="{9D8B030D-6E8A-4147-A177-3AD203B41FA5}">
                       <a16:colId xmlns:a16="http://schemas.microsoft.com/office/drawing/2014/main" val="2918621000"/>
                     </a:ext>
                   </a:extLst>
                 </a:gridCol>
-                <a:gridCol w="1761134">
+                <a:gridCol w="1742280">
                   <a:extLst>
                     <a:ext uri="{9D8B030D-6E8A-4147-A177-3AD203B41FA5}">
                       <a16:colId xmlns:a16="http://schemas.microsoft.com/office/drawing/2014/main" val="107609493"/>
@@ -4264,7 +4264,7 @@
                   </a:extLst>
                 </a:gridCol>
               </a:tblGrid>
-              <a:tr h="546088">
+              <a:tr h="746097">
                 <a:tc>
                   <a:txBody>
                     <a:bodyPr/>
@@ -4574,7 +4574,7 @@
                   </a:ext>
                 </a:extLst>
               </a:tr>
-              <a:tr h="417898">
+              <a:tr h="560162">
                 <a:tc>
                   <a:txBody>
                     <a:bodyPr/>
@@ -4815,7 +4815,7 @@
                   </a:ext>
                 </a:extLst>
               </a:tr>
-              <a:tr h="546088">
+              <a:tr h="746097">
                 <a:tc>
                   <a:txBody>
                     <a:bodyPr/>
@@ -5054,7 +5054,7 @@
                   </a:ext>
                 </a:extLst>
               </a:tr>
-              <a:tr h="546088">
+              <a:tr h="746097">
                 <a:tc>
                   <a:txBody>
                     <a:bodyPr/>
@@ -5324,7 +5324,7 @@
                   </a:ext>
                 </a:extLst>
               </a:tr>
-              <a:tr h="802468">
+              <a:tr h="979053">
                 <a:tc>
                   <a:txBody>
                     <a:bodyPr/>
@@ -5557,7 +5557,7 @@
                   </a:ext>
                 </a:extLst>
               </a:tr>
-              <a:tr h="802468">
+              <a:tr h="979053">
                 <a:tc>
                   <a:txBody>
                     <a:bodyPr/>

--- a/BankMarketing.pptx
+++ b/BankMarketing.pptx
@@ -4211,14 +4211,14 @@
           <p:nvPr>
             <p:extLst>
               <p:ext uri="{D42A27DB-BD31-4B8C-83A1-F6EECF244321}">
-                <p14:modId xmlns:p14="http://schemas.microsoft.com/office/powerpoint/2010/main" val="646146264"/>
+                <p14:modId xmlns:p14="http://schemas.microsoft.com/office/powerpoint/2010/main" val="3805671823"/>
               </p:ext>
             </p:extLst>
           </p:nvPr>
         </p:nvGraphicFramePr>
         <p:xfrm>
-          <a:off x="1048624" y="1308683"/>
-          <a:ext cx="6487982" cy="4756559"/>
+          <a:off x="978414" y="1128683"/>
+          <a:ext cx="6558191" cy="4936559"/>
         </p:xfrm>
         <a:graphic>
           <a:graphicData uri="http://schemas.openxmlformats.org/drawingml/2006/table">
@@ -4228,35 +4228,35 @@
                 <a:tableStyleId>{5C22544A-7EE6-4342-B048-85BDC9FD1C3A}</a:tableStyleId>
               </a:tblPr>
               <a:tblGrid>
-                <a:gridCol w="750445">
+                <a:gridCol w="758566">
                   <a:extLst>
                     <a:ext uri="{9D8B030D-6E8A-4147-A177-3AD203B41FA5}">
                       <a16:colId xmlns:a16="http://schemas.microsoft.com/office/drawing/2014/main" val="2780349557"/>
                     </a:ext>
                   </a:extLst>
                 </a:gridCol>
-                <a:gridCol w="1055877">
+                <a:gridCol w="1067303">
                   <a:extLst>
                     <a:ext uri="{9D8B030D-6E8A-4147-A177-3AD203B41FA5}">
                       <a16:colId xmlns:a16="http://schemas.microsoft.com/office/drawing/2014/main" val="1762101800"/>
                     </a:ext>
                   </a:extLst>
                 </a:gridCol>
-                <a:gridCol w="1197100">
+                <a:gridCol w="1210054">
                   <a:extLst>
                     <a:ext uri="{9D8B030D-6E8A-4147-A177-3AD203B41FA5}">
                       <a16:colId xmlns:a16="http://schemas.microsoft.com/office/drawing/2014/main" val="1257051223"/>
                     </a:ext>
                   </a:extLst>
                 </a:gridCol>
-                <a:gridCol w="1742280">
+                <a:gridCol w="1761134">
                   <a:extLst>
                     <a:ext uri="{9D8B030D-6E8A-4147-A177-3AD203B41FA5}">
                       <a16:colId xmlns:a16="http://schemas.microsoft.com/office/drawing/2014/main" val="2918621000"/>
                     </a:ext>
                   </a:extLst>
                 </a:gridCol>
-                <a:gridCol w="1742280">
+                <a:gridCol w="1761134">
                   <a:extLst>
                     <a:ext uri="{9D8B030D-6E8A-4147-A177-3AD203B41FA5}">
                       <a16:colId xmlns:a16="http://schemas.microsoft.com/office/drawing/2014/main" val="107609493"/>
@@ -4264,7 +4264,7 @@
                   </a:extLst>
                 </a:gridCol>
               </a:tblGrid>
-              <a:tr h="746097">
+              <a:tr h="774331">
                 <a:tc>
                   <a:txBody>
                     <a:bodyPr/>
@@ -4574,7 +4574,7 @@
                   </a:ext>
                 </a:extLst>
               </a:tr>
-              <a:tr h="560162">
+              <a:tr h="581360">
                 <a:tc>
                   <a:txBody>
                     <a:bodyPr/>
@@ -4815,7 +4815,7 @@
                   </a:ext>
                 </a:extLst>
               </a:tr>
-              <a:tr h="746097">
+              <a:tr h="774331">
                 <a:tc>
                   <a:txBody>
                     <a:bodyPr/>
@@ -5054,7 +5054,7 @@
                   </a:ext>
                 </a:extLst>
               </a:tr>
-              <a:tr h="746097">
+              <a:tr h="774331">
                 <a:tc>
                   <a:txBody>
                     <a:bodyPr/>
@@ -5324,7 +5324,7 @@
                   </a:ext>
                 </a:extLst>
               </a:tr>
-              <a:tr h="979053">
+              <a:tr h="1016103">
                 <a:tc>
                   <a:txBody>
                     <a:bodyPr/>
@@ -5557,7 +5557,7 @@
                   </a:ext>
                 </a:extLst>
               </a:tr>
-              <a:tr h="979053">
+              <a:tr h="1016103">
                 <a:tc>
                   <a:txBody>
                     <a:bodyPr/>
